--- a/present/present.pptx
+++ b/present/present.pptx
@@ -7,6 +7,11 @@
   <p:sldIdLst>
     <p:sldId id="256" r:id="rId2"/>
     <p:sldId id="257" r:id="rId3"/>
+    <p:sldId id="258" r:id="rId4"/>
+    <p:sldId id="259" r:id="rId5"/>
+    <p:sldId id="262" r:id="rId6"/>
+    <p:sldId id="261" r:id="rId7"/>
+    <p:sldId id="263" r:id="rId8"/>
   </p:sldIdLst>
   <p:sldSz cx="12192000" cy="6858000"/>
   <p:notesSz cx="6858000" cy="9144000"/>
@@ -2989,7 +2994,7 @@
         </p:nvSpPr>
         <p:spPr>
           <a:xfrm>
-            <a:off x="3023958" y="4967909"/>
+            <a:off x="3069678" y="4977053"/>
             <a:ext cx="4546927" cy="338554"/>
           </a:xfrm>
           <a:prstGeom prst="rect">
@@ -3121,7 +3126,7 @@
         </p:nvSpPr>
         <p:spPr>
           <a:xfrm>
-            <a:off x="1149096" y="4197284"/>
+            <a:off x="1194816" y="4206428"/>
             <a:ext cx="4546927" cy="338554"/>
           </a:xfrm>
           <a:prstGeom prst="rect">
@@ -3230,17 +3235,17 @@
           <a:p>
             <a:pPr algn="ctr"/>
             <a:r>
-              <a:rPr lang="ru-RU" sz="2000" b="1" dirty="0" err="1">
-                <a:solidFill>
-                  <a:schemeClr val="tx1"/>
+              <a:rPr lang="ru-RU" sz="2200" b="1" dirty="0" err="1">
+                <a:solidFill>
+                  <a:srgbClr val="6A57A1"/>
                 </a:solidFill>
               </a:rPr>
               <a:t>Чусов</a:t>
             </a:r>
             <a:r>
-              <a:rPr lang="ru-RU" sz="2000" b="1" dirty="0">
-                <a:solidFill>
-                  <a:schemeClr val="tx1"/>
+              <a:rPr lang="ru-RU" sz="2200" b="1" dirty="0">
+                <a:solidFill>
+                  <a:srgbClr val="6A57A1"/>
                 </a:solidFill>
               </a:rPr>
               <a:t> Сергей Андреевич</a:t>
@@ -3253,13 +3258,18 @@
               </a:rPr>
             </a:br>
             <a:r>
-              <a:rPr lang="ru-RU" sz="2000" dirty="0">
-                <a:solidFill>
-                  <a:srgbClr val="366088"/>
+              <a:rPr lang="ru-RU" sz="1800" dirty="0">
+                <a:solidFill>
+                  <a:srgbClr val="6A57A1"/>
                 </a:solidFill>
               </a:rPr>
               <a:t>Инженер по верификации</a:t>
             </a:r>
+            <a:endParaRPr lang="ru-RU" sz="2000" dirty="0">
+              <a:solidFill>
+                <a:srgbClr val="6A57A1"/>
+              </a:solidFill>
+            </a:endParaRPr>
           </a:p>
         </p:txBody>
       </p:sp>
@@ -3279,7 +3289,7 @@
         </p:nvSpPr>
         <p:spPr>
           <a:xfrm>
-            <a:off x="4425522" y="3937014"/>
+            <a:off x="4478862" y="4032861"/>
             <a:ext cx="6581030" cy="428745"/>
           </a:xfrm>
           <a:prstGeom prst="rect">
@@ -3443,8 +3453,8 @@
         </p:blipFill>
         <p:spPr bwMode="auto">
           <a:xfrm>
-            <a:off x="6354144" y="4336060"/>
-            <a:ext cx="3067465" cy="486592"/>
+            <a:off x="6474071" y="4461606"/>
+            <a:ext cx="2693308" cy="427239"/>
           </a:xfrm>
           <a:prstGeom prst="rect">
             <a:avLst/>
@@ -3459,6 +3469,45 @@
               </a14:hiddenFill>
             </a:ext>
           </a:extLst>
+        </p:spPr>
+      </p:pic>
+      <p:pic>
+        <p:nvPicPr>
+          <p:cNvPr id="16" name="Рисунок 15">
+            <a:extLst>
+              <a:ext uri="{FF2B5EF4-FFF2-40B4-BE49-F238E27FC236}">
+                <a16:creationId xmlns:a16="http://schemas.microsoft.com/office/drawing/2014/main" id="{9A92E8B3-BB56-48D3-AB7E-60CE4B597D97}"/>
+              </a:ext>
+            </a:extLst>
+          </p:cNvPr>
+          <p:cNvPicPr>
+            <a:picLocks noChangeAspect="1"/>
+          </p:cNvPicPr>
+          <p:nvPr/>
+        </p:nvPicPr>
+        <p:blipFill>
+          <a:blip r:embed="rId3" cstate="print">
+            <a:extLst>
+              <a:ext uri="{28A0092B-C50C-407E-A947-70E740481C1C}">
+                <a14:useLocalDpi xmlns:a14="http://schemas.microsoft.com/office/drawing/2010/main" val="0"/>
+              </a:ext>
+              <a:ext uri="{96DAC541-7B7A-43D3-8B79-37D633B846F1}">
+                <asvg:svgBlip xmlns:asvg="http://schemas.microsoft.com/office/drawing/2016/SVG/main" r:embed="rId4"/>
+              </a:ext>
+            </a:extLst>
+          </a:blip>
+          <a:stretch>
+            <a:fillRect/>
+          </a:stretch>
+        </p:blipFill>
+        <p:spPr>
+          <a:xfrm>
+            <a:off x="2897657" y="4823385"/>
+            <a:ext cx="1141243" cy="1005380"/>
+          </a:xfrm>
+          <a:prstGeom prst="rect">
+            <a:avLst/>
+          </a:prstGeom>
         </p:spPr>
       </p:pic>
     </p:spTree>
@@ -3506,7 +3555,10 @@
           <a:bodyPr/>
           <a:lstStyle/>
           <a:p>
-            <a:endParaRPr lang="ru-RU" dirty="0"/>
+            <a:r>
+              <a:rPr lang="ru-RU" b="1" dirty="0"/>
+              <a:t>План выступления</a:t>
+            </a:r>
           </a:p>
         </p:txBody>
       </p:sp>
@@ -3520,19 +3572,1348 @@
             <p:ph idx="1"/>
           </p:nvPr>
         </p:nvSpPr>
-        <p:spPr/>
-        <p:txBody>
-          <a:bodyPr/>
-          <a:lstStyle/>
-          <a:p>
-            <a:endParaRPr lang="ru-RU"/>
-          </a:p>
-        </p:txBody>
-      </p:sp>
+        <p:spPr>
+          <a:xfrm>
+            <a:off x="838200" y="1690688"/>
+            <a:ext cx="10515600" cy="4351338"/>
+          </a:xfrm>
+        </p:spPr>
+        <p:txBody>
+          <a:bodyPr>
+            <a:normAutofit/>
+          </a:bodyPr>
+          <a:lstStyle/>
+          <a:p>
+            <a:r>
+              <a:rPr lang="ru-RU" sz="2000" dirty="0">
+                <a:solidFill>
+                  <a:srgbClr val="6A57A1"/>
+                </a:solidFill>
+              </a:rPr>
+              <a:t>Введение в верификацию процессорных ядер</a:t>
+            </a:r>
+          </a:p>
+          <a:p>
+            <a:pPr lvl="1"/>
+            <a:r>
+              <a:rPr lang="ru-RU" sz="1800" dirty="0"/>
+              <a:t>Что такое верификация цифровых устройств</a:t>
+            </a:r>
+          </a:p>
+          <a:p>
+            <a:pPr lvl="1"/>
+            <a:r>
+              <a:rPr lang="ru-RU" sz="1800" dirty="0"/>
+              <a:t>Верификация процессорных ядер</a:t>
+            </a:r>
+            <a:r>
+              <a:rPr lang="en-US" sz="1800" dirty="0"/>
+              <a:t>:</a:t>
+            </a:r>
+            <a:r>
+              <a:rPr lang="ru-RU" sz="1800" dirty="0"/>
+              <a:t> основные сложности</a:t>
+            </a:r>
+            <a:endParaRPr lang="ru-RU" sz="1600" dirty="0"/>
+          </a:p>
+          <a:p>
+            <a:r>
+              <a:rPr lang="ru-RU" sz="2000" dirty="0">
+                <a:solidFill>
+                  <a:srgbClr val="6A57A1"/>
+                </a:solidFill>
+              </a:rPr>
+              <a:t>Верификация RISC-V </a:t>
+            </a:r>
+          </a:p>
+          <a:p>
+            <a:pPr lvl="1"/>
+            <a:r>
+              <a:rPr lang="ru-RU" sz="1800" dirty="0"/>
+              <a:t>Архитектура RISC-V</a:t>
+            </a:r>
+          </a:p>
+          <a:p>
+            <a:pPr lvl="1"/>
+            <a:r>
+              <a:rPr lang="ru-RU" sz="1800" dirty="0"/>
+              <a:t>Верификация с учетом особенностей</a:t>
+            </a:r>
+            <a:endParaRPr lang="ru-RU" sz="1800" dirty="0">
+              <a:solidFill>
+                <a:srgbClr val="6A57A1"/>
+              </a:solidFill>
+            </a:endParaRPr>
+          </a:p>
+          <a:p>
+            <a:r>
+              <a:rPr lang="ru-RU" sz="2000" dirty="0">
+                <a:solidFill>
+                  <a:srgbClr val="6A57A1"/>
+                </a:solidFill>
+              </a:rPr>
+              <a:t>Типы верификации и их применимость для RISC-V ядер</a:t>
+            </a:r>
+          </a:p>
+          <a:p>
+            <a:pPr lvl="1"/>
+            <a:r>
+              <a:rPr lang="ru-RU" sz="1800" dirty="0"/>
+              <a:t>Формальная верификация и симуляция</a:t>
+            </a:r>
+          </a:p>
+          <a:p>
+            <a:pPr lvl="1"/>
+            <a:r>
+              <a:rPr lang="ru-RU" sz="1800" dirty="0"/>
+              <a:t>Применимость типов</a:t>
+            </a:r>
+            <a:endParaRPr lang="ru-RU" sz="1800" dirty="0">
+              <a:solidFill>
+                <a:srgbClr val="6A57A1"/>
+              </a:solidFill>
+            </a:endParaRPr>
+          </a:p>
+          <a:p>
+            <a:r>
+              <a:rPr lang="ru-RU" sz="2000" dirty="0">
+                <a:solidFill>
+                  <a:srgbClr val="6A57A1"/>
+                </a:solidFill>
+              </a:rPr>
+              <a:t>Верификация на основе симуляции и ее типы</a:t>
+            </a:r>
+          </a:p>
+          <a:p>
+            <a:r>
+              <a:rPr lang="ru-RU" sz="2000" dirty="0">
+                <a:solidFill>
+                  <a:srgbClr val="6A57A1"/>
+                </a:solidFill>
+              </a:rPr>
+              <a:t>Интерфейсы RVFI и RVVI </a:t>
+            </a:r>
+          </a:p>
+          <a:p>
+            <a:r>
+              <a:rPr lang="ru-RU" sz="2000" dirty="0">
+                <a:solidFill>
+                  <a:srgbClr val="6A57A1"/>
+                </a:solidFill>
+              </a:rPr>
+              <a:t>Оценка вектора развития верификации RISC-V ядер</a:t>
+            </a:r>
+          </a:p>
+        </p:txBody>
+      </p:sp>
+      <p:pic>
+        <p:nvPicPr>
+          <p:cNvPr id="7" name="Рисунок 6">
+            <a:extLst>
+              <a:ext uri="{FF2B5EF4-FFF2-40B4-BE49-F238E27FC236}">
+                <a16:creationId xmlns:a16="http://schemas.microsoft.com/office/drawing/2014/main" id="{99F46F62-8327-486B-BBD2-293E15860E24}"/>
+              </a:ext>
+            </a:extLst>
+          </p:cNvPr>
+          <p:cNvPicPr>
+            <a:picLocks noChangeAspect="1"/>
+          </p:cNvPicPr>
+          <p:nvPr/>
+        </p:nvPicPr>
+        <p:blipFill>
+          <a:blip r:embed="rId2">
+            <a:extLst>
+              <a:ext uri="{28A0092B-C50C-407E-A947-70E740481C1C}">
+                <a14:useLocalDpi xmlns:a14="http://schemas.microsoft.com/office/drawing/2010/main" val="0"/>
+              </a:ext>
+              <a:ext uri="{96DAC541-7B7A-43D3-8B79-37D633B846F1}">
+                <asvg:svgBlip xmlns:asvg="http://schemas.microsoft.com/office/drawing/2016/SVG/main" r:embed="rId3"/>
+              </a:ext>
+            </a:extLst>
+          </a:blip>
+          <a:stretch>
+            <a:fillRect/>
+          </a:stretch>
+        </p:blipFill>
+        <p:spPr>
+          <a:xfrm>
+            <a:off x="7924800" y="2151857"/>
+            <a:ext cx="3429000" cy="3429000"/>
+          </a:xfrm>
+          <a:prstGeom prst="rect">
+            <a:avLst/>
+          </a:prstGeom>
+        </p:spPr>
+      </p:pic>
     </p:spTree>
     <p:extLst>
       <p:ext uri="{BB962C8B-B14F-4D97-AF65-F5344CB8AC3E}">
         <p14:creationId xmlns:p14="http://schemas.microsoft.com/office/powerpoint/2010/main" val="2106401004"/>
+      </p:ext>
+    </p:extLst>
+  </p:cSld>
+  <p:clrMapOvr>
+    <a:masterClrMapping/>
+  </p:clrMapOvr>
+</p:sld>
+</file>
+
+<file path=ppt/slides/slide3.xml><?xml version="1.0" encoding="utf-8"?>
+<p:sld xmlns:a="http://schemas.openxmlformats.org/drawingml/2006/main" xmlns:r="http://schemas.openxmlformats.org/officeDocument/2006/relationships" xmlns:p="http://schemas.openxmlformats.org/presentationml/2006/main">
+  <p:cSld>
+    <p:spTree>
+      <p:nvGrpSpPr>
+        <p:cNvPr id="1" name=""/>
+        <p:cNvGrpSpPr/>
+        <p:nvPr/>
+      </p:nvGrpSpPr>
+      <p:grpSpPr>
+        <a:xfrm>
+          <a:off x="0" y="0"/>
+          <a:ext cx="0" cy="0"/>
+          <a:chOff x="0" y="0"/>
+          <a:chExt cx="0" cy="0"/>
+        </a:xfrm>
+      </p:grpSpPr>
+      <p:sp>
+        <p:nvSpPr>
+          <p:cNvPr id="2" name="Заголовок 1"/>
+          <p:cNvSpPr>
+            <a:spLocks noGrp="1"/>
+          </p:cNvSpPr>
+          <p:nvPr>
+            <p:ph type="title"/>
+          </p:nvPr>
+        </p:nvSpPr>
+        <p:spPr/>
+        <p:txBody>
+          <a:bodyPr>
+            <a:normAutofit/>
+          </a:bodyPr>
+          <a:lstStyle/>
+          <a:p>
+            <a:r>
+              <a:rPr lang="ru-RU" sz="2400" dirty="0">
+                <a:solidFill>
+                  <a:srgbClr val="6A57A1"/>
+                </a:solidFill>
+              </a:rPr>
+              <a:t>Введение в верификацию процессорных ядер</a:t>
+            </a:r>
+            <a:br>
+              <a:rPr lang="en-US" sz="2800" dirty="0">
+                <a:solidFill>
+                  <a:srgbClr val="6A57A1"/>
+                </a:solidFill>
+              </a:rPr>
+            </a:br>
+            <a:r>
+              <a:rPr lang="ru-RU" sz="4000" b="1" dirty="0"/>
+              <a:t>Что такое верификация цифровых устройств</a:t>
+            </a:r>
+            <a:endParaRPr lang="ru-RU" sz="2800" b="1" dirty="0"/>
+          </a:p>
+        </p:txBody>
+      </p:sp>
+      <p:pic>
+        <p:nvPicPr>
+          <p:cNvPr id="13" name="Рисунок 12">
+            <a:extLst>
+              <a:ext uri="{FF2B5EF4-FFF2-40B4-BE49-F238E27FC236}">
+                <a16:creationId xmlns:a16="http://schemas.microsoft.com/office/drawing/2014/main" id="{502E15C9-B993-402E-BBE3-761E84AFEA56}"/>
+              </a:ext>
+            </a:extLst>
+          </p:cNvPr>
+          <p:cNvPicPr>
+            <a:picLocks noChangeAspect="1"/>
+          </p:cNvPicPr>
+          <p:nvPr/>
+        </p:nvPicPr>
+        <p:blipFill>
+          <a:blip r:embed="rId2">
+            <a:extLst>
+              <a:ext uri="{28A0092B-C50C-407E-A947-70E740481C1C}">
+                <a14:useLocalDpi xmlns:a14="http://schemas.microsoft.com/office/drawing/2010/main" val="0"/>
+              </a:ext>
+              <a:ext uri="{96DAC541-7B7A-43D3-8B79-37D633B846F1}">
+                <asvg:svgBlip xmlns:asvg="http://schemas.microsoft.com/office/drawing/2016/SVG/main" r:embed="rId3"/>
+              </a:ext>
+            </a:extLst>
+          </a:blip>
+          <a:stretch>
+            <a:fillRect/>
+          </a:stretch>
+        </p:blipFill>
+        <p:spPr>
+          <a:xfrm>
+            <a:off x="3186112" y="1876425"/>
+            <a:ext cx="5819775" cy="4229100"/>
+          </a:xfrm>
+          <a:prstGeom prst="rect">
+            <a:avLst/>
+          </a:prstGeom>
+        </p:spPr>
+      </p:pic>
+    </p:spTree>
+    <p:extLst>
+      <p:ext uri="{BB962C8B-B14F-4D97-AF65-F5344CB8AC3E}">
+        <p14:creationId xmlns:p14="http://schemas.microsoft.com/office/powerpoint/2010/main" val="3988229618"/>
+      </p:ext>
+    </p:extLst>
+  </p:cSld>
+  <p:clrMapOvr>
+    <a:masterClrMapping/>
+  </p:clrMapOvr>
+</p:sld>
+</file>
+
+<file path=ppt/slides/slide4.xml><?xml version="1.0" encoding="utf-8"?>
+<p:sld xmlns:a="http://schemas.openxmlformats.org/drawingml/2006/main" xmlns:r="http://schemas.openxmlformats.org/officeDocument/2006/relationships" xmlns:p="http://schemas.openxmlformats.org/presentationml/2006/main">
+  <p:cSld>
+    <p:spTree>
+      <p:nvGrpSpPr>
+        <p:cNvPr id="1" name=""/>
+        <p:cNvGrpSpPr/>
+        <p:nvPr/>
+      </p:nvGrpSpPr>
+      <p:grpSpPr>
+        <a:xfrm>
+          <a:off x="0" y="0"/>
+          <a:ext cx="0" cy="0"/>
+          <a:chOff x="0" y="0"/>
+          <a:chExt cx="0" cy="0"/>
+        </a:xfrm>
+      </p:grpSpPr>
+      <p:pic>
+        <p:nvPicPr>
+          <p:cNvPr id="11" name="Рисунок 10">
+            <a:extLst>
+              <a:ext uri="{FF2B5EF4-FFF2-40B4-BE49-F238E27FC236}">
+                <a16:creationId xmlns:a16="http://schemas.microsoft.com/office/drawing/2014/main" id="{A9FD4EE1-C622-4636-89D7-4C10EA6696C2}"/>
+              </a:ext>
+            </a:extLst>
+          </p:cNvPr>
+          <p:cNvPicPr>
+            <a:picLocks noChangeAspect="1"/>
+          </p:cNvPicPr>
+          <p:nvPr/>
+        </p:nvPicPr>
+        <p:blipFill>
+          <a:blip r:embed="rId2">
+            <a:extLst>
+              <a:ext uri="{28A0092B-C50C-407E-A947-70E740481C1C}">
+                <a14:useLocalDpi xmlns:a14="http://schemas.microsoft.com/office/drawing/2010/main" val="0"/>
+              </a:ext>
+              <a:ext uri="{96DAC541-7B7A-43D3-8B79-37D633B846F1}">
+                <asvg:svgBlip xmlns:asvg="http://schemas.microsoft.com/office/drawing/2016/SVG/main" r:embed="rId3"/>
+              </a:ext>
+            </a:extLst>
+          </a:blip>
+          <a:stretch>
+            <a:fillRect/>
+          </a:stretch>
+        </p:blipFill>
+        <p:spPr>
+          <a:xfrm>
+            <a:off x="3186112" y="1876425"/>
+            <a:ext cx="5819775" cy="4229100"/>
+          </a:xfrm>
+          <a:prstGeom prst="rect">
+            <a:avLst/>
+          </a:prstGeom>
+        </p:spPr>
+      </p:pic>
+      <p:sp>
+        <p:nvSpPr>
+          <p:cNvPr id="2" name="Заголовок 1"/>
+          <p:cNvSpPr>
+            <a:spLocks noGrp="1"/>
+          </p:cNvSpPr>
+          <p:nvPr>
+            <p:ph type="title"/>
+          </p:nvPr>
+        </p:nvSpPr>
+        <p:spPr/>
+        <p:txBody>
+          <a:bodyPr>
+            <a:normAutofit/>
+          </a:bodyPr>
+          <a:lstStyle/>
+          <a:p>
+            <a:r>
+              <a:rPr lang="ru-RU" sz="2400" dirty="0">
+                <a:solidFill>
+                  <a:srgbClr val="6A57A1"/>
+                </a:solidFill>
+              </a:rPr>
+              <a:t>Введение в верификацию процессорных ядер</a:t>
+            </a:r>
+            <a:br>
+              <a:rPr lang="en-US" sz="2800" dirty="0">
+                <a:solidFill>
+                  <a:srgbClr val="6A57A1"/>
+                </a:solidFill>
+              </a:rPr>
+            </a:br>
+            <a:r>
+              <a:rPr lang="ru-RU" sz="4000" b="1" dirty="0"/>
+              <a:t>Что такое верификация цифровых устройств</a:t>
+            </a:r>
+            <a:endParaRPr lang="ru-RU" sz="2800" b="1" dirty="0"/>
+          </a:p>
+        </p:txBody>
+      </p:sp>
+    </p:spTree>
+    <p:extLst>
+      <p:ext uri="{BB962C8B-B14F-4D97-AF65-F5344CB8AC3E}">
+        <p14:creationId xmlns:p14="http://schemas.microsoft.com/office/powerpoint/2010/main" val="2783429353"/>
+      </p:ext>
+    </p:extLst>
+  </p:cSld>
+  <p:clrMapOvr>
+    <a:masterClrMapping/>
+  </p:clrMapOvr>
+</p:sld>
+</file>
+
+<file path=ppt/slides/slide5.xml><?xml version="1.0" encoding="utf-8"?>
+<p:sld xmlns:a="http://schemas.openxmlformats.org/drawingml/2006/main" xmlns:r="http://schemas.openxmlformats.org/officeDocument/2006/relationships" xmlns:p="http://schemas.openxmlformats.org/presentationml/2006/main">
+  <p:cSld>
+    <p:spTree>
+      <p:nvGrpSpPr>
+        <p:cNvPr id="1" name=""/>
+        <p:cNvGrpSpPr/>
+        <p:nvPr/>
+      </p:nvGrpSpPr>
+      <p:grpSpPr>
+        <a:xfrm>
+          <a:off x="0" y="0"/>
+          <a:ext cx="0" cy="0"/>
+          <a:chOff x="0" y="0"/>
+          <a:chExt cx="0" cy="0"/>
+        </a:xfrm>
+      </p:grpSpPr>
+      <p:pic>
+        <p:nvPicPr>
+          <p:cNvPr id="11" name="Рисунок 10">
+            <a:extLst>
+              <a:ext uri="{FF2B5EF4-FFF2-40B4-BE49-F238E27FC236}">
+                <a16:creationId xmlns:a16="http://schemas.microsoft.com/office/drawing/2014/main" id="{A9FD4EE1-C622-4636-89D7-4C10EA6696C2}"/>
+              </a:ext>
+            </a:extLst>
+          </p:cNvPr>
+          <p:cNvPicPr>
+            <a:picLocks noChangeAspect="1"/>
+          </p:cNvPicPr>
+          <p:nvPr/>
+        </p:nvPicPr>
+        <p:blipFill>
+          <a:blip r:embed="rId2">
+            <a:extLst>
+              <a:ext uri="{28A0092B-C50C-407E-A947-70E740481C1C}">
+                <a14:useLocalDpi xmlns:a14="http://schemas.microsoft.com/office/drawing/2010/main" val="0"/>
+              </a:ext>
+              <a:ext uri="{96DAC541-7B7A-43D3-8B79-37D633B846F1}">
+                <asvg:svgBlip xmlns:asvg="http://schemas.microsoft.com/office/drawing/2016/SVG/main" r:embed="rId3"/>
+              </a:ext>
+            </a:extLst>
+          </a:blip>
+          <a:stretch>
+            <a:fillRect/>
+          </a:stretch>
+        </p:blipFill>
+        <p:spPr>
+          <a:xfrm>
+            <a:off x="5834061" y="1866900"/>
+            <a:ext cx="5819775" cy="4229100"/>
+          </a:xfrm>
+          <a:prstGeom prst="rect">
+            <a:avLst/>
+          </a:prstGeom>
+        </p:spPr>
+      </p:pic>
+      <p:sp>
+        <p:nvSpPr>
+          <p:cNvPr id="2" name="Заголовок 1"/>
+          <p:cNvSpPr>
+            <a:spLocks noGrp="1"/>
+          </p:cNvSpPr>
+          <p:nvPr>
+            <p:ph type="title"/>
+          </p:nvPr>
+        </p:nvSpPr>
+        <p:spPr/>
+        <p:txBody>
+          <a:bodyPr>
+            <a:normAutofit/>
+          </a:bodyPr>
+          <a:lstStyle/>
+          <a:p>
+            <a:r>
+              <a:rPr lang="ru-RU" sz="2400" dirty="0">
+                <a:solidFill>
+                  <a:srgbClr val="6A57A1"/>
+                </a:solidFill>
+              </a:rPr>
+              <a:t>Введение в верификацию процессорных ядер</a:t>
+            </a:r>
+            <a:br>
+              <a:rPr lang="en-US" sz="2800" dirty="0">
+                <a:solidFill>
+                  <a:srgbClr val="6A57A1"/>
+                </a:solidFill>
+              </a:rPr>
+            </a:br>
+            <a:r>
+              <a:rPr lang="ru-RU" sz="4000" b="1" dirty="0"/>
+              <a:t>Что такое верификация цифровых устройств</a:t>
+            </a:r>
+            <a:endParaRPr lang="ru-RU" sz="2800" b="1" dirty="0"/>
+          </a:p>
+        </p:txBody>
+      </p:sp>
+    </p:spTree>
+    <p:extLst>
+      <p:ext uri="{BB962C8B-B14F-4D97-AF65-F5344CB8AC3E}">
+        <p14:creationId xmlns:p14="http://schemas.microsoft.com/office/powerpoint/2010/main" val="1838700834"/>
+      </p:ext>
+    </p:extLst>
+  </p:cSld>
+  <p:clrMapOvr>
+    <a:masterClrMapping/>
+  </p:clrMapOvr>
+</p:sld>
+</file>
+
+<file path=ppt/slides/slide6.xml><?xml version="1.0" encoding="utf-8"?>
+<p:sld xmlns:a="http://schemas.openxmlformats.org/drawingml/2006/main" xmlns:r="http://schemas.openxmlformats.org/officeDocument/2006/relationships" xmlns:p="http://schemas.openxmlformats.org/presentationml/2006/main">
+  <p:cSld>
+    <p:spTree>
+      <p:nvGrpSpPr>
+        <p:cNvPr id="1" name=""/>
+        <p:cNvGrpSpPr/>
+        <p:nvPr/>
+      </p:nvGrpSpPr>
+      <p:grpSpPr>
+        <a:xfrm>
+          <a:off x="0" y="0"/>
+          <a:ext cx="0" cy="0"/>
+          <a:chOff x="0" y="0"/>
+          <a:chExt cx="0" cy="0"/>
+        </a:xfrm>
+      </p:grpSpPr>
+      <p:pic>
+        <p:nvPicPr>
+          <p:cNvPr id="5" name="Рисунок 4">
+            <a:extLst>
+              <a:ext uri="{FF2B5EF4-FFF2-40B4-BE49-F238E27FC236}">
+                <a16:creationId xmlns:a16="http://schemas.microsoft.com/office/drawing/2014/main" id="{0E84A95F-DC48-4C91-8590-FAC8C449A4C2}"/>
+              </a:ext>
+            </a:extLst>
+          </p:cNvPr>
+          <p:cNvPicPr>
+            <a:picLocks noChangeAspect="1"/>
+          </p:cNvPicPr>
+          <p:nvPr/>
+        </p:nvPicPr>
+        <p:blipFill>
+          <a:blip r:embed="rId2">
+            <a:extLst>
+              <a:ext uri="{28A0092B-C50C-407E-A947-70E740481C1C}">
+                <a14:useLocalDpi xmlns:a14="http://schemas.microsoft.com/office/drawing/2010/main" val="0"/>
+              </a:ext>
+              <a:ext uri="{96DAC541-7B7A-43D3-8B79-37D633B846F1}">
+                <asvg:svgBlip xmlns:asvg="http://schemas.microsoft.com/office/drawing/2016/SVG/main" r:embed="rId3"/>
+              </a:ext>
+            </a:extLst>
+          </a:blip>
+          <a:stretch>
+            <a:fillRect/>
+          </a:stretch>
+        </p:blipFill>
+        <p:spPr>
+          <a:xfrm>
+            <a:off x="212400" y="1868400"/>
+            <a:ext cx="11430000" cy="4229100"/>
+          </a:xfrm>
+          <a:prstGeom prst="rect">
+            <a:avLst/>
+          </a:prstGeom>
+        </p:spPr>
+      </p:pic>
+      <p:sp>
+        <p:nvSpPr>
+          <p:cNvPr id="2" name="Заголовок 1"/>
+          <p:cNvSpPr>
+            <a:spLocks noGrp="1"/>
+          </p:cNvSpPr>
+          <p:nvPr>
+            <p:ph type="title"/>
+          </p:nvPr>
+        </p:nvSpPr>
+        <p:spPr/>
+        <p:txBody>
+          <a:bodyPr>
+            <a:normAutofit/>
+          </a:bodyPr>
+          <a:lstStyle/>
+          <a:p>
+            <a:r>
+              <a:rPr lang="ru-RU" sz="2400" dirty="0">
+                <a:solidFill>
+                  <a:srgbClr val="6A57A1"/>
+                </a:solidFill>
+              </a:rPr>
+              <a:t>Введение в верификацию процессорных ядер</a:t>
+            </a:r>
+            <a:br>
+              <a:rPr lang="en-US" sz="2800" dirty="0">
+                <a:solidFill>
+                  <a:srgbClr val="6A57A1"/>
+                </a:solidFill>
+              </a:rPr>
+            </a:br>
+            <a:r>
+              <a:rPr lang="ru-RU" sz="4000" b="1" dirty="0"/>
+              <a:t>Что такое верификация цифровых устройств</a:t>
+            </a:r>
+            <a:endParaRPr lang="ru-RU" sz="2800" b="1" dirty="0"/>
+          </a:p>
+        </p:txBody>
+      </p:sp>
+      <p:sp>
+        <p:nvSpPr>
+          <p:cNvPr id="4" name="Текст 3">
+            <a:extLst>
+              <a:ext uri="{FF2B5EF4-FFF2-40B4-BE49-F238E27FC236}">
+                <a16:creationId xmlns:a16="http://schemas.microsoft.com/office/drawing/2014/main" id="{B884EE1B-75DA-4C23-9191-87F3F4732B1C}"/>
+              </a:ext>
+            </a:extLst>
+          </p:cNvPr>
+          <p:cNvSpPr txBox="1">
+            <a:spLocks/>
+          </p:cNvSpPr>
+          <p:nvPr/>
+        </p:nvSpPr>
+        <p:spPr>
+          <a:xfrm>
+            <a:off x="423863" y="4872575"/>
+            <a:ext cx="5263606" cy="680593"/>
+          </a:xfrm>
+          <a:prstGeom prst="rect">
+            <a:avLst/>
+          </a:prstGeom>
+        </p:spPr>
+        <p:txBody>
+          <a:bodyPr/>
+          <a:lstStyle>
+            <a:lvl1pPr marL="0" indent="0" algn="l" defTabSz="914400" rtl="0" eaLnBrk="1" latinLnBrk="0" hangingPunct="1">
+              <a:lnSpc>
+                <a:spcPct val="90000"/>
+              </a:lnSpc>
+              <a:spcBef>
+                <a:spcPts val="1000"/>
+              </a:spcBef>
+              <a:buFont typeface="Arial" panose="020B0604020202020204" pitchFamily="34" charset="0"/>
+              <a:buNone/>
+              <a:defRPr sz="1500" b="0" i="0" kern="1200">
+                <a:solidFill>
+                  <a:schemeClr val="tx1"/>
+                </a:solidFill>
+                <a:latin typeface="Proxima Nova Rg" panose="02000506030000020004" pitchFamily="2" charset="0"/>
+                <a:ea typeface="+mn-ea"/>
+                <a:cs typeface="+mn-cs"/>
+              </a:defRPr>
+            </a:lvl1pPr>
+            <a:lvl2pPr marL="685800" indent="-228600" algn="l" defTabSz="914400" rtl="0" eaLnBrk="1" latinLnBrk="0" hangingPunct="1">
+              <a:lnSpc>
+                <a:spcPct val="90000"/>
+              </a:lnSpc>
+              <a:spcBef>
+                <a:spcPts val="500"/>
+              </a:spcBef>
+              <a:buFont typeface="Arial" panose="020B0604020202020204" pitchFamily="34" charset="0"/>
+              <a:buChar char="•"/>
+              <a:defRPr sz="2400" kern="1200">
+                <a:solidFill>
+                  <a:schemeClr val="tx1"/>
+                </a:solidFill>
+                <a:latin typeface="+mn-lt"/>
+                <a:ea typeface="+mn-ea"/>
+                <a:cs typeface="+mn-cs"/>
+              </a:defRPr>
+            </a:lvl2pPr>
+            <a:lvl3pPr marL="1143000" indent="-228600" algn="l" defTabSz="914400" rtl="0" eaLnBrk="1" latinLnBrk="0" hangingPunct="1">
+              <a:lnSpc>
+                <a:spcPct val="90000"/>
+              </a:lnSpc>
+              <a:spcBef>
+                <a:spcPts val="500"/>
+              </a:spcBef>
+              <a:buFont typeface="Arial" panose="020B0604020202020204" pitchFamily="34" charset="0"/>
+              <a:buChar char="•"/>
+              <a:defRPr sz="2000" kern="1200">
+                <a:solidFill>
+                  <a:schemeClr val="tx1"/>
+                </a:solidFill>
+                <a:latin typeface="+mn-lt"/>
+                <a:ea typeface="+mn-ea"/>
+                <a:cs typeface="+mn-cs"/>
+              </a:defRPr>
+            </a:lvl3pPr>
+            <a:lvl4pPr marL="1600200" indent="-228600" algn="l" defTabSz="914400" rtl="0" eaLnBrk="1" latinLnBrk="0" hangingPunct="1">
+              <a:lnSpc>
+                <a:spcPct val="90000"/>
+              </a:lnSpc>
+              <a:spcBef>
+                <a:spcPts val="500"/>
+              </a:spcBef>
+              <a:buFont typeface="Arial" panose="020B0604020202020204" pitchFamily="34" charset="0"/>
+              <a:buChar char="•"/>
+              <a:defRPr sz="1800" kern="1200">
+                <a:solidFill>
+                  <a:schemeClr val="tx1"/>
+                </a:solidFill>
+                <a:latin typeface="+mn-lt"/>
+                <a:ea typeface="+mn-ea"/>
+                <a:cs typeface="+mn-cs"/>
+              </a:defRPr>
+            </a:lvl4pPr>
+            <a:lvl5pPr marL="2057400" indent="-228600" algn="l" defTabSz="914400" rtl="0" eaLnBrk="1" latinLnBrk="0" hangingPunct="1">
+              <a:lnSpc>
+                <a:spcPct val="90000"/>
+              </a:lnSpc>
+              <a:spcBef>
+                <a:spcPts val="500"/>
+              </a:spcBef>
+              <a:buFont typeface="Arial" panose="020B0604020202020204" pitchFamily="34" charset="0"/>
+              <a:buChar char="•"/>
+              <a:defRPr sz="1800" kern="1200">
+                <a:solidFill>
+                  <a:schemeClr val="tx1"/>
+                </a:solidFill>
+                <a:latin typeface="+mn-lt"/>
+                <a:ea typeface="+mn-ea"/>
+                <a:cs typeface="+mn-cs"/>
+              </a:defRPr>
+            </a:lvl5pPr>
+            <a:lvl6pPr marL="2514600" indent="-228600" algn="l" defTabSz="914400" rtl="0" eaLnBrk="1" latinLnBrk="0" hangingPunct="1">
+              <a:lnSpc>
+                <a:spcPct val="90000"/>
+              </a:lnSpc>
+              <a:spcBef>
+                <a:spcPts val="500"/>
+              </a:spcBef>
+              <a:buFont typeface="Arial" panose="020B0604020202020204" pitchFamily="34" charset="0"/>
+              <a:buChar char="•"/>
+              <a:defRPr sz="1800" kern="1200">
+                <a:solidFill>
+                  <a:schemeClr val="tx1"/>
+                </a:solidFill>
+                <a:latin typeface="+mn-lt"/>
+                <a:ea typeface="+mn-ea"/>
+                <a:cs typeface="+mn-cs"/>
+              </a:defRPr>
+            </a:lvl6pPr>
+            <a:lvl7pPr marL="2971800" indent="-228600" algn="l" defTabSz="914400" rtl="0" eaLnBrk="1" latinLnBrk="0" hangingPunct="1">
+              <a:lnSpc>
+                <a:spcPct val="90000"/>
+              </a:lnSpc>
+              <a:spcBef>
+                <a:spcPts val="500"/>
+              </a:spcBef>
+              <a:buFont typeface="Arial" panose="020B0604020202020204" pitchFamily="34" charset="0"/>
+              <a:buChar char="•"/>
+              <a:defRPr sz="1800" kern="1200">
+                <a:solidFill>
+                  <a:schemeClr val="tx1"/>
+                </a:solidFill>
+                <a:latin typeface="+mn-lt"/>
+                <a:ea typeface="+mn-ea"/>
+                <a:cs typeface="+mn-cs"/>
+              </a:defRPr>
+            </a:lvl7pPr>
+            <a:lvl8pPr marL="3429000" indent="-228600" algn="l" defTabSz="914400" rtl="0" eaLnBrk="1" latinLnBrk="0" hangingPunct="1">
+              <a:lnSpc>
+                <a:spcPct val="90000"/>
+              </a:lnSpc>
+              <a:spcBef>
+                <a:spcPts val="500"/>
+              </a:spcBef>
+              <a:buFont typeface="Arial" panose="020B0604020202020204" pitchFamily="34" charset="0"/>
+              <a:buChar char="•"/>
+              <a:defRPr sz="1800" kern="1200">
+                <a:solidFill>
+                  <a:schemeClr val="tx1"/>
+                </a:solidFill>
+                <a:latin typeface="+mn-lt"/>
+                <a:ea typeface="+mn-ea"/>
+                <a:cs typeface="+mn-cs"/>
+              </a:defRPr>
+            </a:lvl8pPr>
+            <a:lvl9pPr marL="3886200" indent="-228600" algn="l" defTabSz="914400" rtl="0" eaLnBrk="1" latinLnBrk="0" hangingPunct="1">
+              <a:lnSpc>
+                <a:spcPct val="90000"/>
+              </a:lnSpc>
+              <a:spcBef>
+                <a:spcPts val="500"/>
+              </a:spcBef>
+              <a:buFont typeface="Arial" panose="020B0604020202020204" pitchFamily="34" charset="0"/>
+              <a:buChar char="•"/>
+              <a:defRPr sz="1800" kern="1200">
+                <a:solidFill>
+                  <a:schemeClr val="tx1"/>
+                </a:solidFill>
+                <a:latin typeface="+mn-lt"/>
+                <a:ea typeface="+mn-ea"/>
+                <a:cs typeface="+mn-cs"/>
+              </a:defRPr>
+            </a:lvl9pPr>
+          </a:lstStyle>
+          <a:p>
+            <a:pPr algn="just"/>
+            <a:r>
+              <a:rPr lang="ru-RU" sz="1600" b="1" dirty="0"/>
+              <a:t>Спецификация </a:t>
+            </a:r>
+            <a:r>
+              <a:rPr lang="ru-RU" sz="1600" dirty="0"/>
+              <a:t>– к набор задокументированных</a:t>
+            </a:r>
+            <a:br>
+              <a:rPr lang="ru-RU" sz="1600" dirty="0"/>
+            </a:br>
+            <a:r>
+              <a:rPr lang="ru-RU" sz="1600" dirty="0"/>
+              <a:t>требований, которым должен удовлетворять продукт.</a:t>
+            </a:r>
+          </a:p>
+        </p:txBody>
+      </p:sp>
+    </p:spTree>
+    <p:extLst>
+      <p:ext uri="{BB962C8B-B14F-4D97-AF65-F5344CB8AC3E}">
+        <p14:creationId xmlns:p14="http://schemas.microsoft.com/office/powerpoint/2010/main" val="1560404655"/>
+      </p:ext>
+    </p:extLst>
+  </p:cSld>
+  <p:clrMapOvr>
+    <a:masterClrMapping/>
+  </p:clrMapOvr>
+</p:sld>
+</file>
+
+<file path=ppt/slides/slide7.xml><?xml version="1.0" encoding="utf-8"?>
+<p:sld xmlns:a="http://schemas.openxmlformats.org/drawingml/2006/main" xmlns:r="http://schemas.openxmlformats.org/officeDocument/2006/relationships" xmlns:p="http://schemas.openxmlformats.org/presentationml/2006/main">
+  <p:cSld>
+    <p:spTree>
+      <p:nvGrpSpPr>
+        <p:cNvPr id="1" name=""/>
+        <p:cNvGrpSpPr/>
+        <p:nvPr/>
+      </p:nvGrpSpPr>
+      <p:grpSpPr>
+        <a:xfrm>
+          <a:off x="0" y="0"/>
+          <a:ext cx="0" cy="0"/>
+          <a:chOff x="0" y="0"/>
+          <a:chExt cx="0" cy="0"/>
+        </a:xfrm>
+      </p:grpSpPr>
+      <p:pic>
+        <p:nvPicPr>
+          <p:cNvPr id="5" name="Рисунок 4">
+            <a:extLst>
+              <a:ext uri="{FF2B5EF4-FFF2-40B4-BE49-F238E27FC236}">
+                <a16:creationId xmlns:a16="http://schemas.microsoft.com/office/drawing/2014/main" id="{F894D286-383C-4984-A4C2-224E33AA09ED}"/>
+              </a:ext>
+            </a:extLst>
+          </p:cNvPr>
+          <p:cNvPicPr>
+            <a:picLocks noChangeAspect="1"/>
+          </p:cNvPicPr>
+          <p:nvPr/>
+        </p:nvPicPr>
+        <p:blipFill>
+          <a:blip r:embed="rId2">
+            <a:extLst>
+              <a:ext uri="{28A0092B-C50C-407E-A947-70E740481C1C}">
+                <a14:useLocalDpi xmlns:a14="http://schemas.microsoft.com/office/drawing/2010/main" val="0"/>
+              </a:ext>
+              <a:ext uri="{96DAC541-7B7A-43D3-8B79-37D633B846F1}">
+                <asvg:svgBlip xmlns:asvg="http://schemas.microsoft.com/office/drawing/2016/SVG/main" r:embed="rId3"/>
+              </a:ext>
+            </a:extLst>
+          </a:blip>
+          <a:stretch>
+            <a:fillRect/>
+          </a:stretch>
+        </p:blipFill>
+        <p:spPr>
+          <a:xfrm>
+            <a:off x="212400" y="1866900"/>
+            <a:ext cx="11430000" cy="4229100"/>
+          </a:xfrm>
+          <a:prstGeom prst="rect">
+            <a:avLst/>
+          </a:prstGeom>
+        </p:spPr>
+      </p:pic>
+      <p:sp>
+        <p:nvSpPr>
+          <p:cNvPr id="2" name="Заголовок 1"/>
+          <p:cNvSpPr>
+            <a:spLocks noGrp="1"/>
+          </p:cNvSpPr>
+          <p:nvPr>
+            <p:ph type="title"/>
+          </p:nvPr>
+        </p:nvSpPr>
+        <p:spPr/>
+        <p:txBody>
+          <a:bodyPr>
+            <a:normAutofit/>
+          </a:bodyPr>
+          <a:lstStyle/>
+          <a:p>
+            <a:r>
+              <a:rPr lang="ru-RU" sz="2400" dirty="0">
+                <a:solidFill>
+                  <a:srgbClr val="6A57A1"/>
+                </a:solidFill>
+              </a:rPr>
+              <a:t>Введение в верификацию процессорных ядер</a:t>
+            </a:r>
+            <a:br>
+              <a:rPr lang="en-US" sz="2800" dirty="0">
+                <a:solidFill>
+                  <a:srgbClr val="6A57A1"/>
+                </a:solidFill>
+              </a:rPr>
+            </a:br>
+            <a:r>
+              <a:rPr lang="ru-RU" sz="4000" b="1" dirty="0"/>
+              <a:t>Что такое верификация цифровых устройств</a:t>
+            </a:r>
+            <a:endParaRPr lang="ru-RU" sz="2800" b="1" dirty="0"/>
+          </a:p>
+        </p:txBody>
+      </p:sp>
+      <p:sp>
+        <p:nvSpPr>
+          <p:cNvPr id="4" name="Текст 3">
+            <a:extLst>
+              <a:ext uri="{FF2B5EF4-FFF2-40B4-BE49-F238E27FC236}">
+                <a16:creationId xmlns:a16="http://schemas.microsoft.com/office/drawing/2014/main" id="{B884EE1B-75DA-4C23-9191-87F3F4732B1C}"/>
+              </a:ext>
+            </a:extLst>
+          </p:cNvPr>
+          <p:cNvSpPr txBox="1">
+            <a:spLocks/>
+          </p:cNvSpPr>
+          <p:nvPr/>
+        </p:nvSpPr>
+        <p:spPr>
+          <a:xfrm>
+            <a:off x="423863" y="4872575"/>
+            <a:ext cx="5263606" cy="680593"/>
+          </a:xfrm>
+          <a:prstGeom prst="rect">
+            <a:avLst/>
+          </a:prstGeom>
+        </p:spPr>
+        <p:txBody>
+          <a:bodyPr/>
+          <a:lstStyle>
+            <a:lvl1pPr marL="0" indent="0" algn="l" defTabSz="914400" rtl="0" eaLnBrk="1" latinLnBrk="0" hangingPunct="1">
+              <a:lnSpc>
+                <a:spcPct val="90000"/>
+              </a:lnSpc>
+              <a:spcBef>
+                <a:spcPts val="1000"/>
+              </a:spcBef>
+              <a:buFont typeface="Arial" panose="020B0604020202020204" pitchFamily="34" charset="0"/>
+              <a:buNone/>
+              <a:defRPr sz="1500" b="0" i="0" kern="1200">
+                <a:solidFill>
+                  <a:schemeClr val="tx1"/>
+                </a:solidFill>
+                <a:latin typeface="Proxima Nova Rg" panose="02000506030000020004" pitchFamily="2" charset="0"/>
+                <a:ea typeface="+mn-ea"/>
+                <a:cs typeface="+mn-cs"/>
+              </a:defRPr>
+            </a:lvl1pPr>
+            <a:lvl2pPr marL="685800" indent="-228600" algn="l" defTabSz="914400" rtl="0" eaLnBrk="1" latinLnBrk="0" hangingPunct="1">
+              <a:lnSpc>
+                <a:spcPct val="90000"/>
+              </a:lnSpc>
+              <a:spcBef>
+                <a:spcPts val="500"/>
+              </a:spcBef>
+              <a:buFont typeface="Arial" panose="020B0604020202020204" pitchFamily="34" charset="0"/>
+              <a:buChar char="•"/>
+              <a:defRPr sz="2400" kern="1200">
+                <a:solidFill>
+                  <a:schemeClr val="tx1"/>
+                </a:solidFill>
+                <a:latin typeface="+mn-lt"/>
+                <a:ea typeface="+mn-ea"/>
+                <a:cs typeface="+mn-cs"/>
+              </a:defRPr>
+            </a:lvl2pPr>
+            <a:lvl3pPr marL="1143000" indent="-228600" algn="l" defTabSz="914400" rtl="0" eaLnBrk="1" latinLnBrk="0" hangingPunct="1">
+              <a:lnSpc>
+                <a:spcPct val="90000"/>
+              </a:lnSpc>
+              <a:spcBef>
+                <a:spcPts val="500"/>
+              </a:spcBef>
+              <a:buFont typeface="Arial" panose="020B0604020202020204" pitchFamily="34" charset="0"/>
+              <a:buChar char="•"/>
+              <a:defRPr sz="2000" kern="1200">
+                <a:solidFill>
+                  <a:schemeClr val="tx1"/>
+                </a:solidFill>
+                <a:latin typeface="+mn-lt"/>
+                <a:ea typeface="+mn-ea"/>
+                <a:cs typeface="+mn-cs"/>
+              </a:defRPr>
+            </a:lvl3pPr>
+            <a:lvl4pPr marL="1600200" indent="-228600" algn="l" defTabSz="914400" rtl="0" eaLnBrk="1" latinLnBrk="0" hangingPunct="1">
+              <a:lnSpc>
+                <a:spcPct val="90000"/>
+              </a:lnSpc>
+              <a:spcBef>
+                <a:spcPts val="500"/>
+              </a:spcBef>
+              <a:buFont typeface="Arial" panose="020B0604020202020204" pitchFamily="34" charset="0"/>
+              <a:buChar char="•"/>
+              <a:defRPr sz="1800" kern="1200">
+                <a:solidFill>
+                  <a:schemeClr val="tx1"/>
+                </a:solidFill>
+                <a:latin typeface="+mn-lt"/>
+                <a:ea typeface="+mn-ea"/>
+                <a:cs typeface="+mn-cs"/>
+              </a:defRPr>
+            </a:lvl4pPr>
+            <a:lvl5pPr marL="2057400" indent="-228600" algn="l" defTabSz="914400" rtl="0" eaLnBrk="1" latinLnBrk="0" hangingPunct="1">
+              <a:lnSpc>
+                <a:spcPct val="90000"/>
+              </a:lnSpc>
+              <a:spcBef>
+                <a:spcPts val="500"/>
+              </a:spcBef>
+              <a:buFont typeface="Arial" panose="020B0604020202020204" pitchFamily="34" charset="0"/>
+              <a:buChar char="•"/>
+              <a:defRPr sz="1800" kern="1200">
+                <a:solidFill>
+                  <a:schemeClr val="tx1"/>
+                </a:solidFill>
+                <a:latin typeface="+mn-lt"/>
+                <a:ea typeface="+mn-ea"/>
+                <a:cs typeface="+mn-cs"/>
+              </a:defRPr>
+            </a:lvl5pPr>
+            <a:lvl6pPr marL="2514600" indent="-228600" algn="l" defTabSz="914400" rtl="0" eaLnBrk="1" latinLnBrk="0" hangingPunct="1">
+              <a:lnSpc>
+                <a:spcPct val="90000"/>
+              </a:lnSpc>
+              <a:spcBef>
+                <a:spcPts val="500"/>
+              </a:spcBef>
+              <a:buFont typeface="Arial" panose="020B0604020202020204" pitchFamily="34" charset="0"/>
+              <a:buChar char="•"/>
+              <a:defRPr sz="1800" kern="1200">
+                <a:solidFill>
+                  <a:schemeClr val="tx1"/>
+                </a:solidFill>
+                <a:latin typeface="+mn-lt"/>
+                <a:ea typeface="+mn-ea"/>
+                <a:cs typeface="+mn-cs"/>
+              </a:defRPr>
+            </a:lvl6pPr>
+            <a:lvl7pPr marL="2971800" indent="-228600" algn="l" defTabSz="914400" rtl="0" eaLnBrk="1" latinLnBrk="0" hangingPunct="1">
+              <a:lnSpc>
+                <a:spcPct val="90000"/>
+              </a:lnSpc>
+              <a:spcBef>
+                <a:spcPts val="500"/>
+              </a:spcBef>
+              <a:buFont typeface="Arial" panose="020B0604020202020204" pitchFamily="34" charset="0"/>
+              <a:buChar char="•"/>
+              <a:defRPr sz="1800" kern="1200">
+                <a:solidFill>
+                  <a:schemeClr val="tx1"/>
+                </a:solidFill>
+                <a:latin typeface="+mn-lt"/>
+                <a:ea typeface="+mn-ea"/>
+                <a:cs typeface="+mn-cs"/>
+              </a:defRPr>
+            </a:lvl7pPr>
+            <a:lvl8pPr marL="3429000" indent="-228600" algn="l" defTabSz="914400" rtl="0" eaLnBrk="1" latinLnBrk="0" hangingPunct="1">
+              <a:lnSpc>
+                <a:spcPct val="90000"/>
+              </a:lnSpc>
+              <a:spcBef>
+                <a:spcPts val="500"/>
+              </a:spcBef>
+              <a:buFont typeface="Arial" panose="020B0604020202020204" pitchFamily="34" charset="0"/>
+              <a:buChar char="•"/>
+              <a:defRPr sz="1800" kern="1200">
+                <a:solidFill>
+                  <a:schemeClr val="tx1"/>
+                </a:solidFill>
+                <a:latin typeface="+mn-lt"/>
+                <a:ea typeface="+mn-ea"/>
+                <a:cs typeface="+mn-cs"/>
+              </a:defRPr>
+            </a:lvl8pPr>
+            <a:lvl9pPr marL="3886200" indent="-228600" algn="l" defTabSz="914400" rtl="0" eaLnBrk="1" latinLnBrk="0" hangingPunct="1">
+              <a:lnSpc>
+                <a:spcPct val="90000"/>
+              </a:lnSpc>
+              <a:spcBef>
+                <a:spcPts val="500"/>
+              </a:spcBef>
+              <a:buFont typeface="Arial" panose="020B0604020202020204" pitchFamily="34" charset="0"/>
+              <a:buChar char="•"/>
+              <a:defRPr sz="1800" kern="1200">
+                <a:solidFill>
+                  <a:schemeClr val="tx1"/>
+                </a:solidFill>
+                <a:latin typeface="+mn-lt"/>
+                <a:ea typeface="+mn-ea"/>
+                <a:cs typeface="+mn-cs"/>
+              </a:defRPr>
+            </a:lvl9pPr>
+          </a:lstStyle>
+          <a:p>
+            <a:pPr algn="just"/>
+            <a:r>
+              <a:rPr lang="ru-RU" sz="1600" b="1" dirty="0"/>
+              <a:t>Спецификация </a:t>
+            </a:r>
+            <a:r>
+              <a:rPr lang="ru-RU" sz="1600" dirty="0"/>
+              <a:t>– к набор задокументированных</a:t>
+            </a:r>
+            <a:br>
+              <a:rPr lang="ru-RU" sz="1600" dirty="0"/>
+            </a:br>
+            <a:r>
+              <a:rPr lang="ru-RU" sz="1600" dirty="0"/>
+              <a:t>требований, которым должен удовлетворять продукт.</a:t>
+            </a:r>
+          </a:p>
+        </p:txBody>
+      </p:sp>
+      <p:sp>
+        <p:nvSpPr>
+          <p:cNvPr id="12" name="Текст 3">
+            <a:extLst>
+              <a:ext uri="{FF2B5EF4-FFF2-40B4-BE49-F238E27FC236}">
+                <a16:creationId xmlns:a16="http://schemas.microsoft.com/office/drawing/2014/main" id="{FD68AF32-B1E6-49A1-A604-FCA7617AB1C1}"/>
+              </a:ext>
+            </a:extLst>
+          </p:cNvPr>
+          <p:cNvSpPr txBox="1">
+            <a:spLocks/>
+          </p:cNvSpPr>
+          <p:nvPr/>
+        </p:nvSpPr>
+        <p:spPr>
+          <a:xfrm>
+            <a:off x="423863" y="2748407"/>
+            <a:ext cx="4849269" cy="680593"/>
+          </a:xfrm>
+          <a:prstGeom prst="rect">
+            <a:avLst/>
+          </a:prstGeom>
+        </p:spPr>
+        <p:txBody>
+          <a:bodyPr/>
+          <a:lstStyle>
+            <a:lvl1pPr marL="0" indent="0" algn="l" defTabSz="914400" rtl="0" eaLnBrk="1" latinLnBrk="0" hangingPunct="1">
+              <a:lnSpc>
+                <a:spcPct val="90000"/>
+              </a:lnSpc>
+              <a:spcBef>
+                <a:spcPts val="1000"/>
+              </a:spcBef>
+              <a:buFont typeface="Arial" panose="020B0604020202020204" pitchFamily="34" charset="0"/>
+              <a:buNone/>
+              <a:defRPr sz="1500" b="0" i="0" kern="1200">
+                <a:solidFill>
+                  <a:schemeClr val="tx1"/>
+                </a:solidFill>
+                <a:latin typeface="Proxima Nova Rg" panose="02000506030000020004" pitchFamily="2" charset="0"/>
+                <a:ea typeface="+mn-ea"/>
+                <a:cs typeface="+mn-cs"/>
+              </a:defRPr>
+            </a:lvl1pPr>
+            <a:lvl2pPr marL="685800" indent="-228600" algn="l" defTabSz="914400" rtl="0" eaLnBrk="1" latinLnBrk="0" hangingPunct="1">
+              <a:lnSpc>
+                <a:spcPct val="90000"/>
+              </a:lnSpc>
+              <a:spcBef>
+                <a:spcPts val="500"/>
+              </a:spcBef>
+              <a:buFont typeface="Arial" panose="020B0604020202020204" pitchFamily="34" charset="0"/>
+              <a:buChar char="•"/>
+              <a:defRPr sz="2400" kern="1200">
+                <a:solidFill>
+                  <a:schemeClr val="tx1"/>
+                </a:solidFill>
+                <a:latin typeface="+mn-lt"/>
+                <a:ea typeface="+mn-ea"/>
+                <a:cs typeface="+mn-cs"/>
+              </a:defRPr>
+            </a:lvl2pPr>
+            <a:lvl3pPr marL="1143000" indent="-228600" algn="l" defTabSz="914400" rtl="0" eaLnBrk="1" latinLnBrk="0" hangingPunct="1">
+              <a:lnSpc>
+                <a:spcPct val="90000"/>
+              </a:lnSpc>
+              <a:spcBef>
+                <a:spcPts val="500"/>
+              </a:spcBef>
+              <a:buFont typeface="Arial" panose="020B0604020202020204" pitchFamily="34" charset="0"/>
+              <a:buChar char="•"/>
+              <a:defRPr sz="2000" kern="1200">
+                <a:solidFill>
+                  <a:schemeClr val="tx1"/>
+                </a:solidFill>
+                <a:latin typeface="+mn-lt"/>
+                <a:ea typeface="+mn-ea"/>
+                <a:cs typeface="+mn-cs"/>
+              </a:defRPr>
+            </a:lvl3pPr>
+            <a:lvl4pPr marL="1600200" indent="-228600" algn="l" defTabSz="914400" rtl="0" eaLnBrk="1" latinLnBrk="0" hangingPunct="1">
+              <a:lnSpc>
+                <a:spcPct val="90000"/>
+              </a:lnSpc>
+              <a:spcBef>
+                <a:spcPts val="500"/>
+              </a:spcBef>
+              <a:buFont typeface="Arial" panose="020B0604020202020204" pitchFamily="34" charset="0"/>
+              <a:buChar char="•"/>
+              <a:defRPr sz="1800" kern="1200">
+                <a:solidFill>
+                  <a:schemeClr val="tx1"/>
+                </a:solidFill>
+                <a:latin typeface="+mn-lt"/>
+                <a:ea typeface="+mn-ea"/>
+                <a:cs typeface="+mn-cs"/>
+              </a:defRPr>
+            </a:lvl4pPr>
+            <a:lvl5pPr marL="2057400" indent="-228600" algn="l" defTabSz="914400" rtl="0" eaLnBrk="1" latinLnBrk="0" hangingPunct="1">
+              <a:lnSpc>
+                <a:spcPct val="90000"/>
+              </a:lnSpc>
+              <a:spcBef>
+                <a:spcPts val="500"/>
+              </a:spcBef>
+              <a:buFont typeface="Arial" panose="020B0604020202020204" pitchFamily="34" charset="0"/>
+              <a:buChar char="•"/>
+              <a:defRPr sz="1800" kern="1200">
+                <a:solidFill>
+                  <a:schemeClr val="tx1"/>
+                </a:solidFill>
+                <a:latin typeface="+mn-lt"/>
+                <a:ea typeface="+mn-ea"/>
+                <a:cs typeface="+mn-cs"/>
+              </a:defRPr>
+            </a:lvl5pPr>
+            <a:lvl6pPr marL="2514600" indent="-228600" algn="l" defTabSz="914400" rtl="0" eaLnBrk="1" latinLnBrk="0" hangingPunct="1">
+              <a:lnSpc>
+                <a:spcPct val="90000"/>
+              </a:lnSpc>
+              <a:spcBef>
+                <a:spcPts val="500"/>
+              </a:spcBef>
+              <a:buFont typeface="Arial" panose="020B0604020202020204" pitchFamily="34" charset="0"/>
+              <a:buChar char="•"/>
+              <a:defRPr sz="1800" kern="1200">
+                <a:solidFill>
+                  <a:schemeClr val="tx1"/>
+                </a:solidFill>
+                <a:latin typeface="+mn-lt"/>
+                <a:ea typeface="+mn-ea"/>
+                <a:cs typeface="+mn-cs"/>
+              </a:defRPr>
+            </a:lvl6pPr>
+            <a:lvl7pPr marL="2971800" indent="-228600" algn="l" defTabSz="914400" rtl="0" eaLnBrk="1" latinLnBrk="0" hangingPunct="1">
+              <a:lnSpc>
+                <a:spcPct val="90000"/>
+              </a:lnSpc>
+              <a:spcBef>
+                <a:spcPts val="500"/>
+              </a:spcBef>
+              <a:buFont typeface="Arial" panose="020B0604020202020204" pitchFamily="34" charset="0"/>
+              <a:buChar char="•"/>
+              <a:defRPr sz="1800" kern="1200">
+                <a:solidFill>
+                  <a:schemeClr val="tx1"/>
+                </a:solidFill>
+                <a:latin typeface="+mn-lt"/>
+                <a:ea typeface="+mn-ea"/>
+                <a:cs typeface="+mn-cs"/>
+              </a:defRPr>
+            </a:lvl7pPr>
+            <a:lvl8pPr marL="3429000" indent="-228600" algn="l" defTabSz="914400" rtl="0" eaLnBrk="1" latinLnBrk="0" hangingPunct="1">
+              <a:lnSpc>
+                <a:spcPct val="90000"/>
+              </a:lnSpc>
+              <a:spcBef>
+                <a:spcPts val="500"/>
+              </a:spcBef>
+              <a:buFont typeface="Arial" panose="020B0604020202020204" pitchFamily="34" charset="0"/>
+              <a:buChar char="•"/>
+              <a:defRPr sz="1800" kern="1200">
+                <a:solidFill>
+                  <a:schemeClr val="tx1"/>
+                </a:solidFill>
+                <a:latin typeface="+mn-lt"/>
+                <a:ea typeface="+mn-ea"/>
+                <a:cs typeface="+mn-cs"/>
+              </a:defRPr>
+            </a:lvl8pPr>
+            <a:lvl9pPr marL="3886200" indent="-228600" algn="l" defTabSz="914400" rtl="0" eaLnBrk="1" latinLnBrk="0" hangingPunct="1">
+              <a:lnSpc>
+                <a:spcPct val="90000"/>
+              </a:lnSpc>
+              <a:spcBef>
+                <a:spcPts val="500"/>
+              </a:spcBef>
+              <a:buFont typeface="Arial" panose="020B0604020202020204" pitchFamily="34" charset="0"/>
+              <a:buChar char="•"/>
+              <a:defRPr sz="1800" kern="1200">
+                <a:solidFill>
+                  <a:schemeClr val="tx1"/>
+                </a:solidFill>
+                <a:latin typeface="+mn-lt"/>
+                <a:ea typeface="+mn-ea"/>
+                <a:cs typeface="+mn-cs"/>
+              </a:defRPr>
+            </a:lvl9pPr>
+          </a:lstStyle>
+          <a:p>
+            <a:pPr algn="just"/>
+            <a:r>
+              <a:rPr lang="ru-RU" sz="1600" b="1" dirty="0"/>
+              <a:t>Частный случай дизайна </a:t>
+            </a:r>
+            <a:r>
+              <a:rPr lang="ru-RU" sz="1600" dirty="0"/>
+              <a:t>– процессорное ядро.</a:t>
+            </a:r>
+          </a:p>
+        </p:txBody>
+      </p:sp>
+    </p:spTree>
+    <p:extLst>
+      <p:ext uri="{BB962C8B-B14F-4D97-AF65-F5344CB8AC3E}">
+        <p14:creationId xmlns:p14="http://schemas.microsoft.com/office/powerpoint/2010/main" val="3141859753"/>
       </p:ext>
     </p:extLst>
   </p:cSld>

--- a/present/present.pptx
+++ b/present/present.pptx
@@ -4,14 +4,27 @@
   <p:sldMasterIdLst>
     <p:sldMasterId id="2147483648" r:id="rId1"/>
   </p:sldMasterIdLst>
+  <p:notesMasterIdLst>
+    <p:notesMasterId r:id="rId19"/>
+  </p:notesMasterIdLst>
   <p:sldIdLst>
     <p:sldId id="256" r:id="rId2"/>
     <p:sldId id="257" r:id="rId3"/>
     <p:sldId id="258" r:id="rId4"/>
     <p:sldId id="259" r:id="rId5"/>
     <p:sldId id="262" r:id="rId6"/>
-    <p:sldId id="261" r:id="rId7"/>
+    <p:sldId id="264" r:id="rId7"/>
     <p:sldId id="263" r:id="rId8"/>
+    <p:sldId id="267" r:id="rId9"/>
+    <p:sldId id="265" r:id="rId10"/>
+    <p:sldId id="266" r:id="rId11"/>
+    <p:sldId id="270" r:id="rId12"/>
+    <p:sldId id="268" r:id="rId13"/>
+    <p:sldId id="269" r:id="rId14"/>
+    <p:sldId id="271" r:id="rId15"/>
+    <p:sldId id="273" r:id="rId16"/>
+    <p:sldId id="272" r:id="rId17"/>
+    <p:sldId id="274" r:id="rId18"/>
   </p:sldIdLst>
   <p:sldSz cx="12192000" cy="6858000"/>
   <p:notesSz cx="6858000" cy="9144000"/>
@@ -118,6 +131,943 @@
 </p:presentation>
 </file>
 
+<file path=ppt/notesMasters/notesMaster1.xml><?xml version="1.0" encoding="utf-8"?>
+<p:notesMaster xmlns:a="http://schemas.openxmlformats.org/drawingml/2006/main" xmlns:r="http://schemas.openxmlformats.org/officeDocument/2006/relationships" xmlns:p="http://schemas.openxmlformats.org/presentationml/2006/main">
+  <p:cSld>
+    <p:bg>
+      <p:bgRef idx="1001">
+        <a:schemeClr val="bg1"/>
+      </p:bgRef>
+    </p:bg>
+    <p:spTree>
+      <p:nvGrpSpPr>
+        <p:cNvPr id="1" name=""/>
+        <p:cNvGrpSpPr/>
+        <p:nvPr/>
+      </p:nvGrpSpPr>
+      <p:grpSpPr>
+        <a:xfrm>
+          <a:off x="0" y="0"/>
+          <a:ext cx="0" cy="0"/>
+          <a:chOff x="0" y="0"/>
+          <a:chExt cx="0" cy="0"/>
+        </a:xfrm>
+      </p:grpSpPr>
+      <p:sp>
+        <p:nvSpPr>
+          <p:cNvPr id="2" name="Верхний колонтитул 1"/>
+          <p:cNvSpPr>
+            <a:spLocks noGrp="1"/>
+          </p:cNvSpPr>
+          <p:nvPr>
+            <p:ph type="hdr" sz="quarter"/>
+          </p:nvPr>
+        </p:nvSpPr>
+        <p:spPr>
+          <a:xfrm>
+            <a:off x="0" y="0"/>
+            <a:ext cx="2971800" cy="458788"/>
+          </a:xfrm>
+          <a:prstGeom prst="rect">
+            <a:avLst/>
+          </a:prstGeom>
+        </p:spPr>
+        <p:txBody>
+          <a:bodyPr vert="horz" lIns="91440" tIns="45720" rIns="91440" bIns="45720" rtlCol="0"/>
+          <a:lstStyle>
+            <a:lvl1pPr algn="l">
+              <a:defRPr sz="1200"/>
+            </a:lvl1pPr>
+          </a:lstStyle>
+          <a:p>
+            <a:endParaRPr lang="ru-RU"/>
+          </a:p>
+        </p:txBody>
+      </p:sp>
+      <p:sp>
+        <p:nvSpPr>
+          <p:cNvPr id="3" name="Дата 2"/>
+          <p:cNvSpPr>
+            <a:spLocks noGrp="1"/>
+          </p:cNvSpPr>
+          <p:nvPr>
+            <p:ph type="dt" idx="1"/>
+          </p:nvPr>
+        </p:nvSpPr>
+        <p:spPr>
+          <a:xfrm>
+            <a:off x="3884613" y="0"/>
+            <a:ext cx="2971800" cy="458788"/>
+          </a:xfrm>
+          <a:prstGeom prst="rect">
+            <a:avLst/>
+          </a:prstGeom>
+        </p:spPr>
+        <p:txBody>
+          <a:bodyPr vert="horz" lIns="91440" tIns="45720" rIns="91440" bIns="45720" rtlCol="0"/>
+          <a:lstStyle>
+            <a:lvl1pPr algn="r">
+              <a:defRPr sz="1200"/>
+            </a:lvl1pPr>
+          </a:lstStyle>
+          <a:p>
+            <a:fld id="{FDA3B8D0-4988-432B-9417-7B573DAABAD0}" type="datetimeFigureOut">
+              <a:rPr lang="ru-RU" smtClean="0"/>
+              <a:t>05.10.2023</a:t>
+            </a:fld>
+            <a:endParaRPr lang="ru-RU"/>
+          </a:p>
+        </p:txBody>
+      </p:sp>
+      <p:sp>
+        <p:nvSpPr>
+          <p:cNvPr id="4" name="Образ слайда 3"/>
+          <p:cNvSpPr>
+            <a:spLocks noGrp="1" noRot="1" noChangeAspect="1"/>
+          </p:cNvSpPr>
+          <p:nvPr>
+            <p:ph type="sldImg" idx="2"/>
+          </p:nvPr>
+        </p:nvSpPr>
+        <p:spPr>
+          <a:xfrm>
+            <a:off x="685800" y="1143000"/>
+            <a:ext cx="5486400" cy="3086100"/>
+          </a:xfrm>
+          <a:prstGeom prst="rect">
+            <a:avLst/>
+          </a:prstGeom>
+          <a:noFill/>
+          <a:ln w="12700">
+            <a:solidFill>
+              <a:prstClr val="black"/>
+            </a:solidFill>
+          </a:ln>
+        </p:spPr>
+        <p:txBody>
+          <a:bodyPr vert="horz" lIns="91440" tIns="45720" rIns="91440" bIns="45720" rtlCol="0" anchor="ctr"/>
+          <a:lstStyle/>
+          <a:p>
+            <a:endParaRPr lang="ru-RU"/>
+          </a:p>
+        </p:txBody>
+      </p:sp>
+      <p:sp>
+        <p:nvSpPr>
+          <p:cNvPr id="5" name="Заметки 4"/>
+          <p:cNvSpPr>
+            <a:spLocks noGrp="1"/>
+          </p:cNvSpPr>
+          <p:nvPr>
+            <p:ph type="body" sz="quarter" idx="3"/>
+          </p:nvPr>
+        </p:nvSpPr>
+        <p:spPr>
+          <a:xfrm>
+            <a:off x="685800" y="4400550"/>
+            <a:ext cx="5486400" cy="3600450"/>
+          </a:xfrm>
+          <a:prstGeom prst="rect">
+            <a:avLst/>
+          </a:prstGeom>
+        </p:spPr>
+        <p:txBody>
+          <a:bodyPr vert="horz" lIns="91440" tIns="45720" rIns="91440" bIns="45720" rtlCol="0"/>
+          <a:lstStyle/>
+          <a:p>
+            <a:pPr lvl="0"/>
+            <a:r>
+              <a:rPr lang="ru-RU"/>
+              <a:t>Образец текста</a:t>
+            </a:r>
+          </a:p>
+          <a:p>
+            <a:pPr lvl="1"/>
+            <a:r>
+              <a:rPr lang="ru-RU"/>
+              <a:t>Второй уровень</a:t>
+            </a:r>
+          </a:p>
+          <a:p>
+            <a:pPr lvl="2"/>
+            <a:r>
+              <a:rPr lang="ru-RU"/>
+              <a:t>Третий уровень</a:t>
+            </a:r>
+          </a:p>
+          <a:p>
+            <a:pPr lvl="3"/>
+            <a:r>
+              <a:rPr lang="ru-RU"/>
+              <a:t>Четвертый уровень</a:t>
+            </a:r>
+          </a:p>
+          <a:p>
+            <a:pPr lvl="4"/>
+            <a:r>
+              <a:rPr lang="ru-RU"/>
+              <a:t>Пятый уровень</a:t>
+            </a:r>
+          </a:p>
+        </p:txBody>
+      </p:sp>
+      <p:sp>
+        <p:nvSpPr>
+          <p:cNvPr id="6" name="Нижний колонтитул 5"/>
+          <p:cNvSpPr>
+            <a:spLocks noGrp="1"/>
+          </p:cNvSpPr>
+          <p:nvPr>
+            <p:ph type="ftr" sz="quarter" idx="4"/>
+          </p:nvPr>
+        </p:nvSpPr>
+        <p:spPr>
+          <a:xfrm>
+            <a:off x="0" y="8685213"/>
+            <a:ext cx="2971800" cy="458787"/>
+          </a:xfrm>
+          <a:prstGeom prst="rect">
+            <a:avLst/>
+          </a:prstGeom>
+        </p:spPr>
+        <p:txBody>
+          <a:bodyPr vert="horz" lIns="91440" tIns="45720" rIns="91440" bIns="45720" rtlCol="0" anchor="b"/>
+          <a:lstStyle>
+            <a:lvl1pPr algn="l">
+              <a:defRPr sz="1200"/>
+            </a:lvl1pPr>
+          </a:lstStyle>
+          <a:p>
+            <a:endParaRPr lang="ru-RU"/>
+          </a:p>
+        </p:txBody>
+      </p:sp>
+      <p:sp>
+        <p:nvSpPr>
+          <p:cNvPr id="7" name="Номер слайда 6"/>
+          <p:cNvSpPr>
+            <a:spLocks noGrp="1"/>
+          </p:cNvSpPr>
+          <p:nvPr>
+            <p:ph type="sldNum" sz="quarter" idx="5"/>
+          </p:nvPr>
+        </p:nvSpPr>
+        <p:spPr>
+          <a:xfrm>
+            <a:off x="3884613" y="8685213"/>
+            <a:ext cx="2971800" cy="458787"/>
+          </a:xfrm>
+          <a:prstGeom prst="rect">
+            <a:avLst/>
+          </a:prstGeom>
+        </p:spPr>
+        <p:txBody>
+          <a:bodyPr vert="horz" lIns="91440" tIns="45720" rIns="91440" bIns="45720" rtlCol="0" anchor="b"/>
+          <a:lstStyle>
+            <a:lvl1pPr algn="r">
+              <a:defRPr sz="1200"/>
+            </a:lvl1pPr>
+          </a:lstStyle>
+          <a:p>
+            <a:fld id="{538CAE95-7374-406F-A8A1-986C3741F444}" type="slidenum">
+              <a:rPr lang="ru-RU" smtClean="0"/>
+              <a:t>‹#›</a:t>
+            </a:fld>
+            <a:endParaRPr lang="ru-RU"/>
+          </a:p>
+        </p:txBody>
+      </p:sp>
+    </p:spTree>
+    <p:extLst>
+      <p:ext uri="{BB962C8B-B14F-4D97-AF65-F5344CB8AC3E}">
+        <p14:creationId xmlns:p14="http://schemas.microsoft.com/office/powerpoint/2010/main" val="670286441"/>
+      </p:ext>
+    </p:extLst>
+  </p:cSld>
+  <p:clrMap bg1="lt1" tx1="dk1" bg2="lt2" tx2="dk2" accent1="accent1" accent2="accent2" accent3="accent3" accent4="accent4" accent5="accent5" accent6="accent6" hlink="hlink" folHlink="folHlink"/>
+  <p:notesStyle>
+    <a:lvl1pPr marL="0" algn="l" defTabSz="914400" rtl="0" eaLnBrk="1" latinLnBrk="0" hangingPunct="1">
+      <a:defRPr sz="1200" kern="1200">
+        <a:solidFill>
+          <a:schemeClr val="tx1"/>
+        </a:solidFill>
+        <a:latin typeface="+mn-lt"/>
+        <a:ea typeface="+mn-ea"/>
+        <a:cs typeface="+mn-cs"/>
+      </a:defRPr>
+    </a:lvl1pPr>
+    <a:lvl2pPr marL="457200" algn="l" defTabSz="914400" rtl="0" eaLnBrk="1" latinLnBrk="0" hangingPunct="1">
+      <a:defRPr sz="1200" kern="1200">
+        <a:solidFill>
+          <a:schemeClr val="tx1"/>
+        </a:solidFill>
+        <a:latin typeface="+mn-lt"/>
+        <a:ea typeface="+mn-ea"/>
+        <a:cs typeface="+mn-cs"/>
+      </a:defRPr>
+    </a:lvl2pPr>
+    <a:lvl3pPr marL="914400" algn="l" defTabSz="914400" rtl="0" eaLnBrk="1" latinLnBrk="0" hangingPunct="1">
+      <a:defRPr sz="1200" kern="1200">
+        <a:solidFill>
+          <a:schemeClr val="tx1"/>
+        </a:solidFill>
+        <a:latin typeface="+mn-lt"/>
+        <a:ea typeface="+mn-ea"/>
+        <a:cs typeface="+mn-cs"/>
+      </a:defRPr>
+    </a:lvl3pPr>
+    <a:lvl4pPr marL="1371600" algn="l" defTabSz="914400" rtl="0" eaLnBrk="1" latinLnBrk="0" hangingPunct="1">
+      <a:defRPr sz="1200" kern="1200">
+        <a:solidFill>
+          <a:schemeClr val="tx1"/>
+        </a:solidFill>
+        <a:latin typeface="+mn-lt"/>
+        <a:ea typeface="+mn-ea"/>
+        <a:cs typeface="+mn-cs"/>
+      </a:defRPr>
+    </a:lvl4pPr>
+    <a:lvl5pPr marL="1828800" algn="l" defTabSz="914400" rtl="0" eaLnBrk="1" latinLnBrk="0" hangingPunct="1">
+      <a:defRPr sz="1200" kern="1200">
+        <a:solidFill>
+          <a:schemeClr val="tx1"/>
+        </a:solidFill>
+        <a:latin typeface="+mn-lt"/>
+        <a:ea typeface="+mn-ea"/>
+        <a:cs typeface="+mn-cs"/>
+      </a:defRPr>
+    </a:lvl5pPr>
+    <a:lvl6pPr marL="2286000" algn="l" defTabSz="914400" rtl="0" eaLnBrk="1" latinLnBrk="0" hangingPunct="1">
+      <a:defRPr sz="1200" kern="1200">
+        <a:solidFill>
+          <a:schemeClr val="tx1"/>
+        </a:solidFill>
+        <a:latin typeface="+mn-lt"/>
+        <a:ea typeface="+mn-ea"/>
+        <a:cs typeface="+mn-cs"/>
+      </a:defRPr>
+    </a:lvl6pPr>
+    <a:lvl7pPr marL="2743200" algn="l" defTabSz="914400" rtl="0" eaLnBrk="1" latinLnBrk="0" hangingPunct="1">
+      <a:defRPr sz="1200" kern="1200">
+        <a:solidFill>
+          <a:schemeClr val="tx1"/>
+        </a:solidFill>
+        <a:latin typeface="+mn-lt"/>
+        <a:ea typeface="+mn-ea"/>
+        <a:cs typeface="+mn-cs"/>
+      </a:defRPr>
+    </a:lvl7pPr>
+    <a:lvl8pPr marL="3200400" algn="l" defTabSz="914400" rtl="0" eaLnBrk="1" latinLnBrk="0" hangingPunct="1">
+      <a:defRPr sz="1200" kern="1200">
+        <a:solidFill>
+          <a:schemeClr val="tx1"/>
+        </a:solidFill>
+        <a:latin typeface="+mn-lt"/>
+        <a:ea typeface="+mn-ea"/>
+        <a:cs typeface="+mn-cs"/>
+      </a:defRPr>
+    </a:lvl8pPr>
+    <a:lvl9pPr marL="3657600" algn="l" defTabSz="914400" rtl="0" eaLnBrk="1" latinLnBrk="0" hangingPunct="1">
+      <a:defRPr sz="1200" kern="1200">
+        <a:solidFill>
+          <a:schemeClr val="tx1"/>
+        </a:solidFill>
+        <a:latin typeface="+mn-lt"/>
+        <a:ea typeface="+mn-ea"/>
+        <a:cs typeface="+mn-cs"/>
+      </a:defRPr>
+    </a:lvl9pPr>
+  </p:notesStyle>
+</p:notesMaster>
+</file>
+
+<file path=ppt/notesSlides/notesSlide1.xml><?xml version="1.0" encoding="utf-8"?>
+<p:notes xmlns:a="http://schemas.openxmlformats.org/drawingml/2006/main" xmlns:r="http://schemas.openxmlformats.org/officeDocument/2006/relationships" xmlns:p="http://schemas.openxmlformats.org/presentationml/2006/main">
+  <p:cSld>
+    <p:spTree>
+      <p:nvGrpSpPr>
+        <p:cNvPr id="1" name=""/>
+        <p:cNvGrpSpPr/>
+        <p:nvPr/>
+      </p:nvGrpSpPr>
+      <p:grpSpPr>
+        <a:xfrm>
+          <a:off x="0" y="0"/>
+          <a:ext cx="0" cy="0"/>
+          <a:chOff x="0" y="0"/>
+          <a:chExt cx="0" cy="0"/>
+        </a:xfrm>
+      </p:grpSpPr>
+      <p:sp>
+        <p:nvSpPr>
+          <p:cNvPr id="2" name="Образ слайда 1"/>
+          <p:cNvSpPr>
+            <a:spLocks noGrp="1" noRot="1" noChangeAspect="1"/>
+          </p:cNvSpPr>
+          <p:nvPr>
+            <p:ph type="sldImg"/>
+          </p:nvPr>
+        </p:nvSpPr>
+        <p:spPr/>
+      </p:sp>
+      <p:sp>
+        <p:nvSpPr>
+          <p:cNvPr id="3" name="Заметки 2"/>
+          <p:cNvSpPr>
+            <a:spLocks noGrp="1"/>
+          </p:cNvSpPr>
+          <p:nvPr>
+            <p:ph type="body" idx="1"/>
+          </p:nvPr>
+        </p:nvSpPr>
+        <p:spPr/>
+        <p:txBody>
+          <a:bodyPr/>
+          <a:lstStyle/>
+          <a:p>
+            <a:endParaRPr lang="ru-RU" dirty="0"/>
+          </a:p>
+        </p:txBody>
+      </p:sp>
+      <p:sp>
+        <p:nvSpPr>
+          <p:cNvPr id="4" name="Номер слайда 3"/>
+          <p:cNvSpPr>
+            <a:spLocks noGrp="1"/>
+          </p:cNvSpPr>
+          <p:nvPr>
+            <p:ph type="sldNum" sz="quarter" idx="5"/>
+          </p:nvPr>
+        </p:nvSpPr>
+        <p:spPr/>
+        <p:txBody>
+          <a:bodyPr/>
+          <a:lstStyle/>
+          <a:p>
+            <a:fld id="{538CAE95-7374-406F-A8A1-986C3741F444}" type="slidenum">
+              <a:rPr lang="ru-RU" smtClean="0"/>
+              <a:t>7</a:t>
+            </a:fld>
+            <a:endParaRPr lang="ru-RU"/>
+          </a:p>
+        </p:txBody>
+      </p:sp>
+    </p:spTree>
+    <p:extLst>
+      <p:ext uri="{BB962C8B-B14F-4D97-AF65-F5344CB8AC3E}">
+        <p14:creationId xmlns:p14="http://schemas.microsoft.com/office/powerpoint/2010/main" val="3042652584"/>
+      </p:ext>
+    </p:extLst>
+  </p:cSld>
+  <p:clrMapOvr>
+    <a:masterClrMapping/>
+  </p:clrMapOvr>
+</p:notes>
+</file>
+
+<file path=ppt/notesSlides/notesSlide2.xml><?xml version="1.0" encoding="utf-8"?>
+<p:notes xmlns:a="http://schemas.openxmlformats.org/drawingml/2006/main" xmlns:r="http://schemas.openxmlformats.org/officeDocument/2006/relationships" xmlns:p="http://schemas.openxmlformats.org/presentationml/2006/main">
+  <p:cSld>
+    <p:spTree>
+      <p:nvGrpSpPr>
+        <p:cNvPr id="1" name=""/>
+        <p:cNvGrpSpPr/>
+        <p:nvPr/>
+      </p:nvGrpSpPr>
+      <p:grpSpPr>
+        <a:xfrm>
+          <a:off x="0" y="0"/>
+          <a:ext cx="0" cy="0"/>
+          <a:chOff x="0" y="0"/>
+          <a:chExt cx="0" cy="0"/>
+        </a:xfrm>
+      </p:grpSpPr>
+      <p:sp>
+        <p:nvSpPr>
+          <p:cNvPr id="2" name="Образ слайда 1"/>
+          <p:cNvSpPr>
+            <a:spLocks noGrp="1" noRot="1" noChangeAspect="1"/>
+          </p:cNvSpPr>
+          <p:nvPr>
+            <p:ph type="sldImg"/>
+          </p:nvPr>
+        </p:nvSpPr>
+        <p:spPr/>
+      </p:sp>
+      <p:sp>
+        <p:nvSpPr>
+          <p:cNvPr id="3" name="Заметки 2"/>
+          <p:cNvSpPr>
+            <a:spLocks noGrp="1"/>
+          </p:cNvSpPr>
+          <p:nvPr>
+            <p:ph type="body" idx="1"/>
+          </p:nvPr>
+        </p:nvSpPr>
+        <p:spPr/>
+        <p:txBody>
+          <a:bodyPr/>
+          <a:lstStyle/>
+          <a:p>
+            <a:endParaRPr lang="ru-RU" dirty="0"/>
+          </a:p>
+        </p:txBody>
+      </p:sp>
+      <p:sp>
+        <p:nvSpPr>
+          <p:cNvPr id="4" name="Номер слайда 3"/>
+          <p:cNvSpPr>
+            <a:spLocks noGrp="1"/>
+          </p:cNvSpPr>
+          <p:nvPr>
+            <p:ph type="sldNum" sz="quarter" idx="5"/>
+          </p:nvPr>
+        </p:nvSpPr>
+        <p:spPr/>
+        <p:txBody>
+          <a:bodyPr/>
+          <a:lstStyle/>
+          <a:p>
+            <a:fld id="{538CAE95-7374-406F-A8A1-986C3741F444}" type="slidenum">
+              <a:rPr lang="ru-RU" smtClean="0"/>
+              <a:t>12</a:t>
+            </a:fld>
+            <a:endParaRPr lang="ru-RU"/>
+          </a:p>
+        </p:txBody>
+      </p:sp>
+    </p:spTree>
+    <p:extLst>
+      <p:ext uri="{BB962C8B-B14F-4D97-AF65-F5344CB8AC3E}">
+        <p14:creationId xmlns:p14="http://schemas.microsoft.com/office/powerpoint/2010/main" val="1424871467"/>
+      </p:ext>
+    </p:extLst>
+  </p:cSld>
+  <p:clrMapOvr>
+    <a:masterClrMapping/>
+  </p:clrMapOvr>
+</p:notes>
+</file>
+
+<file path=ppt/notesSlides/notesSlide3.xml><?xml version="1.0" encoding="utf-8"?>
+<p:notes xmlns:a="http://schemas.openxmlformats.org/drawingml/2006/main" xmlns:r="http://schemas.openxmlformats.org/officeDocument/2006/relationships" xmlns:p="http://schemas.openxmlformats.org/presentationml/2006/main">
+  <p:cSld>
+    <p:spTree>
+      <p:nvGrpSpPr>
+        <p:cNvPr id="1" name=""/>
+        <p:cNvGrpSpPr/>
+        <p:nvPr/>
+      </p:nvGrpSpPr>
+      <p:grpSpPr>
+        <a:xfrm>
+          <a:off x="0" y="0"/>
+          <a:ext cx="0" cy="0"/>
+          <a:chOff x="0" y="0"/>
+          <a:chExt cx="0" cy="0"/>
+        </a:xfrm>
+      </p:grpSpPr>
+      <p:sp>
+        <p:nvSpPr>
+          <p:cNvPr id="2" name="Образ слайда 1"/>
+          <p:cNvSpPr>
+            <a:spLocks noGrp="1" noRot="1" noChangeAspect="1"/>
+          </p:cNvSpPr>
+          <p:nvPr>
+            <p:ph type="sldImg"/>
+          </p:nvPr>
+        </p:nvSpPr>
+        <p:spPr/>
+      </p:sp>
+      <p:sp>
+        <p:nvSpPr>
+          <p:cNvPr id="3" name="Заметки 2"/>
+          <p:cNvSpPr>
+            <a:spLocks noGrp="1"/>
+          </p:cNvSpPr>
+          <p:nvPr>
+            <p:ph type="body" idx="1"/>
+          </p:nvPr>
+        </p:nvSpPr>
+        <p:spPr/>
+        <p:txBody>
+          <a:bodyPr/>
+          <a:lstStyle/>
+          <a:p>
+            <a:endParaRPr lang="ru-RU" dirty="0"/>
+          </a:p>
+        </p:txBody>
+      </p:sp>
+      <p:sp>
+        <p:nvSpPr>
+          <p:cNvPr id="4" name="Номер слайда 3"/>
+          <p:cNvSpPr>
+            <a:spLocks noGrp="1"/>
+          </p:cNvSpPr>
+          <p:nvPr>
+            <p:ph type="sldNum" sz="quarter" idx="5"/>
+          </p:nvPr>
+        </p:nvSpPr>
+        <p:spPr/>
+        <p:txBody>
+          <a:bodyPr/>
+          <a:lstStyle/>
+          <a:p>
+            <a:fld id="{538CAE95-7374-406F-A8A1-986C3741F444}" type="slidenum">
+              <a:rPr lang="ru-RU" smtClean="0"/>
+              <a:t>13</a:t>
+            </a:fld>
+            <a:endParaRPr lang="ru-RU"/>
+          </a:p>
+        </p:txBody>
+      </p:sp>
+    </p:spTree>
+    <p:extLst>
+      <p:ext uri="{BB962C8B-B14F-4D97-AF65-F5344CB8AC3E}">
+        <p14:creationId xmlns:p14="http://schemas.microsoft.com/office/powerpoint/2010/main" val="4167268831"/>
+      </p:ext>
+    </p:extLst>
+  </p:cSld>
+  <p:clrMapOvr>
+    <a:masterClrMapping/>
+  </p:clrMapOvr>
+</p:notes>
+</file>
+
+<file path=ppt/notesSlides/notesSlide4.xml><?xml version="1.0" encoding="utf-8"?>
+<p:notes xmlns:a="http://schemas.openxmlformats.org/drawingml/2006/main" xmlns:r="http://schemas.openxmlformats.org/officeDocument/2006/relationships" xmlns:p="http://schemas.openxmlformats.org/presentationml/2006/main">
+  <p:cSld>
+    <p:spTree>
+      <p:nvGrpSpPr>
+        <p:cNvPr id="1" name=""/>
+        <p:cNvGrpSpPr/>
+        <p:nvPr/>
+      </p:nvGrpSpPr>
+      <p:grpSpPr>
+        <a:xfrm>
+          <a:off x="0" y="0"/>
+          <a:ext cx="0" cy="0"/>
+          <a:chOff x="0" y="0"/>
+          <a:chExt cx="0" cy="0"/>
+        </a:xfrm>
+      </p:grpSpPr>
+      <p:sp>
+        <p:nvSpPr>
+          <p:cNvPr id="2" name="Образ слайда 1"/>
+          <p:cNvSpPr>
+            <a:spLocks noGrp="1" noRot="1" noChangeAspect="1"/>
+          </p:cNvSpPr>
+          <p:nvPr>
+            <p:ph type="sldImg"/>
+          </p:nvPr>
+        </p:nvSpPr>
+        <p:spPr/>
+      </p:sp>
+      <p:sp>
+        <p:nvSpPr>
+          <p:cNvPr id="3" name="Заметки 2"/>
+          <p:cNvSpPr>
+            <a:spLocks noGrp="1"/>
+          </p:cNvSpPr>
+          <p:nvPr>
+            <p:ph type="body" idx="1"/>
+          </p:nvPr>
+        </p:nvSpPr>
+        <p:spPr/>
+        <p:txBody>
+          <a:bodyPr/>
+          <a:lstStyle/>
+          <a:p>
+            <a:endParaRPr lang="ru-RU" dirty="0"/>
+          </a:p>
+        </p:txBody>
+      </p:sp>
+      <p:sp>
+        <p:nvSpPr>
+          <p:cNvPr id="4" name="Номер слайда 3"/>
+          <p:cNvSpPr>
+            <a:spLocks noGrp="1"/>
+          </p:cNvSpPr>
+          <p:nvPr>
+            <p:ph type="sldNum" sz="quarter" idx="5"/>
+          </p:nvPr>
+        </p:nvSpPr>
+        <p:spPr/>
+        <p:txBody>
+          <a:bodyPr/>
+          <a:lstStyle/>
+          <a:p>
+            <a:fld id="{538CAE95-7374-406F-A8A1-986C3741F444}" type="slidenum">
+              <a:rPr lang="ru-RU" smtClean="0"/>
+              <a:t>14</a:t>
+            </a:fld>
+            <a:endParaRPr lang="ru-RU"/>
+          </a:p>
+        </p:txBody>
+      </p:sp>
+    </p:spTree>
+    <p:extLst>
+      <p:ext uri="{BB962C8B-B14F-4D97-AF65-F5344CB8AC3E}">
+        <p14:creationId xmlns:p14="http://schemas.microsoft.com/office/powerpoint/2010/main" val="325684311"/>
+      </p:ext>
+    </p:extLst>
+  </p:cSld>
+  <p:clrMapOvr>
+    <a:masterClrMapping/>
+  </p:clrMapOvr>
+</p:notes>
+</file>
+
+<file path=ppt/notesSlides/notesSlide5.xml><?xml version="1.0" encoding="utf-8"?>
+<p:notes xmlns:a="http://schemas.openxmlformats.org/drawingml/2006/main" xmlns:r="http://schemas.openxmlformats.org/officeDocument/2006/relationships" xmlns:p="http://schemas.openxmlformats.org/presentationml/2006/main">
+  <p:cSld>
+    <p:spTree>
+      <p:nvGrpSpPr>
+        <p:cNvPr id="1" name=""/>
+        <p:cNvGrpSpPr/>
+        <p:nvPr/>
+      </p:nvGrpSpPr>
+      <p:grpSpPr>
+        <a:xfrm>
+          <a:off x="0" y="0"/>
+          <a:ext cx="0" cy="0"/>
+          <a:chOff x="0" y="0"/>
+          <a:chExt cx="0" cy="0"/>
+        </a:xfrm>
+      </p:grpSpPr>
+      <p:sp>
+        <p:nvSpPr>
+          <p:cNvPr id="2" name="Образ слайда 1"/>
+          <p:cNvSpPr>
+            <a:spLocks noGrp="1" noRot="1" noChangeAspect="1"/>
+          </p:cNvSpPr>
+          <p:nvPr>
+            <p:ph type="sldImg"/>
+          </p:nvPr>
+        </p:nvSpPr>
+        <p:spPr/>
+      </p:sp>
+      <p:sp>
+        <p:nvSpPr>
+          <p:cNvPr id="3" name="Заметки 2"/>
+          <p:cNvSpPr>
+            <a:spLocks noGrp="1"/>
+          </p:cNvSpPr>
+          <p:nvPr>
+            <p:ph type="body" idx="1"/>
+          </p:nvPr>
+        </p:nvSpPr>
+        <p:spPr/>
+        <p:txBody>
+          <a:bodyPr/>
+          <a:lstStyle/>
+          <a:p>
+            <a:endParaRPr lang="ru-RU" dirty="0"/>
+          </a:p>
+        </p:txBody>
+      </p:sp>
+      <p:sp>
+        <p:nvSpPr>
+          <p:cNvPr id="4" name="Номер слайда 3"/>
+          <p:cNvSpPr>
+            <a:spLocks noGrp="1"/>
+          </p:cNvSpPr>
+          <p:nvPr>
+            <p:ph type="sldNum" sz="quarter" idx="5"/>
+          </p:nvPr>
+        </p:nvSpPr>
+        <p:spPr/>
+        <p:txBody>
+          <a:bodyPr/>
+          <a:lstStyle/>
+          <a:p>
+            <a:fld id="{538CAE95-7374-406F-A8A1-986C3741F444}" type="slidenum">
+              <a:rPr lang="ru-RU" smtClean="0"/>
+              <a:t>15</a:t>
+            </a:fld>
+            <a:endParaRPr lang="ru-RU"/>
+          </a:p>
+        </p:txBody>
+      </p:sp>
+    </p:spTree>
+    <p:extLst>
+      <p:ext uri="{BB962C8B-B14F-4D97-AF65-F5344CB8AC3E}">
+        <p14:creationId xmlns:p14="http://schemas.microsoft.com/office/powerpoint/2010/main" val="816759711"/>
+      </p:ext>
+    </p:extLst>
+  </p:cSld>
+  <p:clrMapOvr>
+    <a:masterClrMapping/>
+  </p:clrMapOvr>
+</p:notes>
+</file>
+
+<file path=ppt/notesSlides/notesSlide6.xml><?xml version="1.0" encoding="utf-8"?>
+<p:notes xmlns:a="http://schemas.openxmlformats.org/drawingml/2006/main" xmlns:r="http://schemas.openxmlformats.org/officeDocument/2006/relationships" xmlns:p="http://schemas.openxmlformats.org/presentationml/2006/main">
+  <p:cSld>
+    <p:spTree>
+      <p:nvGrpSpPr>
+        <p:cNvPr id="1" name=""/>
+        <p:cNvGrpSpPr/>
+        <p:nvPr/>
+      </p:nvGrpSpPr>
+      <p:grpSpPr>
+        <a:xfrm>
+          <a:off x="0" y="0"/>
+          <a:ext cx="0" cy="0"/>
+          <a:chOff x="0" y="0"/>
+          <a:chExt cx="0" cy="0"/>
+        </a:xfrm>
+      </p:grpSpPr>
+      <p:sp>
+        <p:nvSpPr>
+          <p:cNvPr id="2" name="Образ слайда 1"/>
+          <p:cNvSpPr>
+            <a:spLocks noGrp="1" noRot="1" noChangeAspect="1"/>
+          </p:cNvSpPr>
+          <p:nvPr>
+            <p:ph type="sldImg"/>
+          </p:nvPr>
+        </p:nvSpPr>
+        <p:spPr/>
+      </p:sp>
+      <p:sp>
+        <p:nvSpPr>
+          <p:cNvPr id="3" name="Заметки 2"/>
+          <p:cNvSpPr>
+            <a:spLocks noGrp="1"/>
+          </p:cNvSpPr>
+          <p:nvPr>
+            <p:ph type="body" idx="1"/>
+          </p:nvPr>
+        </p:nvSpPr>
+        <p:spPr/>
+        <p:txBody>
+          <a:bodyPr/>
+          <a:lstStyle/>
+          <a:p>
+            <a:endParaRPr lang="ru-RU" dirty="0"/>
+          </a:p>
+        </p:txBody>
+      </p:sp>
+      <p:sp>
+        <p:nvSpPr>
+          <p:cNvPr id="4" name="Номер слайда 3"/>
+          <p:cNvSpPr>
+            <a:spLocks noGrp="1"/>
+          </p:cNvSpPr>
+          <p:nvPr>
+            <p:ph type="sldNum" sz="quarter" idx="5"/>
+          </p:nvPr>
+        </p:nvSpPr>
+        <p:spPr/>
+        <p:txBody>
+          <a:bodyPr/>
+          <a:lstStyle/>
+          <a:p>
+            <a:fld id="{538CAE95-7374-406F-A8A1-986C3741F444}" type="slidenum">
+              <a:rPr lang="ru-RU" smtClean="0"/>
+              <a:t>16</a:t>
+            </a:fld>
+            <a:endParaRPr lang="ru-RU"/>
+          </a:p>
+        </p:txBody>
+      </p:sp>
+    </p:spTree>
+    <p:extLst>
+      <p:ext uri="{BB962C8B-B14F-4D97-AF65-F5344CB8AC3E}">
+        <p14:creationId xmlns:p14="http://schemas.microsoft.com/office/powerpoint/2010/main" val="4070652291"/>
+      </p:ext>
+    </p:extLst>
+  </p:cSld>
+  <p:clrMapOvr>
+    <a:masterClrMapping/>
+  </p:clrMapOvr>
+</p:notes>
+</file>
+
+<file path=ppt/notesSlides/notesSlide7.xml><?xml version="1.0" encoding="utf-8"?>
+<p:notes xmlns:a="http://schemas.openxmlformats.org/drawingml/2006/main" xmlns:r="http://schemas.openxmlformats.org/officeDocument/2006/relationships" xmlns:p="http://schemas.openxmlformats.org/presentationml/2006/main">
+  <p:cSld>
+    <p:spTree>
+      <p:nvGrpSpPr>
+        <p:cNvPr id="1" name=""/>
+        <p:cNvGrpSpPr/>
+        <p:nvPr/>
+      </p:nvGrpSpPr>
+      <p:grpSpPr>
+        <a:xfrm>
+          <a:off x="0" y="0"/>
+          <a:ext cx="0" cy="0"/>
+          <a:chOff x="0" y="0"/>
+          <a:chExt cx="0" cy="0"/>
+        </a:xfrm>
+      </p:grpSpPr>
+      <p:sp>
+        <p:nvSpPr>
+          <p:cNvPr id="2" name="Образ слайда 1"/>
+          <p:cNvSpPr>
+            <a:spLocks noGrp="1" noRot="1" noChangeAspect="1"/>
+          </p:cNvSpPr>
+          <p:nvPr>
+            <p:ph type="sldImg"/>
+          </p:nvPr>
+        </p:nvSpPr>
+        <p:spPr/>
+      </p:sp>
+      <p:sp>
+        <p:nvSpPr>
+          <p:cNvPr id="3" name="Заметки 2"/>
+          <p:cNvSpPr>
+            <a:spLocks noGrp="1"/>
+          </p:cNvSpPr>
+          <p:nvPr>
+            <p:ph type="body" idx="1"/>
+          </p:nvPr>
+        </p:nvSpPr>
+        <p:spPr/>
+        <p:txBody>
+          <a:bodyPr/>
+          <a:lstStyle/>
+          <a:p>
+            <a:endParaRPr lang="ru-RU" dirty="0"/>
+          </a:p>
+        </p:txBody>
+      </p:sp>
+      <p:sp>
+        <p:nvSpPr>
+          <p:cNvPr id="4" name="Номер слайда 3"/>
+          <p:cNvSpPr>
+            <a:spLocks noGrp="1"/>
+          </p:cNvSpPr>
+          <p:nvPr>
+            <p:ph type="sldNum" sz="quarter" idx="5"/>
+          </p:nvPr>
+        </p:nvSpPr>
+        <p:spPr/>
+        <p:txBody>
+          <a:bodyPr/>
+          <a:lstStyle/>
+          <a:p>
+            <a:fld id="{538CAE95-7374-406F-A8A1-986C3741F444}" type="slidenum">
+              <a:rPr lang="ru-RU" smtClean="0"/>
+              <a:t>17</a:t>
+            </a:fld>
+            <a:endParaRPr lang="ru-RU"/>
+          </a:p>
+        </p:txBody>
+      </p:sp>
+    </p:spTree>
+    <p:extLst>
+      <p:ext uri="{BB962C8B-B14F-4D97-AF65-F5344CB8AC3E}">
+        <p14:creationId xmlns:p14="http://schemas.microsoft.com/office/powerpoint/2010/main" val="4074737692"/>
+      </p:ext>
+    </p:extLst>
+  </p:cSld>
+  <p:clrMapOvr>
+    <a:masterClrMapping/>
+  </p:clrMapOvr>
+</p:notes>
+</file>
+
 <file path=ppt/slideLayouts/slideLayout1.xml><?xml version="1.0" encoding="utf-8"?>
 <p:sldLayout xmlns:a="http://schemas.openxmlformats.org/drawingml/2006/main" xmlns:r="http://schemas.openxmlformats.org/officeDocument/2006/relationships" xmlns:p="http://schemas.openxmlformats.org/presentationml/2006/main" type="title" preserve="1">
   <p:cSld name="Титульный слайд">
@@ -247,7 +1197,7 @@
           <a:p>
             <a:fld id="{971E141D-9182-475B-B313-577A83957C1A}" type="datetimeFigureOut">
               <a:rPr lang="ru-RU" smtClean="0"/>
-              <a:t>04.10.2023</a:t>
+              <a:t>05.10.2023</a:t>
             </a:fld>
             <a:endParaRPr lang="ru-RU"/>
           </a:p>
@@ -415,7 +1365,7 @@
           <a:p>
             <a:fld id="{971E141D-9182-475B-B313-577A83957C1A}" type="datetimeFigureOut">
               <a:rPr lang="ru-RU" smtClean="0"/>
-              <a:t>04.10.2023</a:t>
+              <a:t>05.10.2023</a:t>
             </a:fld>
             <a:endParaRPr lang="ru-RU"/>
           </a:p>
@@ -593,7 +1543,7 @@
           <a:p>
             <a:fld id="{971E141D-9182-475B-B313-577A83957C1A}" type="datetimeFigureOut">
               <a:rPr lang="ru-RU" smtClean="0"/>
-              <a:t>04.10.2023</a:t>
+              <a:t>05.10.2023</a:t>
             </a:fld>
             <a:endParaRPr lang="ru-RU"/>
           </a:p>
@@ -761,7 +1711,7 @@
           <a:p>
             <a:fld id="{971E141D-9182-475B-B313-577A83957C1A}" type="datetimeFigureOut">
               <a:rPr lang="ru-RU" smtClean="0"/>
-              <a:t>04.10.2023</a:t>
+              <a:t>05.10.2023</a:t>
             </a:fld>
             <a:endParaRPr lang="ru-RU"/>
           </a:p>
@@ -1006,7 +1956,7 @@
           <a:p>
             <a:fld id="{971E141D-9182-475B-B313-577A83957C1A}" type="datetimeFigureOut">
               <a:rPr lang="ru-RU" smtClean="0"/>
-              <a:t>04.10.2023</a:t>
+              <a:t>05.10.2023</a:t>
             </a:fld>
             <a:endParaRPr lang="ru-RU"/>
           </a:p>
@@ -1235,7 +2185,7 @@
           <a:p>
             <a:fld id="{971E141D-9182-475B-B313-577A83957C1A}" type="datetimeFigureOut">
               <a:rPr lang="ru-RU" smtClean="0"/>
-              <a:t>04.10.2023</a:t>
+              <a:t>05.10.2023</a:t>
             </a:fld>
             <a:endParaRPr lang="ru-RU"/>
           </a:p>
@@ -1599,7 +2549,7 @@
           <a:p>
             <a:fld id="{971E141D-9182-475B-B313-577A83957C1A}" type="datetimeFigureOut">
               <a:rPr lang="ru-RU" smtClean="0"/>
-              <a:t>04.10.2023</a:t>
+              <a:t>05.10.2023</a:t>
             </a:fld>
             <a:endParaRPr lang="ru-RU"/>
           </a:p>
@@ -1716,7 +2666,7 @@
           <a:p>
             <a:fld id="{971E141D-9182-475B-B313-577A83957C1A}" type="datetimeFigureOut">
               <a:rPr lang="ru-RU" smtClean="0"/>
-              <a:t>04.10.2023</a:t>
+              <a:t>05.10.2023</a:t>
             </a:fld>
             <a:endParaRPr lang="ru-RU"/>
           </a:p>
@@ -1811,7 +2761,7 @@
           <a:p>
             <a:fld id="{971E141D-9182-475B-B313-577A83957C1A}" type="datetimeFigureOut">
               <a:rPr lang="ru-RU" smtClean="0"/>
-              <a:t>04.10.2023</a:t>
+              <a:t>05.10.2023</a:t>
             </a:fld>
             <a:endParaRPr lang="ru-RU"/>
           </a:p>
@@ -2086,7 +3036,7 @@
           <a:p>
             <a:fld id="{971E141D-9182-475B-B313-577A83957C1A}" type="datetimeFigureOut">
               <a:rPr lang="ru-RU" smtClean="0"/>
-              <a:t>04.10.2023</a:t>
+              <a:t>05.10.2023</a:t>
             </a:fld>
             <a:endParaRPr lang="ru-RU"/>
           </a:p>
@@ -2338,7 +3288,7 @@
           <a:p>
             <a:fld id="{971E141D-9182-475B-B313-577A83957C1A}" type="datetimeFigureOut">
               <a:rPr lang="ru-RU" smtClean="0"/>
-              <a:t>04.10.2023</a:t>
+              <a:t>05.10.2023</a:t>
             </a:fld>
             <a:endParaRPr lang="ru-RU"/>
           </a:p>
@@ -2549,7 +3499,7 @@
           <a:p>
             <a:fld id="{971E141D-9182-475B-B313-577A83957C1A}" type="datetimeFigureOut">
               <a:rPr lang="ru-RU" smtClean="0"/>
-              <a:t>04.10.2023</a:t>
+              <a:t>05.10.2023</a:t>
             </a:fld>
             <a:endParaRPr lang="ru-RU"/>
           </a:p>
@@ -3258,6 +4208,14 @@
               </a:rPr>
             </a:br>
             <a:r>
+              <a:rPr lang="en-US" sz="2000" b="1" dirty="0">
+                <a:solidFill>
+                  <a:schemeClr val="tx1"/>
+                </a:solidFill>
+              </a:rPr>
+              <a:t> </a:t>
+            </a:r>
+            <a:r>
               <a:rPr lang="ru-RU" sz="1800" dirty="0">
                 <a:solidFill>
                   <a:srgbClr val="6A57A1"/>
@@ -3289,7 +4247,7 @@
         </p:nvSpPr>
         <p:spPr>
           <a:xfrm>
-            <a:off x="4478862" y="4032861"/>
+            <a:off x="4515869" y="4035150"/>
             <a:ext cx="6581030" cy="428745"/>
           </a:xfrm>
           <a:prstGeom prst="rect">
@@ -3453,7 +4411,7 @@
         </p:blipFill>
         <p:spPr bwMode="auto">
           <a:xfrm>
-            <a:off x="6474071" y="4461606"/>
+            <a:off x="6511078" y="4463895"/>
             <a:ext cx="2693308" cy="427239"/>
           </a:xfrm>
           <a:prstGeom prst="rect">
@@ -3514,6 +4472,6410 @@
     <p:extLst>
       <p:ext uri="{BB962C8B-B14F-4D97-AF65-F5344CB8AC3E}">
         <p14:creationId xmlns:p14="http://schemas.microsoft.com/office/powerpoint/2010/main" val="4263847025"/>
+      </p:ext>
+    </p:extLst>
+  </p:cSld>
+  <p:clrMapOvr>
+    <a:masterClrMapping/>
+  </p:clrMapOvr>
+</p:sld>
+</file>
+
+<file path=ppt/slides/slide10.xml><?xml version="1.0" encoding="utf-8"?>
+<p:sld xmlns:a="http://schemas.openxmlformats.org/drawingml/2006/main" xmlns:r="http://schemas.openxmlformats.org/officeDocument/2006/relationships" xmlns:p="http://schemas.openxmlformats.org/presentationml/2006/main">
+  <p:cSld>
+    <p:spTree>
+      <p:nvGrpSpPr>
+        <p:cNvPr id="1" name=""/>
+        <p:cNvGrpSpPr/>
+        <p:nvPr/>
+      </p:nvGrpSpPr>
+      <p:grpSpPr>
+        <a:xfrm>
+          <a:off x="0" y="0"/>
+          <a:ext cx="0" cy="0"/>
+          <a:chOff x="0" y="0"/>
+          <a:chExt cx="0" cy="0"/>
+        </a:xfrm>
+      </p:grpSpPr>
+      <p:pic>
+        <p:nvPicPr>
+          <p:cNvPr id="12" name="Рисунок 11">
+            <a:extLst>
+              <a:ext uri="{FF2B5EF4-FFF2-40B4-BE49-F238E27FC236}">
+                <a16:creationId xmlns:a16="http://schemas.microsoft.com/office/drawing/2014/main" id="{E23A082D-5B54-4529-A4B7-DB3DFACCF50F}"/>
+              </a:ext>
+            </a:extLst>
+          </p:cNvPr>
+          <p:cNvPicPr>
+            <a:picLocks noChangeAspect="1"/>
+          </p:cNvPicPr>
+          <p:nvPr/>
+        </p:nvPicPr>
+        <p:blipFill>
+          <a:blip r:embed="rId2">
+            <a:extLst>
+              <a:ext uri="{28A0092B-C50C-407E-A947-70E740481C1C}">
+                <a14:useLocalDpi xmlns:a14="http://schemas.microsoft.com/office/drawing/2010/main" val="0"/>
+              </a:ext>
+              <a:ext uri="{96DAC541-7B7A-43D3-8B79-37D633B846F1}">
+                <asvg:svgBlip xmlns:asvg="http://schemas.microsoft.com/office/drawing/2016/SVG/main" r:embed="rId3"/>
+              </a:ext>
+            </a:extLst>
+          </a:blip>
+          <a:stretch>
+            <a:fillRect/>
+          </a:stretch>
+        </p:blipFill>
+        <p:spPr>
+          <a:xfrm>
+            <a:off x="3841904" y="3216875"/>
+            <a:ext cx="4508189" cy="3276000"/>
+          </a:xfrm>
+          <a:prstGeom prst="rect">
+            <a:avLst/>
+          </a:prstGeom>
+        </p:spPr>
+      </p:pic>
+      <p:sp>
+        <p:nvSpPr>
+          <p:cNvPr id="2" name="Заголовок 1"/>
+          <p:cNvSpPr>
+            <a:spLocks noGrp="1"/>
+          </p:cNvSpPr>
+          <p:nvPr>
+            <p:ph type="title"/>
+          </p:nvPr>
+        </p:nvSpPr>
+        <p:spPr/>
+        <p:txBody>
+          <a:bodyPr>
+            <a:normAutofit/>
+          </a:bodyPr>
+          <a:lstStyle/>
+          <a:p>
+            <a:r>
+              <a:rPr lang="ru-RU" sz="2400" dirty="0">
+                <a:solidFill>
+                  <a:srgbClr val="6A57A1"/>
+                </a:solidFill>
+              </a:rPr>
+              <a:t>Введение в верификацию процессорных ядер</a:t>
+            </a:r>
+            <a:br>
+              <a:rPr lang="en-US" sz="2800" dirty="0">
+                <a:solidFill>
+                  <a:srgbClr val="6A57A1"/>
+                </a:solidFill>
+              </a:rPr>
+            </a:br>
+            <a:r>
+              <a:rPr lang="ru-RU" sz="4000" b="1" dirty="0"/>
+              <a:t>Верификация процессорных ядер</a:t>
+            </a:r>
+            <a:endParaRPr lang="ru-RU" sz="2800" b="1" dirty="0"/>
+          </a:p>
+        </p:txBody>
+      </p:sp>
+      <p:sp>
+        <p:nvSpPr>
+          <p:cNvPr id="6" name="Объект 2">
+            <a:extLst>
+              <a:ext uri="{FF2B5EF4-FFF2-40B4-BE49-F238E27FC236}">
+                <a16:creationId xmlns:a16="http://schemas.microsoft.com/office/drawing/2014/main" id="{EE9F5BA1-15B1-4066-833B-445A62C99AC8}"/>
+              </a:ext>
+            </a:extLst>
+          </p:cNvPr>
+          <p:cNvSpPr txBox="1">
+            <a:spLocks/>
+          </p:cNvSpPr>
+          <p:nvPr/>
+        </p:nvSpPr>
+        <p:spPr>
+          <a:xfrm>
+            <a:off x="838200" y="1690688"/>
+            <a:ext cx="10515600" cy="4351338"/>
+          </a:xfrm>
+          <a:prstGeom prst="rect">
+            <a:avLst/>
+          </a:prstGeom>
+        </p:spPr>
+        <p:txBody>
+          <a:bodyPr vert="horz" lIns="91440" tIns="45720" rIns="91440" bIns="45720" rtlCol="0">
+            <a:normAutofit/>
+          </a:bodyPr>
+          <a:lstStyle>
+            <a:lvl1pPr marL="228600" indent="-228600" algn="l" defTabSz="914400" rtl="0" eaLnBrk="1" latinLnBrk="0" hangingPunct="1">
+              <a:lnSpc>
+                <a:spcPct val="90000"/>
+              </a:lnSpc>
+              <a:spcBef>
+                <a:spcPts val="1000"/>
+              </a:spcBef>
+              <a:buFont typeface="Arial" panose="020B0604020202020204" pitchFamily="34" charset="0"/>
+              <a:buChar char="•"/>
+              <a:defRPr sz="2800" kern="1200">
+                <a:solidFill>
+                  <a:schemeClr val="tx1"/>
+                </a:solidFill>
+                <a:latin typeface="+mn-lt"/>
+                <a:ea typeface="+mn-ea"/>
+                <a:cs typeface="+mn-cs"/>
+              </a:defRPr>
+            </a:lvl1pPr>
+            <a:lvl2pPr marL="685800" indent="-228600" algn="l" defTabSz="914400" rtl="0" eaLnBrk="1" latinLnBrk="0" hangingPunct="1">
+              <a:lnSpc>
+                <a:spcPct val="90000"/>
+              </a:lnSpc>
+              <a:spcBef>
+                <a:spcPts val="500"/>
+              </a:spcBef>
+              <a:buFont typeface="Arial" panose="020B0604020202020204" pitchFamily="34" charset="0"/>
+              <a:buChar char="•"/>
+              <a:defRPr sz="2400" kern="1200">
+                <a:solidFill>
+                  <a:schemeClr val="tx1"/>
+                </a:solidFill>
+                <a:latin typeface="+mn-lt"/>
+                <a:ea typeface="+mn-ea"/>
+                <a:cs typeface="+mn-cs"/>
+              </a:defRPr>
+            </a:lvl2pPr>
+            <a:lvl3pPr marL="1143000" indent="-228600" algn="l" defTabSz="914400" rtl="0" eaLnBrk="1" latinLnBrk="0" hangingPunct="1">
+              <a:lnSpc>
+                <a:spcPct val="90000"/>
+              </a:lnSpc>
+              <a:spcBef>
+                <a:spcPts val="500"/>
+              </a:spcBef>
+              <a:buFont typeface="Arial" panose="020B0604020202020204" pitchFamily="34" charset="0"/>
+              <a:buChar char="•"/>
+              <a:defRPr sz="2000" kern="1200">
+                <a:solidFill>
+                  <a:schemeClr val="tx1"/>
+                </a:solidFill>
+                <a:latin typeface="+mn-lt"/>
+                <a:ea typeface="+mn-ea"/>
+                <a:cs typeface="+mn-cs"/>
+              </a:defRPr>
+            </a:lvl3pPr>
+            <a:lvl4pPr marL="1600200" indent="-228600" algn="l" defTabSz="914400" rtl="0" eaLnBrk="1" latinLnBrk="0" hangingPunct="1">
+              <a:lnSpc>
+                <a:spcPct val="90000"/>
+              </a:lnSpc>
+              <a:spcBef>
+                <a:spcPts val="500"/>
+              </a:spcBef>
+              <a:buFont typeface="Arial" panose="020B0604020202020204" pitchFamily="34" charset="0"/>
+              <a:buChar char="•"/>
+              <a:defRPr sz="1800" kern="1200">
+                <a:solidFill>
+                  <a:schemeClr val="tx1"/>
+                </a:solidFill>
+                <a:latin typeface="+mn-lt"/>
+                <a:ea typeface="+mn-ea"/>
+                <a:cs typeface="+mn-cs"/>
+              </a:defRPr>
+            </a:lvl4pPr>
+            <a:lvl5pPr marL="2057400" indent="-228600" algn="l" defTabSz="914400" rtl="0" eaLnBrk="1" latinLnBrk="0" hangingPunct="1">
+              <a:lnSpc>
+                <a:spcPct val="90000"/>
+              </a:lnSpc>
+              <a:spcBef>
+                <a:spcPts val="500"/>
+              </a:spcBef>
+              <a:buFont typeface="Arial" panose="020B0604020202020204" pitchFamily="34" charset="0"/>
+              <a:buChar char="•"/>
+              <a:defRPr sz="1800" kern="1200">
+                <a:solidFill>
+                  <a:schemeClr val="tx1"/>
+                </a:solidFill>
+                <a:latin typeface="+mn-lt"/>
+                <a:ea typeface="+mn-ea"/>
+                <a:cs typeface="+mn-cs"/>
+              </a:defRPr>
+            </a:lvl5pPr>
+            <a:lvl6pPr marL="2514600" indent="-228600" algn="l" defTabSz="914400" rtl="0" eaLnBrk="1" latinLnBrk="0" hangingPunct="1">
+              <a:lnSpc>
+                <a:spcPct val="90000"/>
+              </a:lnSpc>
+              <a:spcBef>
+                <a:spcPts val="500"/>
+              </a:spcBef>
+              <a:buFont typeface="Arial" panose="020B0604020202020204" pitchFamily="34" charset="0"/>
+              <a:buChar char="•"/>
+              <a:defRPr sz="1800" kern="1200">
+                <a:solidFill>
+                  <a:schemeClr val="tx1"/>
+                </a:solidFill>
+                <a:latin typeface="+mn-lt"/>
+                <a:ea typeface="+mn-ea"/>
+                <a:cs typeface="+mn-cs"/>
+              </a:defRPr>
+            </a:lvl6pPr>
+            <a:lvl7pPr marL="2971800" indent="-228600" algn="l" defTabSz="914400" rtl="0" eaLnBrk="1" latinLnBrk="0" hangingPunct="1">
+              <a:lnSpc>
+                <a:spcPct val="90000"/>
+              </a:lnSpc>
+              <a:spcBef>
+                <a:spcPts val="500"/>
+              </a:spcBef>
+              <a:buFont typeface="Arial" panose="020B0604020202020204" pitchFamily="34" charset="0"/>
+              <a:buChar char="•"/>
+              <a:defRPr sz="1800" kern="1200">
+                <a:solidFill>
+                  <a:schemeClr val="tx1"/>
+                </a:solidFill>
+                <a:latin typeface="+mn-lt"/>
+                <a:ea typeface="+mn-ea"/>
+                <a:cs typeface="+mn-cs"/>
+              </a:defRPr>
+            </a:lvl7pPr>
+            <a:lvl8pPr marL="3429000" indent="-228600" algn="l" defTabSz="914400" rtl="0" eaLnBrk="1" latinLnBrk="0" hangingPunct="1">
+              <a:lnSpc>
+                <a:spcPct val="90000"/>
+              </a:lnSpc>
+              <a:spcBef>
+                <a:spcPts val="500"/>
+              </a:spcBef>
+              <a:buFont typeface="Arial" panose="020B0604020202020204" pitchFamily="34" charset="0"/>
+              <a:buChar char="•"/>
+              <a:defRPr sz="1800" kern="1200">
+                <a:solidFill>
+                  <a:schemeClr val="tx1"/>
+                </a:solidFill>
+                <a:latin typeface="+mn-lt"/>
+                <a:ea typeface="+mn-ea"/>
+                <a:cs typeface="+mn-cs"/>
+              </a:defRPr>
+            </a:lvl8pPr>
+            <a:lvl9pPr marL="3886200" indent="-228600" algn="l" defTabSz="914400" rtl="0" eaLnBrk="1" latinLnBrk="0" hangingPunct="1">
+              <a:lnSpc>
+                <a:spcPct val="90000"/>
+              </a:lnSpc>
+              <a:spcBef>
+                <a:spcPts val="500"/>
+              </a:spcBef>
+              <a:buFont typeface="Arial" panose="020B0604020202020204" pitchFamily="34" charset="0"/>
+              <a:buChar char="•"/>
+              <a:defRPr sz="1800" kern="1200">
+                <a:solidFill>
+                  <a:schemeClr val="tx1"/>
+                </a:solidFill>
+                <a:latin typeface="+mn-lt"/>
+                <a:ea typeface="+mn-ea"/>
+                <a:cs typeface="+mn-cs"/>
+              </a:defRPr>
+            </a:lvl9pPr>
+          </a:lstStyle>
+          <a:p>
+            <a:pPr marL="0" indent="0">
+              <a:buNone/>
+            </a:pPr>
+            <a:endParaRPr lang="ru-RU" sz="2400" b="1" dirty="0">
+              <a:solidFill>
+                <a:srgbClr val="6A57A1"/>
+              </a:solidFill>
+            </a:endParaRPr>
+          </a:p>
+          <a:p>
+            <a:pPr marL="0" indent="0">
+              <a:buNone/>
+            </a:pPr>
+            <a:r>
+              <a:rPr lang="ru-RU" sz="2400" b="1" dirty="0">
+                <a:solidFill>
+                  <a:srgbClr val="6A57A1"/>
+                </a:solidFill>
+              </a:rPr>
+              <a:t>Верификация процессорного ядра</a:t>
+            </a:r>
+            <a:r>
+              <a:rPr lang="ru-RU" sz="2400" b="1" dirty="0">
+                <a:solidFill>
+                  <a:srgbClr val="E54F40"/>
+                </a:solidFill>
+              </a:rPr>
+              <a:t> </a:t>
+            </a:r>
+            <a:r>
+              <a:rPr lang="ru-RU" sz="2400" dirty="0"/>
+              <a:t>– процесс обоснованного доказательства корректной работы ядра в рамках представленной на него спецификации.</a:t>
+            </a:r>
+          </a:p>
+        </p:txBody>
+      </p:sp>
+      <p:pic>
+        <p:nvPicPr>
+          <p:cNvPr id="17" name="Рисунок 16">
+            <a:extLst>
+              <a:ext uri="{FF2B5EF4-FFF2-40B4-BE49-F238E27FC236}">
+                <a16:creationId xmlns:a16="http://schemas.microsoft.com/office/drawing/2014/main" id="{AF4F4E02-BEBD-40ED-A875-48523F873CAD}"/>
+              </a:ext>
+            </a:extLst>
+          </p:cNvPr>
+          <p:cNvPicPr>
+            <a:picLocks noChangeAspect="1"/>
+          </p:cNvPicPr>
+          <p:nvPr/>
+        </p:nvPicPr>
+        <p:blipFill>
+          <a:blip r:embed="rId4">
+            <a:extLst>
+              <a:ext uri="{28A0092B-C50C-407E-A947-70E740481C1C}">
+                <a14:useLocalDpi xmlns:a14="http://schemas.microsoft.com/office/drawing/2010/main" val="0"/>
+              </a:ext>
+              <a:ext uri="{96DAC541-7B7A-43D3-8B79-37D633B846F1}">
+                <asvg:svgBlip xmlns:asvg="http://schemas.microsoft.com/office/drawing/2016/SVG/main" r:embed="rId5"/>
+              </a:ext>
+            </a:extLst>
+          </a:blip>
+          <a:stretch>
+            <a:fillRect/>
+          </a:stretch>
+        </p:blipFill>
+        <p:spPr>
+          <a:xfrm>
+            <a:off x="1587809" y="3216875"/>
+            <a:ext cx="4508189" cy="3276000"/>
+          </a:xfrm>
+          <a:prstGeom prst="rect">
+            <a:avLst/>
+          </a:prstGeom>
+        </p:spPr>
+      </p:pic>
+    </p:spTree>
+    <p:extLst>
+      <p:ext uri="{BB962C8B-B14F-4D97-AF65-F5344CB8AC3E}">
+        <p14:creationId xmlns:p14="http://schemas.microsoft.com/office/powerpoint/2010/main" val="1562356478"/>
+      </p:ext>
+    </p:extLst>
+  </p:cSld>
+  <p:clrMapOvr>
+    <a:masterClrMapping/>
+  </p:clrMapOvr>
+</p:sld>
+</file>
+
+<file path=ppt/slides/slide11.xml><?xml version="1.0" encoding="utf-8"?>
+<p:sld xmlns:a="http://schemas.openxmlformats.org/drawingml/2006/main" xmlns:r="http://schemas.openxmlformats.org/officeDocument/2006/relationships" xmlns:p="http://schemas.openxmlformats.org/presentationml/2006/main">
+  <p:cSld>
+    <p:spTree>
+      <p:nvGrpSpPr>
+        <p:cNvPr id="1" name=""/>
+        <p:cNvGrpSpPr/>
+        <p:nvPr/>
+      </p:nvGrpSpPr>
+      <p:grpSpPr>
+        <a:xfrm>
+          <a:off x="0" y="0"/>
+          <a:ext cx="0" cy="0"/>
+          <a:chOff x="0" y="0"/>
+          <a:chExt cx="0" cy="0"/>
+        </a:xfrm>
+      </p:grpSpPr>
+      <p:sp>
+        <p:nvSpPr>
+          <p:cNvPr id="2" name="Заголовок 1"/>
+          <p:cNvSpPr>
+            <a:spLocks noGrp="1"/>
+          </p:cNvSpPr>
+          <p:nvPr>
+            <p:ph type="title"/>
+          </p:nvPr>
+        </p:nvSpPr>
+        <p:spPr/>
+        <p:txBody>
+          <a:bodyPr>
+            <a:normAutofit/>
+          </a:bodyPr>
+          <a:lstStyle/>
+          <a:p>
+            <a:r>
+              <a:rPr lang="ru-RU" sz="2400" dirty="0">
+                <a:solidFill>
+                  <a:srgbClr val="6A57A1"/>
+                </a:solidFill>
+              </a:rPr>
+              <a:t>Введение в верификацию процессорных ядер</a:t>
+            </a:r>
+            <a:br>
+              <a:rPr lang="en-US" sz="2800" dirty="0">
+                <a:solidFill>
+                  <a:srgbClr val="6A57A1"/>
+                </a:solidFill>
+              </a:rPr>
+            </a:br>
+            <a:r>
+              <a:rPr lang="ru-RU" sz="4000" b="1" dirty="0"/>
+              <a:t>Верификация процессорных ядер</a:t>
+            </a:r>
+            <a:endParaRPr lang="ru-RU" sz="2800" b="1" dirty="0"/>
+          </a:p>
+        </p:txBody>
+      </p:sp>
+      <p:sp>
+        <p:nvSpPr>
+          <p:cNvPr id="6" name="Объект 2">
+            <a:extLst>
+              <a:ext uri="{FF2B5EF4-FFF2-40B4-BE49-F238E27FC236}">
+                <a16:creationId xmlns:a16="http://schemas.microsoft.com/office/drawing/2014/main" id="{EE9F5BA1-15B1-4066-833B-445A62C99AC8}"/>
+              </a:ext>
+            </a:extLst>
+          </p:cNvPr>
+          <p:cNvSpPr txBox="1">
+            <a:spLocks/>
+          </p:cNvSpPr>
+          <p:nvPr/>
+        </p:nvSpPr>
+        <p:spPr>
+          <a:xfrm>
+            <a:off x="838200" y="1690688"/>
+            <a:ext cx="10515600" cy="4351338"/>
+          </a:xfrm>
+          <a:prstGeom prst="rect">
+            <a:avLst/>
+          </a:prstGeom>
+        </p:spPr>
+        <p:txBody>
+          <a:bodyPr vert="horz" lIns="91440" tIns="45720" rIns="91440" bIns="45720" rtlCol="0">
+            <a:normAutofit/>
+          </a:bodyPr>
+          <a:lstStyle>
+            <a:lvl1pPr marL="228600" indent="-228600" algn="l" defTabSz="914400" rtl="0" eaLnBrk="1" latinLnBrk="0" hangingPunct="1">
+              <a:lnSpc>
+                <a:spcPct val="90000"/>
+              </a:lnSpc>
+              <a:spcBef>
+                <a:spcPts val="1000"/>
+              </a:spcBef>
+              <a:buFont typeface="Arial" panose="020B0604020202020204" pitchFamily="34" charset="0"/>
+              <a:buChar char="•"/>
+              <a:defRPr sz="2800" kern="1200">
+                <a:solidFill>
+                  <a:schemeClr val="tx1"/>
+                </a:solidFill>
+                <a:latin typeface="+mn-lt"/>
+                <a:ea typeface="+mn-ea"/>
+                <a:cs typeface="+mn-cs"/>
+              </a:defRPr>
+            </a:lvl1pPr>
+            <a:lvl2pPr marL="685800" indent="-228600" algn="l" defTabSz="914400" rtl="0" eaLnBrk="1" latinLnBrk="0" hangingPunct="1">
+              <a:lnSpc>
+                <a:spcPct val="90000"/>
+              </a:lnSpc>
+              <a:spcBef>
+                <a:spcPts val="500"/>
+              </a:spcBef>
+              <a:buFont typeface="Arial" panose="020B0604020202020204" pitchFamily="34" charset="0"/>
+              <a:buChar char="•"/>
+              <a:defRPr sz="2400" kern="1200">
+                <a:solidFill>
+                  <a:schemeClr val="tx1"/>
+                </a:solidFill>
+                <a:latin typeface="+mn-lt"/>
+                <a:ea typeface="+mn-ea"/>
+                <a:cs typeface="+mn-cs"/>
+              </a:defRPr>
+            </a:lvl2pPr>
+            <a:lvl3pPr marL="1143000" indent="-228600" algn="l" defTabSz="914400" rtl="0" eaLnBrk="1" latinLnBrk="0" hangingPunct="1">
+              <a:lnSpc>
+                <a:spcPct val="90000"/>
+              </a:lnSpc>
+              <a:spcBef>
+                <a:spcPts val="500"/>
+              </a:spcBef>
+              <a:buFont typeface="Arial" panose="020B0604020202020204" pitchFamily="34" charset="0"/>
+              <a:buChar char="•"/>
+              <a:defRPr sz="2000" kern="1200">
+                <a:solidFill>
+                  <a:schemeClr val="tx1"/>
+                </a:solidFill>
+                <a:latin typeface="+mn-lt"/>
+                <a:ea typeface="+mn-ea"/>
+                <a:cs typeface="+mn-cs"/>
+              </a:defRPr>
+            </a:lvl3pPr>
+            <a:lvl4pPr marL="1600200" indent="-228600" algn="l" defTabSz="914400" rtl="0" eaLnBrk="1" latinLnBrk="0" hangingPunct="1">
+              <a:lnSpc>
+                <a:spcPct val="90000"/>
+              </a:lnSpc>
+              <a:spcBef>
+                <a:spcPts val="500"/>
+              </a:spcBef>
+              <a:buFont typeface="Arial" panose="020B0604020202020204" pitchFamily="34" charset="0"/>
+              <a:buChar char="•"/>
+              <a:defRPr sz="1800" kern="1200">
+                <a:solidFill>
+                  <a:schemeClr val="tx1"/>
+                </a:solidFill>
+                <a:latin typeface="+mn-lt"/>
+                <a:ea typeface="+mn-ea"/>
+                <a:cs typeface="+mn-cs"/>
+              </a:defRPr>
+            </a:lvl4pPr>
+            <a:lvl5pPr marL="2057400" indent="-228600" algn="l" defTabSz="914400" rtl="0" eaLnBrk="1" latinLnBrk="0" hangingPunct="1">
+              <a:lnSpc>
+                <a:spcPct val="90000"/>
+              </a:lnSpc>
+              <a:spcBef>
+                <a:spcPts val="500"/>
+              </a:spcBef>
+              <a:buFont typeface="Arial" panose="020B0604020202020204" pitchFamily="34" charset="0"/>
+              <a:buChar char="•"/>
+              <a:defRPr sz="1800" kern="1200">
+                <a:solidFill>
+                  <a:schemeClr val="tx1"/>
+                </a:solidFill>
+                <a:latin typeface="+mn-lt"/>
+                <a:ea typeface="+mn-ea"/>
+                <a:cs typeface="+mn-cs"/>
+              </a:defRPr>
+            </a:lvl5pPr>
+            <a:lvl6pPr marL="2514600" indent="-228600" algn="l" defTabSz="914400" rtl="0" eaLnBrk="1" latinLnBrk="0" hangingPunct="1">
+              <a:lnSpc>
+                <a:spcPct val="90000"/>
+              </a:lnSpc>
+              <a:spcBef>
+                <a:spcPts val="500"/>
+              </a:spcBef>
+              <a:buFont typeface="Arial" panose="020B0604020202020204" pitchFamily="34" charset="0"/>
+              <a:buChar char="•"/>
+              <a:defRPr sz="1800" kern="1200">
+                <a:solidFill>
+                  <a:schemeClr val="tx1"/>
+                </a:solidFill>
+                <a:latin typeface="+mn-lt"/>
+                <a:ea typeface="+mn-ea"/>
+                <a:cs typeface="+mn-cs"/>
+              </a:defRPr>
+            </a:lvl6pPr>
+            <a:lvl7pPr marL="2971800" indent="-228600" algn="l" defTabSz="914400" rtl="0" eaLnBrk="1" latinLnBrk="0" hangingPunct="1">
+              <a:lnSpc>
+                <a:spcPct val="90000"/>
+              </a:lnSpc>
+              <a:spcBef>
+                <a:spcPts val="500"/>
+              </a:spcBef>
+              <a:buFont typeface="Arial" panose="020B0604020202020204" pitchFamily="34" charset="0"/>
+              <a:buChar char="•"/>
+              <a:defRPr sz="1800" kern="1200">
+                <a:solidFill>
+                  <a:schemeClr val="tx1"/>
+                </a:solidFill>
+                <a:latin typeface="+mn-lt"/>
+                <a:ea typeface="+mn-ea"/>
+                <a:cs typeface="+mn-cs"/>
+              </a:defRPr>
+            </a:lvl7pPr>
+            <a:lvl8pPr marL="3429000" indent="-228600" algn="l" defTabSz="914400" rtl="0" eaLnBrk="1" latinLnBrk="0" hangingPunct="1">
+              <a:lnSpc>
+                <a:spcPct val="90000"/>
+              </a:lnSpc>
+              <a:spcBef>
+                <a:spcPts val="500"/>
+              </a:spcBef>
+              <a:buFont typeface="Arial" panose="020B0604020202020204" pitchFamily="34" charset="0"/>
+              <a:buChar char="•"/>
+              <a:defRPr sz="1800" kern="1200">
+                <a:solidFill>
+                  <a:schemeClr val="tx1"/>
+                </a:solidFill>
+                <a:latin typeface="+mn-lt"/>
+                <a:ea typeface="+mn-ea"/>
+                <a:cs typeface="+mn-cs"/>
+              </a:defRPr>
+            </a:lvl8pPr>
+            <a:lvl9pPr marL="3886200" indent="-228600" algn="l" defTabSz="914400" rtl="0" eaLnBrk="1" latinLnBrk="0" hangingPunct="1">
+              <a:lnSpc>
+                <a:spcPct val="90000"/>
+              </a:lnSpc>
+              <a:spcBef>
+                <a:spcPts val="500"/>
+              </a:spcBef>
+              <a:buFont typeface="Arial" panose="020B0604020202020204" pitchFamily="34" charset="0"/>
+              <a:buChar char="•"/>
+              <a:defRPr sz="1800" kern="1200">
+                <a:solidFill>
+                  <a:schemeClr val="tx1"/>
+                </a:solidFill>
+                <a:latin typeface="+mn-lt"/>
+                <a:ea typeface="+mn-ea"/>
+                <a:cs typeface="+mn-cs"/>
+              </a:defRPr>
+            </a:lvl9pPr>
+          </a:lstStyle>
+          <a:p>
+            <a:pPr marL="0" indent="0">
+              <a:buNone/>
+            </a:pPr>
+            <a:endParaRPr lang="ru-RU" sz="2400" b="1" dirty="0">
+              <a:solidFill>
+                <a:srgbClr val="6A57A1"/>
+              </a:solidFill>
+            </a:endParaRPr>
+          </a:p>
+          <a:p>
+            <a:pPr marL="0" indent="0">
+              <a:buNone/>
+            </a:pPr>
+            <a:r>
+              <a:rPr lang="ru-RU" sz="2400" b="1" dirty="0">
+                <a:solidFill>
+                  <a:srgbClr val="6A57A1"/>
+                </a:solidFill>
+              </a:rPr>
+              <a:t>Верификация процессорного ядра</a:t>
+            </a:r>
+            <a:r>
+              <a:rPr lang="ru-RU" sz="2400" b="1" dirty="0">
+                <a:solidFill>
+                  <a:srgbClr val="E54F40"/>
+                </a:solidFill>
+              </a:rPr>
+              <a:t> </a:t>
+            </a:r>
+            <a:r>
+              <a:rPr lang="ru-RU" sz="2400" dirty="0"/>
+              <a:t>– процесс обоснованного доказательства корректной работы ядра в рамках представленной на него спецификации.</a:t>
+            </a:r>
+          </a:p>
+        </p:txBody>
+      </p:sp>
+      <p:pic>
+        <p:nvPicPr>
+          <p:cNvPr id="17" name="Рисунок 16">
+            <a:extLst>
+              <a:ext uri="{FF2B5EF4-FFF2-40B4-BE49-F238E27FC236}">
+                <a16:creationId xmlns:a16="http://schemas.microsoft.com/office/drawing/2014/main" id="{AF4F4E02-BEBD-40ED-A875-48523F873CAD}"/>
+              </a:ext>
+            </a:extLst>
+          </p:cNvPr>
+          <p:cNvPicPr>
+            <a:picLocks noChangeAspect="1"/>
+          </p:cNvPicPr>
+          <p:nvPr/>
+        </p:nvPicPr>
+        <p:blipFill>
+          <a:blip r:embed="rId2">
+            <a:extLst>
+              <a:ext uri="{28A0092B-C50C-407E-A947-70E740481C1C}">
+                <a14:useLocalDpi xmlns:a14="http://schemas.microsoft.com/office/drawing/2010/main" val="0"/>
+              </a:ext>
+              <a:ext uri="{96DAC541-7B7A-43D3-8B79-37D633B846F1}">
+                <asvg:svgBlip xmlns:asvg="http://schemas.microsoft.com/office/drawing/2016/SVG/main" r:embed="rId3"/>
+              </a:ext>
+            </a:extLst>
+          </a:blip>
+          <a:stretch>
+            <a:fillRect/>
+          </a:stretch>
+        </p:blipFill>
+        <p:spPr>
+          <a:xfrm>
+            <a:off x="1587809" y="3216875"/>
+            <a:ext cx="4508189" cy="3276000"/>
+          </a:xfrm>
+          <a:prstGeom prst="rect">
+            <a:avLst/>
+          </a:prstGeom>
+        </p:spPr>
+      </p:pic>
+    </p:spTree>
+    <p:extLst>
+      <p:ext uri="{BB962C8B-B14F-4D97-AF65-F5344CB8AC3E}">
+        <p14:creationId xmlns:p14="http://schemas.microsoft.com/office/powerpoint/2010/main" val="1982586973"/>
+      </p:ext>
+    </p:extLst>
+  </p:cSld>
+  <p:clrMapOvr>
+    <a:masterClrMapping/>
+  </p:clrMapOvr>
+</p:sld>
+</file>
+
+<file path=ppt/slides/slide12.xml><?xml version="1.0" encoding="utf-8"?>
+<p:sld xmlns:a="http://schemas.openxmlformats.org/drawingml/2006/main" xmlns:r="http://schemas.openxmlformats.org/officeDocument/2006/relationships" xmlns:p="http://schemas.openxmlformats.org/presentationml/2006/main">
+  <p:cSld>
+    <p:spTree>
+      <p:nvGrpSpPr>
+        <p:cNvPr id="1" name=""/>
+        <p:cNvGrpSpPr/>
+        <p:nvPr/>
+      </p:nvGrpSpPr>
+      <p:grpSpPr>
+        <a:xfrm>
+          <a:off x="0" y="0"/>
+          <a:ext cx="0" cy="0"/>
+          <a:chOff x="0" y="0"/>
+          <a:chExt cx="0" cy="0"/>
+        </a:xfrm>
+      </p:grpSpPr>
+      <p:pic>
+        <p:nvPicPr>
+          <p:cNvPr id="7" name="Рисунок 6">
+            <a:extLst>
+              <a:ext uri="{FF2B5EF4-FFF2-40B4-BE49-F238E27FC236}">
+                <a16:creationId xmlns:a16="http://schemas.microsoft.com/office/drawing/2014/main" id="{661A33FA-2420-4A95-937F-2710A9C4DB77}"/>
+              </a:ext>
+            </a:extLst>
+          </p:cNvPr>
+          <p:cNvPicPr>
+            <a:picLocks noChangeAspect="1"/>
+          </p:cNvPicPr>
+          <p:nvPr/>
+        </p:nvPicPr>
+        <p:blipFill>
+          <a:blip r:embed="rId3">
+            <a:extLst>
+              <a:ext uri="{28A0092B-C50C-407E-A947-70E740481C1C}">
+                <a14:useLocalDpi xmlns:a14="http://schemas.microsoft.com/office/drawing/2010/main" val="0"/>
+              </a:ext>
+              <a:ext uri="{96DAC541-7B7A-43D3-8B79-37D633B846F1}">
+                <asvg:svgBlip xmlns:asvg="http://schemas.microsoft.com/office/drawing/2016/SVG/main" r:embed="rId4"/>
+              </a:ext>
+            </a:extLst>
+          </a:blip>
+          <a:stretch>
+            <a:fillRect/>
+          </a:stretch>
+        </p:blipFill>
+        <p:spPr>
+          <a:xfrm>
+            <a:off x="1587808" y="3216875"/>
+            <a:ext cx="4508189" cy="3276000"/>
+          </a:xfrm>
+          <a:prstGeom prst="rect">
+            <a:avLst/>
+          </a:prstGeom>
+        </p:spPr>
+      </p:pic>
+      <p:pic>
+        <p:nvPicPr>
+          <p:cNvPr id="12" name="Рисунок 11">
+            <a:extLst>
+              <a:ext uri="{FF2B5EF4-FFF2-40B4-BE49-F238E27FC236}">
+                <a16:creationId xmlns:a16="http://schemas.microsoft.com/office/drawing/2014/main" id="{E23A082D-5B54-4529-A4B7-DB3DFACCF50F}"/>
+              </a:ext>
+            </a:extLst>
+          </p:cNvPr>
+          <p:cNvPicPr>
+            <a:picLocks noChangeAspect="1"/>
+          </p:cNvPicPr>
+          <p:nvPr/>
+        </p:nvPicPr>
+        <p:blipFill>
+          <a:blip r:embed="rId5">
+            <a:extLst>
+              <a:ext uri="{28A0092B-C50C-407E-A947-70E740481C1C}">
+                <a14:useLocalDpi xmlns:a14="http://schemas.microsoft.com/office/drawing/2010/main" val="0"/>
+              </a:ext>
+              <a:ext uri="{96DAC541-7B7A-43D3-8B79-37D633B846F1}">
+                <asvg:svgBlip xmlns:asvg="http://schemas.microsoft.com/office/drawing/2016/SVG/main" r:embed="rId6"/>
+              </a:ext>
+            </a:extLst>
+          </a:blip>
+          <a:stretch>
+            <a:fillRect/>
+          </a:stretch>
+        </p:blipFill>
+        <p:spPr>
+          <a:xfrm>
+            <a:off x="3841904" y="3216875"/>
+            <a:ext cx="4508189" cy="3276000"/>
+          </a:xfrm>
+          <a:prstGeom prst="rect">
+            <a:avLst/>
+          </a:prstGeom>
+        </p:spPr>
+      </p:pic>
+      <p:sp>
+        <p:nvSpPr>
+          <p:cNvPr id="2" name="Заголовок 1"/>
+          <p:cNvSpPr>
+            <a:spLocks noGrp="1"/>
+          </p:cNvSpPr>
+          <p:nvPr>
+            <p:ph type="title"/>
+          </p:nvPr>
+        </p:nvSpPr>
+        <p:spPr/>
+        <p:txBody>
+          <a:bodyPr>
+            <a:normAutofit/>
+          </a:bodyPr>
+          <a:lstStyle/>
+          <a:p>
+            <a:r>
+              <a:rPr lang="ru-RU" sz="2400" dirty="0">
+                <a:solidFill>
+                  <a:srgbClr val="6A57A1"/>
+                </a:solidFill>
+              </a:rPr>
+              <a:t>Введение в верификацию процессорных ядер</a:t>
+            </a:r>
+            <a:br>
+              <a:rPr lang="en-US" sz="2800" dirty="0">
+                <a:solidFill>
+                  <a:srgbClr val="6A57A1"/>
+                </a:solidFill>
+              </a:rPr>
+            </a:br>
+            <a:r>
+              <a:rPr lang="ru-RU" sz="4000" b="1" dirty="0"/>
+              <a:t>Верификация процессорных ядер</a:t>
+            </a:r>
+            <a:endParaRPr lang="ru-RU" sz="2800" b="1" dirty="0"/>
+          </a:p>
+        </p:txBody>
+      </p:sp>
+      <p:sp>
+        <p:nvSpPr>
+          <p:cNvPr id="6" name="Объект 2">
+            <a:extLst>
+              <a:ext uri="{FF2B5EF4-FFF2-40B4-BE49-F238E27FC236}">
+                <a16:creationId xmlns:a16="http://schemas.microsoft.com/office/drawing/2014/main" id="{EE9F5BA1-15B1-4066-833B-445A62C99AC8}"/>
+              </a:ext>
+            </a:extLst>
+          </p:cNvPr>
+          <p:cNvSpPr txBox="1">
+            <a:spLocks/>
+          </p:cNvSpPr>
+          <p:nvPr/>
+        </p:nvSpPr>
+        <p:spPr>
+          <a:xfrm>
+            <a:off x="838200" y="1690688"/>
+            <a:ext cx="10515600" cy="4351338"/>
+          </a:xfrm>
+          <a:prstGeom prst="rect">
+            <a:avLst/>
+          </a:prstGeom>
+        </p:spPr>
+        <p:txBody>
+          <a:bodyPr vert="horz" lIns="91440" tIns="45720" rIns="91440" bIns="45720" rtlCol="0">
+            <a:normAutofit/>
+          </a:bodyPr>
+          <a:lstStyle>
+            <a:lvl1pPr marL="228600" indent="-228600" algn="l" defTabSz="914400" rtl="0" eaLnBrk="1" latinLnBrk="0" hangingPunct="1">
+              <a:lnSpc>
+                <a:spcPct val="90000"/>
+              </a:lnSpc>
+              <a:spcBef>
+                <a:spcPts val="1000"/>
+              </a:spcBef>
+              <a:buFont typeface="Arial" panose="020B0604020202020204" pitchFamily="34" charset="0"/>
+              <a:buChar char="•"/>
+              <a:defRPr sz="2800" kern="1200">
+                <a:solidFill>
+                  <a:schemeClr val="tx1"/>
+                </a:solidFill>
+                <a:latin typeface="+mn-lt"/>
+                <a:ea typeface="+mn-ea"/>
+                <a:cs typeface="+mn-cs"/>
+              </a:defRPr>
+            </a:lvl1pPr>
+            <a:lvl2pPr marL="685800" indent="-228600" algn="l" defTabSz="914400" rtl="0" eaLnBrk="1" latinLnBrk="0" hangingPunct="1">
+              <a:lnSpc>
+                <a:spcPct val="90000"/>
+              </a:lnSpc>
+              <a:spcBef>
+                <a:spcPts val="500"/>
+              </a:spcBef>
+              <a:buFont typeface="Arial" panose="020B0604020202020204" pitchFamily="34" charset="0"/>
+              <a:buChar char="•"/>
+              <a:defRPr sz="2400" kern="1200">
+                <a:solidFill>
+                  <a:schemeClr val="tx1"/>
+                </a:solidFill>
+                <a:latin typeface="+mn-lt"/>
+                <a:ea typeface="+mn-ea"/>
+                <a:cs typeface="+mn-cs"/>
+              </a:defRPr>
+            </a:lvl2pPr>
+            <a:lvl3pPr marL="1143000" indent="-228600" algn="l" defTabSz="914400" rtl="0" eaLnBrk="1" latinLnBrk="0" hangingPunct="1">
+              <a:lnSpc>
+                <a:spcPct val="90000"/>
+              </a:lnSpc>
+              <a:spcBef>
+                <a:spcPts val="500"/>
+              </a:spcBef>
+              <a:buFont typeface="Arial" panose="020B0604020202020204" pitchFamily="34" charset="0"/>
+              <a:buChar char="•"/>
+              <a:defRPr sz="2000" kern="1200">
+                <a:solidFill>
+                  <a:schemeClr val="tx1"/>
+                </a:solidFill>
+                <a:latin typeface="+mn-lt"/>
+                <a:ea typeface="+mn-ea"/>
+                <a:cs typeface="+mn-cs"/>
+              </a:defRPr>
+            </a:lvl3pPr>
+            <a:lvl4pPr marL="1600200" indent="-228600" algn="l" defTabSz="914400" rtl="0" eaLnBrk="1" latinLnBrk="0" hangingPunct="1">
+              <a:lnSpc>
+                <a:spcPct val="90000"/>
+              </a:lnSpc>
+              <a:spcBef>
+                <a:spcPts val="500"/>
+              </a:spcBef>
+              <a:buFont typeface="Arial" panose="020B0604020202020204" pitchFamily="34" charset="0"/>
+              <a:buChar char="•"/>
+              <a:defRPr sz="1800" kern="1200">
+                <a:solidFill>
+                  <a:schemeClr val="tx1"/>
+                </a:solidFill>
+                <a:latin typeface="+mn-lt"/>
+                <a:ea typeface="+mn-ea"/>
+                <a:cs typeface="+mn-cs"/>
+              </a:defRPr>
+            </a:lvl4pPr>
+            <a:lvl5pPr marL="2057400" indent="-228600" algn="l" defTabSz="914400" rtl="0" eaLnBrk="1" latinLnBrk="0" hangingPunct="1">
+              <a:lnSpc>
+                <a:spcPct val="90000"/>
+              </a:lnSpc>
+              <a:spcBef>
+                <a:spcPts val="500"/>
+              </a:spcBef>
+              <a:buFont typeface="Arial" panose="020B0604020202020204" pitchFamily="34" charset="0"/>
+              <a:buChar char="•"/>
+              <a:defRPr sz="1800" kern="1200">
+                <a:solidFill>
+                  <a:schemeClr val="tx1"/>
+                </a:solidFill>
+                <a:latin typeface="+mn-lt"/>
+                <a:ea typeface="+mn-ea"/>
+                <a:cs typeface="+mn-cs"/>
+              </a:defRPr>
+            </a:lvl5pPr>
+            <a:lvl6pPr marL="2514600" indent="-228600" algn="l" defTabSz="914400" rtl="0" eaLnBrk="1" latinLnBrk="0" hangingPunct="1">
+              <a:lnSpc>
+                <a:spcPct val="90000"/>
+              </a:lnSpc>
+              <a:spcBef>
+                <a:spcPts val="500"/>
+              </a:spcBef>
+              <a:buFont typeface="Arial" panose="020B0604020202020204" pitchFamily="34" charset="0"/>
+              <a:buChar char="•"/>
+              <a:defRPr sz="1800" kern="1200">
+                <a:solidFill>
+                  <a:schemeClr val="tx1"/>
+                </a:solidFill>
+                <a:latin typeface="+mn-lt"/>
+                <a:ea typeface="+mn-ea"/>
+                <a:cs typeface="+mn-cs"/>
+              </a:defRPr>
+            </a:lvl6pPr>
+            <a:lvl7pPr marL="2971800" indent="-228600" algn="l" defTabSz="914400" rtl="0" eaLnBrk="1" latinLnBrk="0" hangingPunct="1">
+              <a:lnSpc>
+                <a:spcPct val="90000"/>
+              </a:lnSpc>
+              <a:spcBef>
+                <a:spcPts val="500"/>
+              </a:spcBef>
+              <a:buFont typeface="Arial" panose="020B0604020202020204" pitchFamily="34" charset="0"/>
+              <a:buChar char="•"/>
+              <a:defRPr sz="1800" kern="1200">
+                <a:solidFill>
+                  <a:schemeClr val="tx1"/>
+                </a:solidFill>
+                <a:latin typeface="+mn-lt"/>
+                <a:ea typeface="+mn-ea"/>
+                <a:cs typeface="+mn-cs"/>
+              </a:defRPr>
+            </a:lvl7pPr>
+            <a:lvl8pPr marL="3429000" indent="-228600" algn="l" defTabSz="914400" rtl="0" eaLnBrk="1" latinLnBrk="0" hangingPunct="1">
+              <a:lnSpc>
+                <a:spcPct val="90000"/>
+              </a:lnSpc>
+              <a:spcBef>
+                <a:spcPts val="500"/>
+              </a:spcBef>
+              <a:buFont typeface="Arial" panose="020B0604020202020204" pitchFamily="34" charset="0"/>
+              <a:buChar char="•"/>
+              <a:defRPr sz="1800" kern="1200">
+                <a:solidFill>
+                  <a:schemeClr val="tx1"/>
+                </a:solidFill>
+                <a:latin typeface="+mn-lt"/>
+                <a:ea typeface="+mn-ea"/>
+                <a:cs typeface="+mn-cs"/>
+              </a:defRPr>
+            </a:lvl8pPr>
+            <a:lvl9pPr marL="3886200" indent="-228600" algn="l" defTabSz="914400" rtl="0" eaLnBrk="1" latinLnBrk="0" hangingPunct="1">
+              <a:lnSpc>
+                <a:spcPct val="90000"/>
+              </a:lnSpc>
+              <a:spcBef>
+                <a:spcPts val="500"/>
+              </a:spcBef>
+              <a:buFont typeface="Arial" panose="020B0604020202020204" pitchFamily="34" charset="0"/>
+              <a:buChar char="•"/>
+              <a:defRPr sz="1800" kern="1200">
+                <a:solidFill>
+                  <a:schemeClr val="tx1"/>
+                </a:solidFill>
+                <a:latin typeface="+mn-lt"/>
+                <a:ea typeface="+mn-ea"/>
+                <a:cs typeface="+mn-cs"/>
+              </a:defRPr>
+            </a:lvl9pPr>
+          </a:lstStyle>
+          <a:p>
+            <a:pPr marL="0" indent="0">
+              <a:buNone/>
+            </a:pPr>
+            <a:endParaRPr lang="ru-RU" sz="2400" b="1" dirty="0">
+              <a:solidFill>
+                <a:srgbClr val="6A57A1"/>
+              </a:solidFill>
+            </a:endParaRPr>
+          </a:p>
+          <a:p>
+            <a:pPr marL="0" indent="0">
+              <a:buNone/>
+            </a:pPr>
+            <a:r>
+              <a:rPr lang="ru-RU" sz="2400" b="1" dirty="0">
+                <a:solidFill>
+                  <a:srgbClr val="6A57A1"/>
+                </a:solidFill>
+              </a:rPr>
+              <a:t>Верификация процессорного ядра</a:t>
+            </a:r>
+            <a:r>
+              <a:rPr lang="ru-RU" sz="2400" b="1" dirty="0">
+                <a:solidFill>
+                  <a:srgbClr val="E54F40"/>
+                </a:solidFill>
+              </a:rPr>
+              <a:t> </a:t>
+            </a:r>
+            <a:r>
+              <a:rPr lang="ru-RU" sz="2400" dirty="0"/>
+              <a:t>– процесс обоснованного доказательства корректной работы ядра в рамках представленной на него спецификации.</a:t>
+            </a:r>
+          </a:p>
+        </p:txBody>
+      </p:sp>
+      <p:cxnSp>
+        <p:nvCxnSpPr>
+          <p:cNvPr id="21" name="Прямая со стрелкой 20">
+            <a:extLst>
+              <a:ext uri="{FF2B5EF4-FFF2-40B4-BE49-F238E27FC236}">
+                <a16:creationId xmlns:a16="http://schemas.microsoft.com/office/drawing/2014/main" id="{86DF9784-49FD-4D5E-B424-60F415DD5DAD}"/>
+              </a:ext>
+            </a:extLst>
+          </p:cNvPr>
+          <p:cNvCxnSpPr>
+            <a:cxnSpLocks/>
+          </p:cNvCxnSpPr>
+          <p:nvPr/>
+        </p:nvCxnSpPr>
+        <p:spPr>
+          <a:xfrm>
+            <a:off x="2984654" y="5772150"/>
+            <a:ext cx="399896" cy="0"/>
+          </a:xfrm>
+          <a:prstGeom prst="straightConnector1">
+            <a:avLst/>
+          </a:prstGeom>
+          <a:ln w="19050">
+            <a:solidFill>
+              <a:schemeClr val="tx1"/>
+            </a:solidFill>
+            <a:prstDash val="dash"/>
+            <a:tailEnd type="triangle"/>
+          </a:ln>
+        </p:spPr>
+        <p:style>
+          <a:lnRef idx="1">
+            <a:schemeClr val="accent1"/>
+          </a:lnRef>
+          <a:fillRef idx="0">
+            <a:schemeClr val="accent1"/>
+          </a:fillRef>
+          <a:effectRef idx="0">
+            <a:schemeClr val="accent1"/>
+          </a:effectRef>
+          <a:fontRef idx="minor">
+            <a:schemeClr val="tx1"/>
+          </a:fontRef>
+        </p:style>
+      </p:cxnSp>
+      <p:sp>
+        <p:nvSpPr>
+          <p:cNvPr id="22" name="Полилиния: фигура 21">
+            <a:extLst>
+              <a:ext uri="{FF2B5EF4-FFF2-40B4-BE49-F238E27FC236}">
+                <a16:creationId xmlns:a16="http://schemas.microsoft.com/office/drawing/2014/main" id="{EFF0CEBE-7AA4-40D0-9460-605030468D1F}"/>
+              </a:ext>
+            </a:extLst>
+          </p:cNvPr>
+          <p:cNvSpPr/>
+          <p:nvPr/>
+        </p:nvSpPr>
+        <p:spPr>
+          <a:xfrm>
+            <a:off x="2228850" y="3880942"/>
+            <a:ext cx="1538288" cy="1019671"/>
+          </a:xfrm>
+          <a:custGeom>
+            <a:avLst/>
+            <a:gdLst>
+              <a:gd name="connsiteX0" fmla="*/ 0 w 1538288"/>
+              <a:gd name="connsiteY0" fmla="*/ 1019671 h 1019671"/>
+              <a:gd name="connsiteX1" fmla="*/ 342900 w 1538288"/>
+              <a:gd name="connsiteY1" fmla="*/ 471983 h 1019671"/>
+              <a:gd name="connsiteX2" fmla="*/ 742950 w 1538288"/>
+              <a:gd name="connsiteY2" fmla="*/ 157658 h 1019671"/>
+              <a:gd name="connsiteX3" fmla="*/ 1166813 w 1538288"/>
+              <a:gd name="connsiteY3" fmla="*/ 24308 h 1019671"/>
+              <a:gd name="connsiteX4" fmla="*/ 1538288 w 1538288"/>
+              <a:gd name="connsiteY4" fmla="*/ 496 h 1019671"/>
+            </a:gdLst>
+            <a:ahLst/>
+            <a:cxnLst>
+              <a:cxn ang="0">
+                <a:pos x="connsiteX0" y="connsiteY0"/>
+              </a:cxn>
+              <a:cxn ang="0">
+                <a:pos x="connsiteX1" y="connsiteY1"/>
+              </a:cxn>
+              <a:cxn ang="0">
+                <a:pos x="connsiteX2" y="connsiteY2"/>
+              </a:cxn>
+              <a:cxn ang="0">
+                <a:pos x="connsiteX3" y="connsiteY3"/>
+              </a:cxn>
+              <a:cxn ang="0">
+                <a:pos x="connsiteX4" y="connsiteY4"/>
+              </a:cxn>
+            </a:cxnLst>
+            <a:rect l="l" t="t" r="r" b="b"/>
+            <a:pathLst>
+              <a:path w="1538288" h="1019671">
+                <a:moveTo>
+                  <a:pt x="0" y="1019671"/>
+                </a:moveTo>
+                <a:cubicBezTo>
+                  <a:pt x="109537" y="817661"/>
+                  <a:pt x="219075" y="615652"/>
+                  <a:pt x="342900" y="471983"/>
+                </a:cubicBezTo>
+                <a:cubicBezTo>
+                  <a:pt x="466725" y="328314"/>
+                  <a:pt x="605631" y="232270"/>
+                  <a:pt x="742950" y="157658"/>
+                </a:cubicBezTo>
+                <a:cubicBezTo>
+                  <a:pt x="880269" y="83045"/>
+                  <a:pt x="1034257" y="50502"/>
+                  <a:pt x="1166813" y="24308"/>
+                </a:cubicBezTo>
+                <a:cubicBezTo>
+                  <a:pt x="1299369" y="-1886"/>
+                  <a:pt x="1418828" y="-695"/>
+                  <a:pt x="1538288" y="496"/>
+                </a:cubicBezTo>
+              </a:path>
+            </a:pathLst>
+          </a:custGeom>
+          <a:noFill/>
+          <a:ln w="19050">
+            <a:solidFill>
+              <a:schemeClr val="tx1"/>
+            </a:solidFill>
+            <a:prstDash val="dash"/>
+          </a:ln>
+        </p:spPr>
+        <p:style>
+          <a:lnRef idx="2">
+            <a:schemeClr val="accent1">
+              <a:shade val="50000"/>
+            </a:schemeClr>
+          </a:lnRef>
+          <a:fillRef idx="1">
+            <a:schemeClr val="accent1"/>
+          </a:fillRef>
+          <a:effectRef idx="0">
+            <a:schemeClr val="accent1"/>
+          </a:effectRef>
+          <a:fontRef idx="minor">
+            <a:schemeClr val="lt1"/>
+          </a:fontRef>
+        </p:style>
+        <p:txBody>
+          <a:bodyPr rtlCol="0" anchor="ctr"/>
+          <a:lstStyle/>
+          <a:p>
+            <a:pPr algn="ctr"/>
+            <a:endParaRPr lang="ru-RU"/>
+          </a:p>
+        </p:txBody>
+      </p:sp>
+      <p:cxnSp>
+        <p:nvCxnSpPr>
+          <p:cNvPr id="23" name="Прямая со стрелкой 22">
+            <a:extLst>
+              <a:ext uri="{FF2B5EF4-FFF2-40B4-BE49-F238E27FC236}">
+                <a16:creationId xmlns:a16="http://schemas.microsoft.com/office/drawing/2014/main" id="{1CD9838D-49BD-4260-8AC4-CAC62D7D5C12}"/>
+              </a:ext>
+            </a:extLst>
+          </p:cNvPr>
+          <p:cNvCxnSpPr>
+            <a:cxnSpLocks/>
+          </p:cNvCxnSpPr>
+          <p:nvPr/>
+        </p:nvCxnSpPr>
+        <p:spPr>
+          <a:xfrm>
+            <a:off x="3298068" y="5772150"/>
+            <a:ext cx="116645" cy="0"/>
+          </a:xfrm>
+          <a:prstGeom prst="straightConnector1">
+            <a:avLst/>
+          </a:prstGeom>
+          <a:ln w="38100">
+            <a:solidFill>
+              <a:schemeClr val="tx1"/>
+            </a:solidFill>
+            <a:tailEnd type="triangle"/>
+          </a:ln>
+        </p:spPr>
+        <p:style>
+          <a:lnRef idx="1">
+            <a:schemeClr val="accent1"/>
+          </a:lnRef>
+          <a:fillRef idx="0">
+            <a:schemeClr val="accent1"/>
+          </a:fillRef>
+          <a:effectRef idx="0">
+            <a:schemeClr val="accent1"/>
+          </a:effectRef>
+          <a:fontRef idx="minor">
+            <a:schemeClr val="tx1"/>
+          </a:fontRef>
+        </p:style>
+      </p:cxnSp>
+      <p:cxnSp>
+        <p:nvCxnSpPr>
+          <p:cNvPr id="24" name="Прямая со стрелкой 23">
+            <a:extLst>
+              <a:ext uri="{FF2B5EF4-FFF2-40B4-BE49-F238E27FC236}">
+                <a16:creationId xmlns:a16="http://schemas.microsoft.com/office/drawing/2014/main" id="{54F5D175-CBE5-46A2-87B1-F84D63441D99}"/>
+              </a:ext>
+            </a:extLst>
+          </p:cNvPr>
+          <p:cNvCxnSpPr>
+            <a:cxnSpLocks/>
+          </p:cNvCxnSpPr>
+          <p:nvPr/>
+        </p:nvCxnSpPr>
+        <p:spPr>
+          <a:xfrm>
+            <a:off x="3708815" y="3880942"/>
+            <a:ext cx="116645" cy="0"/>
+          </a:xfrm>
+          <a:prstGeom prst="straightConnector1">
+            <a:avLst/>
+          </a:prstGeom>
+          <a:ln w="38100">
+            <a:solidFill>
+              <a:schemeClr val="tx1"/>
+            </a:solidFill>
+            <a:tailEnd type="triangle"/>
+          </a:ln>
+        </p:spPr>
+        <p:style>
+          <a:lnRef idx="1">
+            <a:schemeClr val="accent1"/>
+          </a:lnRef>
+          <a:fillRef idx="0">
+            <a:schemeClr val="accent1"/>
+          </a:fillRef>
+          <a:effectRef idx="0">
+            <a:schemeClr val="accent1"/>
+          </a:effectRef>
+          <a:fontRef idx="minor">
+            <a:schemeClr val="tx1"/>
+          </a:fontRef>
+        </p:style>
+      </p:cxnSp>
+    </p:spTree>
+    <p:extLst>
+      <p:ext uri="{BB962C8B-B14F-4D97-AF65-F5344CB8AC3E}">
+        <p14:creationId xmlns:p14="http://schemas.microsoft.com/office/powerpoint/2010/main" val="2348347505"/>
+      </p:ext>
+    </p:extLst>
+  </p:cSld>
+  <p:clrMapOvr>
+    <a:masterClrMapping/>
+  </p:clrMapOvr>
+</p:sld>
+</file>
+
+<file path=ppt/slides/slide13.xml><?xml version="1.0" encoding="utf-8"?>
+<p:sld xmlns:a="http://schemas.openxmlformats.org/drawingml/2006/main" xmlns:r="http://schemas.openxmlformats.org/officeDocument/2006/relationships" xmlns:p="http://schemas.openxmlformats.org/presentationml/2006/main">
+  <p:cSld>
+    <p:spTree>
+      <p:nvGrpSpPr>
+        <p:cNvPr id="1" name=""/>
+        <p:cNvGrpSpPr/>
+        <p:nvPr/>
+      </p:nvGrpSpPr>
+      <p:grpSpPr>
+        <a:xfrm>
+          <a:off x="0" y="0"/>
+          <a:ext cx="0" cy="0"/>
+          <a:chOff x="0" y="0"/>
+          <a:chExt cx="0" cy="0"/>
+        </a:xfrm>
+      </p:grpSpPr>
+      <p:pic>
+        <p:nvPicPr>
+          <p:cNvPr id="7" name="Рисунок 6">
+            <a:extLst>
+              <a:ext uri="{FF2B5EF4-FFF2-40B4-BE49-F238E27FC236}">
+                <a16:creationId xmlns:a16="http://schemas.microsoft.com/office/drawing/2014/main" id="{661A33FA-2420-4A95-937F-2710A9C4DB77}"/>
+              </a:ext>
+            </a:extLst>
+          </p:cNvPr>
+          <p:cNvPicPr>
+            <a:picLocks noChangeAspect="1"/>
+          </p:cNvPicPr>
+          <p:nvPr/>
+        </p:nvPicPr>
+        <p:blipFill>
+          <a:blip r:embed="rId3">
+            <a:extLst>
+              <a:ext uri="{28A0092B-C50C-407E-A947-70E740481C1C}">
+                <a14:useLocalDpi xmlns:a14="http://schemas.microsoft.com/office/drawing/2010/main" val="0"/>
+              </a:ext>
+              <a:ext uri="{96DAC541-7B7A-43D3-8B79-37D633B846F1}">
+                <asvg:svgBlip xmlns:asvg="http://schemas.microsoft.com/office/drawing/2016/SVG/main" r:embed="rId4"/>
+              </a:ext>
+            </a:extLst>
+          </a:blip>
+          <a:stretch>
+            <a:fillRect/>
+          </a:stretch>
+        </p:blipFill>
+        <p:spPr>
+          <a:xfrm>
+            <a:off x="1587808" y="3216875"/>
+            <a:ext cx="4508189" cy="3276000"/>
+          </a:xfrm>
+          <a:prstGeom prst="rect">
+            <a:avLst/>
+          </a:prstGeom>
+        </p:spPr>
+      </p:pic>
+      <p:pic>
+        <p:nvPicPr>
+          <p:cNvPr id="12" name="Рисунок 11">
+            <a:extLst>
+              <a:ext uri="{FF2B5EF4-FFF2-40B4-BE49-F238E27FC236}">
+                <a16:creationId xmlns:a16="http://schemas.microsoft.com/office/drawing/2014/main" id="{E23A082D-5B54-4529-A4B7-DB3DFACCF50F}"/>
+              </a:ext>
+            </a:extLst>
+          </p:cNvPr>
+          <p:cNvPicPr>
+            <a:picLocks noChangeAspect="1"/>
+          </p:cNvPicPr>
+          <p:nvPr/>
+        </p:nvPicPr>
+        <p:blipFill>
+          <a:blip r:embed="rId5">
+            <a:extLst>
+              <a:ext uri="{28A0092B-C50C-407E-A947-70E740481C1C}">
+                <a14:useLocalDpi xmlns:a14="http://schemas.microsoft.com/office/drawing/2010/main" val="0"/>
+              </a:ext>
+              <a:ext uri="{96DAC541-7B7A-43D3-8B79-37D633B846F1}">
+                <asvg:svgBlip xmlns:asvg="http://schemas.microsoft.com/office/drawing/2016/SVG/main" r:embed="rId6"/>
+              </a:ext>
+            </a:extLst>
+          </a:blip>
+          <a:stretch>
+            <a:fillRect/>
+          </a:stretch>
+        </p:blipFill>
+        <p:spPr>
+          <a:xfrm>
+            <a:off x="3841904" y="3216875"/>
+            <a:ext cx="4508189" cy="3276000"/>
+          </a:xfrm>
+          <a:prstGeom prst="rect">
+            <a:avLst/>
+          </a:prstGeom>
+        </p:spPr>
+      </p:pic>
+      <p:sp>
+        <p:nvSpPr>
+          <p:cNvPr id="2" name="Заголовок 1"/>
+          <p:cNvSpPr>
+            <a:spLocks noGrp="1"/>
+          </p:cNvSpPr>
+          <p:nvPr>
+            <p:ph type="title"/>
+          </p:nvPr>
+        </p:nvSpPr>
+        <p:spPr/>
+        <p:txBody>
+          <a:bodyPr>
+            <a:normAutofit/>
+          </a:bodyPr>
+          <a:lstStyle/>
+          <a:p>
+            <a:r>
+              <a:rPr lang="ru-RU" sz="2400" dirty="0">
+                <a:solidFill>
+                  <a:srgbClr val="6A57A1"/>
+                </a:solidFill>
+              </a:rPr>
+              <a:t>Введение в верификацию процессорных ядер</a:t>
+            </a:r>
+            <a:br>
+              <a:rPr lang="en-US" sz="2800" dirty="0">
+                <a:solidFill>
+                  <a:srgbClr val="6A57A1"/>
+                </a:solidFill>
+              </a:rPr>
+            </a:br>
+            <a:r>
+              <a:rPr lang="ru-RU" sz="4000" b="1" dirty="0"/>
+              <a:t>Верификация процессорных ядер</a:t>
+            </a:r>
+            <a:endParaRPr lang="ru-RU" sz="2800" b="1" dirty="0"/>
+          </a:p>
+        </p:txBody>
+      </p:sp>
+      <p:sp>
+        <p:nvSpPr>
+          <p:cNvPr id="6" name="Объект 2">
+            <a:extLst>
+              <a:ext uri="{FF2B5EF4-FFF2-40B4-BE49-F238E27FC236}">
+                <a16:creationId xmlns:a16="http://schemas.microsoft.com/office/drawing/2014/main" id="{EE9F5BA1-15B1-4066-833B-445A62C99AC8}"/>
+              </a:ext>
+            </a:extLst>
+          </p:cNvPr>
+          <p:cNvSpPr txBox="1">
+            <a:spLocks/>
+          </p:cNvSpPr>
+          <p:nvPr/>
+        </p:nvSpPr>
+        <p:spPr>
+          <a:xfrm>
+            <a:off x="838200" y="1690688"/>
+            <a:ext cx="10515600" cy="4351338"/>
+          </a:xfrm>
+          <a:prstGeom prst="rect">
+            <a:avLst/>
+          </a:prstGeom>
+        </p:spPr>
+        <p:txBody>
+          <a:bodyPr vert="horz" lIns="91440" tIns="45720" rIns="91440" bIns="45720" rtlCol="0">
+            <a:normAutofit/>
+          </a:bodyPr>
+          <a:lstStyle>
+            <a:lvl1pPr marL="228600" indent="-228600" algn="l" defTabSz="914400" rtl="0" eaLnBrk="1" latinLnBrk="0" hangingPunct="1">
+              <a:lnSpc>
+                <a:spcPct val="90000"/>
+              </a:lnSpc>
+              <a:spcBef>
+                <a:spcPts val="1000"/>
+              </a:spcBef>
+              <a:buFont typeface="Arial" panose="020B0604020202020204" pitchFamily="34" charset="0"/>
+              <a:buChar char="•"/>
+              <a:defRPr sz="2800" kern="1200">
+                <a:solidFill>
+                  <a:schemeClr val="tx1"/>
+                </a:solidFill>
+                <a:latin typeface="+mn-lt"/>
+                <a:ea typeface="+mn-ea"/>
+                <a:cs typeface="+mn-cs"/>
+              </a:defRPr>
+            </a:lvl1pPr>
+            <a:lvl2pPr marL="685800" indent="-228600" algn="l" defTabSz="914400" rtl="0" eaLnBrk="1" latinLnBrk="0" hangingPunct="1">
+              <a:lnSpc>
+                <a:spcPct val="90000"/>
+              </a:lnSpc>
+              <a:spcBef>
+                <a:spcPts val="500"/>
+              </a:spcBef>
+              <a:buFont typeface="Arial" panose="020B0604020202020204" pitchFamily="34" charset="0"/>
+              <a:buChar char="•"/>
+              <a:defRPr sz="2400" kern="1200">
+                <a:solidFill>
+                  <a:schemeClr val="tx1"/>
+                </a:solidFill>
+                <a:latin typeface="+mn-lt"/>
+                <a:ea typeface="+mn-ea"/>
+                <a:cs typeface="+mn-cs"/>
+              </a:defRPr>
+            </a:lvl2pPr>
+            <a:lvl3pPr marL="1143000" indent="-228600" algn="l" defTabSz="914400" rtl="0" eaLnBrk="1" latinLnBrk="0" hangingPunct="1">
+              <a:lnSpc>
+                <a:spcPct val="90000"/>
+              </a:lnSpc>
+              <a:spcBef>
+                <a:spcPts val="500"/>
+              </a:spcBef>
+              <a:buFont typeface="Arial" panose="020B0604020202020204" pitchFamily="34" charset="0"/>
+              <a:buChar char="•"/>
+              <a:defRPr sz="2000" kern="1200">
+                <a:solidFill>
+                  <a:schemeClr val="tx1"/>
+                </a:solidFill>
+                <a:latin typeface="+mn-lt"/>
+                <a:ea typeface="+mn-ea"/>
+                <a:cs typeface="+mn-cs"/>
+              </a:defRPr>
+            </a:lvl3pPr>
+            <a:lvl4pPr marL="1600200" indent="-228600" algn="l" defTabSz="914400" rtl="0" eaLnBrk="1" latinLnBrk="0" hangingPunct="1">
+              <a:lnSpc>
+                <a:spcPct val="90000"/>
+              </a:lnSpc>
+              <a:spcBef>
+                <a:spcPts val="500"/>
+              </a:spcBef>
+              <a:buFont typeface="Arial" panose="020B0604020202020204" pitchFamily="34" charset="0"/>
+              <a:buChar char="•"/>
+              <a:defRPr sz="1800" kern="1200">
+                <a:solidFill>
+                  <a:schemeClr val="tx1"/>
+                </a:solidFill>
+                <a:latin typeface="+mn-lt"/>
+                <a:ea typeface="+mn-ea"/>
+                <a:cs typeface="+mn-cs"/>
+              </a:defRPr>
+            </a:lvl4pPr>
+            <a:lvl5pPr marL="2057400" indent="-228600" algn="l" defTabSz="914400" rtl="0" eaLnBrk="1" latinLnBrk="0" hangingPunct="1">
+              <a:lnSpc>
+                <a:spcPct val="90000"/>
+              </a:lnSpc>
+              <a:spcBef>
+                <a:spcPts val="500"/>
+              </a:spcBef>
+              <a:buFont typeface="Arial" panose="020B0604020202020204" pitchFamily="34" charset="0"/>
+              <a:buChar char="•"/>
+              <a:defRPr sz="1800" kern="1200">
+                <a:solidFill>
+                  <a:schemeClr val="tx1"/>
+                </a:solidFill>
+                <a:latin typeface="+mn-lt"/>
+                <a:ea typeface="+mn-ea"/>
+                <a:cs typeface="+mn-cs"/>
+              </a:defRPr>
+            </a:lvl5pPr>
+            <a:lvl6pPr marL="2514600" indent="-228600" algn="l" defTabSz="914400" rtl="0" eaLnBrk="1" latinLnBrk="0" hangingPunct="1">
+              <a:lnSpc>
+                <a:spcPct val="90000"/>
+              </a:lnSpc>
+              <a:spcBef>
+                <a:spcPts val="500"/>
+              </a:spcBef>
+              <a:buFont typeface="Arial" panose="020B0604020202020204" pitchFamily="34" charset="0"/>
+              <a:buChar char="•"/>
+              <a:defRPr sz="1800" kern="1200">
+                <a:solidFill>
+                  <a:schemeClr val="tx1"/>
+                </a:solidFill>
+                <a:latin typeface="+mn-lt"/>
+                <a:ea typeface="+mn-ea"/>
+                <a:cs typeface="+mn-cs"/>
+              </a:defRPr>
+            </a:lvl6pPr>
+            <a:lvl7pPr marL="2971800" indent="-228600" algn="l" defTabSz="914400" rtl="0" eaLnBrk="1" latinLnBrk="0" hangingPunct="1">
+              <a:lnSpc>
+                <a:spcPct val="90000"/>
+              </a:lnSpc>
+              <a:spcBef>
+                <a:spcPts val="500"/>
+              </a:spcBef>
+              <a:buFont typeface="Arial" panose="020B0604020202020204" pitchFamily="34" charset="0"/>
+              <a:buChar char="•"/>
+              <a:defRPr sz="1800" kern="1200">
+                <a:solidFill>
+                  <a:schemeClr val="tx1"/>
+                </a:solidFill>
+                <a:latin typeface="+mn-lt"/>
+                <a:ea typeface="+mn-ea"/>
+                <a:cs typeface="+mn-cs"/>
+              </a:defRPr>
+            </a:lvl7pPr>
+            <a:lvl8pPr marL="3429000" indent="-228600" algn="l" defTabSz="914400" rtl="0" eaLnBrk="1" latinLnBrk="0" hangingPunct="1">
+              <a:lnSpc>
+                <a:spcPct val="90000"/>
+              </a:lnSpc>
+              <a:spcBef>
+                <a:spcPts val="500"/>
+              </a:spcBef>
+              <a:buFont typeface="Arial" panose="020B0604020202020204" pitchFamily="34" charset="0"/>
+              <a:buChar char="•"/>
+              <a:defRPr sz="1800" kern="1200">
+                <a:solidFill>
+                  <a:schemeClr val="tx1"/>
+                </a:solidFill>
+                <a:latin typeface="+mn-lt"/>
+                <a:ea typeface="+mn-ea"/>
+                <a:cs typeface="+mn-cs"/>
+              </a:defRPr>
+            </a:lvl8pPr>
+            <a:lvl9pPr marL="3886200" indent="-228600" algn="l" defTabSz="914400" rtl="0" eaLnBrk="1" latinLnBrk="0" hangingPunct="1">
+              <a:lnSpc>
+                <a:spcPct val="90000"/>
+              </a:lnSpc>
+              <a:spcBef>
+                <a:spcPts val="500"/>
+              </a:spcBef>
+              <a:buFont typeface="Arial" panose="020B0604020202020204" pitchFamily="34" charset="0"/>
+              <a:buChar char="•"/>
+              <a:defRPr sz="1800" kern="1200">
+                <a:solidFill>
+                  <a:schemeClr val="tx1"/>
+                </a:solidFill>
+                <a:latin typeface="+mn-lt"/>
+                <a:ea typeface="+mn-ea"/>
+                <a:cs typeface="+mn-cs"/>
+              </a:defRPr>
+            </a:lvl9pPr>
+          </a:lstStyle>
+          <a:p>
+            <a:pPr marL="0" indent="0">
+              <a:buNone/>
+            </a:pPr>
+            <a:endParaRPr lang="ru-RU" sz="2400" b="1" dirty="0">
+              <a:solidFill>
+                <a:srgbClr val="6A57A1"/>
+              </a:solidFill>
+            </a:endParaRPr>
+          </a:p>
+          <a:p>
+            <a:pPr marL="0" indent="0">
+              <a:buNone/>
+            </a:pPr>
+            <a:r>
+              <a:rPr lang="ru-RU" sz="2400" b="1" dirty="0">
+                <a:solidFill>
+                  <a:srgbClr val="6A57A1"/>
+                </a:solidFill>
+              </a:rPr>
+              <a:t>Верификация процессорного ядра</a:t>
+            </a:r>
+            <a:r>
+              <a:rPr lang="ru-RU" sz="2400" b="1" dirty="0">
+                <a:solidFill>
+                  <a:srgbClr val="E54F40"/>
+                </a:solidFill>
+              </a:rPr>
+              <a:t> </a:t>
+            </a:r>
+            <a:r>
+              <a:rPr lang="ru-RU" sz="2400" dirty="0"/>
+              <a:t>– процесс обоснованного доказательства корректной работы ядра в рамках представленной на него спецификации.</a:t>
+            </a:r>
+          </a:p>
+        </p:txBody>
+      </p:sp>
+      <p:cxnSp>
+        <p:nvCxnSpPr>
+          <p:cNvPr id="19" name="Прямая со стрелкой 18">
+            <a:extLst>
+              <a:ext uri="{FF2B5EF4-FFF2-40B4-BE49-F238E27FC236}">
+                <a16:creationId xmlns:a16="http://schemas.microsoft.com/office/drawing/2014/main" id="{2BF78373-9C43-4E30-B0FD-F2FFEAEBC08B}"/>
+              </a:ext>
+            </a:extLst>
+          </p:cNvPr>
+          <p:cNvCxnSpPr>
+            <a:cxnSpLocks/>
+          </p:cNvCxnSpPr>
+          <p:nvPr/>
+        </p:nvCxnSpPr>
+        <p:spPr>
+          <a:xfrm>
+            <a:off x="2984654" y="5772150"/>
+            <a:ext cx="399896" cy="0"/>
+          </a:xfrm>
+          <a:prstGeom prst="straightConnector1">
+            <a:avLst/>
+          </a:prstGeom>
+          <a:ln w="19050">
+            <a:solidFill>
+              <a:schemeClr val="tx1"/>
+            </a:solidFill>
+            <a:prstDash val="dash"/>
+            <a:tailEnd type="triangle"/>
+          </a:ln>
+        </p:spPr>
+        <p:style>
+          <a:lnRef idx="1">
+            <a:schemeClr val="accent1"/>
+          </a:lnRef>
+          <a:fillRef idx="0">
+            <a:schemeClr val="accent1"/>
+          </a:fillRef>
+          <a:effectRef idx="0">
+            <a:schemeClr val="accent1"/>
+          </a:effectRef>
+          <a:fontRef idx="minor">
+            <a:schemeClr val="tx1"/>
+          </a:fontRef>
+        </p:style>
+      </p:cxnSp>
+      <p:pic>
+        <p:nvPicPr>
+          <p:cNvPr id="8" name="Рисунок 7">
+            <a:extLst>
+              <a:ext uri="{FF2B5EF4-FFF2-40B4-BE49-F238E27FC236}">
+                <a16:creationId xmlns:a16="http://schemas.microsoft.com/office/drawing/2014/main" id="{25CC9EB8-D7DC-40DA-9FFB-853163C3AA0F}"/>
+              </a:ext>
+            </a:extLst>
+          </p:cNvPr>
+          <p:cNvPicPr>
+            <a:picLocks noChangeAspect="1"/>
+          </p:cNvPicPr>
+          <p:nvPr/>
+        </p:nvPicPr>
+        <p:blipFill>
+          <a:blip r:embed="rId7">
+            <a:extLst>
+              <a:ext uri="{28A0092B-C50C-407E-A947-70E740481C1C}">
+                <a14:useLocalDpi xmlns:a14="http://schemas.microsoft.com/office/drawing/2010/main" val="0"/>
+              </a:ext>
+              <a:ext uri="{96DAC541-7B7A-43D3-8B79-37D633B846F1}">
+                <asvg:svgBlip xmlns:asvg="http://schemas.microsoft.com/office/drawing/2016/SVG/main" r:embed="rId8"/>
+              </a:ext>
+            </a:extLst>
+          </a:blip>
+          <a:stretch>
+            <a:fillRect/>
+          </a:stretch>
+        </p:blipFill>
+        <p:spPr>
+          <a:xfrm>
+            <a:off x="5452675" y="3290571"/>
+            <a:ext cx="4508189" cy="3276000"/>
+          </a:xfrm>
+          <a:prstGeom prst="rect">
+            <a:avLst/>
+          </a:prstGeom>
+        </p:spPr>
+      </p:pic>
+      <p:sp>
+        <p:nvSpPr>
+          <p:cNvPr id="15" name="Полилиния: фигура 14">
+            <a:extLst>
+              <a:ext uri="{FF2B5EF4-FFF2-40B4-BE49-F238E27FC236}">
+                <a16:creationId xmlns:a16="http://schemas.microsoft.com/office/drawing/2014/main" id="{D297AEEE-BB5D-4C25-B92C-46D5F8D096AF}"/>
+              </a:ext>
+            </a:extLst>
+          </p:cNvPr>
+          <p:cNvSpPr/>
+          <p:nvPr/>
+        </p:nvSpPr>
+        <p:spPr>
+          <a:xfrm>
+            <a:off x="5334000" y="5486400"/>
+            <a:ext cx="1463040" cy="502920"/>
+          </a:xfrm>
+          <a:custGeom>
+            <a:avLst/>
+            <a:gdLst>
+              <a:gd name="connsiteX0" fmla="*/ 0 w 1463040"/>
+              <a:gd name="connsiteY0" fmla="*/ 502920 h 502920"/>
+              <a:gd name="connsiteX1" fmla="*/ 853440 w 1463040"/>
+              <a:gd name="connsiteY1" fmla="*/ 411480 h 502920"/>
+              <a:gd name="connsiteX2" fmla="*/ 1463040 w 1463040"/>
+              <a:gd name="connsiteY2" fmla="*/ 0 h 502920"/>
+            </a:gdLst>
+            <a:ahLst/>
+            <a:cxnLst>
+              <a:cxn ang="0">
+                <a:pos x="connsiteX0" y="connsiteY0"/>
+              </a:cxn>
+              <a:cxn ang="0">
+                <a:pos x="connsiteX1" y="connsiteY1"/>
+              </a:cxn>
+              <a:cxn ang="0">
+                <a:pos x="connsiteX2" y="connsiteY2"/>
+              </a:cxn>
+            </a:cxnLst>
+            <a:rect l="l" t="t" r="r" b="b"/>
+            <a:pathLst>
+              <a:path w="1463040" h="502920">
+                <a:moveTo>
+                  <a:pt x="0" y="502920"/>
+                </a:moveTo>
+                <a:cubicBezTo>
+                  <a:pt x="304800" y="499110"/>
+                  <a:pt x="609600" y="495300"/>
+                  <a:pt x="853440" y="411480"/>
+                </a:cubicBezTo>
+                <a:cubicBezTo>
+                  <a:pt x="1097280" y="327660"/>
+                  <a:pt x="1280160" y="163830"/>
+                  <a:pt x="1463040" y="0"/>
+                </a:cubicBezTo>
+              </a:path>
+            </a:pathLst>
+          </a:custGeom>
+          <a:noFill/>
+          <a:ln w="19050">
+            <a:solidFill>
+              <a:schemeClr val="tx1"/>
+            </a:solidFill>
+            <a:prstDash val="dash"/>
+          </a:ln>
+        </p:spPr>
+        <p:style>
+          <a:lnRef idx="2">
+            <a:schemeClr val="accent1">
+              <a:shade val="50000"/>
+            </a:schemeClr>
+          </a:lnRef>
+          <a:fillRef idx="1">
+            <a:schemeClr val="accent1"/>
+          </a:fillRef>
+          <a:effectRef idx="0">
+            <a:schemeClr val="accent1"/>
+          </a:effectRef>
+          <a:fontRef idx="minor">
+            <a:schemeClr val="lt1"/>
+          </a:fontRef>
+        </p:style>
+        <p:txBody>
+          <a:bodyPr rtlCol="0" anchor="ctr"/>
+          <a:lstStyle/>
+          <a:p>
+            <a:pPr algn="ctr"/>
+            <a:endParaRPr lang="ru-RU"/>
+          </a:p>
+        </p:txBody>
+      </p:sp>
+      <p:sp>
+        <p:nvSpPr>
+          <p:cNvPr id="18" name="Полилиния: фигура 17">
+            <a:extLst>
+              <a:ext uri="{FF2B5EF4-FFF2-40B4-BE49-F238E27FC236}">
+                <a16:creationId xmlns:a16="http://schemas.microsoft.com/office/drawing/2014/main" id="{88BA6061-0C64-4D28-ACA0-1200CD036E7D}"/>
+              </a:ext>
+            </a:extLst>
+          </p:cNvPr>
+          <p:cNvSpPr/>
+          <p:nvPr/>
+        </p:nvSpPr>
+        <p:spPr>
+          <a:xfrm>
+            <a:off x="4808220" y="3679833"/>
+            <a:ext cx="2674620" cy="808347"/>
+          </a:xfrm>
+          <a:custGeom>
+            <a:avLst/>
+            <a:gdLst>
+              <a:gd name="connsiteX0" fmla="*/ 0 w 2674620"/>
+              <a:gd name="connsiteY0" fmla="*/ 122547 h 808347"/>
+              <a:gd name="connsiteX1" fmla="*/ 434340 w 2674620"/>
+              <a:gd name="connsiteY1" fmla="*/ 31107 h 808347"/>
+              <a:gd name="connsiteX2" fmla="*/ 914400 w 2674620"/>
+              <a:gd name="connsiteY2" fmla="*/ 627 h 808347"/>
+              <a:gd name="connsiteX3" fmla="*/ 1455420 w 2674620"/>
+              <a:gd name="connsiteY3" fmla="*/ 53967 h 808347"/>
+              <a:gd name="connsiteX4" fmla="*/ 2087880 w 2674620"/>
+              <a:gd name="connsiteY4" fmla="*/ 320667 h 808347"/>
+              <a:gd name="connsiteX5" fmla="*/ 2674620 w 2674620"/>
+              <a:gd name="connsiteY5" fmla="*/ 808347 h 808347"/>
+            </a:gdLst>
+            <a:ahLst/>
+            <a:cxnLst>
+              <a:cxn ang="0">
+                <a:pos x="connsiteX0" y="connsiteY0"/>
+              </a:cxn>
+              <a:cxn ang="0">
+                <a:pos x="connsiteX1" y="connsiteY1"/>
+              </a:cxn>
+              <a:cxn ang="0">
+                <a:pos x="connsiteX2" y="connsiteY2"/>
+              </a:cxn>
+              <a:cxn ang="0">
+                <a:pos x="connsiteX3" y="connsiteY3"/>
+              </a:cxn>
+              <a:cxn ang="0">
+                <a:pos x="connsiteX4" y="connsiteY4"/>
+              </a:cxn>
+              <a:cxn ang="0">
+                <a:pos x="connsiteX5" y="connsiteY5"/>
+              </a:cxn>
+            </a:cxnLst>
+            <a:rect l="l" t="t" r="r" b="b"/>
+            <a:pathLst>
+              <a:path w="2674620" h="808347">
+                <a:moveTo>
+                  <a:pt x="0" y="122547"/>
+                </a:moveTo>
+                <a:cubicBezTo>
+                  <a:pt x="140970" y="86987"/>
+                  <a:pt x="281940" y="51427"/>
+                  <a:pt x="434340" y="31107"/>
+                </a:cubicBezTo>
+                <a:cubicBezTo>
+                  <a:pt x="586740" y="10787"/>
+                  <a:pt x="744220" y="-3183"/>
+                  <a:pt x="914400" y="627"/>
+                </a:cubicBezTo>
+                <a:cubicBezTo>
+                  <a:pt x="1084580" y="4437"/>
+                  <a:pt x="1259840" y="627"/>
+                  <a:pt x="1455420" y="53967"/>
+                </a:cubicBezTo>
+                <a:cubicBezTo>
+                  <a:pt x="1651000" y="107307"/>
+                  <a:pt x="1884680" y="194937"/>
+                  <a:pt x="2087880" y="320667"/>
+                </a:cubicBezTo>
+                <a:cubicBezTo>
+                  <a:pt x="2291080" y="446397"/>
+                  <a:pt x="2482850" y="627372"/>
+                  <a:pt x="2674620" y="808347"/>
+                </a:cubicBezTo>
+              </a:path>
+            </a:pathLst>
+          </a:custGeom>
+          <a:noFill/>
+          <a:ln w="19050">
+            <a:solidFill>
+              <a:schemeClr val="tx1"/>
+            </a:solidFill>
+            <a:prstDash val="dash"/>
+          </a:ln>
+        </p:spPr>
+        <p:style>
+          <a:lnRef idx="2">
+            <a:schemeClr val="accent1">
+              <a:shade val="50000"/>
+            </a:schemeClr>
+          </a:lnRef>
+          <a:fillRef idx="1">
+            <a:schemeClr val="accent1"/>
+          </a:fillRef>
+          <a:effectRef idx="0">
+            <a:schemeClr val="accent1"/>
+          </a:effectRef>
+          <a:fontRef idx="minor">
+            <a:schemeClr val="lt1"/>
+          </a:fontRef>
+        </p:style>
+        <p:txBody>
+          <a:bodyPr rtlCol="0" anchor="ctr"/>
+          <a:lstStyle/>
+          <a:p>
+            <a:pPr algn="ctr"/>
+            <a:endParaRPr lang="ru-RU"/>
+          </a:p>
+        </p:txBody>
+      </p:sp>
+      <p:cxnSp>
+        <p:nvCxnSpPr>
+          <p:cNvPr id="21" name="Прямая со стрелкой 20">
+            <a:extLst>
+              <a:ext uri="{FF2B5EF4-FFF2-40B4-BE49-F238E27FC236}">
+                <a16:creationId xmlns:a16="http://schemas.microsoft.com/office/drawing/2014/main" id="{2FC5D364-57FE-4C7C-8CB0-C2CED8A530F1}"/>
+              </a:ext>
+            </a:extLst>
+          </p:cNvPr>
+          <p:cNvCxnSpPr>
+            <a:cxnSpLocks/>
+          </p:cNvCxnSpPr>
+          <p:nvPr/>
+        </p:nvCxnSpPr>
+        <p:spPr>
+          <a:xfrm>
+            <a:off x="7419977" y="4427873"/>
+            <a:ext cx="86677" cy="97155"/>
+          </a:xfrm>
+          <a:prstGeom prst="straightConnector1">
+            <a:avLst/>
+          </a:prstGeom>
+          <a:ln w="38100">
+            <a:solidFill>
+              <a:schemeClr val="tx1"/>
+            </a:solidFill>
+            <a:tailEnd type="triangle"/>
+          </a:ln>
+        </p:spPr>
+        <p:style>
+          <a:lnRef idx="1">
+            <a:schemeClr val="accent1"/>
+          </a:lnRef>
+          <a:fillRef idx="0">
+            <a:schemeClr val="accent1"/>
+          </a:fillRef>
+          <a:effectRef idx="0">
+            <a:schemeClr val="accent1"/>
+          </a:effectRef>
+          <a:fontRef idx="minor">
+            <a:schemeClr val="tx1"/>
+          </a:fontRef>
+        </p:style>
+      </p:cxnSp>
+      <p:cxnSp>
+        <p:nvCxnSpPr>
+          <p:cNvPr id="22" name="Прямая со стрелкой 21">
+            <a:extLst>
+              <a:ext uri="{FF2B5EF4-FFF2-40B4-BE49-F238E27FC236}">
+                <a16:creationId xmlns:a16="http://schemas.microsoft.com/office/drawing/2014/main" id="{5A90217B-4A34-48DC-97CE-FAD4B8A5E1CF}"/>
+              </a:ext>
+            </a:extLst>
+          </p:cNvPr>
+          <p:cNvCxnSpPr>
+            <a:cxnSpLocks/>
+          </p:cNvCxnSpPr>
+          <p:nvPr/>
+        </p:nvCxnSpPr>
+        <p:spPr>
+          <a:xfrm flipV="1">
+            <a:off x="6751102" y="5438537"/>
+            <a:ext cx="76633" cy="95726"/>
+          </a:xfrm>
+          <a:prstGeom prst="straightConnector1">
+            <a:avLst/>
+          </a:prstGeom>
+          <a:ln w="38100">
+            <a:solidFill>
+              <a:schemeClr val="tx1"/>
+            </a:solidFill>
+            <a:tailEnd type="triangle"/>
+          </a:ln>
+        </p:spPr>
+        <p:style>
+          <a:lnRef idx="1">
+            <a:schemeClr val="accent1"/>
+          </a:lnRef>
+          <a:fillRef idx="0">
+            <a:schemeClr val="accent1"/>
+          </a:fillRef>
+          <a:effectRef idx="0">
+            <a:schemeClr val="accent1"/>
+          </a:effectRef>
+          <a:fontRef idx="minor">
+            <a:schemeClr val="tx1"/>
+          </a:fontRef>
+        </p:style>
+      </p:cxnSp>
+      <p:sp>
+        <p:nvSpPr>
+          <p:cNvPr id="24" name="Полилиния: фигура 23">
+            <a:extLst>
+              <a:ext uri="{FF2B5EF4-FFF2-40B4-BE49-F238E27FC236}">
+                <a16:creationId xmlns:a16="http://schemas.microsoft.com/office/drawing/2014/main" id="{B0195837-D048-42B5-8727-AC7213B32D97}"/>
+              </a:ext>
+            </a:extLst>
+          </p:cNvPr>
+          <p:cNvSpPr/>
+          <p:nvPr/>
+        </p:nvSpPr>
+        <p:spPr>
+          <a:xfrm>
+            <a:off x="2228850" y="3880942"/>
+            <a:ext cx="1538288" cy="1019671"/>
+          </a:xfrm>
+          <a:custGeom>
+            <a:avLst/>
+            <a:gdLst>
+              <a:gd name="connsiteX0" fmla="*/ 0 w 1538288"/>
+              <a:gd name="connsiteY0" fmla="*/ 1019671 h 1019671"/>
+              <a:gd name="connsiteX1" fmla="*/ 342900 w 1538288"/>
+              <a:gd name="connsiteY1" fmla="*/ 471983 h 1019671"/>
+              <a:gd name="connsiteX2" fmla="*/ 742950 w 1538288"/>
+              <a:gd name="connsiteY2" fmla="*/ 157658 h 1019671"/>
+              <a:gd name="connsiteX3" fmla="*/ 1166813 w 1538288"/>
+              <a:gd name="connsiteY3" fmla="*/ 24308 h 1019671"/>
+              <a:gd name="connsiteX4" fmla="*/ 1538288 w 1538288"/>
+              <a:gd name="connsiteY4" fmla="*/ 496 h 1019671"/>
+            </a:gdLst>
+            <a:ahLst/>
+            <a:cxnLst>
+              <a:cxn ang="0">
+                <a:pos x="connsiteX0" y="connsiteY0"/>
+              </a:cxn>
+              <a:cxn ang="0">
+                <a:pos x="connsiteX1" y="connsiteY1"/>
+              </a:cxn>
+              <a:cxn ang="0">
+                <a:pos x="connsiteX2" y="connsiteY2"/>
+              </a:cxn>
+              <a:cxn ang="0">
+                <a:pos x="connsiteX3" y="connsiteY3"/>
+              </a:cxn>
+              <a:cxn ang="0">
+                <a:pos x="connsiteX4" y="connsiteY4"/>
+              </a:cxn>
+            </a:cxnLst>
+            <a:rect l="l" t="t" r="r" b="b"/>
+            <a:pathLst>
+              <a:path w="1538288" h="1019671">
+                <a:moveTo>
+                  <a:pt x="0" y="1019671"/>
+                </a:moveTo>
+                <a:cubicBezTo>
+                  <a:pt x="109537" y="817661"/>
+                  <a:pt x="219075" y="615652"/>
+                  <a:pt x="342900" y="471983"/>
+                </a:cubicBezTo>
+                <a:cubicBezTo>
+                  <a:pt x="466725" y="328314"/>
+                  <a:pt x="605631" y="232270"/>
+                  <a:pt x="742950" y="157658"/>
+                </a:cubicBezTo>
+                <a:cubicBezTo>
+                  <a:pt x="880269" y="83045"/>
+                  <a:pt x="1034257" y="50502"/>
+                  <a:pt x="1166813" y="24308"/>
+                </a:cubicBezTo>
+                <a:cubicBezTo>
+                  <a:pt x="1299369" y="-1886"/>
+                  <a:pt x="1418828" y="-695"/>
+                  <a:pt x="1538288" y="496"/>
+                </a:cubicBezTo>
+              </a:path>
+            </a:pathLst>
+          </a:custGeom>
+          <a:noFill/>
+          <a:ln w="19050">
+            <a:solidFill>
+              <a:schemeClr val="tx1"/>
+            </a:solidFill>
+            <a:prstDash val="dash"/>
+          </a:ln>
+        </p:spPr>
+        <p:style>
+          <a:lnRef idx="2">
+            <a:schemeClr val="accent1">
+              <a:shade val="50000"/>
+            </a:schemeClr>
+          </a:lnRef>
+          <a:fillRef idx="1">
+            <a:schemeClr val="accent1"/>
+          </a:fillRef>
+          <a:effectRef idx="0">
+            <a:schemeClr val="accent1"/>
+          </a:effectRef>
+          <a:fontRef idx="minor">
+            <a:schemeClr val="lt1"/>
+          </a:fontRef>
+        </p:style>
+        <p:txBody>
+          <a:bodyPr rtlCol="0" anchor="ctr"/>
+          <a:lstStyle/>
+          <a:p>
+            <a:pPr algn="ctr"/>
+            <a:endParaRPr lang="ru-RU"/>
+          </a:p>
+        </p:txBody>
+      </p:sp>
+      <p:cxnSp>
+        <p:nvCxnSpPr>
+          <p:cNvPr id="25" name="Прямая со стрелкой 24">
+            <a:extLst>
+              <a:ext uri="{FF2B5EF4-FFF2-40B4-BE49-F238E27FC236}">
+                <a16:creationId xmlns:a16="http://schemas.microsoft.com/office/drawing/2014/main" id="{A769327E-4E4E-4B26-9A99-DD3E9781BB3F}"/>
+              </a:ext>
+            </a:extLst>
+          </p:cNvPr>
+          <p:cNvCxnSpPr>
+            <a:cxnSpLocks/>
+          </p:cNvCxnSpPr>
+          <p:nvPr/>
+        </p:nvCxnSpPr>
+        <p:spPr>
+          <a:xfrm>
+            <a:off x="3298068" y="5772150"/>
+            <a:ext cx="116645" cy="0"/>
+          </a:xfrm>
+          <a:prstGeom prst="straightConnector1">
+            <a:avLst/>
+          </a:prstGeom>
+          <a:ln w="38100">
+            <a:solidFill>
+              <a:schemeClr val="tx1"/>
+            </a:solidFill>
+            <a:tailEnd type="triangle"/>
+          </a:ln>
+        </p:spPr>
+        <p:style>
+          <a:lnRef idx="1">
+            <a:schemeClr val="accent1"/>
+          </a:lnRef>
+          <a:fillRef idx="0">
+            <a:schemeClr val="accent1"/>
+          </a:fillRef>
+          <a:effectRef idx="0">
+            <a:schemeClr val="accent1"/>
+          </a:effectRef>
+          <a:fontRef idx="minor">
+            <a:schemeClr val="tx1"/>
+          </a:fontRef>
+        </p:style>
+      </p:cxnSp>
+      <p:cxnSp>
+        <p:nvCxnSpPr>
+          <p:cNvPr id="28" name="Прямая со стрелкой 27">
+            <a:extLst>
+              <a:ext uri="{FF2B5EF4-FFF2-40B4-BE49-F238E27FC236}">
+                <a16:creationId xmlns:a16="http://schemas.microsoft.com/office/drawing/2014/main" id="{FAC27FF7-C8A6-4628-94D6-4D658C917CE6}"/>
+              </a:ext>
+            </a:extLst>
+          </p:cNvPr>
+          <p:cNvCxnSpPr>
+            <a:cxnSpLocks/>
+          </p:cNvCxnSpPr>
+          <p:nvPr/>
+        </p:nvCxnSpPr>
+        <p:spPr>
+          <a:xfrm>
+            <a:off x="3708815" y="3880942"/>
+            <a:ext cx="116645" cy="0"/>
+          </a:xfrm>
+          <a:prstGeom prst="straightConnector1">
+            <a:avLst/>
+          </a:prstGeom>
+          <a:ln w="38100">
+            <a:solidFill>
+              <a:schemeClr val="tx1"/>
+            </a:solidFill>
+            <a:tailEnd type="triangle"/>
+          </a:ln>
+        </p:spPr>
+        <p:style>
+          <a:lnRef idx="1">
+            <a:schemeClr val="accent1"/>
+          </a:lnRef>
+          <a:fillRef idx="0">
+            <a:schemeClr val="accent1"/>
+          </a:fillRef>
+          <a:effectRef idx="0">
+            <a:schemeClr val="accent1"/>
+          </a:effectRef>
+          <a:fontRef idx="minor">
+            <a:schemeClr val="tx1"/>
+          </a:fontRef>
+        </p:style>
+      </p:cxnSp>
+      <p:pic>
+        <p:nvPicPr>
+          <p:cNvPr id="30" name="Рисунок 29">
+            <a:extLst>
+              <a:ext uri="{FF2B5EF4-FFF2-40B4-BE49-F238E27FC236}">
+                <a16:creationId xmlns:a16="http://schemas.microsoft.com/office/drawing/2014/main" id="{815AF8DA-C6E4-44D6-89F2-01A2C7CE2F97}"/>
+              </a:ext>
+            </a:extLst>
+          </p:cNvPr>
+          <p:cNvPicPr>
+            <a:picLocks noChangeAspect="1"/>
+          </p:cNvPicPr>
+          <p:nvPr/>
+        </p:nvPicPr>
+        <p:blipFill>
+          <a:blip r:embed="rId9">
+            <a:extLst>
+              <a:ext uri="{28A0092B-C50C-407E-A947-70E740481C1C}">
+                <a14:useLocalDpi xmlns:a14="http://schemas.microsoft.com/office/drawing/2010/main" val="0"/>
+              </a:ext>
+              <a:ext uri="{96DAC541-7B7A-43D3-8B79-37D633B846F1}">
+                <asvg:svgBlip xmlns:asvg="http://schemas.microsoft.com/office/drawing/2016/SVG/main" r:embed="rId10"/>
+              </a:ext>
+            </a:extLst>
+          </a:blip>
+          <a:stretch>
+            <a:fillRect/>
+          </a:stretch>
+        </p:blipFill>
+        <p:spPr>
+          <a:xfrm>
+            <a:off x="5493156" y="3253723"/>
+            <a:ext cx="4508189" cy="3276000"/>
+          </a:xfrm>
+          <a:prstGeom prst="rect">
+            <a:avLst/>
+          </a:prstGeom>
+        </p:spPr>
+      </p:pic>
+    </p:spTree>
+    <p:extLst>
+      <p:ext uri="{BB962C8B-B14F-4D97-AF65-F5344CB8AC3E}">
+        <p14:creationId xmlns:p14="http://schemas.microsoft.com/office/powerpoint/2010/main" val="3984364075"/>
+      </p:ext>
+    </p:extLst>
+  </p:cSld>
+  <p:clrMapOvr>
+    <a:masterClrMapping/>
+  </p:clrMapOvr>
+</p:sld>
+</file>
+
+<file path=ppt/slides/slide14.xml><?xml version="1.0" encoding="utf-8"?>
+<p:sld xmlns:a="http://schemas.openxmlformats.org/drawingml/2006/main" xmlns:r="http://schemas.openxmlformats.org/officeDocument/2006/relationships" xmlns:p="http://schemas.openxmlformats.org/presentationml/2006/main">
+  <p:cSld>
+    <p:spTree>
+      <p:nvGrpSpPr>
+        <p:cNvPr id="1" name=""/>
+        <p:cNvGrpSpPr/>
+        <p:nvPr/>
+      </p:nvGrpSpPr>
+      <p:grpSpPr>
+        <a:xfrm>
+          <a:off x="0" y="0"/>
+          <a:ext cx="0" cy="0"/>
+          <a:chOff x="0" y="0"/>
+          <a:chExt cx="0" cy="0"/>
+        </a:xfrm>
+      </p:grpSpPr>
+      <p:pic>
+        <p:nvPicPr>
+          <p:cNvPr id="4" name="Рисунок 3">
+            <a:extLst>
+              <a:ext uri="{FF2B5EF4-FFF2-40B4-BE49-F238E27FC236}">
+                <a16:creationId xmlns:a16="http://schemas.microsoft.com/office/drawing/2014/main" id="{6AB4FC35-9D95-444E-8665-C0799BE411A1}"/>
+              </a:ext>
+            </a:extLst>
+          </p:cNvPr>
+          <p:cNvPicPr>
+            <a:picLocks noChangeAspect="1"/>
+          </p:cNvPicPr>
+          <p:nvPr/>
+        </p:nvPicPr>
+        <p:blipFill>
+          <a:blip r:embed="rId3">
+            <a:extLst>
+              <a:ext uri="{28A0092B-C50C-407E-A947-70E740481C1C}">
+                <a14:useLocalDpi xmlns:a14="http://schemas.microsoft.com/office/drawing/2010/main" val="0"/>
+              </a:ext>
+              <a:ext uri="{96DAC541-7B7A-43D3-8B79-37D633B846F1}">
+                <asvg:svgBlip xmlns:asvg="http://schemas.microsoft.com/office/drawing/2016/SVG/main" r:embed="rId4"/>
+              </a:ext>
+            </a:extLst>
+          </a:blip>
+          <a:stretch>
+            <a:fillRect/>
+          </a:stretch>
+        </p:blipFill>
+        <p:spPr>
+          <a:xfrm>
+            <a:off x="1586757" y="3216875"/>
+            <a:ext cx="4508189" cy="3276000"/>
+          </a:xfrm>
+          <a:prstGeom prst="rect">
+            <a:avLst/>
+          </a:prstGeom>
+        </p:spPr>
+      </p:pic>
+      <p:pic>
+        <p:nvPicPr>
+          <p:cNvPr id="12" name="Рисунок 11">
+            <a:extLst>
+              <a:ext uri="{FF2B5EF4-FFF2-40B4-BE49-F238E27FC236}">
+                <a16:creationId xmlns:a16="http://schemas.microsoft.com/office/drawing/2014/main" id="{E23A082D-5B54-4529-A4B7-DB3DFACCF50F}"/>
+              </a:ext>
+            </a:extLst>
+          </p:cNvPr>
+          <p:cNvPicPr>
+            <a:picLocks noChangeAspect="1"/>
+          </p:cNvPicPr>
+          <p:nvPr/>
+        </p:nvPicPr>
+        <p:blipFill>
+          <a:blip r:embed="rId5">
+            <a:extLst>
+              <a:ext uri="{28A0092B-C50C-407E-A947-70E740481C1C}">
+                <a14:useLocalDpi xmlns:a14="http://schemas.microsoft.com/office/drawing/2010/main" val="0"/>
+              </a:ext>
+              <a:ext uri="{96DAC541-7B7A-43D3-8B79-37D633B846F1}">
+                <asvg:svgBlip xmlns:asvg="http://schemas.microsoft.com/office/drawing/2016/SVG/main" r:embed="rId6"/>
+              </a:ext>
+            </a:extLst>
+          </a:blip>
+          <a:stretch>
+            <a:fillRect/>
+          </a:stretch>
+        </p:blipFill>
+        <p:spPr>
+          <a:xfrm>
+            <a:off x="3841904" y="3216875"/>
+            <a:ext cx="4508189" cy="3276000"/>
+          </a:xfrm>
+          <a:prstGeom prst="rect">
+            <a:avLst/>
+          </a:prstGeom>
+        </p:spPr>
+      </p:pic>
+      <p:sp>
+        <p:nvSpPr>
+          <p:cNvPr id="2" name="Заголовок 1"/>
+          <p:cNvSpPr>
+            <a:spLocks noGrp="1"/>
+          </p:cNvSpPr>
+          <p:nvPr>
+            <p:ph type="title"/>
+          </p:nvPr>
+        </p:nvSpPr>
+        <p:spPr/>
+        <p:txBody>
+          <a:bodyPr>
+            <a:normAutofit/>
+          </a:bodyPr>
+          <a:lstStyle/>
+          <a:p>
+            <a:r>
+              <a:rPr lang="ru-RU" sz="2400" dirty="0">
+                <a:solidFill>
+                  <a:srgbClr val="6A57A1"/>
+                </a:solidFill>
+              </a:rPr>
+              <a:t>Введение в верификацию процессорных ядер</a:t>
+            </a:r>
+            <a:br>
+              <a:rPr lang="en-US" sz="2800" dirty="0">
+                <a:solidFill>
+                  <a:srgbClr val="6A57A1"/>
+                </a:solidFill>
+              </a:rPr>
+            </a:br>
+            <a:r>
+              <a:rPr lang="ru-RU" sz="4000" b="1" dirty="0"/>
+              <a:t>Верификация процессорных ядер</a:t>
+            </a:r>
+            <a:endParaRPr lang="ru-RU" sz="2800" b="1" dirty="0"/>
+          </a:p>
+        </p:txBody>
+      </p:sp>
+      <p:sp>
+        <p:nvSpPr>
+          <p:cNvPr id="6" name="Объект 2">
+            <a:extLst>
+              <a:ext uri="{FF2B5EF4-FFF2-40B4-BE49-F238E27FC236}">
+                <a16:creationId xmlns:a16="http://schemas.microsoft.com/office/drawing/2014/main" id="{EE9F5BA1-15B1-4066-833B-445A62C99AC8}"/>
+              </a:ext>
+            </a:extLst>
+          </p:cNvPr>
+          <p:cNvSpPr txBox="1">
+            <a:spLocks/>
+          </p:cNvSpPr>
+          <p:nvPr/>
+        </p:nvSpPr>
+        <p:spPr>
+          <a:xfrm>
+            <a:off x="838200" y="1690688"/>
+            <a:ext cx="10515600" cy="4351338"/>
+          </a:xfrm>
+          <a:prstGeom prst="rect">
+            <a:avLst/>
+          </a:prstGeom>
+        </p:spPr>
+        <p:txBody>
+          <a:bodyPr vert="horz" lIns="91440" tIns="45720" rIns="91440" bIns="45720" rtlCol="0">
+            <a:normAutofit/>
+          </a:bodyPr>
+          <a:lstStyle>
+            <a:lvl1pPr marL="228600" indent="-228600" algn="l" defTabSz="914400" rtl="0" eaLnBrk="1" latinLnBrk="0" hangingPunct="1">
+              <a:lnSpc>
+                <a:spcPct val="90000"/>
+              </a:lnSpc>
+              <a:spcBef>
+                <a:spcPts val="1000"/>
+              </a:spcBef>
+              <a:buFont typeface="Arial" panose="020B0604020202020204" pitchFamily="34" charset="0"/>
+              <a:buChar char="•"/>
+              <a:defRPr sz="2800" kern="1200">
+                <a:solidFill>
+                  <a:schemeClr val="tx1"/>
+                </a:solidFill>
+                <a:latin typeface="+mn-lt"/>
+                <a:ea typeface="+mn-ea"/>
+                <a:cs typeface="+mn-cs"/>
+              </a:defRPr>
+            </a:lvl1pPr>
+            <a:lvl2pPr marL="685800" indent="-228600" algn="l" defTabSz="914400" rtl="0" eaLnBrk="1" latinLnBrk="0" hangingPunct="1">
+              <a:lnSpc>
+                <a:spcPct val="90000"/>
+              </a:lnSpc>
+              <a:spcBef>
+                <a:spcPts val="500"/>
+              </a:spcBef>
+              <a:buFont typeface="Arial" panose="020B0604020202020204" pitchFamily="34" charset="0"/>
+              <a:buChar char="•"/>
+              <a:defRPr sz="2400" kern="1200">
+                <a:solidFill>
+                  <a:schemeClr val="tx1"/>
+                </a:solidFill>
+                <a:latin typeface="+mn-lt"/>
+                <a:ea typeface="+mn-ea"/>
+                <a:cs typeface="+mn-cs"/>
+              </a:defRPr>
+            </a:lvl2pPr>
+            <a:lvl3pPr marL="1143000" indent="-228600" algn="l" defTabSz="914400" rtl="0" eaLnBrk="1" latinLnBrk="0" hangingPunct="1">
+              <a:lnSpc>
+                <a:spcPct val="90000"/>
+              </a:lnSpc>
+              <a:spcBef>
+                <a:spcPts val="500"/>
+              </a:spcBef>
+              <a:buFont typeface="Arial" panose="020B0604020202020204" pitchFamily="34" charset="0"/>
+              <a:buChar char="•"/>
+              <a:defRPr sz="2000" kern="1200">
+                <a:solidFill>
+                  <a:schemeClr val="tx1"/>
+                </a:solidFill>
+                <a:latin typeface="+mn-lt"/>
+                <a:ea typeface="+mn-ea"/>
+                <a:cs typeface="+mn-cs"/>
+              </a:defRPr>
+            </a:lvl3pPr>
+            <a:lvl4pPr marL="1600200" indent="-228600" algn="l" defTabSz="914400" rtl="0" eaLnBrk="1" latinLnBrk="0" hangingPunct="1">
+              <a:lnSpc>
+                <a:spcPct val="90000"/>
+              </a:lnSpc>
+              <a:spcBef>
+                <a:spcPts val="500"/>
+              </a:spcBef>
+              <a:buFont typeface="Arial" panose="020B0604020202020204" pitchFamily="34" charset="0"/>
+              <a:buChar char="•"/>
+              <a:defRPr sz="1800" kern="1200">
+                <a:solidFill>
+                  <a:schemeClr val="tx1"/>
+                </a:solidFill>
+                <a:latin typeface="+mn-lt"/>
+                <a:ea typeface="+mn-ea"/>
+                <a:cs typeface="+mn-cs"/>
+              </a:defRPr>
+            </a:lvl4pPr>
+            <a:lvl5pPr marL="2057400" indent="-228600" algn="l" defTabSz="914400" rtl="0" eaLnBrk="1" latinLnBrk="0" hangingPunct="1">
+              <a:lnSpc>
+                <a:spcPct val="90000"/>
+              </a:lnSpc>
+              <a:spcBef>
+                <a:spcPts val="500"/>
+              </a:spcBef>
+              <a:buFont typeface="Arial" panose="020B0604020202020204" pitchFamily="34" charset="0"/>
+              <a:buChar char="•"/>
+              <a:defRPr sz="1800" kern="1200">
+                <a:solidFill>
+                  <a:schemeClr val="tx1"/>
+                </a:solidFill>
+                <a:latin typeface="+mn-lt"/>
+                <a:ea typeface="+mn-ea"/>
+                <a:cs typeface="+mn-cs"/>
+              </a:defRPr>
+            </a:lvl5pPr>
+            <a:lvl6pPr marL="2514600" indent="-228600" algn="l" defTabSz="914400" rtl="0" eaLnBrk="1" latinLnBrk="0" hangingPunct="1">
+              <a:lnSpc>
+                <a:spcPct val="90000"/>
+              </a:lnSpc>
+              <a:spcBef>
+                <a:spcPts val="500"/>
+              </a:spcBef>
+              <a:buFont typeface="Arial" panose="020B0604020202020204" pitchFamily="34" charset="0"/>
+              <a:buChar char="•"/>
+              <a:defRPr sz="1800" kern="1200">
+                <a:solidFill>
+                  <a:schemeClr val="tx1"/>
+                </a:solidFill>
+                <a:latin typeface="+mn-lt"/>
+                <a:ea typeface="+mn-ea"/>
+                <a:cs typeface="+mn-cs"/>
+              </a:defRPr>
+            </a:lvl6pPr>
+            <a:lvl7pPr marL="2971800" indent="-228600" algn="l" defTabSz="914400" rtl="0" eaLnBrk="1" latinLnBrk="0" hangingPunct="1">
+              <a:lnSpc>
+                <a:spcPct val="90000"/>
+              </a:lnSpc>
+              <a:spcBef>
+                <a:spcPts val="500"/>
+              </a:spcBef>
+              <a:buFont typeface="Arial" panose="020B0604020202020204" pitchFamily="34" charset="0"/>
+              <a:buChar char="•"/>
+              <a:defRPr sz="1800" kern="1200">
+                <a:solidFill>
+                  <a:schemeClr val="tx1"/>
+                </a:solidFill>
+                <a:latin typeface="+mn-lt"/>
+                <a:ea typeface="+mn-ea"/>
+                <a:cs typeface="+mn-cs"/>
+              </a:defRPr>
+            </a:lvl7pPr>
+            <a:lvl8pPr marL="3429000" indent="-228600" algn="l" defTabSz="914400" rtl="0" eaLnBrk="1" latinLnBrk="0" hangingPunct="1">
+              <a:lnSpc>
+                <a:spcPct val="90000"/>
+              </a:lnSpc>
+              <a:spcBef>
+                <a:spcPts val="500"/>
+              </a:spcBef>
+              <a:buFont typeface="Arial" panose="020B0604020202020204" pitchFamily="34" charset="0"/>
+              <a:buChar char="•"/>
+              <a:defRPr sz="1800" kern="1200">
+                <a:solidFill>
+                  <a:schemeClr val="tx1"/>
+                </a:solidFill>
+                <a:latin typeface="+mn-lt"/>
+                <a:ea typeface="+mn-ea"/>
+                <a:cs typeface="+mn-cs"/>
+              </a:defRPr>
+            </a:lvl8pPr>
+            <a:lvl9pPr marL="3886200" indent="-228600" algn="l" defTabSz="914400" rtl="0" eaLnBrk="1" latinLnBrk="0" hangingPunct="1">
+              <a:lnSpc>
+                <a:spcPct val="90000"/>
+              </a:lnSpc>
+              <a:spcBef>
+                <a:spcPts val="500"/>
+              </a:spcBef>
+              <a:buFont typeface="Arial" panose="020B0604020202020204" pitchFamily="34" charset="0"/>
+              <a:buChar char="•"/>
+              <a:defRPr sz="1800" kern="1200">
+                <a:solidFill>
+                  <a:schemeClr val="tx1"/>
+                </a:solidFill>
+                <a:latin typeface="+mn-lt"/>
+                <a:ea typeface="+mn-ea"/>
+                <a:cs typeface="+mn-cs"/>
+              </a:defRPr>
+            </a:lvl9pPr>
+          </a:lstStyle>
+          <a:p>
+            <a:pPr marL="0" indent="0">
+              <a:buNone/>
+            </a:pPr>
+            <a:endParaRPr lang="ru-RU" sz="2400" b="1" dirty="0">
+              <a:solidFill>
+                <a:srgbClr val="6A57A1"/>
+              </a:solidFill>
+            </a:endParaRPr>
+          </a:p>
+          <a:p>
+            <a:pPr marL="0" indent="0">
+              <a:buNone/>
+            </a:pPr>
+            <a:r>
+              <a:rPr lang="ru-RU" sz="2400" b="1" dirty="0">
+                <a:solidFill>
+                  <a:srgbClr val="6A57A1"/>
+                </a:solidFill>
+              </a:rPr>
+              <a:t>Верификация процессорного ядра</a:t>
+            </a:r>
+            <a:r>
+              <a:rPr lang="ru-RU" sz="2400" b="1" dirty="0">
+                <a:solidFill>
+                  <a:srgbClr val="E54F40"/>
+                </a:solidFill>
+              </a:rPr>
+              <a:t> </a:t>
+            </a:r>
+            <a:r>
+              <a:rPr lang="ru-RU" sz="2400" dirty="0"/>
+              <a:t>– процесс обоснованного доказательства корректной работы ядра в рамках представленной на него спецификации.</a:t>
+            </a:r>
+          </a:p>
+        </p:txBody>
+      </p:sp>
+      <p:cxnSp>
+        <p:nvCxnSpPr>
+          <p:cNvPr id="19" name="Прямая со стрелкой 18">
+            <a:extLst>
+              <a:ext uri="{FF2B5EF4-FFF2-40B4-BE49-F238E27FC236}">
+                <a16:creationId xmlns:a16="http://schemas.microsoft.com/office/drawing/2014/main" id="{2BF78373-9C43-4E30-B0FD-F2FFEAEBC08B}"/>
+              </a:ext>
+            </a:extLst>
+          </p:cNvPr>
+          <p:cNvCxnSpPr>
+            <a:cxnSpLocks/>
+          </p:cNvCxnSpPr>
+          <p:nvPr/>
+        </p:nvCxnSpPr>
+        <p:spPr>
+          <a:xfrm>
+            <a:off x="2984654" y="5772150"/>
+            <a:ext cx="399896" cy="0"/>
+          </a:xfrm>
+          <a:prstGeom prst="straightConnector1">
+            <a:avLst/>
+          </a:prstGeom>
+          <a:ln w="19050">
+            <a:solidFill>
+              <a:schemeClr val="tx1"/>
+            </a:solidFill>
+            <a:prstDash val="dash"/>
+            <a:tailEnd type="triangle"/>
+          </a:ln>
+        </p:spPr>
+        <p:style>
+          <a:lnRef idx="1">
+            <a:schemeClr val="accent1"/>
+          </a:lnRef>
+          <a:fillRef idx="0">
+            <a:schemeClr val="accent1"/>
+          </a:fillRef>
+          <a:effectRef idx="0">
+            <a:schemeClr val="accent1"/>
+          </a:effectRef>
+          <a:fontRef idx="minor">
+            <a:schemeClr val="tx1"/>
+          </a:fontRef>
+        </p:style>
+      </p:cxnSp>
+      <p:pic>
+        <p:nvPicPr>
+          <p:cNvPr id="8" name="Рисунок 7">
+            <a:extLst>
+              <a:ext uri="{FF2B5EF4-FFF2-40B4-BE49-F238E27FC236}">
+                <a16:creationId xmlns:a16="http://schemas.microsoft.com/office/drawing/2014/main" id="{25CC9EB8-D7DC-40DA-9FFB-853163C3AA0F}"/>
+              </a:ext>
+            </a:extLst>
+          </p:cNvPr>
+          <p:cNvPicPr>
+            <a:picLocks noChangeAspect="1"/>
+          </p:cNvPicPr>
+          <p:nvPr/>
+        </p:nvPicPr>
+        <p:blipFill>
+          <a:blip r:embed="rId7">
+            <a:extLst>
+              <a:ext uri="{28A0092B-C50C-407E-A947-70E740481C1C}">
+                <a14:useLocalDpi xmlns:a14="http://schemas.microsoft.com/office/drawing/2010/main" val="0"/>
+              </a:ext>
+              <a:ext uri="{96DAC541-7B7A-43D3-8B79-37D633B846F1}">
+                <asvg:svgBlip xmlns:asvg="http://schemas.microsoft.com/office/drawing/2016/SVG/main" r:embed="rId8"/>
+              </a:ext>
+            </a:extLst>
+          </a:blip>
+          <a:stretch>
+            <a:fillRect/>
+          </a:stretch>
+        </p:blipFill>
+        <p:spPr>
+          <a:xfrm>
+            <a:off x="5452675" y="3290571"/>
+            <a:ext cx="4508189" cy="3276000"/>
+          </a:xfrm>
+          <a:prstGeom prst="rect">
+            <a:avLst/>
+          </a:prstGeom>
+        </p:spPr>
+      </p:pic>
+      <p:sp>
+        <p:nvSpPr>
+          <p:cNvPr id="15" name="Полилиния: фигура 14">
+            <a:extLst>
+              <a:ext uri="{FF2B5EF4-FFF2-40B4-BE49-F238E27FC236}">
+                <a16:creationId xmlns:a16="http://schemas.microsoft.com/office/drawing/2014/main" id="{D297AEEE-BB5D-4C25-B92C-46D5F8D096AF}"/>
+              </a:ext>
+            </a:extLst>
+          </p:cNvPr>
+          <p:cNvSpPr/>
+          <p:nvPr/>
+        </p:nvSpPr>
+        <p:spPr>
+          <a:xfrm>
+            <a:off x="5334000" y="5486400"/>
+            <a:ext cx="1463040" cy="502920"/>
+          </a:xfrm>
+          <a:custGeom>
+            <a:avLst/>
+            <a:gdLst>
+              <a:gd name="connsiteX0" fmla="*/ 0 w 1463040"/>
+              <a:gd name="connsiteY0" fmla="*/ 502920 h 502920"/>
+              <a:gd name="connsiteX1" fmla="*/ 853440 w 1463040"/>
+              <a:gd name="connsiteY1" fmla="*/ 411480 h 502920"/>
+              <a:gd name="connsiteX2" fmla="*/ 1463040 w 1463040"/>
+              <a:gd name="connsiteY2" fmla="*/ 0 h 502920"/>
+            </a:gdLst>
+            <a:ahLst/>
+            <a:cxnLst>
+              <a:cxn ang="0">
+                <a:pos x="connsiteX0" y="connsiteY0"/>
+              </a:cxn>
+              <a:cxn ang="0">
+                <a:pos x="connsiteX1" y="connsiteY1"/>
+              </a:cxn>
+              <a:cxn ang="0">
+                <a:pos x="connsiteX2" y="connsiteY2"/>
+              </a:cxn>
+            </a:cxnLst>
+            <a:rect l="l" t="t" r="r" b="b"/>
+            <a:pathLst>
+              <a:path w="1463040" h="502920">
+                <a:moveTo>
+                  <a:pt x="0" y="502920"/>
+                </a:moveTo>
+                <a:cubicBezTo>
+                  <a:pt x="304800" y="499110"/>
+                  <a:pt x="609600" y="495300"/>
+                  <a:pt x="853440" y="411480"/>
+                </a:cubicBezTo>
+                <a:cubicBezTo>
+                  <a:pt x="1097280" y="327660"/>
+                  <a:pt x="1280160" y="163830"/>
+                  <a:pt x="1463040" y="0"/>
+                </a:cubicBezTo>
+              </a:path>
+            </a:pathLst>
+          </a:custGeom>
+          <a:noFill/>
+          <a:ln w="19050">
+            <a:solidFill>
+              <a:schemeClr val="tx1"/>
+            </a:solidFill>
+            <a:prstDash val="dash"/>
+          </a:ln>
+        </p:spPr>
+        <p:style>
+          <a:lnRef idx="2">
+            <a:schemeClr val="accent1">
+              <a:shade val="50000"/>
+            </a:schemeClr>
+          </a:lnRef>
+          <a:fillRef idx="1">
+            <a:schemeClr val="accent1"/>
+          </a:fillRef>
+          <a:effectRef idx="0">
+            <a:schemeClr val="accent1"/>
+          </a:effectRef>
+          <a:fontRef idx="minor">
+            <a:schemeClr val="lt1"/>
+          </a:fontRef>
+        </p:style>
+        <p:txBody>
+          <a:bodyPr rtlCol="0" anchor="ctr"/>
+          <a:lstStyle/>
+          <a:p>
+            <a:pPr algn="ctr"/>
+            <a:endParaRPr lang="ru-RU"/>
+          </a:p>
+        </p:txBody>
+      </p:sp>
+      <p:sp>
+        <p:nvSpPr>
+          <p:cNvPr id="18" name="Полилиния: фигура 17">
+            <a:extLst>
+              <a:ext uri="{FF2B5EF4-FFF2-40B4-BE49-F238E27FC236}">
+                <a16:creationId xmlns:a16="http://schemas.microsoft.com/office/drawing/2014/main" id="{88BA6061-0C64-4D28-ACA0-1200CD036E7D}"/>
+              </a:ext>
+            </a:extLst>
+          </p:cNvPr>
+          <p:cNvSpPr/>
+          <p:nvPr/>
+        </p:nvSpPr>
+        <p:spPr>
+          <a:xfrm>
+            <a:off x="4808220" y="3679833"/>
+            <a:ext cx="2674620" cy="808347"/>
+          </a:xfrm>
+          <a:custGeom>
+            <a:avLst/>
+            <a:gdLst>
+              <a:gd name="connsiteX0" fmla="*/ 0 w 2674620"/>
+              <a:gd name="connsiteY0" fmla="*/ 122547 h 808347"/>
+              <a:gd name="connsiteX1" fmla="*/ 434340 w 2674620"/>
+              <a:gd name="connsiteY1" fmla="*/ 31107 h 808347"/>
+              <a:gd name="connsiteX2" fmla="*/ 914400 w 2674620"/>
+              <a:gd name="connsiteY2" fmla="*/ 627 h 808347"/>
+              <a:gd name="connsiteX3" fmla="*/ 1455420 w 2674620"/>
+              <a:gd name="connsiteY3" fmla="*/ 53967 h 808347"/>
+              <a:gd name="connsiteX4" fmla="*/ 2087880 w 2674620"/>
+              <a:gd name="connsiteY4" fmla="*/ 320667 h 808347"/>
+              <a:gd name="connsiteX5" fmla="*/ 2674620 w 2674620"/>
+              <a:gd name="connsiteY5" fmla="*/ 808347 h 808347"/>
+            </a:gdLst>
+            <a:ahLst/>
+            <a:cxnLst>
+              <a:cxn ang="0">
+                <a:pos x="connsiteX0" y="connsiteY0"/>
+              </a:cxn>
+              <a:cxn ang="0">
+                <a:pos x="connsiteX1" y="connsiteY1"/>
+              </a:cxn>
+              <a:cxn ang="0">
+                <a:pos x="connsiteX2" y="connsiteY2"/>
+              </a:cxn>
+              <a:cxn ang="0">
+                <a:pos x="connsiteX3" y="connsiteY3"/>
+              </a:cxn>
+              <a:cxn ang="0">
+                <a:pos x="connsiteX4" y="connsiteY4"/>
+              </a:cxn>
+              <a:cxn ang="0">
+                <a:pos x="connsiteX5" y="connsiteY5"/>
+              </a:cxn>
+            </a:cxnLst>
+            <a:rect l="l" t="t" r="r" b="b"/>
+            <a:pathLst>
+              <a:path w="2674620" h="808347">
+                <a:moveTo>
+                  <a:pt x="0" y="122547"/>
+                </a:moveTo>
+                <a:cubicBezTo>
+                  <a:pt x="140970" y="86987"/>
+                  <a:pt x="281940" y="51427"/>
+                  <a:pt x="434340" y="31107"/>
+                </a:cubicBezTo>
+                <a:cubicBezTo>
+                  <a:pt x="586740" y="10787"/>
+                  <a:pt x="744220" y="-3183"/>
+                  <a:pt x="914400" y="627"/>
+                </a:cubicBezTo>
+                <a:cubicBezTo>
+                  <a:pt x="1084580" y="4437"/>
+                  <a:pt x="1259840" y="627"/>
+                  <a:pt x="1455420" y="53967"/>
+                </a:cubicBezTo>
+                <a:cubicBezTo>
+                  <a:pt x="1651000" y="107307"/>
+                  <a:pt x="1884680" y="194937"/>
+                  <a:pt x="2087880" y="320667"/>
+                </a:cubicBezTo>
+                <a:cubicBezTo>
+                  <a:pt x="2291080" y="446397"/>
+                  <a:pt x="2482850" y="627372"/>
+                  <a:pt x="2674620" y="808347"/>
+                </a:cubicBezTo>
+              </a:path>
+            </a:pathLst>
+          </a:custGeom>
+          <a:noFill/>
+          <a:ln w="19050">
+            <a:solidFill>
+              <a:schemeClr val="tx1"/>
+            </a:solidFill>
+            <a:prstDash val="dash"/>
+          </a:ln>
+        </p:spPr>
+        <p:style>
+          <a:lnRef idx="2">
+            <a:schemeClr val="accent1">
+              <a:shade val="50000"/>
+            </a:schemeClr>
+          </a:lnRef>
+          <a:fillRef idx="1">
+            <a:schemeClr val="accent1"/>
+          </a:fillRef>
+          <a:effectRef idx="0">
+            <a:schemeClr val="accent1"/>
+          </a:effectRef>
+          <a:fontRef idx="minor">
+            <a:schemeClr val="lt1"/>
+          </a:fontRef>
+        </p:style>
+        <p:txBody>
+          <a:bodyPr rtlCol="0" anchor="ctr"/>
+          <a:lstStyle/>
+          <a:p>
+            <a:pPr algn="ctr"/>
+            <a:endParaRPr lang="ru-RU"/>
+          </a:p>
+        </p:txBody>
+      </p:sp>
+      <p:cxnSp>
+        <p:nvCxnSpPr>
+          <p:cNvPr id="21" name="Прямая со стрелкой 20">
+            <a:extLst>
+              <a:ext uri="{FF2B5EF4-FFF2-40B4-BE49-F238E27FC236}">
+                <a16:creationId xmlns:a16="http://schemas.microsoft.com/office/drawing/2014/main" id="{2FC5D364-57FE-4C7C-8CB0-C2CED8A530F1}"/>
+              </a:ext>
+            </a:extLst>
+          </p:cNvPr>
+          <p:cNvCxnSpPr>
+            <a:cxnSpLocks/>
+          </p:cNvCxnSpPr>
+          <p:nvPr/>
+        </p:nvCxnSpPr>
+        <p:spPr>
+          <a:xfrm>
+            <a:off x="7419977" y="4427873"/>
+            <a:ext cx="86677" cy="97155"/>
+          </a:xfrm>
+          <a:prstGeom prst="straightConnector1">
+            <a:avLst/>
+          </a:prstGeom>
+          <a:ln w="38100">
+            <a:solidFill>
+              <a:schemeClr val="tx1"/>
+            </a:solidFill>
+            <a:tailEnd type="triangle"/>
+          </a:ln>
+        </p:spPr>
+        <p:style>
+          <a:lnRef idx="1">
+            <a:schemeClr val="accent1"/>
+          </a:lnRef>
+          <a:fillRef idx="0">
+            <a:schemeClr val="accent1"/>
+          </a:fillRef>
+          <a:effectRef idx="0">
+            <a:schemeClr val="accent1"/>
+          </a:effectRef>
+          <a:fontRef idx="minor">
+            <a:schemeClr val="tx1"/>
+          </a:fontRef>
+        </p:style>
+      </p:cxnSp>
+      <p:cxnSp>
+        <p:nvCxnSpPr>
+          <p:cNvPr id="22" name="Прямая со стрелкой 21">
+            <a:extLst>
+              <a:ext uri="{FF2B5EF4-FFF2-40B4-BE49-F238E27FC236}">
+                <a16:creationId xmlns:a16="http://schemas.microsoft.com/office/drawing/2014/main" id="{5A90217B-4A34-48DC-97CE-FAD4B8A5E1CF}"/>
+              </a:ext>
+            </a:extLst>
+          </p:cNvPr>
+          <p:cNvCxnSpPr>
+            <a:cxnSpLocks/>
+          </p:cNvCxnSpPr>
+          <p:nvPr/>
+        </p:nvCxnSpPr>
+        <p:spPr>
+          <a:xfrm flipV="1">
+            <a:off x="6751102" y="5438537"/>
+            <a:ext cx="76633" cy="95726"/>
+          </a:xfrm>
+          <a:prstGeom prst="straightConnector1">
+            <a:avLst/>
+          </a:prstGeom>
+          <a:ln w="38100">
+            <a:solidFill>
+              <a:schemeClr val="tx1"/>
+            </a:solidFill>
+            <a:tailEnd type="triangle"/>
+          </a:ln>
+        </p:spPr>
+        <p:style>
+          <a:lnRef idx="1">
+            <a:schemeClr val="accent1"/>
+          </a:lnRef>
+          <a:fillRef idx="0">
+            <a:schemeClr val="accent1"/>
+          </a:fillRef>
+          <a:effectRef idx="0">
+            <a:schemeClr val="accent1"/>
+          </a:effectRef>
+          <a:fontRef idx="minor">
+            <a:schemeClr val="tx1"/>
+          </a:fontRef>
+        </p:style>
+      </p:cxnSp>
+      <p:cxnSp>
+        <p:nvCxnSpPr>
+          <p:cNvPr id="25" name="Прямая со стрелкой 24">
+            <a:extLst>
+              <a:ext uri="{FF2B5EF4-FFF2-40B4-BE49-F238E27FC236}">
+                <a16:creationId xmlns:a16="http://schemas.microsoft.com/office/drawing/2014/main" id="{A769327E-4E4E-4B26-9A99-DD3E9781BB3F}"/>
+              </a:ext>
+            </a:extLst>
+          </p:cNvPr>
+          <p:cNvCxnSpPr>
+            <a:cxnSpLocks/>
+          </p:cNvCxnSpPr>
+          <p:nvPr/>
+        </p:nvCxnSpPr>
+        <p:spPr>
+          <a:xfrm>
+            <a:off x="3298068" y="5772150"/>
+            <a:ext cx="116645" cy="0"/>
+          </a:xfrm>
+          <a:prstGeom prst="straightConnector1">
+            <a:avLst/>
+          </a:prstGeom>
+          <a:ln w="38100">
+            <a:solidFill>
+              <a:schemeClr val="tx1"/>
+            </a:solidFill>
+            <a:tailEnd type="triangle"/>
+          </a:ln>
+        </p:spPr>
+        <p:style>
+          <a:lnRef idx="1">
+            <a:schemeClr val="accent1"/>
+          </a:lnRef>
+          <a:fillRef idx="0">
+            <a:schemeClr val="accent1"/>
+          </a:fillRef>
+          <a:effectRef idx="0">
+            <a:schemeClr val="accent1"/>
+          </a:effectRef>
+          <a:fontRef idx="minor">
+            <a:schemeClr val="tx1"/>
+          </a:fontRef>
+        </p:style>
+      </p:cxnSp>
+      <p:pic>
+        <p:nvPicPr>
+          <p:cNvPr id="30" name="Рисунок 29">
+            <a:extLst>
+              <a:ext uri="{FF2B5EF4-FFF2-40B4-BE49-F238E27FC236}">
+                <a16:creationId xmlns:a16="http://schemas.microsoft.com/office/drawing/2014/main" id="{815AF8DA-C6E4-44D6-89F2-01A2C7CE2F97}"/>
+              </a:ext>
+            </a:extLst>
+          </p:cNvPr>
+          <p:cNvPicPr>
+            <a:picLocks noChangeAspect="1"/>
+          </p:cNvPicPr>
+          <p:nvPr/>
+        </p:nvPicPr>
+        <p:blipFill>
+          <a:blip r:embed="rId9">
+            <a:extLst>
+              <a:ext uri="{28A0092B-C50C-407E-A947-70E740481C1C}">
+                <a14:useLocalDpi xmlns:a14="http://schemas.microsoft.com/office/drawing/2010/main" val="0"/>
+              </a:ext>
+              <a:ext uri="{96DAC541-7B7A-43D3-8B79-37D633B846F1}">
+                <asvg:svgBlip xmlns:asvg="http://schemas.microsoft.com/office/drawing/2016/SVG/main" r:embed="rId10"/>
+              </a:ext>
+            </a:extLst>
+          </a:blip>
+          <a:stretch>
+            <a:fillRect/>
+          </a:stretch>
+        </p:blipFill>
+        <p:spPr>
+          <a:xfrm>
+            <a:off x="5493156" y="3253723"/>
+            <a:ext cx="4508189" cy="3276000"/>
+          </a:xfrm>
+          <a:prstGeom prst="rect">
+            <a:avLst/>
+          </a:prstGeom>
+        </p:spPr>
+      </p:pic>
+      <p:cxnSp>
+        <p:nvCxnSpPr>
+          <p:cNvPr id="20" name="Прямая со стрелкой 19">
+            <a:extLst>
+              <a:ext uri="{FF2B5EF4-FFF2-40B4-BE49-F238E27FC236}">
+                <a16:creationId xmlns:a16="http://schemas.microsoft.com/office/drawing/2014/main" id="{CBB559CD-5D2A-4F35-84D5-C9816EE10B7A}"/>
+              </a:ext>
+            </a:extLst>
+          </p:cNvPr>
+          <p:cNvCxnSpPr>
+            <a:cxnSpLocks/>
+          </p:cNvCxnSpPr>
+          <p:nvPr/>
+        </p:nvCxnSpPr>
+        <p:spPr>
+          <a:xfrm>
+            <a:off x="2984654" y="3981450"/>
+            <a:ext cx="771632" cy="0"/>
+          </a:xfrm>
+          <a:prstGeom prst="straightConnector1">
+            <a:avLst/>
+          </a:prstGeom>
+          <a:ln w="19050">
+            <a:solidFill>
+              <a:schemeClr val="tx1"/>
+            </a:solidFill>
+            <a:prstDash val="dash"/>
+            <a:tailEnd type="triangle"/>
+          </a:ln>
+        </p:spPr>
+        <p:style>
+          <a:lnRef idx="1">
+            <a:schemeClr val="accent1"/>
+          </a:lnRef>
+          <a:fillRef idx="0">
+            <a:schemeClr val="accent1"/>
+          </a:fillRef>
+          <a:effectRef idx="0">
+            <a:schemeClr val="accent1"/>
+          </a:effectRef>
+          <a:fontRef idx="minor">
+            <a:schemeClr val="tx1"/>
+          </a:fontRef>
+        </p:style>
+      </p:cxnSp>
+      <p:cxnSp>
+        <p:nvCxnSpPr>
+          <p:cNvPr id="23" name="Прямая со стрелкой 22">
+            <a:extLst>
+              <a:ext uri="{FF2B5EF4-FFF2-40B4-BE49-F238E27FC236}">
+                <a16:creationId xmlns:a16="http://schemas.microsoft.com/office/drawing/2014/main" id="{D6CC7799-A766-4EF5-865B-50E1925DCF59}"/>
+              </a:ext>
+            </a:extLst>
+          </p:cNvPr>
+          <p:cNvCxnSpPr>
+            <a:cxnSpLocks/>
+          </p:cNvCxnSpPr>
+          <p:nvPr/>
+        </p:nvCxnSpPr>
+        <p:spPr>
+          <a:xfrm>
+            <a:off x="3669804" y="3981450"/>
+            <a:ext cx="116645" cy="0"/>
+          </a:xfrm>
+          <a:prstGeom prst="straightConnector1">
+            <a:avLst/>
+          </a:prstGeom>
+          <a:ln w="38100">
+            <a:solidFill>
+              <a:schemeClr val="tx1"/>
+            </a:solidFill>
+            <a:tailEnd type="triangle"/>
+          </a:ln>
+        </p:spPr>
+        <p:style>
+          <a:lnRef idx="1">
+            <a:schemeClr val="accent1"/>
+          </a:lnRef>
+          <a:fillRef idx="0">
+            <a:schemeClr val="accent1"/>
+          </a:fillRef>
+          <a:effectRef idx="0">
+            <a:schemeClr val="accent1"/>
+          </a:effectRef>
+          <a:fontRef idx="minor">
+            <a:schemeClr val="tx1"/>
+          </a:fontRef>
+        </p:style>
+      </p:cxnSp>
+    </p:spTree>
+    <p:extLst>
+      <p:ext uri="{BB962C8B-B14F-4D97-AF65-F5344CB8AC3E}">
+        <p14:creationId xmlns:p14="http://schemas.microsoft.com/office/powerpoint/2010/main" val="1750132306"/>
+      </p:ext>
+    </p:extLst>
+  </p:cSld>
+  <p:clrMapOvr>
+    <a:masterClrMapping/>
+  </p:clrMapOvr>
+</p:sld>
+</file>
+
+<file path=ppt/slides/slide15.xml><?xml version="1.0" encoding="utf-8"?>
+<p:sld xmlns:a="http://schemas.openxmlformats.org/drawingml/2006/main" xmlns:r="http://schemas.openxmlformats.org/officeDocument/2006/relationships" xmlns:p="http://schemas.openxmlformats.org/presentationml/2006/main">
+  <p:cSld>
+    <p:spTree>
+      <p:nvGrpSpPr>
+        <p:cNvPr id="1" name=""/>
+        <p:cNvGrpSpPr/>
+        <p:nvPr/>
+      </p:nvGrpSpPr>
+      <p:grpSpPr>
+        <a:xfrm>
+          <a:off x="0" y="0"/>
+          <a:ext cx="0" cy="0"/>
+          <a:chOff x="0" y="0"/>
+          <a:chExt cx="0" cy="0"/>
+        </a:xfrm>
+      </p:grpSpPr>
+      <p:pic>
+        <p:nvPicPr>
+          <p:cNvPr id="12" name="Рисунок 11">
+            <a:extLst>
+              <a:ext uri="{FF2B5EF4-FFF2-40B4-BE49-F238E27FC236}">
+                <a16:creationId xmlns:a16="http://schemas.microsoft.com/office/drawing/2014/main" id="{E23A082D-5B54-4529-A4B7-DB3DFACCF50F}"/>
+              </a:ext>
+            </a:extLst>
+          </p:cNvPr>
+          <p:cNvPicPr>
+            <a:picLocks noChangeAspect="1"/>
+          </p:cNvPicPr>
+          <p:nvPr/>
+        </p:nvPicPr>
+        <p:blipFill>
+          <a:blip r:embed="rId3">
+            <a:extLst>
+              <a:ext uri="{28A0092B-C50C-407E-A947-70E740481C1C}">
+                <a14:useLocalDpi xmlns:a14="http://schemas.microsoft.com/office/drawing/2010/main" val="0"/>
+              </a:ext>
+              <a:ext uri="{96DAC541-7B7A-43D3-8B79-37D633B846F1}">
+                <asvg:svgBlip xmlns:asvg="http://schemas.microsoft.com/office/drawing/2016/SVG/main" r:embed="rId4"/>
+              </a:ext>
+            </a:extLst>
+          </a:blip>
+          <a:stretch>
+            <a:fillRect/>
+          </a:stretch>
+        </p:blipFill>
+        <p:spPr>
+          <a:xfrm>
+            <a:off x="7211816" y="3216875"/>
+            <a:ext cx="4508189" cy="3276000"/>
+          </a:xfrm>
+          <a:prstGeom prst="rect">
+            <a:avLst/>
+          </a:prstGeom>
+        </p:spPr>
+      </p:pic>
+      <p:sp>
+        <p:nvSpPr>
+          <p:cNvPr id="2" name="Заголовок 1"/>
+          <p:cNvSpPr>
+            <a:spLocks noGrp="1"/>
+          </p:cNvSpPr>
+          <p:nvPr>
+            <p:ph type="title"/>
+          </p:nvPr>
+        </p:nvSpPr>
+        <p:spPr/>
+        <p:txBody>
+          <a:bodyPr>
+            <a:normAutofit/>
+          </a:bodyPr>
+          <a:lstStyle/>
+          <a:p>
+            <a:r>
+              <a:rPr lang="ru-RU" sz="2400" dirty="0">
+                <a:solidFill>
+                  <a:srgbClr val="6A57A1"/>
+                </a:solidFill>
+              </a:rPr>
+              <a:t>Введение в верификацию процессорных ядер</a:t>
+            </a:r>
+            <a:br>
+              <a:rPr lang="en-US" sz="2800" dirty="0">
+                <a:solidFill>
+                  <a:srgbClr val="6A57A1"/>
+                </a:solidFill>
+              </a:rPr>
+            </a:br>
+            <a:r>
+              <a:rPr lang="ru-RU" sz="4000" b="1" dirty="0"/>
+              <a:t>Верификация процессорных ядер</a:t>
+            </a:r>
+            <a:endParaRPr lang="ru-RU" sz="2800" b="1" dirty="0"/>
+          </a:p>
+        </p:txBody>
+      </p:sp>
+      <p:sp>
+        <p:nvSpPr>
+          <p:cNvPr id="6" name="Объект 2">
+            <a:extLst>
+              <a:ext uri="{FF2B5EF4-FFF2-40B4-BE49-F238E27FC236}">
+                <a16:creationId xmlns:a16="http://schemas.microsoft.com/office/drawing/2014/main" id="{EE9F5BA1-15B1-4066-833B-445A62C99AC8}"/>
+              </a:ext>
+            </a:extLst>
+          </p:cNvPr>
+          <p:cNvSpPr txBox="1">
+            <a:spLocks/>
+          </p:cNvSpPr>
+          <p:nvPr/>
+        </p:nvSpPr>
+        <p:spPr>
+          <a:xfrm>
+            <a:off x="838200" y="1690688"/>
+            <a:ext cx="10515600" cy="4351338"/>
+          </a:xfrm>
+          <a:prstGeom prst="rect">
+            <a:avLst/>
+          </a:prstGeom>
+        </p:spPr>
+        <p:txBody>
+          <a:bodyPr vert="horz" lIns="91440" tIns="45720" rIns="91440" bIns="45720" rtlCol="0">
+            <a:normAutofit/>
+          </a:bodyPr>
+          <a:lstStyle>
+            <a:lvl1pPr marL="228600" indent="-228600" algn="l" defTabSz="914400" rtl="0" eaLnBrk="1" latinLnBrk="0" hangingPunct="1">
+              <a:lnSpc>
+                <a:spcPct val="90000"/>
+              </a:lnSpc>
+              <a:spcBef>
+                <a:spcPts val="1000"/>
+              </a:spcBef>
+              <a:buFont typeface="Arial" panose="020B0604020202020204" pitchFamily="34" charset="0"/>
+              <a:buChar char="•"/>
+              <a:defRPr sz="2800" kern="1200">
+                <a:solidFill>
+                  <a:schemeClr val="tx1"/>
+                </a:solidFill>
+                <a:latin typeface="+mn-lt"/>
+                <a:ea typeface="+mn-ea"/>
+                <a:cs typeface="+mn-cs"/>
+              </a:defRPr>
+            </a:lvl1pPr>
+            <a:lvl2pPr marL="685800" indent="-228600" algn="l" defTabSz="914400" rtl="0" eaLnBrk="1" latinLnBrk="0" hangingPunct="1">
+              <a:lnSpc>
+                <a:spcPct val="90000"/>
+              </a:lnSpc>
+              <a:spcBef>
+                <a:spcPts val="500"/>
+              </a:spcBef>
+              <a:buFont typeface="Arial" panose="020B0604020202020204" pitchFamily="34" charset="0"/>
+              <a:buChar char="•"/>
+              <a:defRPr sz="2400" kern="1200">
+                <a:solidFill>
+                  <a:schemeClr val="tx1"/>
+                </a:solidFill>
+                <a:latin typeface="+mn-lt"/>
+                <a:ea typeface="+mn-ea"/>
+                <a:cs typeface="+mn-cs"/>
+              </a:defRPr>
+            </a:lvl2pPr>
+            <a:lvl3pPr marL="1143000" indent="-228600" algn="l" defTabSz="914400" rtl="0" eaLnBrk="1" latinLnBrk="0" hangingPunct="1">
+              <a:lnSpc>
+                <a:spcPct val="90000"/>
+              </a:lnSpc>
+              <a:spcBef>
+                <a:spcPts val="500"/>
+              </a:spcBef>
+              <a:buFont typeface="Arial" panose="020B0604020202020204" pitchFamily="34" charset="0"/>
+              <a:buChar char="•"/>
+              <a:defRPr sz="2000" kern="1200">
+                <a:solidFill>
+                  <a:schemeClr val="tx1"/>
+                </a:solidFill>
+                <a:latin typeface="+mn-lt"/>
+                <a:ea typeface="+mn-ea"/>
+                <a:cs typeface="+mn-cs"/>
+              </a:defRPr>
+            </a:lvl3pPr>
+            <a:lvl4pPr marL="1600200" indent="-228600" algn="l" defTabSz="914400" rtl="0" eaLnBrk="1" latinLnBrk="0" hangingPunct="1">
+              <a:lnSpc>
+                <a:spcPct val="90000"/>
+              </a:lnSpc>
+              <a:spcBef>
+                <a:spcPts val="500"/>
+              </a:spcBef>
+              <a:buFont typeface="Arial" panose="020B0604020202020204" pitchFamily="34" charset="0"/>
+              <a:buChar char="•"/>
+              <a:defRPr sz="1800" kern="1200">
+                <a:solidFill>
+                  <a:schemeClr val="tx1"/>
+                </a:solidFill>
+                <a:latin typeface="+mn-lt"/>
+                <a:ea typeface="+mn-ea"/>
+                <a:cs typeface="+mn-cs"/>
+              </a:defRPr>
+            </a:lvl4pPr>
+            <a:lvl5pPr marL="2057400" indent="-228600" algn="l" defTabSz="914400" rtl="0" eaLnBrk="1" latinLnBrk="0" hangingPunct="1">
+              <a:lnSpc>
+                <a:spcPct val="90000"/>
+              </a:lnSpc>
+              <a:spcBef>
+                <a:spcPts val="500"/>
+              </a:spcBef>
+              <a:buFont typeface="Arial" panose="020B0604020202020204" pitchFamily="34" charset="0"/>
+              <a:buChar char="•"/>
+              <a:defRPr sz="1800" kern="1200">
+                <a:solidFill>
+                  <a:schemeClr val="tx1"/>
+                </a:solidFill>
+                <a:latin typeface="+mn-lt"/>
+                <a:ea typeface="+mn-ea"/>
+                <a:cs typeface="+mn-cs"/>
+              </a:defRPr>
+            </a:lvl5pPr>
+            <a:lvl6pPr marL="2514600" indent="-228600" algn="l" defTabSz="914400" rtl="0" eaLnBrk="1" latinLnBrk="0" hangingPunct="1">
+              <a:lnSpc>
+                <a:spcPct val="90000"/>
+              </a:lnSpc>
+              <a:spcBef>
+                <a:spcPts val="500"/>
+              </a:spcBef>
+              <a:buFont typeface="Arial" panose="020B0604020202020204" pitchFamily="34" charset="0"/>
+              <a:buChar char="•"/>
+              <a:defRPr sz="1800" kern="1200">
+                <a:solidFill>
+                  <a:schemeClr val="tx1"/>
+                </a:solidFill>
+                <a:latin typeface="+mn-lt"/>
+                <a:ea typeface="+mn-ea"/>
+                <a:cs typeface="+mn-cs"/>
+              </a:defRPr>
+            </a:lvl6pPr>
+            <a:lvl7pPr marL="2971800" indent="-228600" algn="l" defTabSz="914400" rtl="0" eaLnBrk="1" latinLnBrk="0" hangingPunct="1">
+              <a:lnSpc>
+                <a:spcPct val="90000"/>
+              </a:lnSpc>
+              <a:spcBef>
+                <a:spcPts val="500"/>
+              </a:spcBef>
+              <a:buFont typeface="Arial" panose="020B0604020202020204" pitchFamily="34" charset="0"/>
+              <a:buChar char="•"/>
+              <a:defRPr sz="1800" kern="1200">
+                <a:solidFill>
+                  <a:schemeClr val="tx1"/>
+                </a:solidFill>
+                <a:latin typeface="+mn-lt"/>
+                <a:ea typeface="+mn-ea"/>
+                <a:cs typeface="+mn-cs"/>
+              </a:defRPr>
+            </a:lvl7pPr>
+            <a:lvl8pPr marL="3429000" indent="-228600" algn="l" defTabSz="914400" rtl="0" eaLnBrk="1" latinLnBrk="0" hangingPunct="1">
+              <a:lnSpc>
+                <a:spcPct val="90000"/>
+              </a:lnSpc>
+              <a:spcBef>
+                <a:spcPts val="500"/>
+              </a:spcBef>
+              <a:buFont typeface="Arial" panose="020B0604020202020204" pitchFamily="34" charset="0"/>
+              <a:buChar char="•"/>
+              <a:defRPr sz="1800" kern="1200">
+                <a:solidFill>
+                  <a:schemeClr val="tx1"/>
+                </a:solidFill>
+                <a:latin typeface="+mn-lt"/>
+                <a:ea typeface="+mn-ea"/>
+                <a:cs typeface="+mn-cs"/>
+              </a:defRPr>
+            </a:lvl8pPr>
+            <a:lvl9pPr marL="3886200" indent="-228600" algn="l" defTabSz="914400" rtl="0" eaLnBrk="1" latinLnBrk="0" hangingPunct="1">
+              <a:lnSpc>
+                <a:spcPct val="90000"/>
+              </a:lnSpc>
+              <a:spcBef>
+                <a:spcPts val="500"/>
+              </a:spcBef>
+              <a:buFont typeface="Arial" panose="020B0604020202020204" pitchFamily="34" charset="0"/>
+              <a:buChar char="•"/>
+              <a:defRPr sz="1800" kern="1200">
+                <a:solidFill>
+                  <a:schemeClr val="tx1"/>
+                </a:solidFill>
+                <a:latin typeface="+mn-lt"/>
+                <a:ea typeface="+mn-ea"/>
+                <a:cs typeface="+mn-cs"/>
+              </a:defRPr>
+            </a:lvl9pPr>
+          </a:lstStyle>
+          <a:p>
+            <a:pPr marL="0" indent="0">
+              <a:buNone/>
+            </a:pPr>
+            <a:endParaRPr lang="ru-RU" sz="2400" b="1" dirty="0">
+              <a:solidFill>
+                <a:srgbClr val="6A57A1"/>
+              </a:solidFill>
+            </a:endParaRPr>
+          </a:p>
+          <a:p>
+            <a:pPr marL="0" indent="0">
+              <a:buNone/>
+            </a:pPr>
+            <a:r>
+              <a:rPr lang="ru-RU" sz="2400" b="1" dirty="0">
+                <a:solidFill>
+                  <a:srgbClr val="6A57A1"/>
+                </a:solidFill>
+              </a:rPr>
+              <a:t>Верификация процессорного ядра</a:t>
+            </a:r>
+            <a:r>
+              <a:rPr lang="ru-RU" sz="2400" b="1" dirty="0">
+                <a:solidFill>
+                  <a:srgbClr val="E54F40"/>
+                </a:solidFill>
+              </a:rPr>
+              <a:t> </a:t>
+            </a:r>
+            <a:r>
+              <a:rPr lang="ru-RU" sz="2400" dirty="0"/>
+              <a:t>– процесс обоснованного доказательства корректной работы ядра в рамках представленной на него спецификации.</a:t>
+            </a:r>
+          </a:p>
+        </p:txBody>
+      </p:sp>
+      <p:cxnSp>
+        <p:nvCxnSpPr>
+          <p:cNvPr id="19" name="Прямая со стрелкой 18">
+            <a:extLst>
+              <a:ext uri="{FF2B5EF4-FFF2-40B4-BE49-F238E27FC236}">
+                <a16:creationId xmlns:a16="http://schemas.microsoft.com/office/drawing/2014/main" id="{2BF78373-9C43-4E30-B0FD-F2FFEAEBC08B}"/>
+              </a:ext>
+            </a:extLst>
+          </p:cNvPr>
+          <p:cNvCxnSpPr>
+            <a:cxnSpLocks/>
+          </p:cNvCxnSpPr>
+          <p:nvPr/>
+        </p:nvCxnSpPr>
+        <p:spPr>
+          <a:xfrm>
+            <a:off x="6354566" y="5772150"/>
+            <a:ext cx="399896" cy="0"/>
+          </a:xfrm>
+          <a:prstGeom prst="straightConnector1">
+            <a:avLst/>
+          </a:prstGeom>
+          <a:ln w="19050">
+            <a:solidFill>
+              <a:schemeClr val="tx1"/>
+            </a:solidFill>
+            <a:prstDash val="dash"/>
+            <a:tailEnd type="triangle"/>
+          </a:ln>
+        </p:spPr>
+        <p:style>
+          <a:lnRef idx="1">
+            <a:schemeClr val="accent1"/>
+          </a:lnRef>
+          <a:fillRef idx="0">
+            <a:schemeClr val="accent1"/>
+          </a:fillRef>
+          <a:effectRef idx="0">
+            <a:schemeClr val="accent1"/>
+          </a:effectRef>
+          <a:fontRef idx="minor">
+            <a:schemeClr val="tx1"/>
+          </a:fontRef>
+        </p:style>
+      </p:cxnSp>
+      <p:pic>
+        <p:nvPicPr>
+          <p:cNvPr id="8" name="Рисунок 7">
+            <a:extLst>
+              <a:ext uri="{FF2B5EF4-FFF2-40B4-BE49-F238E27FC236}">
+                <a16:creationId xmlns:a16="http://schemas.microsoft.com/office/drawing/2014/main" id="{25CC9EB8-D7DC-40DA-9FFB-853163C3AA0F}"/>
+              </a:ext>
+            </a:extLst>
+          </p:cNvPr>
+          <p:cNvPicPr>
+            <a:picLocks noChangeAspect="1"/>
+          </p:cNvPicPr>
+          <p:nvPr/>
+        </p:nvPicPr>
+        <p:blipFill>
+          <a:blip r:embed="rId5">
+            <a:extLst>
+              <a:ext uri="{28A0092B-C50C-407E-A947-70E740481C1C}">
+                <a14:useLocalDpi xmlns:a14="http://schemas.microsoft.com/office/drawing/2010/main" val="0"/>
+              </a:ext>
+              <a:ext uri="{96DAC541-7B7A-43D3-8B79-37D633B846F1}">
+                <asvg:svgBlip xmlns:asvg="http://schemas.microsoft.com/office/drawing/2016/SVG/main" r:embed="rId6"/>
+              </a:ext>
+            </a:extLst>
+          </a:blip>
+          <a:stretch>
+            <a:fillRect/>
+          </a:stretch>
+        </p:blipFill>
+        <p:spPr>
+          <a:xfrm>
+            <a:off x="8822587" y="3290571"/>
+            <a:ext cx="4508189" cy="3276000"/>
+          </a:xfrm>
+          <a:prstGeom prst="rect">
+            <a:avLst/>
+          </a:prstGeom>
+        </p:spPr>
+      </p:pic>
+      <p:sp>
+        <p:nvSpPr>
+          <p:cNvPr id="15" name="Полилиния: фигура 14">
+            <a:extLst>
+              <a:ext uri="{FF2B5EF4-FFF2-40B4-BE49-F238E27FC236}">
+                <a16:creationId xmlns:a16="http://schemas.microsoft.com/office/drawing/2014/main" id="{D297AEEE-BB5D-4C25-B92C-46D5F8D096AF}"/>
+              </a:ext>
+            </a:extLst>
+          </p:cNvPr>
+          <p:cNvSpPr/>
+          <p:nvPr/>
+        </p:nvSpPr>
+        <p:spPr>
+          <a:xfrm>
+            <a:off x="8703912" y="5486400"/>
+            <a:ext cx="1463040" cy="502920"/>
+          </a:xfrm>
+          <a:custGeom>
+            <a:avLst/>
+            <a:gdLst>
+              <a:gd name="connsiteX0" fmla="*/ 0 w 1463040"/>
+              <a:gd name="connsiteY0" fmla="*/ 502920 h 502920"/>
+              <a:gd name="connsiteX1" fmla="*/ 853440 w 1463040"/>
+              <a:gd name="connsiteY1" fmla="*/ 411480 h 502920"/>
+              <a:gd name="connsiteX2" fmla="*/ 1463040 w 1463040"/>
+              <a:gd name="connsiteY2" fmla="*/ 0 h 502920"/>
+            </a:gdLst>
+            <a:ahLst/>
+            <a:cxnLst>
+              <a:cxn ang="0">
+                <a:pos x="connsiteX0" y="connsiteY0"/>
+              </a:cxn>
+              <a:cxn ang="0">
+                <a:pos x="connsiteX1" y="connsiteY1"/>
+              </a:cxn>
+              <a:cxn ang="0">
+                <a:pos x="connsiteX2" y="connsiteY2"/>
+              </a:cxn>
+            </a:cxnLst>
+            <a:rect l="l" t="t" r="r" b="b"/>
+            <a:pathLst>
+              <a:path w="1463040" h="502920">
+                <a:moveTo>
+                  <a:pt x="0" y="502920"/>
+                </a:moveTo>
+                <a:cubicBezTo>
+                  <a:pt x="304800" y="499110"/>
+                  <a:pt x="609600" y="495300"/>
+                  <a:pt x="853440" y="411480"/>
+                </a:cubicBezTo>
+                <a:cubicBezTo>
+                  <a:pt x="1097280" y="327660"/>
+                  <a:pt x="1280160" y="163830"/>
+                  <a:pt x="1463040" y="0"/>
+                </a:cubicBezTo>
+              </a:path>
+            </a:pathLst>
+          </a:custGeom>
+          <a:noFill/>
+          <a:ln w="19050">
+            <a:solidFill>
+              <a:schemeClr val="tx1"/>
+            </a:solidFill>
+            <a:prstDash val="dash"/>
+          </a:ln>
+        </p:spPr>
+        <p:style>
+          <a:lnRef idx="2">
+            <a:schemeClr val="accent1">
+              <a:shade val="50000"/>
+            </a:schemeClr>
+          </a:lnRef>
+          <a:fillRef idx="1">
+            <a:schemeClr val="accent1"/>
+          </a:fillRef>
+          <a:effectRef idx="0">
+            <a:schemeClr val="accent1"/>
+          </a:effectRef>
+          <a:fontRef idx="minor">
+            <a:schemeClr val="lt1"/>
+          </a:fontRef>
+        </p:style>
+        <p:txBody>
+          <a:bodyPr rtlCol="0" anchor="ctr"/>
+          <a:lstStyle/>
+          <a:p>
+            <a:pPr algn="ctr"/>
+            <a:endParaRPr lang="ru-RU"/>
+          </a:p>
+        </p:txBody>
+      </p:sp>
+      <p:sp>
+        <p:nvSpPr>
+          <p:cNvPr id="18" name="Полилиния: фигура 17">
+            <a:extLst>
+              <a:ext uri="{FF2B5EF4-FFF2-40B4-BE49-F238E27FC236}">
+                <a16:creationId xmlns:a16="http://schemas.microsoft.com/office/drawing/2014/main" id="{88BA6061-0C64-4D28-ACA0-1200CD036E7D}"/>
+              </a:ext>
+            </a:extLst>
+          </p:cNvPr>
+          <p:cNvSpPr/>
+          <p:nvPr/>
+        </p:nvSpPr>
+        <p:spPr>
+          <a:xfrm>
+            <a:off x="8178132" y="3679833"/>
+            <a:ext cx="2674620" cy="808347"/>
+          </a:xfrm>
+          <a:custGeom>
+            <a:avLst/>
+            <a:gdLst>
+              <a:gd name="connsiteX0" fmla="*/ 0 w 2674620"/>
+              <a:gd name="connsiteY0" fmla="*/ 122547 h 808347"/>
+              <a:gd name="connsiteX1" fmla="*/ 434340 w 2674620"/>
+              <a:gd name="connsiteY1" fmla="*/ 31107 h 808347"/>
+              <a:gd name="connsiteX2" fmla="*/ 914400 w 2674620"/>
+              <a:gd name="connsiteY2" fmla="*/ 627 h 808347"/>
+              <a:gd name="connsiteX3" fmla="*/ 1455420 w 2674620"/>
+              <a:gd name="connsiteY3" fmla="*/ 53967 h 808347"/>
+              <a:gd name="connsiteX4" fmla="*/ 2087880 w 2674620"/>
+              <a:gd name="connsiteY4" fmla="*/ 320667 h 808347"/>
+              <a:gd name="connsiteX5" fmla="*/ 2674620 w 2674620"/>
+              <a:gd name="connsiteY5" fmla="*/ 808347 h 808347"/>
+            </a:gdLst>
+            <a:ahLst/>
+            <a:cxnLst>
+              <a:cxn ang="0">
+                <a:pos x="connsiteX0" y="connsiteY0"/>
+              </a:cxn>
+              <a:cxn ang="0">
+                <a:pos x="connsiteX1" y="connsiteY1"/>
+              </a:cxn>
+              <a:cxn ang="0">
+                <a:pos x="connsiteX2" y="connsiteY2"/>
+              </a:cxn>
+              <a:cxn ang="0">
+                <a:pos x="connsiteX3" y="connsiteY3"/>
+              </a:cxn>
+              <a:cxn ang="0">
+                <a:pos x="connsiteX4" y="connsiteY4"/>
+              </a:cxn>
+              <a:cxn ang="0">
+                <a:pos x="connsiteX5" y="connsiteY5"/>
+              </a:cxn>
+            </a:cxnLst>
+            <a:rect l="l" t="t" r="r" b="b"/>
+            <a:pathLst>
+              <a:path w="2674620" h="808347">
+                <a:moveTo>
+                  <a:pt x="0" y="122547"/>
+                </a:moveTo>
+                <a:cubicBezTo>
+                  <a:pt x="140970" y="86987"/>
+                  <a:pt x="281940" y="51427"/>
+                  <a:pt x="434340" y="31107"/>
+                </a:cubicBezTo>
+                <a:cubicBezTo>
+                  <a:pt x="586740" y="10787"/>
+                  <a:pt x="744220" y="-3183"/>
+                  <a:pt x="914400" y="627"/>
+                </a:cubicBezTo>
+                <a:cubicBezTo>
+                  <a:pt x="1084580" y="4437"/>
+                  <a:pt x="1259840" y="627"/>
+                  <a:pt x="1455420" y="53967"/>
+                </a:cubicBezTo>
+                <a:cubicBezTo>
+                  <a:pt x="1651000" y="107307"/>
+                  <a:pt x="1884680" y="194937"/>
+                  <a:pt x="2087880" y="320667"/>
+                </a:cubicBezTo>
+                <a:cubicBezTo>
+                  <a:pt x="2291080" y="446397"/>
+                  <a:pt x="2482850" y="627372"/>
+                  <a:pt x="2674620" y="808347"/>
+                </a:cubicBezTo>
+              </a:path>
+            </a:pathLst>
+          </a:custGeom>
+          <a:noFill/>
+          <a:ln w="19050">
+            <a:solidFill>
+              <a:schemeClr val="tx1"/>
+            </a:solidFill>
+            <a:prstDash val="dash"/>
+          </a:ln>
+        </p:spPr>
+        <p:style>
+          <a:lnRef idx="2">
+            <a:schemeClr val="accent1">
+              <a:shade val="50000"/>
+            </a:schemeClr>
+          </a:lnRef>
+          <a:fillRef idx="1">
+            <a:schemeClr val="accent1"/>
+          </a:fillRef>
+          <a:effectRef idx="0">
+            <a:schemeClr val="accent1"/>
+          </a:effectRef>
+          <a:fontRef idx="minor">
+            <a:schemeClr val="lt1"/>
+          </a:fontRef>
+        </p:style>
+        <p:txBody>
+          <a:bodyPr rtlCol="0" anchor="ctr"/>
+          <a:lstStyle/>
+          <a:p>
+            <a:pPr algn="ctr"/>
+            <a:endParaRPr lang="ru-RU"/>
+          </a:p>
+        </p:txBody>
+      </p:sp>
+      <p:cxnSp>
+        <p:nvCxnSpPr>
+          <p:cNvPr id="21" name="Прямая со стрелкой 20">
+            <a:extLst>
+              <a:ext uri="{FF2B5EF4-FFF2-40B4-BE49-F238E27FC236}">
+                <a16:creationId xmlns:a16="http://schemas.microsoft.com/office/drawing/2014/main" id="{2FC5D364-57FE-4C7C-8CB0-C2CED8A530F1}"/>
+              </a:ext>
+            </a:extLst>
+          </p:cNvPr>
+          <p:cNvCxnSpPr>
+            <a:cxnSpLocks/>
+          </p:cNvCxnSpPr>
+          <p:nvPr/>
+        </p:nvCxnSpPr>
+        <p:spPr>
+          <a:xfrm>
+            <a:off x="10789889" y="4427873"/>
+            <a:ext cx="86677" cy="97155"/>
+          </a:xfrm>
+          <a:prstGeom prst="straightConnector1">
+            <a:avLst/>
+          </a:prstGeom>
+          <a:ln w="38100">
+            <a:solidFill>
+              <a:schemeClr val="tx1"/>
+            </a:solidFill>
+            <a:tailEnd type="triangle"/>
+          </a:ln>
+        </p:spPr>
+        <p:style>
+          <a:lnRef idx="1">
+            <a:schemeClr val="accent1"/>
+          </a:lnRef>
+          <a:fillRef idx="0">
+            <a:schemeClr val="accent1"/>
+          </a:fillRef>
+          <a:effectRef idx="0">
+            <a:schemeClr val="accent1"/>
+          </a:effectRef>
+          <a:fontRef idx="minor">
+            <a:schemeClr val="tx1"/>
+          </a:fontRef>
+        </p:style>
+      </p:cxnSp>
+      <p:cxnSp>
+        <p:nvCxnSpPr>
+          <p:cNvPr id="22" name="Прямая со стрелкой 21">
+            <a:extLst>
+              <a:ext uri="{FF2B5EF4-FFF2-40B4-BE49-F238E27FC236}">
+                <a16:creationId xmlns:a16="http://schemas.microsoft.com/office/drawing/2014/main" id="{5A90217B-4A34-48DC-97CE-FAD4B8A5E1CF}"/>
+              </a:ext>
+            </a:extLst>
+          </p:cNvPr>
+          <p:cNvCxnSpPr>
+            <a:cxnSpLocks/>
+          </p:cNvCxnSpPr>
+          <p:nvPr/>
+        </p:nvCxnSpPr>
+        <p:spPr>
+          <a:xfrm flipV="1">
+            <a:off x="10121014" y="5438537"/>
+            <a:ext cx="76633" cy="95726"/>
+          </a:xfrm>
+          <a:prstGeom prst="straightConnector1">
+            <a:avLst/>
+          </a:prstGeom>
+          <a:ln w="38100">
+            <a:solidFill>
+              <a:schemeClr val="tx1"/>
+            </a:solidFill>
+            <a:tailEnd type="triangle"/>
+          </a:ln>
+        </p:spPr>
+        <p:style>
+          <a:lnRef idx="1">
+            <a:schemeClr val="accent1"/>
+          </a:lnRef>
+          <a:fillRef idx="0">
+            <a:schemeClr val="accent1"/>
+          </a:fillRef>
+          <a:effectRef idx="0">
+            <a:schemeClr val="accent1"/>
+          </a:effectRef>
+          <a:fontRef idx="minor">
+            <a:schemeClr val="tx1"/>
+          </a:fontRef>
+        </p:style>
+      </p:cxnSp>
+      <p:cxnSp>
+        <p:nvCxnSpPr>
+          <p:cNvPr id="25" name="Прямая со стрелкой 24">
+            <a:extLst>
+              <a:ext uri="{FF2B5EF4-FFF2-40B4-BE49-F238E27FC236}">
+                <a16:creationId xmlns:a16="http://schemas.microsoft.com/office/drawing/2014/main" id="{A769327E-4E4E-4B26-9A99-DD3E9781BB3F}"/>
+              </a:ext>
+            </a:extLst>
+          </p:cNvPr>
+          <p:cNvCxnSpPr>
+            <a:cxnSpLocks/>
+          </p:cNvCxnSpPr>
+          <p:nvPr/>
+        </p:nvCxnSpPr>
+        <p:spPr>
+          <a:xfrm>
+            <a:off x="6667980" y="5772150"/>
+            <a:ext cx="116645" cy="0"/>
+          </a:xfrm>
+          <a:prstGeom prst="straightConnector1">
+            <a:avLst/>
+          </a:prstGeom>
+          <a:ln w="38100">
+            <a:solidFill>
+              <a:schemeClr val="tx1"/>
+            </a:solidFill>
+            <a:tailEnd type="triangle"/>
+          </a:ln>
+        </p:spPr>
+        <p:style>
+          <a:lnRef idx="1">
+            <a:schemeClr val="accent1"/>
+          </a:lnRef>
+          <a:fillRef idx="0">
+            <a:schemeClr val="accent1"/>
+          </a:fillRef>
+          <a:effectRef idx="0">
+            <a:schemeClr val="accent1"/>
+          </a:effectRef>
+          <a:fontRef idx="minor">
+            <a:schemeClr val="tx1"/>
+          </a:fontRef>
+        </p:style>
+      </p:cxnSp>
+      <p:pic>
+        <p:nvPicPr>
+          <p:cNvPr id="30" name="Рисунок 29">
+            <a:extLst>
+              <a:ext uri="{FF2B5EF4-FFF2-40B4-BE49-F238E27FC236}">
+                <a16:creationId xmlns:a16="http://schemas.microsoft.com/office/drawing/2014/main" id="{815AF8DA-C6E4-44D6-89F2-01A2C7CE2F97}"/>
+              </a:ext>
+            </a:extLst>
+          </p:cNvPr>
+          <p:cNvPicPr>
+            <a:picLocks noChangeAspect="1"/>
+          </p:cNvPicPr>
+          <p:nvPr/>
+        </p:nvPicPr>
+        <p:blipFill>
+          <a:blip r:embed="rId7">
+            <a:extLst>
+              <a:ext uri="{28A0092B-C50C-407E-A947-70E740481C1C}">
+                <a14:useLocalDpi xmlns:a14="http://schemas.microsoft.com/office/drawing/2010/main" val="0"/>
+              </a:ext>
+              <a:ext uri="{96DAC541-7B7A-43D3-8B79-37D633B846F1}">
+                <asvg:svgBlip xmlns:asvg="http://schemas.microsoft.com/office/drawing/2016/SVG/main" r:embed="rId8"/>
+              </a:ext>
+            </a:extLst>
+          </a:blip>
+          <a:stretch>
+            <a:fillRect/>
+          </a:stretch>
+        </p:blipFill>
+        <p:spPr>
+          <a:xfrm>
+            <a:off x="8863068" y="3253723"/>
+            <a:ext cx="4508189" cy="3276000"/>
+          </a:xfrm>
+          <a:prstGeom prst="rect">
+            <a:avLst/>
+          </a:prstGeom>
+        </p:spPr>
+      </p:pic>
+      <p:cxnSp>
+        <p:nvCxnSpPr>
+          <p:cNvPr id="20" name="Прямая со стрелкой 19">
+            <a:extLst>
+              <a:ext uri="{FF2B5EF4-FFF2-40B4-BE49-F238E27FC236}">
+                <a16:creationId xmlns:a16="http://schemas.microsoft.com/office/drawing/2014/main" id="{CBB559CD-5D2A-4F35-84D5-C9816EE10B7A}"/>
+              </a:ext>
+            </a:extLst>
+          </p:cNvPr>
+          <p:cNvCxnSpPr>
+            <a:cxnSpLocks/>
+          </p:cNvCxnSpPr>
+          <p:nvPr/>
+        </p:nvCxnSpPr>
+        <p:spPr>
+          <a:xfrm>
+            <a:off x="6354566" y="3981450"/>
+            <a:ext cx="771632" cy="0"/>
+          </a:xfrm>
+          <a:prstGeom prst="straightConnector1">
+            <a:avLst/>
+          </a:prstGeom>
+          <a:ln w="19050">
+            <a:solidFill>
+              <a:schemeClr val="tx1"/>
+            </a:solidFill>
+            <a:prstDash val="dash"/>
+            <a:tailEnd type="triangle"/>
+          </a:ln>
+        </p:spPr>
+        <p:style>
+          <a:lnRef idx="1">
+            <a:schemeClr val="accent1"/>
+          </a:lnRef>
+          <a:fillRef idx="0">
+            <a:schemeClr val="accent1"/>
+          </a:fillRef>
+          <a:effectRef idx="0">
+            <a:schemeClr val="accent1"/>
+          </a:effectRef>
+          <a:fontRef idx="minor">
+            <a:schemeClr val="tx1"/>
+          </a:fontRef>
+        </p:style>
+      </p:cxnSp>
+      <p:cxnSp>
+        <p:nvCxnSpPr>
+          <p:cNvPr id="23" name="Прямая со стрелкой 22">
+            <a:extLst>
+              <a:ext uri="{FF2B5EF4-FFF2-40B4-BE49-F238E27FC236}">
+                <a16:creationId xmlns:a16="http://schemas.microsoft.com/office/drawing/2014/main" id="{D6CC7799-A766-4EF5-865B-50E1925DCF59}"/>
+              </a:ext>
+            </a:extLst>
+          </p:cNvPr>
+          <p:cNvCxnSpPr>
+            <a:cxnSpLocks/>
+          </p:cNvCxnSpPr>
+          <p:nvPr/>
+        </p:nvCxnSpPr>
+        <p:spPr>
+          <a:xfrm>
+            <a:off x="7039716" y="3981450"/>
+            <a:ext cx="116645" cy="0"/>
+          </a:xfrm>
+          <a:prstGeom prst="straightConnector1">
+            <a:avLst/>
+          </a:prstGeom>
+          <a:ln w="38100">
+            <a:solidFill>
+              <a:schemeClr val="tx1"/>
+            </a:solidFill>
+            <a:tailEnd type="triangle"/>
+          </a:ln>
+        </p:spPr>
+        <p:style>
+          <a:lnRef idx="1">
+            <a:schemeClr val="accent1"/>
+          </a:lnRef>
+          <a:fillRef idx="0">
+            <a:schemeClr val="accent1"/>
+          </a:fillRef>
+          <a:effectRef idx="0">
+            <a:schemeClr val="accent1"/>
+          </a:effectRef>
+          <a:fontRef idx="minor">
+            <a:schemeClr val="tx1"/>
+          </a:fontRef>
+        </p:style>
+      </p:cxnSp>
+      <p:pic>
+        <p:nvPicPr>
+          <p:cNvPr id="31" name="Рисунок 30">
+            <a:extLst>
+              <a:ext uri="{FF2B5EF4-FFF2-40B4-BE49-F238E27FC236}">
+                <a16:creationId xmlns:a16="http://schemas.microsoft.com/office/drawing/2014/main" id="{DAD6F489-9364-4225-B32C-CC3003732F32}"/>
+              </a:ext>
+            </a:extLst>
+          </p:cNvPr>
+          <p:cNvPicPr>
+            <a:picLocks noChangeAspect="1"/>
+          </p:cNvPicPr>
+          <p:nvPr/>
+        </p:nvPicPr>
+        <p:blipFill>
+          <a:blip r:embed="rId9">
+            <a:extLst>
+              <a:ext uri="{28A0092B-C50C-407E-A947-70E740481C1C}">
+                <a14:useLocalDpi xmlns:a14="http://schemas.microsoft.com/office/drawing/2010/main" val="0"/>
+              </a:ext>
+              <a:ext uri="{96DAC541-7B7A-43D3-8B79-37D633B846F1}">
+                <asvg:svgBlip xmlns:asvg="http://schemas.microsoft.com/office/drawing/2016/SVG/main" r:embed="rId10"/>
+              </a:ext>
+            </a:extLst>
+          </a:blip>
+          <a:stretch>
+            <a:fillRect/>
+          </a:stretch>
+        </p:blipFill>
+        <p:spPr>
+          <a:xfrm>
+            <a:off x="4980185" y="3216875"/>
+            <a:ext cx="4508189" cy="3276000"/>
+          </a:xfrm>
+          <a:prstGeom prst="rect">
+            <a:avLst/>
+          </a:prstGeom>
+        </p:spPr>
+      </p:pic>
+      <p:graphicFrame>
+        <p:nvGraphicFramePr>
+          <p:cNvPr id="32" name="Таблица 31">
+            <a:extLst>
+              <a:ext uri="{FF2B5EF4-FFF2-40B4-BE49-F238E27FC236}">
+                <a16:creationId xmlns:a16="http://schemas.microsoft.com/office/drawing/2014/main" id="{9EDFD01C-1A48-4678-B805-91A802EDB541}"/>
+              </a:ext>
+            </a:extLst>
+          </p:cNvPr>
+          <p:cNvGraphicFramePr>
+            <a:graphicFrameLocks noGrp="1"/>
+          </p:cNvGraphicFramePr>
+          <p:nvPr>
+            <p:extLst>
+              <p:ext uri="{D42A27DB-BD31-4B8C-83A1-F6EECF244321}">
+                <p14:modId xmlns:p14="http://schemas.microsoft.com/office/powerpoint/2010/main" val="1303235280"/>
+              </p:ext>
+            </p:extLst>
+          </p:nvPr>
+        </p:nvGraphicFramePr>
+        <p:xfrm>
+          <a:off x="9325064" y="2947790"/>
+          <a:ext cx="4257100" cy="3745110"/>
+        </p:xfrm>
+        <a:graphic>
+          <a:graphicData uri="http://schemas.openxmlformats.org/drawingml/2006/table">
+            <a:tbl>
+              <a:tblPr firstRow="1" bandRow="1">
+                <a:tableStyleId>{5C22544A-7EE6-4342-B048-85BDC9FD1C3A}</a:tableStyleId>
+              </a:tblPr>
+              <a:tblGrid>
+                <a:gridCol w="4257100">
+                  <a:extLst>
+                    <a:ext uri="{9D8B030D-6E8A-4147-A177-3AD203B41FA5}">
+                      <a16:colId xmlns:a16="http://schemas.microsoft.com/office/drawing/2014/main" val="2152255588"/>
+                    </a:ext>
+                  </a:extLst>
+                </a:gridCol>
+              </a:tblGrid>
+              <a:tr h="3745110">
+                <a:tc>
+                  <a:txBody>
+                    <a:bodyPr/>
+                    <a:lstStyle/>
+                    <a:p>
+                      <a:endParaRPr lang="ru-RU" dirty="0"/>
+                    </a:p>
+                  </a:txBody>
+                  <a:tcPr>
+                    <a:lnL w="12700" cap="flat" cmpd="sng" algn="ctr">
+                      <a:solidFill>
+                        <a:schemeClr val="tx1"/>
+                      </a:solidFill>
+                      <a:prstDash val="solid"/>
+                      <a:round/>
+                      <a:headEnd type="none" w="med" len="med"/>
+                      <a:tailEnd type="none" w="med" len="med"/>
+                    </a:lnL>
+                    <a:solidFill>
+                      <a:schemeClr val="bg1"/>
+                    </a:solidFill>
+                  </a:tcPr>
+                </a:tc>
+                <a:extLst>
+                  <a:ext uri="{0D108BD9-81ED-4DB2-BD59-A6C34878D82A}">
+                    <a16:rowId xmlns:a16="http://schemas.microsoft.com/office/drawing/2014/main" val="1743487971"/>
+                  </a:ext>
+                </a:extLst>
+              </a:tr>
+            </a:tbl>
+          </a:graphicData>
+        </a:graphic>
+      </p:graphicFrame>
+    </p:spTree>
+    <p:extLst>
+      <p:ext uri="{BB962C8B-B14F-4D97-AF65-F5344CB8AC3E}">
+        <p14:creationId xmlns:p14="http://schemas.microsoft.com/office/powerpoint/2010/main" val="3048232772"/>
+      </p:ext>
+    </p:extLst>
+  </p:cSld>
+  <p:clrMapOvr>
+    <a:masterClrMapping/>
+  </p:clrMapOvr>
+</p:sld>
+</file>
+
+<file path=ppt/slides/slide16.xml><?xml version="1.0" encoding="utf-8"?>
+<p:sld xmlns:a="http://schemas.openxmlformats.org/drawingml/2006/main" xmlns:r="http://schemas.openxmlformats.org/officeDocument/2006/relationships" xmlns:p="http://schemas.openxmlformats.org/presentationml/2006/main">
+  <p:cSld>
+    <p:spTree>
+      <p:nvGrpSpPr>
+        <p:cNvPr id="1" name=""/>
+        <p:cNvGrpSpPr/>
+        <p:nvPr/>
+      </p:nvGrpSpPr>
+      <p:grpSpPr>
+        <a:xfrm>
+          <a:off x="0" y="0"/>
+          <a:ext cx="0" cy="0"/>
+          <a:chOff x="0" y="0"/>
+          <a:chExt cx="0" cy="0"/>
+        </a:xfrm>
+      </p:grpSpPr>
+      <p:pic>
+        <p:nvPicPr>
+          <p:cNvPr id="5" name="Рисунок 4">
+            <a:extLst>
+              <a:ext uri="{FF2B5EF4-FFF2-40B4-BE49-F238E27FC236}">
+                <a16:creationId xmlns:a16="http://schemas.microsoft.com/office/drawing/2014/main" id="{41A593A2-C49F-466B-B0A3-BDF4B3265B47}"/>
+              </a:ext>
+            </a:extLst>
+          </p:cNvPr>
+          <p:cNvPicPr>
+            <a:picLocks noChangeAspect="1"/>
+          </p:cNvPicPr>
+          <p:nvPr/>
+        </p:nvPicPr>
+        <p:blipFill>
+          <a:blip r:embed="rId3">
+            <a:extLst>
+              <a:ext uri="{28A0092B-C50C-407E-A947-70E740481C1C}">
+                <a14:useLocalDpi xmlns:a14="http://schemas.microsoft.com/office/drawing/2010/main" val="0"/>
+              </a:ext>
+              <a:ext uri="{96DAC541-7B7A-43D3-8B79-37D633B846F1}">
+                <asvg:svgBlip xmlns:asvg="http://schemas.microsoft.com/office/drawing/2016/SVG/main" r:embed="rId4"/>
+              </a:ext>
+            </a:extLst>
+          </a:blip>
+          <a:stretch>
+            <a:fillRect/>
+          </a:stretch>
+        </p:blipFill>
+        <p:spPr>
+          <a:xfrm>
+            <a:off x="2037600" y="3218400"/>
+            <a:ext cx="6884027" cy="3276000"/>
+          </a:xfrm>
+          <a:prstGeom prst="rect">
+            <a:avLst/>
+          </a:prstGeom>
+        </p:spPr>
+      </p:pic>
+      <p:pic>
+        <p:nvPicPr>
+          <p:cNvPr id="12" name="Рисунок 11">
+            <a:extLst>
+              <a:ext uri="{FF2B5EF4-FFF2-40B4-BE49-F238E27FC236}">
+                <a16:creationId xmlns:a16="http://schemas.microsoft.com/office/drawing/2014/main" id="{E23A082D-5B54-4529-A4B7-DB3DFACCF50F}"/>
+              </a:ext>
+            </a:extLst>
+          </p:cNvPr>
+          <p:cNvPicPr>
+            <a:picLocks noChangeAspect="1"/>
+          </p:cNvPicPr>
+          <p:nvPr/>
+        </p:nvPicPr>
+        <p:blipFill>
+          <a:blip r:embed="rId5">
+            <a:extLst>
+              <a:ext uri="{28A0092B-C50C-407E-A947-70E740481C1C}">
+                <a14:useLocalDpi xmlns:a14="http://schemas.microsoft.com/office/drawing/2010/main" val="0"/>
+              </a:ext>
+              <a:ext uri="{96DAC541-7B7A-43D3-8B79-37D633B846F1}">
+                <asvg:svgBlip xmlns:asvg="http://schemas.microsoft.com/office/drawing/2016/SVG/main" r:embed="rId6"/>
+              </a:ext>
+            </a:extLst>
+          </a:blip>
+          <a:stretch>
+            <a:fillRect/>
+          </a:stretch>
+        </p:blipFill>
+        <p:spPr>
+          <a:xfrm>
+            <a:off x="7211816" y="3216875"/>
+            <a:ext cx="4508189" cy="3276000"/>
+          </a:xfrm>
+          <a:prstGeom prst="rect">
+            <a:avLst/>
+          </a:prstGeom>
+        </p:spPr>
+      </p:pic>
+      <p:sp>
+        <p:nvSpPr>
+          <p:cNvPr id="2" name="Заголовок 1"/>
+          <p:cNvSpPr>
+            <a:spLocks noGrp="1"/>
+          </p:cNvSpPr>
+          <p:nvPr>
+            <p:ph type="title"/>
+          </p:nvPr>
+        </p:nvSpPr>
+        <p:spPr/>
+        <p:txBody>
+          <a:bodyPr>
+            <a:normAutofit/>
+          </a:bodyPr>
+          <a:lstStyle/>
+          <a:p>
+            <a:r>
+              <a:rPr lang="ru-RU" sz="2400" dirty="0">
+                <a:solidFill>
+                  <a:srgbClr val="6A57A1"/>
+                </a:solidFill>
+              </a:rPr>
+              <a:t>Введение в верификацию процессорных ядер</a:t>
+            </a:r>
+            <a:br>
+              <a:rPr lang="en-US" sz="2800" dirty="0">
+                <a:solidFill>
+                  <a:srgbClr val="6A57A1"/>
+                </a:solidFill>
+              </a:rPr>
+            </a:br>
+            <a:r>
+              <a:rPr lang="ru-RU" sz="4000" b="1" dirty="0"/>
+              <a:t>Верификация процессорных ядер</a:t>
+            </a:r>
+            <a:endParaRPr lang="ru-RU" sz="2800" b="1" dirty="0"/>
+          </a:p>
+        </p:txBody>
+      </p:sp>
+      <p:sp>
+        <p:nvSpPr>
+          <p:cNvPr id="6" name="Объект 2">
+            <a:extLst>
+              <a:ext uri="{FF2B5EF4-FFF2-40B4-BE49-F238E27FC236}">
+                <a16:creationId xmlns:a16="http://schemas.microsoft.com/office/drawing/2014/main" id="{EE9F5BA1-15B1-4066-833B-445A62C99AC8}"/>
+              </a:ext>
+            </a:extLst>
+          </p:cNvPr>
+          <p:cNvSpPr txBox="1">
+            <a:spLocks/>
+          </p:cNvSpPr>
+          <p:nvPr/>
+        </p:nvSpPr>
+        <p:spPr>
+          <a:xfrm>
+            <a:off x="838200" y="1690688"/>
+            <a:ext cx="10515600" cy="4351338"/>
+          </a:xfrm>
+          <a:prstGeom prst="rect">
+            <a:avLst/>
+          </a:prstGeom>
+        </p:spPr>
+        <p:txBody>
+          <a:bodyPr vert="horz" lIns="91440" tIns="45720" rIns="91440" bIns="45720" rtlCol="0">
+            <a:normAutofit/>
+          </a:bodyPr>
+          <a:lstStyle>
+            <a:lvl1pPr marL="228600" indent="-228600" algn="l" defTabSz="914400" rtl="0" eaLnBrk="1" latinLnBrk="0" hangingPunct="1">
+              <a:lnSpc>
+                <a:spcPct val="90000"/>
+              </a:lnSpc>
+              <a:spcBef>
+                <a:spcPts val="1000"/>
+              </a:spcBef>
+              <a:buFont typeface="Arial" panose="020B0604020202020204" pitchFamily="34" charset="0"/>
+              <a:buChar char="•"/>
+              <a:defRPr sz="2800" kern="1200">
+                <a:solidFill>
+                  <a:schemeClr val="tx1"/>
+                </a:solidFill>
+                <a:latin typeface="+mn-lt"/>
+                <a:ea typeface="+mn-ea"/>
+                <a:cs typeface="+mn-cs"/>
+              </a:defRPr>
+            </a:lvl1pPr>
+            <a:lvl2pPr marL="685800" indent="-228600" algn="l" defTabSz="914400" rtl="0" eaLnBrk="1" latinLnBrk="0" hangingPunct="1">
+              <a:lnSpc>
+                <a:spcPct val="90000"/>
+              </a:lnSpc>
+              <a:spcBef>
+                <a:spcPts val="500"/>
+              </a:spcBef>
+              <a:buFont typeface="Arial" panose="020B0604020202020204" pitchFamily="34" charset="0"/>
+              <a:buChar char="•"/>
+              <a:defRPr sz="2400" kern="1200">
+                <a:solidFill>
+                  <a:schemeClr val="tx1"/>
+                </a:solidFill>
+                <a:latin typeface="+mn-lt"/>
+                <a:ea typeface="+mn-ea"/>
+                <a:cs typeface="+mn-cs"/>
+              </a:defRPr>
+            </a:lvl2pPr>
+            <a:lvl3pPr marL="1143000" indent="-228600" algn="l" defTabSz="914400" rtl="0" eaLnBrk="1" latinLnBrk="0" hangingPunct="1">
+              <a:lnSpc>
+                <a:spcPct val="90000"/>
+              </a:lnSpc>
+              <a:spcBef>
+                <a:spcPts val="500"/>
+              </a:spcBef>
+              <a:buFont typeface="Arial" panose="020B0604020202020204" pitchFamily="34" charset="0"/>
+              <a:buChar char="•"/>
+              <a:defRPr sz="2000" kern="1200">
+                <a:solidFill>
+                  <a:schemeClr val="tx1"/>
+                </a:solidFill>
+                <a:latin typeface="+mn-lt"/>
+                <a:ea typeface="+mn-ea"/>
+                <a:cs typeface="+mn-cs"/>
+              </a:defRPr>
+            </a:lvl3pPr>
+            <a:lvl4pPr marL="1600200" indent="-228600" algn="l" defTabSz="914400" rtl="0" eaLnBrk="1" latinLnBrk="0" hangingPunct="1">
+              <a:lnSpc>
+                <a:spcPct val="90000"/>
+              </a:lnSpc>
+              <a:spcBef>
+                <a:spcPts val="500"/>
+              </a:spcBef>
+              <a:buFont typeface="Arial" panose="020B0604020202020204" pitchFamily="34" charset="0"/>
+              <a:buChar char="•"/>
+              <a:defRPr sz="1800" kern="1200">
+                <a:solidFill>
+                  <a:schemeClr val="tx1"/>
+                </a:solidFill>
+                <a:latin typeface="+mn-lt"/>
+                <a:ea typeface="+mn-ea"/>
+                <a:cs typeface="+mn-cs"/>
+              </a:defRPr>
+            </a:lvl4pPr>
+            <a:lvl5pPr marL="2057400" indent="-228600" algn="l" defTabSz="914400" rtl="0" eaLnBrk="1" latinLnBrk="0" hangingPunct="1">
+              <a:lnSpc>
+                <a:spcPct val="90000"/>
+              </a:lnSpc>
+              <a:spcBef>
+                <a:spcPts val="500"/>
+              </a:spcBef>
+              <a:buFont typeface="Arial" panose="020B0604020202020204" pitchFamily="34" charset="0"/>
+              <a:buChar char="•"/>
+              <a:defRPr sz="1800" kern="1200">
+                <a:solidFill>
+                  <a:schemeClr val="tx1"/>
+                </a:solidFill>
+                <a:latin typeface="+mn-lt"/>
+                <a:ea typeface="+mn-ea"/>
+                <a:cs typeface="+mn-cs"/>
+              </a:defRPr>
+            </a:lvl5pPr>
+            <a:lvl6pPr marL="2514600" indent="-228600" algn="l" defTabSz="914400" rtl="0" eaLnBrk="1" latinLnBrk="0" hangingPunct="1">
+              <a:lnSpc>
+                <a:spcPct val="90000"/>
+              </a:lnSpc>
+              <a:spcBef>
+                <a:spcPts val="500"/>
+              </a:spcBef>
+              <a:buFont typeface="Arial" panose="020B0604020202020204" pitchFamily="34" charset="0"/>
+              <a:buChar char="•"/>
+              <a:defRPr sz="1800" kern="1200">
+                <a:solidFill>
+                  <a:schemeClr val="tx1"/>
+                </a:solidFill>
+                <a:latin typeface="+mn-lt"/>
+                <a:ea typeface="+mn-ea"/>
+                <a:cs typeface="+mn-cs"/>
+              </a:defRPr>
+            </a:lvl6pPr>
+            <a:lvl7pPr marL="2971800" indent="-228600" algn="l" defTabSz="914400" rtl="0" eaLnBrk="1" latinLnBrk="0" hangingPunct="1">
+              <a:lnSpc>
+                <a:spcPct val="90000"/>
+              </a:lnSpc>
+              <a:spcBef>
+                <a:spcPts val="500"/>
+              </a:spcBef>
+              <a:buFont typeface="Arial" panose="020B0604020202020204" pitchFamily="34" charset="0"/>
+              <a:buChar char="•"/>
+              <a:defRPr sz="1800" kern="1200">
+                <a:solidFill>
+                  <a:schemeClr val="tx1"/>
+                </a:solidFill>
+                <a:latin typeface="+mn-lt"/>
+                <a:ea typeface="+mn-ea"/>
+                <a:cs typeface="+mn-cs"/>
+              </a:defRPr>
+            </a:lvl7pPr>
+            <a:lvl8pPr marL="3429000" indent="-228600" algn="l" defTabSz="914400" rtl="0" eaLnBrk="1" latinLnBrk="0" hangingPunct="1">
+              <a:lnSpc>
+                <a:spcPct val="90000"/>
+              </a:lnSpc>
+              <a:spcBef>
+                <a:spcPts val="500"/>
+              </a:spcBef>
+              <a:buFont typeface="Arial" panose="020B0604020202020204" pitchFamily="34" charset="0"/>
+              <a:buChar char="•"/>
+              <a:defRPr sz="1800" kern="1200">
+                <a:solidFill>
+                  <a:schemeClr val="tx1"/>
+                </a:solidFill>
+                <a:latin typeface="+mn-lt"/>
+                <a:ea typeface="+mn-ea"/>
+                <a:cs typeface="+mn-cs"/>
+              </a:defRPr>
+            </a:lvl8pPr>
+            <a:lvl9pPr marL="3886200" indent="-228600" algn="l" defTabSz="914400" rtl="0" eaLnBrk="1" latinLnBrk="0" hangingPunct="1">
+              <a:lnSpc>
+                <a:spcPct val="90000"/>
+              </a:lnSpc>
+              <a:spcBef>
+                <a:spcPts val="500"/>
+              </a:spcBef>
+              <a:buFont typeface="Arial" panose="020B0604020202020204" pitchFamily="34" charset="0"/>
+              <a:buChar char="•"/>
+              <a:defRPr sz="1800" kern="1200">
+                <a:solidFill>
+                  <a:schemeClr val="tx1"/>
+                </a:solidFill>
+                <a:latin typeface="+mn-lt"/>
+                <a:ea typeface="+mn-ea"/>
+                <a:cs typeface="+mn-cs"/>
+              </a:defRPr>
+            </a:lvl9pPr>
+          </a:lstStyle>
+          <a:p>
+            <a:pPr marL="0" indent="0">
+              <a:buNone/>
+            </a:pPr>
+            <a:endParaRPr lang="ru-RU" sz="2400" b="1" dirty="0">
+              <a:solidFill>
+                <a:srgbClr val="6A57A1"/>
+              </a:solidFill>
+            </a:endParaRPr>
+          </a:p>
+          <a:p>
+            <a:pPr marL="0" indent="0">
+              <a:buNone/>
+            </a:pPr>
+            <a:r>
+              <a:rPr lang="ru-RU" sz="2400" b="1" dirty="0">
+                <a:solidFill>
+                  <a:srgbClr val="6A57A1"/>
+                </a:solidFill>
+              </a:rPr>
+              <a:t>Верификация процессорного ядра</a:t>
+            </a:r>
+            <a:r>
+              <a:rPr lang="ru-RU" sz="2400" b="1" dirty="0">
+                <a:solidFill>
+                  <a:srgbClr val="E54F40"/>
+                </a:solidFill>
+              </a:rPr>
+              <a:t> </a:t>
+            </a:r>
+            <a:r>
+              <a:rPr lang="ru-RU" sz="2400" dirty="0"/>
+              <a:t>– процесс обоснованного доказательства корректной работы ядра в рамках представленной на него спецификации.</a:t>
+            </a:r>
+          </a:p>
+        </p:txBody>
+      </p:sp>
+      <p:cxnSp>
+        <p:nvCxnSpPr>
+          <p:cNvPr id="19" name="Прямая со стрелкой 18">
+            <a:extLst>
+              <a:ext uri="{FF2B5EF4-FFF2-40B4-BE49-F238E27FC236}">
+                <a16:creationId xmlns:a16="http://schemas.microsoft.com/office/drawing/2014/main" id="{2BF78373-9C43-4E30-B0FD-F2FFEAEBC08B}"/>
+              </a:ext>
+            </a:extLst>
+          </p:cNvPr>
+          <p:cNvCxnSpPr>
+            <a:cxnSpLocks/>
+          </p:cNvCxnSpPr>
+          <p:nvPr/>
+        </p:nvCxnSpPr>
+        <p:spPr>
+          <a:xfrm>
+            <a:off x="6354566" y="5772150"/>
+            <a:ext cx="399896" cy="0"/>
+          </a:xfrm>
+          <a:prstGeom prst="straightConnector1">
+            <a:avLst/>
+          </a:prstGeom>
+          <a:ln w="19050">
+            <a:solidFill>
+              <a:schemeClr val="tx1"/>
+            </a:solidFill>
+            <a:prstDash val="dash"/>
+            <a:tailEnd type="triangle"/>
+          </a:ln>
+        </p:spPr>
+        <p:style>
+          <a:lnRef idx="1">
+            <a:schemeClr val="accent1"/>
+          </a:lnRef>
+          <a:fillRef idx="0">
+            <a:schemeClr val="accent1"/>
+          </a:fillRef>
+          <a:effectRef idx="0">
+            <a:schemeClr val="accent1"/>
+          </a:effectRef>
+          <a:fontRef idx="minor">
+            <a:schemeClr val="tx1"/>
+          </a:fontRef>
+        </p:style>
+      </p:cxnSp>
+      <p:pic>
+        <p:nvPicPr>
+          <p:cNvPr id="8" name="Рисунок 7">
+            <a:extLst>
+              <a:ext uri="{FF2B5EF4-FFF2-40B4-BE49-F238E27FC236}">
+                <a16:creationId xmlns:a16="http://schemas.microsoft.com/office/drawing/2014/main" id="{25CC9EB8-D7DC-40DA-9FFB-853163C3AA0F}"/>
+              </a:ext>
+            </a:extLst>
+          </p:cNvPr>
+          <p:cNvPicPr>
+            <a:picLocks noChangeAspect="1"/>
+          </p:cNvPicPr>
+          <p:nvPr/>
+        </p:nvPicPr>
+        <p:blipFill>
+          <a:blip r:embed="rId7">
+            <a:extLst>
+              <a:ext uri="{28A0092B-C50C-407E-A947-70E740481C1C}">
+                <a14:useLocalDpi xmlns:a14="http://schemas.microsoft.com/office/drawing/2010/main" val="0"/>
+              </a:ext>
+              <a:ext uri="{96DAC541-7B7A-43D3-8B79-37D633B846F1}">
+                <asvg:svgBlip xmlns:asvg="http://schemas.microsoft.com/office/drawing/2016/SVG/main" r:embed="rId8"/>
+              </a:ext>
+            </a:extLst>
+          </a:blip>
+          <a:stretch>
+            <a:fillRect/>
+          </a:stretch>
+        </p:blipFill>
+        <p:spPr>
+          <a:xfrm>
+            <a:off x="8822587" y="3290571"/>
+            <a:ext cx="4508189" cy="3276000"/>
+          </a:xfrm>
+          <a:prstGeom prst="rect">
+            <a:avLst/>
+          </a:prstGeom>
+        </p:spPr>
+      </p:pic>
+      <p:sp>
+        <p:nvSpPr>
+          <p:cNvPr id="15" name="Полилиния: фигура 14">
+            <a:extLst>
+              <a:ext uri="{FF2B5EF4-FFF2-40B4-BE49-F238E27FC236}">
+                <a16:creationId xmlns:a16="http://schemas.microsoft.com/office/drawing/2014/main" id="{D297AEEE-BB5D-4C25-B92C-46D5F8D096AF}"/>
+              </a:ext>
+            </a:extLst>
+          </p:cNvPr>
+          <p:cNvSpPr/>
+          <p:nvPr/>
+        </p:nvSpPr>
+        <p:spPr>
+          <a:xfrm>
+            <a:off x="8703912" y="5486400"/>
+            <a:ext cx="1463040" cy="502920"/>
+          </a:xfrm>
+          <a:custGeom>
+            <a:avLst/>
+            <a:gdLst>
+              <a:gd name="connsiteX0" fmla="*/ 0 w 1463040"/>
+              <a:gd name="connsiteY0" fmla="*/ 502920 h 502920"/>
+              <a:gd name="connsiteX1" fmla="*/ 853440 w 1463040"/>
+              <a:gd name="connsiteY1" fmla="*/ 411480 h 502920"/>
+              <a:gd name="connsiteX2" fmla="*/ 1463040 w 1463040"/>
+              <a:gd name="connsiteY2" fmla="*/ 0 h 502920"/>
+            </a:gdLst>
+            <a:ahLst/>
+            <a:cxnLst>
+              <a:cxn ang="0">
+                <a:pos x="connsiteX0" y="connsiteY0"/>
+              </a:cxn>
+              <a:cxn ang="0">
+                <a:pos x="connsiteX1" y="connsiteY1"/>
+              </a:cxn>
+              <a:cxn ang="0">
+                <a:pos x="connsiteX2" y="connsiteY2"/>
+              </a:cxn>
+            </a:cxnLst>
+            <a:rect l="l" t="t" r="r" b="b"/>
+            <a:pathLst>
+              <a:path w="1463040" h="502920">
+                <a:moveTo>
+                  <a:pt x="0" y="502920"/>
+                </a:moveTo>
+                <a:cubicBezTo>
+                  <a:pt x="304800" y="499110"/>
+                  <a:pt x="609600" y="495300"/>
+                  <a:pt x="853440" y="411480"/>
+                </a:cubicBezTo>
+                <a:cubicBezTo>
+                  <a:pt x="1097280" y="327660"/>
+                  <a:pt x="1280160" y="163830"/>
+                  <a:pt x="1463040" y="0"/>
+                </a:cubicBezTo>
+              </a:path>
+            </a:pathLst>
+          </a:custGeom>
+          <a:noFill/>
+          <a:ln w="19050">
+            <a:solidFill>
+              <a:schemeClr val="tx1"/>
+            </a:solidFill>
+            <a:prstDash val="dash"/>
+          </a:ln>
+        </p:spPr>
+        <p:style>
+          <a:lnRef idx="2">
+            <a:schemeClr val="accent1">
+              <a:shade val="50000"/>
+            </a:schemeClr>
+          </a:lnRef>
+          <a:fillRef idx="1">
+            <a:schemeClr val="accent1"/>
+          </a:fillRef>
+          <a:effectRef idx="0">
+            <a:schemeClr val="accent1"/>
+          </a:effectRef>
+          <a:fontRef idx="minor">
+            <a:schemeClr val="lt1"/>
+          </a:fontRef>
+        </p:style>
+        <p:txBody>
+          <a:bodyPr rtlCol="0" anchor="ctr"/>
+          <a:lstStyle/>
+          <a:p>
+            <a:pPr algn="ctr"/>
+            <a:endParaRPr lang="ru-RU"/>
+          </a:p>
+        </p:txBody>
+      </p:sp>
+      <p:sp>
+        <p:nvSpPr>
+          <p:cNvPr id="18" name="Полилиния: фигура 17">
+            <a:extLst>
+              <a:ext uri="{FF2B5EF4-FFF2-40B4-BE49-F238E27FC236}">
+                <a16:creationId xmlns:a16="http://schemas.microsoft.com/office/drawing/2014/main" id="{88BA6061-0C64-4D28-ACA0-1200CD036E7D}"/>
+              </a:ext>
+            </a:extLst>
+          </p:cNvPr>
+          <p:cNvSpPr/>
+          <p:nvPr/>
+        </p:nvSpPr>
+        <p:spPr>
+          <a:xfrm>
+            <a:off x="8178132" y="3679833"/>
+            <a:ext cx="2674620" cy="808347"/>
+          </a:xfrm>
+          <a:custGeom>
+            <a:avLst/>
+            <a:gdLst>
+              <a:gd name="connsiteX0" fmla="*/ 0 w 2674620"/>
+              <a:gd name="connsiteY0" fmla="*/ 122547 h 808347"/>
+              <a:gd name="connsiteX1" fmla="*/ 434340 w 2674620"/>
+              <a:gd name="connsiteY1" fmla="*/ 31107 h 808347"/>
+              <a:gd name="connsiteX2" fmla="*/ 914400 w 2674620"/>
+              <a:gd name="connsiteY2" fmla="*/ 627 h 808347"/>
+              <a:gd name="connsiteX3" fmla="*/ 1455420 w 2674620"/>
+              <a:gd name="connsiteY3" fmla="*/ 53967 h 808347"/>
+              <a:gd name="connsiteX4" fmla="*/ 2087880 w 2674620"/>
+              <a:gd name="connsiteY4" fmla="*/ 320667 h 808347"/>
+              <a:gd name="connsiteX5" fmla="*/ 2674620 w 2674620"/>
+              <a:gd name="connsiteY5" fmla="*/ 808347 h 808347"/>
+            </a:gdLst>
+            <a:ahLst/>
+            <a:cxnLst>
+              <a:cxn ang="0">
+                <a:pos x="connsiteX0" y="connsiteY0"/>
+              </a:cxn>
+              <a:cxn ang="0">
+                <a:pos x="connsiteX1" y="connsiteY1"/>
+              </a:cxn>
+              <a:cxn ang="0">
+                <a:pos x="connsiteX2" y="connsiteY2"/>
+              </a:cxn>
+              <a:cxn ang="0">
+                <a:pos x="connsiteX3" y="connsiteY3"/>
+              </a:cxn>
+              <a:cxn ang="0">
+                <a:pos x="connsiteX4" y="connsiteY4"/>
+              </a:cxn>
+              <a:cxn ang="0">
+                <a:pos x="connsiteX5" y="connsiteY5"/>
+              </a:cxn>
+            </a:cxnLst>
+            <a:rect l="l" t="t" r="r" b="b"/>
+            <a:pathLst>
+              <a:path w="2674620" h="808347">
+                <a:moveTo>
+                  <a:pt x="0" y="122547"/>
+                </a:moveTo>
+                <a:cubicBezTo>
+                  <a:pt x="140970" y="86987"/>
+                  <a:pt x="281940" y="51427"/>
+                  <a:pt x="434340" y="31107"/>
+                </a:cubicBezTo>
+                <a:cubicBezTo>
+                  <a:pt x="586740" y="10787"/>
+                  <a:pt x="744220" y="-3183"/>
+                  <a:pt x="914400" y="627"/>
+                </a:cubicBezTo>
+                <a:cubicBezTo>
+                  <a:pt x="1084580" y="4437"/>
+                  <a:pt x="1259840" y="627"/>
+                  <a:pt x="1455420" y="53967"/>
+                </a:cubicBezTo>
+                <a:cubicBezTo>
+                  <a:pt x="1651000" y="107307"/>
+                  <a:pt x="1884680" y="194937"/>
+                  <a:pt x="2087880" y="320667"/>
+                </a:cubicBezTo>
+                <a:cubicBezTo>
+                  <a:pt x="2291080" y="446397"/>
+                  <a:pt x="2482850" y="627372"/>
+                  <a:pt x="2674620" y="808347"/>
+                </a:cubicBezTo>
+              </a:path>
+            </a:pathLst>
+          </a:custGeom>
+          <a:noFill/>
+          <a:ln w="19050">
+            <a:solidFill>
+              <a:schemeClr val="tx1"/>
+            </a:solidFill>
+            <a:prstDash val="dash"/>
+          </a:ln>
+        </p:spPr>
+        <p:style>
+          <a:lnRef idx="2">
+            <a:schemeClr val="accent1">
+              <a:shade val="50000"/>
+            </a:schemeClr>
+          </a:lnRef>
+          <a:fillRef idx="1">
+            <a:schemeClr val="accent1"/>
+          </a:fillRef>
+          <a:effectRef idx="0">
+            <a:schemeClr val="accent1"/>
+          </a:effectRef>
+          <a:fontRef idx="minor">
+            <a:schemeClr val="lt1"/>
+          </a:fontRef>
+        </p:style>
+        <p:txBody>
+          <a:bodyPr rtlCol="0" anchor="ctr"/>
+          <a:lstStyle/>
+          <a:p>
+            <a:pPr algn="ctr"/>
+            <a:endParaRPr lang="ru-RU"/>
+          </a:p>
+        </p:txBody>
+      </p:sp>
+      <p:cxnSp>
+        <p:nvCxnSpPr>
+          <p:cNvPr id="21" name="Прямая со стрелкой 20">
+            <a:extLst>
+              <a:ext uri="{FF2B5EF4-FFF2-40B4-BE49-F238E27FC236}">
+                <a16:creationId xmlns:a16="http://schemas.microsoft.com/office/drawing/2014/main" id="{2FC5D364-57FE-4C7C-8CB0-C2CED8A530F1}"/>
+              </a:ext>
+            </a:extLst>
+          </p:cNvPr>
+          <p:cNvCxnSpPr>
+            <a:cxnSpLocks/>
+          </p:cNvCxnSpPr>
+          <p:nvPr/>
+        </p:nvCxnSpPr>
+        <p:spPr>
+          <a:xfrm>
+            <a:off x="10789889" y="4427873"/>
+            <a:ext cx="86677" cy="97155"/>
+          </a:xfrm>
+          <a:prstGeom prst="straightConnector1">
+            <a:avLst/>
+          </a:prstGeom>
+          <a:ln w="38100">
+            <a:solidFill>
+              <a:schemeClr val="tx1"/>
+            </a:solidFill>
+            <a:tailEnd type="triangle"/>
+          </a:ln>
+        </p:spPr>
+        <p:style>
+          <a:lnRef idx="1">
+            <a:schemeClr val="accent1"/>
+          </a:lnRef>
+          <a:fillRef idx="0">
+            <a:schemeClr val="accent1"/>
+          </a:fillRef>
+          <a:effectRef idx="0">
+            <a:schemeClr val="accent1"/>
+          </a:effectRef>
+          <a:fontRef idx="minor">
+            <a:schemeClr val="tx1"/>
+          </a:fontRef>
+        </p:style>
+      </p:cxnSp>
+      <p:cxnSp>
+        <p:nvCxnSpPr>
+          <p:cNvPr id="22" name="Прямая со стрелкой 21">
+            <a:extLst>
+              <a:ext uri="{FF2B5EF4-FFF2-40B4-BE49-F238E27FC236}">
+                <a16:creationId xmlns:a16="http://schemas.microsoft.com/office/drawing/2014/main" id="{5A90217B-4A34-48DC-97CE-FAD4B8A5E1CF}"/>
+              </a:ext>
+            </a:extLst>
+          </p:cNvPr>
+          <p:cNvCxnSpPr>
+            <a:cxnSpLocks/>
+          </p:cNvCxnSpPr>
+          <p:nvPr/>
+        </p:nvCxnSpPr>
+        <p:spPr>
+          <a:xfrm flipV="1">
+            <a:off x="10121014" y="5438537"/>
+            <a:ext cx="76633" cy="95726"/>
+          </a:xfrm>
+          <a:prstGeom prst="straightConnector1">
+            <a:avLst/>
+          </a:prstGeom>
+          <a:ln w="38100">
+            <a:solidFill>
+              <a:schemeClr val="tx1"/>
+            </a:solidFill>
+            <a:tailEnd type="triangle"/>
+          </a:ln>
+        </p:spPr>
+        <p:style>
+          <a:lnRef idx="1">
+            <a:schemeClr val="accent1"/>
+          </a:lnRef>
+          <a:fillRef idx="0">
+            <a:schemeClr val="accent1"/>
+          </a:fillRef>
+          <a:effectRef idx="0">
+            <a:schemeClr val="accent1"/>
+          </a:effectRef>
+          <a:fontRef idx="minor">
+            <a:schemeClr val="tx1"/>
+          </a:fontRef>
+        </p:style>
+      </p:cxnSp>
+      <p:cxnSp>
+        <p:nvCxnSpPr>
+          <p:cNvPr id="25" name="Прямая со стрелкой 24">
+            <a:extLst>
+              <a:ext uri="{FF2B5EF4-FFF2-40B4-BE49-F238E27FC236}">
+                <a16:creationId xmlns:a16="http://schemas.microsoft.com/office/drawing/2014/main" id="{A769327E-4E4E-4B26-9A99-DD3E9781BB3F}"/>
+              </a:ext>
+            </a:extLst>
+          </p:cNvPr>
+          <p:cNvCxnSpPr>
+            <a:cxnSpLocks/>
+          </p:cNvCxnSpPr>
+          <p:nvPr/>
+        </p:nvCxnSpPr>
+        <p:spPr>
+          <a:xfrm>
+            <a:off x="6667980" y="5772150"/>
+            <a:ext cx="116645" cy="0"/>
+          </a:xfrm>
+          <a:prstGeom prst="straightConnector1">
+            <a:avLst/>
+          </a:prstGeom>
+          <a:ln w="38100">
+            <a:solidFill>
+              <a:schemeClr val="tx1"/>
+            </a:solidFill>
+            <a:tailEnd type="triangle"/>
+          </a:ln>
+        </p:spPr>
+        <p:style>
+          <a:lnRef idx="1">
+            <a:schemeClr val="accent1"/>
+          </a:lnRef>
+          <a:fillRef idx="0">
+            <a:schemeClr val="accent1"/>
+          </a:fillRef>
+          <a:effectRef idx="0">
+            <a:schemeClr val="accent1"/>
+          </a:effectRef>
+          <a:fontRef idx="minor">
+            <a:schemeClr val="tx1"/>
+          </a:fontRef>
+        </p:style>
+      </p:cxnSp>
+      <p:pic>
+        <p:nvPicPr>
+          <p:cNvPr id="30" name="Рисунок 29">
+            <a:extLst>
+              <a:ext uri="{FF2B5EF4-FFF2-40B4-BE49-F238E27FC236}">
+                <a16:creationId xmlns:a16="http://schemas.microsoft.com/office/drawing/2014/main" id="{815AF8DA-C6E4-44D6-89F2-01A2C7CE2F97}"/>
+              </a:ext>
+            </a:extLst>
+          </p:cNvPr>
+          <p:cNvPicPr>
+            <a:picLocks noChangeAspect="1"/>
+          </p:cNvPicPr>
+          <p:nvPr/>
+        </p:nvPicPr>
+        <p:blipFill>
+          <a:blip r:embed="rId9">
+            <a:extLst>
+              <a:ext uri="{28A0092B-C50C-407E-A947-70E740481C1C}">
+                <a14:useLocalDpi xmlns:a14="http://schemas.microsoft.com/office/drawing/2010/main" val="0"/>
+              </a:ext>
+              <a:ext uri="{96DAC541-7B7A-43D3-8B79-37D633B846F1}">
+                <asvg:svgBlip xmlns:asvg="http://schemas.microsoft.com/office/drawing/2016/SVG/main" r:embed="rId10"/>
+              </a:ext>
+            </a:extLst>
+          </a:blip>
+          <a:stretch>
+            <a:fillRect/>
+          </a:stretch>
+        </p:blipFill>
+        <p:spPr>
+          <a:xfrm>
+            <a:off x="8863068" y="3253723"/>
+            <a:ext cx="4508189" cy="3276000"/>
+          </a:xfrm>
+          <a:prstGeom prst="rect">
+            <a:avLst/>
+          </a:prstGeom>
+        </p:spPr>
+      </p:pic>
+      <p:cxnSp>
+        <p:nvCxnSpPr>
+          <p:cNvPr id="20" name="Прямая со стрелкой 19">
+            <a:extLst>
+              <a:ext uri="{FF2B5EF4-FFF2-40B4-BE49-F238E27FC236}">
+                <a16:creationId xmlns:a16="http://schemas.microsoft.com/office/drawing/2014/main" id="{CBB559CD-5D2A-4F35-84D5-C9816EE10B7A}"/>
+              </a:ext>
+            </a:extLst>
+          </p:cNvPr>
+          <p:cNvCxnSpPr>
+            <a:cxnSpLocks/>
+          </p:cNvCxnSpPr>
+          <p:nvPr/>
+        </p:nvCxnSpPr>
+        <p:spPr>
+          <a:xfrm>
+            <a:off x="6354566" y="3981450"/>
+            <a:ext cx="771632" cy="0"/>
+          </a:xfrm>
+          <a:prstGeom prst="straightConnector1">
+            <a:avLst/>
+          </a:prstGeom>
+          <a:ln w="19050">
+            <a:solidFill>
+              <a:schemeClr val="tx1"/>
+            </a:solidFill>
+            <a:prstDash val="dash"/>
+            <a:tailEnd type="triangle"/>
+          </a:ln>
+        </p:spPr>
+        <p:style>
+          <a:lnRef idx="1">
+            <a:schemeClr val="accent1"/>
+          </a:lnRef>
+          <a:fillRef idx="0">
+            <a:schemeClr val="accent1"/>
+          </a:fillRef>
+          <a:effectRef idx="0">
+            <a:schemeClr val="accent1"/>
+          </a:effectRef>
+          <a:fontRef idx="minor">
+            <a:schemeClr val="tx1"/>
+          </a:fontRef>
+        </p:style>
+      </p:cxnSp>
+      <p:cxnSp>
+        <p:nvCxnSpPr>
+          <p:cNvPr id="23" name="Прямая со стрелкой 22">
+            <a:extLst>
+              <a:ext uri="{FF2B5EF4-FFF2-40B4-BE49-F238E27FC236}">
+                <a16:creationId xmlns:a16="http://schemas.microsoft.com/office/drawing/2014/main" id="{D6CC7799-A766-4EF5-865B-50E1925DCF59}"/>
+              </a:ext>
+            </a:extLst>
+          </p:cNvPr>
+          <p:cNvCxnSpPr>
+            <a:cxnSpLocks/>
+          </p:cNvCxnSpPr>
+          <p:nvPr/>
+        </p:nvCxnSpPr>
+        <p:spPr>
+          <a:xfrm>
+            <a:off x="7039716" y="3981450"/>
+            <a:ext cx="116645" cy="0"/>
+          </a:xfrm>
+          <a:prstGeom prst="straightConnector1">
+            <a:avLst/>
+          </a:prstGeom>
+          <a:ln w="38100">
+            <a:solidFill>
+              <a:schemeClr val="tx1"/>
+            </a:solidFill>
+            <a:tailEnd type="triangle"/>
+          </a:ln>
+        </p:spPr>
+        <p:style>
+          <a:lnRef idx="1">
+            <a:schemeClr val="accent1"/>
+          </a:lnRef>
+          <a:fillRef idx="0">
+            <a:schemeClr val="accent1"/>
+          </a:fillRef>
+          <a:effectRef idx="0">
+            <a:schemeClr val="accent1"/>
+          </a:effectRef>
+          <a:fontRef idx="minor">
+            <a:schemeClr val="tx1"/>
+          </a:fontRef>
+        </p:style>
+      </p:cxnSp>
+      <p:graphicFrame>
+        <p:nvGraphicFramePr>
+          <p:cNvPr id="7" name="Таблица 6">
+            <a:extLst>
+              <a:ext uri="{FF2B5EF4-FFF2-40B4-BE49-F238E27FC236}">
+                <a16:creationId xmlns:a16="http://schemas.microsoft.com/office/drawing/2014/main" id="{33FB2B43-2096-485D-B0E2-142A401C8B45}"/>
+              </a:ext>
+            </a:extLst>
+          </p:cNvPr>
+          <p:cNvGraphicFramePr>
+            <a:graphicFrameLocks noGrp="1"/>
+          </p:cNvGraphicFramePr>
+          <p:nvPr>
+            <p:extLst>
+              <p:ext uri="{D42A27DB-BD31-4B8C-83A1-F6EECF244321}">
+                <p14:modId xmlns:p14="http://schemas.microsoft.com/office/powerpoint/2010/main" val="1758221589"/>
+              </p:ext>
+            </p:extLst>
+          </p:nvPr>
+        </p:nvGraphicFramePr>
+        <p:xfrm>
+          <a:off x="9325064" y="2947790"/>
+          <a:ext cx="4257100" cy="3745110"/>
+        </p:xfrm>
+        <a:graphic>
+          <a:graphicData uri="http://schemas.openxmlformats.org/drawingml/2006/table">
+            <a:tbl>
+              <a:tblPr firstRow="1" bandRow="1">
+                <a:tableStyleId>{5C22544A-7EE6-4342-B048-85BDC9FD1C3A}</a:tableStyleId>
+              </a:tblPr>
+              <a:tblGrid>
+                <a:gridCol w="4257100">
+                  <a:extLst>
+                    <a:ext uri="{9D8B030D-6E8A-4147-A177-3AD203B41FA5}">
+                      <a16:colId xmlns:a16="http://schemas.microsoft.com/office/drawing/2014/main" val="2152255588"/>
+                    </a:ext>
+                  </a:extLst>
+                </a:gridCol>
+              </a:tblGrid>
+              <a:tr h="3745110">
+                <a:tc>
+                  <a:txBody>
+                    <a:bodyPr/>
+                    <a:lstStyle/>
+                    <a:p>
+                      <a:endParaRPr lang="ru-RU" dirty="0"/>
+                    </a:p>
+                  </a:txBody>
+                  <a:tcPr>
+                    <a:lnL w="12700" cap="flat" cmpd="sng" algn="ctr">
+                      <a:solidFill>
+                        <a:schemeClr val="tx1"/>
+                      </a:solidFill>
+                      <a:prstDash val="solid"/>
+                      <a:round/>
+                      <a:headEnd type="none" w="med" len="med"/>
+                      <a:tailEnd type="none" w="med" len="med"/>
+                    </a:lnL>
+                    <a:solidFill>
+                      <a:schemeClr val="bg1"/>
+                    </a:solidFill>
+                  </a:tcPr>
+                </a:tc>
+                <a:extLst>
+                  <a:ext uri="{0D108BD9-81ED-4DB2-BD59-A6C34878D82A}">
+                    <a16:rowId xmlns:a16="http://schemas.microsoft.com/office/drawing/2014/main" val="1743487971"/>
+                  </a:ext>
+                </a:extLst>
+              </a:tr>
+            </a:tbl>
+          </a:graphicData>
+        </a:graphic>
+      </p:graphicFrame>
+    </p:spTree>
+    <p:extLst>
+      <p:ext uri="{BB962C8B-B14F-4D97-AF65-F5344CB8AC3E}">
+        <p14:creationId xmlns:p14="http://schemas.microsoft.com/office/powerpoint/2010/main" val="3285467594"/>
+      </p:ext>
+    </p:extLst>
+  </p:cSld>
+  <p:clrMapOvr>
+    <a:masterClrMapping/>
+  </p:clrMapOvr>
+</p:sld>
+</file>
+
+<file path=ppt/slides/slide17.xml><?xml version="1.0" encoding="utf-8"?>
+<p:sld xmlns:a="http://schemas.openxmlformats.org/drawingml/2006/main" xmlns:r="http://schemas.openxmlformats.org/officeDocument/2006/relationships" xmlns:p="http://schemas.openxmlformats.org/presentationml/2006/main">
+  <p:cSld>
+    <p:spTree>
+      <p:nvGrpSpPr>
+        <p:cNvPr id="1" name=""/>
+        <p:cNvGrpSpPr/>
+        <p:nvPr/>
+      </p:nvGrpSpPr>
+      <p:grpSpPr>
+        <a:xfrm>
+          <a:off x="0" y="0"/>
+          <a:ext cx="0" cy="0"/>
+          <a:chOff x="0" y="0"/>
+          <a:chExt cx="0" cy="0"/>
+        </a:xfrm>
+      </p:grpSpPr>
+      <p:pic>
+        <p:nvPicPr>
+          <p:cNvPr id="5" name="Рисунок 4">
+            <a:extLst>
+              <a:ext uri="{FF2B5EF4-FFF2-40B4-BE49-F238E27FC236}">
+                <a16:creationId xmlns:a16="http://schemas.microsoft.com/office/drawing/2014/main" id="{41A593A2-C49F-466B-B0A3-BDF4B3265B47}"/>
+              </a:ext>
+            </a:extLst>
+          </p:cNvPr>
+          <p:cNvPicPr>
+            <a:picLocks noChangeAspect="1"/>
+          </p:cNvPicPr>
+          <p:nvPr/>
+        </p:nvPicPr>
+        <p:blipFill>
+          <a:blip r:embed="rId3">
+            <a:extLst>
+              <a:ext uri="{28A0092B-C50C-407E-A947-70E740481C1C}">
+                <a14:useLocalDpi xmlns:a14="http://schemas.microsoft.com/office/drawing/2010/main" val="0"/>
+              </a:ext>
+              <a:ext uri="{96DAC541-7B7A-43D3-8B79-37D633B846F1}">
+                <asvg:svgBlip xmlns:asvg="http://schemas.microsoft.com/office/drawing/2016/SVG/main" r:embed="rId4"/>
+              </a:ext>
+            </a:extLst>
+          </a:blip>
+          <a:stretch>
+            <a:fillRect/>
+          </a:stretch>
+        </p:blipFill>
+        <p:spPr>
+          <a:xfrm>
+            <a:off x="2037600" y="3218400"/>
+            <a:ext cx="6884027" cy="3276000"/>
+          </a:xfrm>
+          <a:prstGeom prst="rect">
+            <a:avLst/>
+          </a:prstGeom>
+        </p:spPr>
+      </p:pic>
+      <p:pic>
+        <p:nvPicPr>
+          <p:cNvPr id="12" name="Рисунок 11">
+            <a:extLst>
+              <a:ext uri="{FF2B5EF4-FFF2-40B4-BE49-F238E27FC236}">
+                <a16:creationId xmlns:a16="http://schemas.microsoft.com/office/drawing/2014/main" id="{E23A082D-5B54-4529-A4B7-DB3DFACCF50F}"/>
+              </a:ext>
+            </a:extLst>
+          </p:cNvPr>
+          <p:cNvPicPr>
+            <a:picLocks noChangeAspect="1"/>
+          </p:cNvPicPr>
+          <p:nvPr/>
+        </p:nvPicPr>
+        <p:blipFill>
+          <a:blip r:embed="rId5">
+            <a:extLst>
+              <a:ext uri="{28A0092B-C50C-407E-A947-70E740481C1C}">
+                <a14:useLocalDpi xmlns:a14="http://schemas.microsoft.com/office/drawing/2010/main" val="0"/>
+              </a:ext>
+              <a:ext uri="{96DAC541-7B7A-43D3-8B79-37D633B846F1}">
+                <asvg:svgBlip xmlns:asvg="http://schemas.microsoft.com/office/drawing/2016/SVG/main" r:embed="rId6"/>
+              </a:ext>
+            </a:extLst>
+          </a:blip>
+          <a:stretch>
+            <a:fillRect/>
+          </a:stretch>
+        </p:blipFill>
+        <p:spPr>
+          <a:xfrm>
+            <a:off x="7211816" y="3216875"/>
+            <a:ext cx="4508189" cy="3276000"/>
+          </a:xfrm>
+          <a:prstGeom prst="rect">
+            <a:avLst/>
+          </a:prstGeom>
+        </p:spPr>
+      </p:pic>
+      <p:sp>
+        <p:nvSpPr>
+          <p:cNvPr id="2" name="Заголовок 1"/>
+          <p:cNvSpPr>
+            <a:spLocks noGrp="1"/>
+          </p:cNvSpPr>
+          <p:nvPr>
+            <p:ph type="title"/>
+          </p:nvPr>
+        </p:nvSpPr>
+        <p:spPr/>
+        <p:txBody>
+          <a:bodyPr>
+            <a:normAutofit/>
+          </a:bodyPr>
+          <a:lstStyle/>
+          <a:p>
+            <a:r>
+              <a:rPr lang="ru-RU" sz="2400" dirty="0">
+                <a:solidFill>
+                  <a:srgbClr val="6A57A1"/>
+                </a:solidFill>
+              </a:rPr>
+              <a:t>Введение в верификацию процессорных ядер</a:t>
+            </a:r>
+            <a:br>
+              <a:rPr lang="en-US" sz="2800" dirty="0">
+                <a:solidFill>
+                  <a:srgbClr val="6A57A1"/>
+                </a:solidFill>
+              </a:rPr>
+            </a:br>
+            <a:r>
+              <a:rPr lang="ru-RU" sz="4000" b="1" dirty="0"/>
+              <a:t>Верификация процессорных ядер</a:t>
+            </a:r>
+            <a:endParaRPr lang="ru-RU" sz="2800" b="1" dirty="0"/>
+          </a:p>
+        </p:txBody>
+      </p:sp>
+      <p:sp>
+        <p:nvSpPr>
+          <p:cNvPr id="6" name="Объект 2">
+            <a:extLst>
+              <a:ext uri="{FF2B5EF4-FFF2-40B4-BE49-F238E27FC236}">
+                <a16:creationId xmlns:a16="http://schemas.microsoft.com/office/drawing/2014/main" id="{EE9F5BA1-15B1-4066-833B-445A62C99AC8}"/>
+              </a:ext>
+            </a:extLst>
+          </p:cNvPr>
+          <p:cNvSpPr txBox="1">
+            <a:spLocks/>
+          </p:cNvSpPr>
+          <p:nvPr/>
+        </p:nvSpPr>
+        <p:spPr>
+          <a:xfrm>
+            <a:off x="838200" y="1690688"/>
+            <a:ext cx="10515600" cy="4351338"/>
+          </a:xfrm>
+          <a:prstGeom prst="rect">
+            <a:avLst/>
+          </a:prstGeom>
+        </p:spPr>
+        <p:txBody>
+          <a:bodyPr vert="horz" lIns="91440" tIns="45720" rIns="91440" bIns="45720" rtlCol="0">
+            <a:normAutofit/>
+          </a:bodyPr>
+          <a:lstStyle>
+            <a:lvl1pPr marL="228600" indent="-228600" algn="l" defTabSz="914400" rtl="0" eaLnBrk="1" latinLnBrk="0" hangingPunct="1">
+              <a:lnSpc>
+                <a:spcPct val="90000"/>
+              </a:lnSpc>
+              <a:spcBef>
+                <a:spcPts val="1000"/>
+              </a:spcBef>
+              <a:buFont typeface="Arial" panose="020B0604020202020204" pitchFamily="34" charset="0"/>
+              <a:buChar char="•"/>
+              <a:defRPr sz="2800" kern="1200">
+                <a:solidFill>
+                  <a:schemeClr val="tx1"/>
+                </a:solidFill>
+                <a:latin typeface="+mn-lt"/>
+                <a:ea typeface="+mn-ea"/>
+                <a:cs typeface="+mn-cs"/>
+              </a:defRPr>
+            </a:lvl1pPr>
+            <a:lvl2pPr marL="685800" indent="-228600" algn="l" defTabSz="914400" rtl="0" eaLnBrk="1" latinLnBrk="0" hangingPunct="1">
+              <a:lnSpc>
+                <a:spcPct val="90000"/>
+              </a:lnSpc>
+              <a:spcBef>
+                <a:spcPts val="500"/>
+              </a:spcBef>
+              <a:buFont typeface="Arial" panose="020B0604020202020204" pitchFamily="34" charset="0"/>
+              <a:buChar char="•"/>
+              <a:defRPr sz="2400" kern="1200">
+                <a:solidFill>
+                  <a:schemeClr val="tx1"/>
+                </a:solidFill>
+                <a:latin typeface="+mn-lt"/>
+                <a:ea typeface="+mn-ea"/>
+                <a:cs typeface="+mn-cs"/>
+              </a:defRPr>
+            </a:lvl2pPr>
+            <a:lvl3pPr marL="1143000" indent="-228600" algn="l" defTabSz="914400" rtl="0" eaLnBrk="1" latinLnBrk="0" hangingPunct="1">
+              <a:lnSpc>
+                <a:spcPct val="90000"/>
+              </a:lnSpc>
+              <a:spcBef>
+                <a:spcPts val="500"/>
+              </a:spcBef>
+              <a:buFont typeface="Arial" panose="020B0604020202020204" pitchFamily="34" charset="0"/>
+              <a:buChar char="•"/>
+              <a:defRPr sz="2000" kern="1200">
+                <a:solidFill>
+                  <a:schemeClr val="tx1"/>
+                </a:solidFill>
+                <a:latin typeface="+mn-lt"/>
+                <a:ea typeface="+mn-ea"/>
+                <a:cs typeface="+mn-cs"/>
+              </a:defRPr>
+            </a:lvl3pPr>
+            <a:lvl4pPr marL="1600200" indent="-228600" algn="l" defTabSz="914400" rtl="0" eaLnBrk="1" latinLnBrk="0" hangingPunct="1">
+              <a:lnSpc>
+                <a:spcPct val="90000"/>
+              </a:lnSpc>
+              <a:spcBef>
+                <a:spcPts val="500"/>
+              </a:spcBef>
+              <a:buFont typeface="Arial" panose="020B0604020202020204" pitchFamily="34" charset="0"/>
+              <a:buChar char="•"/>
+              <a:defRPr sz="1800" kern="1200">
+                <a:solidFill>
+                  <a:schemeClr val="tx1"/>
+                </a:solidFill>
+                <a:latin typeface="+mn-lt"/>
+                <a:ea typeface="+mn-ea"/>
+                <a:cs typeface="+mn-cs"/>
+              </a:defRPr>
+            </a:lvl4pPr>
+            <a:lvl5pPr marL="2057400" indent="-228600" algn="l" defTabSz="914400" rtl="0" eaLnBrk="1" latinLnBrk="0" hangingPunct="1">
+              <a:lnSpc>
+                <a:spcPct val="90000"/>
+              </a:lnSpc>
+              <a:spcBef>
+                <a:spcPts val="500"/>
+              </a:spcBef>
+              <a:buFont typeface="Arial" panose="020B0604020202020204" pitchFamily="34" charset="0"/>
+              <a:buChar char="•"/>
+              <a:defRPr sz="1800" kern="1200">
+                <a:solidFill>
+                  <a:schemeClr val="tx1"/>
+                </a:solidFill>
+                <a:latin typeface="+mn-lt"/>
+                <a:ea typeface="+mn-ea"/>
+                <a:cs typeface="+mn-cs"/>
+              </a:defRPr>
+            </a:lvl5pPr>
+            <a:lvl6pPr marL="2514600" indent="-228600" algn="l" defTabSz="914400" rtl="0" eaLnBrk="1" latinLnBrk="0" hangingPunct="1">
+              <a:lnSpc>
+                <a:spcPct val="90000"/>
+              </a:lnSpc>
+              <a:spcBef>
+                <a:spcPts val="500"/>
+              </a:spcBef>
+              <a:buFont typeface="Arial" panose="020B0604020202020204" pitchFamily="34" charset="0"/>
+              <a:buChar char="•"/>
+              <a:defRPr sz="1800" kern="1200">
+                <a:solidFill>
+                  <a:schemeClr val="tx1"/>
+                </a:solidFill>
+                <a:latin typeface="+mn-lt"/>
+                <a:ea typeface="+mn-ea"/>
+                <a:cs typeface="+mn-cs"/>
+              </a:defRPr>
+            </a:lvl6pPr>
+            <a:lvl7pPr marL="2971800" indent="-228600" algn="l" defTabSz="914400" rtl="0" eaLnBrk="1" latinLnBrk="0" hangingPunct="1">
+              <a:lnSpc>
+                <a:spcPct val="90000"/>
+              </a:lnSpc>
+              <a:spcBef>
+                <a:spcPts val="500"/>
+              </a:spcBef>
+              <a:buFont typeface="Arial" panose="020B0604020202020204" pitchFamily="34" charset="0"/>
+              <a:buChar char="•"/>
+              <a:defRPr sz="1800" kern="1200">
+                <a:solidFill>
+                  <a:schemeClr val="tx1"/>
+                </a:solidFill>
+                <a:latin typeface="+mn-lt"/>
+                <a:ea typeface="+mn-ea"/>
+                <a:cs typeface="+mn-cs"/>
+              </a:defRPr>
+            </a:lvl7pPr>
+            <a:lvl8pPr marL="3429000" indent="-228600" algn="l" defTabSz="914400" rtl="0" eaLnBrk="1" latinLnBrk="0" hangingPunct="1">
+              <a:lnSpc>
+                <a:spcPct val="90000"/>
+              </a:lnSpc>
+              <a:spcBef>
+                <a:spcPts val="500"/>
+              </a:spcBef>
+              <a:buFont typeface="Arial" panose="020B0604020202020204" pitchFamily="34" charset="0"/>
+              <a:buChar char="•"/>
+              <a:defRPr sz="1800" kern="1200">
+                <a:solidFill>
+                  <a:schemeClr val="tx1"/>
+                </a:solidFill>
+                <a:latin typeface="+mn-lt"/>
+                <a:ea typeface="+mn-ea"/>
+                <a:cs typeface="+mn-cs"/>
+              </a:defRPr>
+            </a:lvl8pPr>
+            <a:lvl9pPr marL="3886200" indent="-228600" algn="l" defTabSz="914400" rtl="0" eaLnBrk="1" latinLnBrk="0" hangingPunct="1">
+              <a:lnSpc>
+                <a:spcPct val="90000"/>
+              </a:lnSpc>
+              <a:spcBef>
+                <a:spcPts val="500"/>
+              </a:spcBef>
+              <a:buFont typeface="Arial" panose="020B0604020202020204" pitchFamily="34" charset="0"/>
+              <a:buChar char="•"/>
+              <a:defRPr sz="1800" kern="1200">
+                <a:solidFill>
+                  <a:schemeClr val="tx1"/>
+                </a:solidFill>
+                <a:latin typeface="+mn-lt"/>
+                <a:ea typeface="+mn-ea"/>
+                <a:cs typeface="+mn-cs"/>
+              </a:defRPr>
+            </a:lvl9pPr>
+          </a:lstStyle>
+          <a:p>
+            <a:pPr marL="0" indent="0">
+              <a:buNone/>
+            </a:pPr>
+            <a:endParaRPr lang="ru-RU" sz="2400" b="1" dirty="0">
+              <a:solidFill>
+                <a:srgbClr val="6A57A1"/>
+              </a:solidFill>
+            </a:endParaRPr>
+          </a:p>
+          <a:p>
+            <a:pPr marL="0" indent="0">
+              <a:buNone/>
+            </a:pPr>
+            <a:r>
+              <a:rPr lang="ru-RU" sz="2400" b="1" dirty="0">
+                <a:solidFill>
+                  <a:srgbClr val="6A57A1"/>
+                </a:solidFill>
+              </a:rPr>
+              <a:t>Верификация процессорного ядра</a:t>
+            </a:r>
+            <a:r>
+              <a:rPr lang="ru-RU" sz="2400" b="1" dirty="0">
+                <a:solidFill>
+                  <a:srgbClr val="E54F40"/>
+                </a:solidFill>
+              </a:rPr>
+              <a:t> </a:t>
+            </a:r>
+            <a:r>
+              <a:rPr lang="ru-RU" sz="2400" dirty="0"/>
+              <a:t>– процесс обоснованного доказательства корректной работы ядра в рамках представленной на него спецификации.</a:t>
+            </a:r>
+          </a:p>
+        </p:txBody>
+      </p:sp>
+      <p:cxnSp>
+        <p:nvCxnSpPr>
+          <p:cNvPr id="19" name="Прямая со стрелкой 18">
+            <a:extLst>
+              <a:ext uri="{FF2B5EF4-FFF2-40B4-BE49-F238E27FC236}">
+                <a16:creationId xmlns:a16="http://schemas.microsoft.com/office/drawing/2014/main" id="{2BF78373-9C43-4E30-B0FD-F2FFEAEBC08B}"/>
+              </a:ext>
+            </a:extLst>
+          </p:cNvPr>
+          <p:cNvCxnSpPr>
+            <a:cxnSpLocks/>
+          </p:cNvCxnSpPr>
+          <p:nvPr/>
+        </p:nvCxnSpPr>
+        <p:spPr>
+          <a:xfrm>
+            <a:off x="6354566" y="5772150"/>
+            <a:ext cx="399896" cy="0"/>
+          </a:xfrm>
+          <a:prstGeom prst="straightConnector1">
+            <a:avLst/>
+          </a:prstGeom>
+          <a:ln w="19050">
+            <a:solidFill>
+              <a:schemeClr val="tx1"/>
+            </a:solidFill>
+            <a:prstDash val="dash"/>
+            <a:tailEnd type="triangle"/>
+          </a:ln>
+        </p:spPr>
+        <p:style>
+          <a:lnRef idx="1">
+            <a:schemeClr val="accent1"/>
+          </a:lnRef>
+          <a:fillRef idx="0">
+            <a:schemeClr val="accent1"/>
+          </a:fillRef>
+          <a:effectRef idx="0">
+            <a:schemeClr val="accent1"/>
+          </a:effectRef>
+          <a:fontRef idx="minor">
+            <a:schemeClr val="tx1"/>
+          </a:fontRef>
+        </p:style>
+      </p:cxnSp>
+      <p:pic>
+        <p:nvPicPr>
+          <p:cNvPr id="8" name="Рисунок 7">
+            <a:extLst>
+              <a:ext uri="{FF2B5EF4-FFF2-40B4-BE49-F238E27FC236}">
+                <a16:creationId xmlns:a16="http://schemas.microsoft.com/office/drawing/2014/main" id="{25CC9EB8-D7DC-40DA-9FFB-853163C3AA0F}"/>
+              </a:ext>
+            </a:extLst>
+          </p:cNvPr>
+          <p:cNvPicPr>
+            <a:picLocks noChangeAspect="1"/>
+          </p:cNvPicPr>
+          <p:nvPr/>
+        </p:nvPicPr>
+        <p:blipFill>
+          <a:blip r:embed="rId7">
+            <a:extLst>
+              <a:ext uri="{28A0092B-C50C-407E-A947-70E740481C1C}">
+                <a14:useLocalDpi xmlns:a14="http://schemas.microsoft.com/office/drawing/2010/main" val="0"/>
+              </a:ext>
+              <a:ext uri="{96DAC541-7B7A-43D3-8B79-37D633B846F1}">
+                <asvg:svgBlip xmlns:asvg="http://schemas.microsoft.com/office/drawing/2016/SVG/main" r:embed="rId8"/>
+              </a:ext>
+            </a:extLst>
+          </a:blip>
+          <a:stretch>
+            <a:fillRect/>
+          </a:stretch>
+        </p:blipFill>
+        <p:spPr>
+          <a:xfrm>
+            <a:off x="8822587" y="3290571"/>
+            <a:ext cx="4508189" cy="3276000"/>
+          </a:xfrm>
+          <a:prstGeom prst="rect">
+            <a:avLst/>
+          </a:prstGeom>
+        </p:spPr>
+      </p:pic>
+      <p:sp>
+        <p:nvSpPr>
+          <p:cNvPr id="15" name="Полилиния: фигура 14">
+            <a:extLst>
+              <a:ext uri="{FF2B5EF4-FFF2-40B4-BE49-F238E27FC236}">
+                <a16:creationId xmlns:a16="http://schemas.microsoft.com/office/drawing/2014/main" id="{D297AEEE-BB5D-4C25-B92C-46D5F8D096AF}"/>
+              </a:ext>
+            </a:extLst>
+          </p:cNvPr>
+          <p:cNvSpPr/>
+          <p:nvPr/>
+        </p:nvSpPr>
+        <p:spPr>
+          <a:xfrm>
+            <a:off x="8703912" y="5486400"/>
+            <a:ext cx="1463040" cy="502920"/>
+          </a:xfrm>
+          <a:custGeom>
+            <a:avLst/>
+            <a:gdLst>
+              <a:gd name="connsiteX0" fmla="*/ 0 w 1463040"/>
+              <a:gd name="connsiteY0" fmla="*/ 502920 h 502920"/>
+              <a:gd name="connsiteX1" fmla="*/ 853440 w 1463040"/>
+              <a:gd name="connsiteY1" fmla="*/ 411480 h 502920"/>
+              <a:gd name="connsiteX2" fmla="*/ 1463040 w 1463040"/>
+              <a:gd name="connsiteY2" fmla="*/ 0 h 502920"/>
+            </a:gdLst>
+            <a:ahLst/>
+            <a:cxnLst>
+              <a:cxn ang="0">
+                <a:pos x="connsiteX0" y="connsiteY0"/>
+              </a:cxn>
+              <a:cxn ang="0">
+                <a:pos x="connsiteX1" y="connsiteY1"/>
+              </a:cxn>
+              <a:cxn ang="0">
+                <a:pos x="connsiteX2" y="connsiteY2"/>
+              </a:cxn>
+            </a:cxnLst>
+            <a:rect l="l" t="t" r="r" b="b"/>
+            <a:pathLst>
+              <a:path w="1463040" h="502920">
+                <a:moveTo>
+                  <a:pt x="0" y="502920"/>
+                </a:moveTo>
+                <a:cubicBezTo>
+                  <a:pt x="304800" y="499110"/>
+                  <a:pt x="609600" y="495300"/>
+                  <a:pt x="853440" y="411480"/>
+                </a:cubicBezTo>
+                <a:cubicBezTo>
+                  <a:pt x="1097280" y="327660"/>
+                  <a:pt x="1280160" y="163830"/>
+                  <a:pt x="1463040" y="0"/>
+                </a:cubicBezTo>
+              </a:path>
+            </a:pathLst>
+          </a:custGeom>
+          <a:noFill/>
+          <a:ln w="19050">
+            <a:solidFill>
+              <a:schemeClr val="tx1"/>
+            </a:solidFill>
+            <a:prstDash val="dash"/>
+          </a:ln>
+        </p:spPr>
+        <p:style>
+          <a:lnRef idx="2">
+            <a:schemeClr val="accent1">
+              <a:shade val="50000"/>
+            </a:schemeClr>
+          </a:lnRef>
+          <a:fillRef idx="1">
+            <a:schemeClr val="accent1"/>
+          </a:fillRef>
+          <a:effectRef idx="0">
+            <a:schemeClr val="accent1"/>
+          </a:effectRef>
+          <a:fontRef idx="minor">
+            <a:schemeClr val="lt1"/>
+          </a:fontRef>
+        </p:style>
+        <p:txBody>
+          <a:bodyPr rtlCol="0" anchor="ctr"/>
+          <a:lstStyle/>
+          <a:p>
+            <a:pPr algn="ctr"/>
+            <a:endParaRPr lang="ru-RU"/>
+          </a:p>
+        </p:txBody>
+      </p:sp>
+      <p:sp>
+        <p:nvSpPr>
+          <p:cNvPr id="18" name="Полилиния: фигура 17">
+            <a:extLst>
+              <a:ext uri="{FF2B5EF4-FFF2-40B4-BE49-F238E27FC236}">
+                <a16:creationId xmlns:a16="http://schemas.microsoft.com/office/drawing/2014/main" id="{88BA6061-0C64-4D28-ACA0-1200CD036E7D}"/>
+              </a:ext>
+            </a:extLst>
+          </p:cNvPr>
+          <p:cNvSpPr/>
+          <p:nvPr/>
+        </p:nvSpPr>
+        <p:spPr>
+          <a:xfrm>
+            <a:off x="8178132" y="3679833"/>
+            <a:ext cx="2674620" cy="808347"/>
+          </a:xfrm>
+          <a:custGeom>
+            <a:avLst/>
+            <a:gdLst>
+              <a:gd name="connsiteX0" fmla="*/ 0 w 2674620"/>
+              <a:gd name="connsiteY0" fmla="*/ 122547 h 808347"/>
+              <a:gd name="connsiteX1" fmla="*/ 434340 w 2674620"/>
+              <a:gd name="connsiteY1" fmla="*/ 31107 h 808347"/>
+              <a:gd name="connsiteX2" fmla="*/ 914400 w 2674620"/>
+              <a:gd name="connsiteY2" fmla="*/ 627 h 808347"/>
+              <a:gd name="connsiteX3" fmla="*/ 1455420 w 2674620"/>
+              <a:gd name="connsiteY3" fmla="*/ 53967 h 808347"/>
+              <a:gd name="connsiteX4" fmla="*/ 2087880 w 2674620"/>
+              <a:gd name="connsiteY4" fmla="*/ 320667 h 808347"/>
+              <a:gd name="connsiteX5" fmla="*/ 2674620 w 2674620"/>
+              <a:gd name="connsiteY5" fmla="*/ 808347 h 808347"/>
+            </a:gdLst>
+            <a:ahLst/>
+            <a:cxnLst>
+              <a:cxn ang="0">
+                <a:pos x="connsiteX0" y="connsiteY0"/>
+              </a:cxn>
+              <a:cxn ang="0">
+                <a:pos x="connsiteX1" y="connsiteY1"/>
+              </a:cxn>
+              <a:cxn ang="0">
+                <a:pos x="connsiteX2" y="connsiteY2"/>
+              </a:cxn>
+              <a:cxn ang="0">
+                <a:pos x="connsiteX3" y="connsiteY3"/>
+              </a:cxn>
+              <a:cxn ang="0">
+                <a:pos x="connsiteX4" y="connsiteY4"/>
+              </a:cxn>
+              <a:cxn ang="0">
+                <a:pos x="connsiteX5" y="connsiteY5"/>
+              </a:cxn>
+            </a:cxnLst>
+            <a:rect l="l" t="t" r="r" b="b"/>
+            <a:pathLst>
+              <a:path w="2674620" h="808347">
+                <a:moveTo>
+                  <a:pt x="0" y="122547"/>
+                </a:moveTo>
+                <a:cubicBezTo>
+                  <a:pt x="140970" y="86987"/>
+                  <a:pt x="281940" y="51427"/>
+                  <a:pt x="434340" y="31107"/>
+                </a:cubicBezTo>
+                <a:cubicBezTo>
+                  <a:pt x="586740" y="10787"/>
+                  <a:pt x="744220" y="-3183"/>
+                  <a:pt x="914400" y="627"/>
+                </a:cubicBezTo>
+                <a:cubicBezTo>
+                  <a:pt x="1084580" y="4437"/>
+                  <a:pt x="1259840" y="627"/>
+                  <a:pt x="1455420" y="53967"/>
+                </a:cubicBezTo>
+                <a:cubicBezTo>
+                  <a:pt x="1651000" y="107307"/>
+                  <a:pt x="1884680" y="194937"/>
+                  <a:pt x="2087880" y="320667"/>
+                </a:cubicBezTo>
+                <a:cubicBezTo>
+                  <a:pt x="2291080" y="446397"/>
+                  <a:pt x="2482850" y="627372"/>
+                  <a:pt x="2674620" y="808347"/>
+                </a:cubicBezTo>
+              </a:path>
+            </a:pathLst>
+          </a:custGeom>
+          <a:noFill/>
+          <a:ln w="19050">
+            <a:solidFill>
+              <a:schemeClr val="tx1"/>
+            </a:solidFill>
+            <a:prstDash val="dash"/>
+          </a:ln>
+        </p:spPr>
+        <p:style>
+          <a:lnRef idx="2">
+            <a:schemeClr val="accent1">
+              <a:shade val="50000"/>
+            </a:schemeClr>
+          </a:lnRef>
+          <a:fillRef idx="1">
+            <a:schemeClr val="accent1"/>
+          </a:fillRef>
+          <a:effectRef idx="0">
+            <a:schemeClr val="accent1"/>
+          </a:effectRef>
+          <a:fontRef idx="minor">
+            <a:schemeClr val="lt1"/>
+          </a:fontRef>
+        </p:style>
+        <p:txBody>
+          <a:bodyPr rtlCol="0" anchor="ctr"/>
+          <a:lstStyle/>
+          <a:p>
+            <a:pPr algn="ctr"/>
+            <a:endParaRPr lang="ru-RU"/>
+          </a:p>
+        </p:txBody>
+      </p:sp>
+      <p:cxnSp>
+        <p:nvCxnSpPr>
+          <p:cNvPr id="21" name="Прямая со стрелкой 20">
+            <a:extLst>
+              <a:ext uri="{FF2B5EF4-FFF2-40B4-BE49-F238E27FC236}">
+                <a16:creationId xmlns:a16="http://schemas.microsoft.com/office/drawing/2014/main" id="{2FC5D364-57FE-4C7C-8CB0-C2CED8A530F1}"/>
+              </a:ext>
+            </a:extLst>
+          </p:cNvPr>
+          <p:cNvCxnSpPr>
+            <a:cxnSpLocks/>
+          </p:cNvCxnSpPr>
+          <p:nvPr/>
+        </p:nvCxnSpPr>
+        <p:spPr>
+          <a:xfrm>
+            <a:off x="10789889" y="4427873"/>
+            <a:ext cx="86677" cy="97155"/>
+          </a:xfrm>
+          <a:prstGeom prst="straightConnector1">
+            <a:avLst/>
+          </a:prstGeom>
+          <a:ln w="38100">
+            <a:solidFill>
+              <a:schemeClr val="tx1"/>
+            </a:solidFill>
+            <a:tailEnd type="triangle"/>
+          </a:ln>
+        </p:spPr>
+        <p:style>
+          <a:lnRef idx="1">
+            <a:schemeClr val="accent1"/>
+          </a:lnRef>
+          <a:fillRef idx="0">
+            <a:schemeClr val="accent1"/>
+          </a:fillRef>
+          <a:effectRef idx="0">
+            <a:schemeClr val="accent1"/>
+          </a:effectRef>
+          <a:fontRef idx="minor">
+            <a:schemeClr val="tx1"/>
+          </a:fontRef>
+        </p:style>
+      </p:cxnSp>
+      <p:cxnSp>
+        <p:nvCxnSpPr>
+          <p:cNvPr id="22" name="Прямая со стрелкой 21">
+            <a:extLst>
+              <a:ext uri="{FF2B5EF4-FFF2-40B4-BE49-F238E27FC236}">
+                <a16:creationId xmlns:a16="http://schemas.microsoft.com/office/drawing/2014/main" id="{5A90217B-4A34-48DC-97CE-FAD4B8A5E1CF}"/>
+              </a:ext>
+            </a:extLst>
+          </p:cNvPr>
+          <p:cNvCxnSpPr>
+            <a:cxnSpLocks/>
+          </p:cNvCxnSpPr>
+          <p:nvPr/>
+        </p:nvCxnSpPr>
+        <p:spPr>
+          <a:xfrm flipV="1">
+            <a:off x="10121014" y="5438537"/>
+            <a:ext cx="76633" cy="95726"/>
+          </a:xfrm>
+          <a:prstGeom prst="straightConnector1">
+            <a:avLst/>
+          </a:prstGeom>
+          <a:ln w="38100">
+            <a:solidFill>
+              <a:schemeClr val="tx1"/>
+            </a:solidFill>
+            <a:tailEnd type="triangle"/>
+          </a:ln>
+        </p:spPr>
+        <p:style>
+          <a:lnRef idx="1">
+            <a:schemeClr val="accent1"/>
+          </a:lnRef>
+          <a:fillRef idx="0">
+            <a:schemeClr val="accent1"/>
+          </a:fillRef>
+          <a:effectRef idx="0">
+            <a:schemeClr val="accent1"/>
+          </a:effectRef>
+          <a:fontRef idx="minor">
+            <a:schemeClr val="tx1"/>
+          </a:fontRef>
+        </p:style>
+      </p:cxnSp>
+      <p:cxnSp>
+        <p:nvCxnSpPr>
+          <p:cNvPr id="25" name="Прямая со стрелкой 24">
+            <a:extLst>
+              <a:ext uri="{FF2B5EF4-FFF2-40B4-BE49-F238E27FC236}">
+                <a16:creationId xmlns:a16="http://schemas.microsoft.com/office/drawing/2014/main" id="{A769327E-4E4E-4B26-9A99-DD3E9781BB3F}"/>
+              </a:ext>
+            </a:extLst>
+          </p:cNvPr>
+          <p:cNvCxnSpPr>
+            <a:cxnSpLocks/>
+          </p:cNvCxnSpPr>
+          <p:nvPr/>
+        </p:nvCxnSpPr>
+        <p:spPr>
+          <a:xfrm>
+            <a:off x="6667980" y="5772150"/>
+            <a:ext cx="116645" cy="0"/>
+          </a:xfrm>
+          <a:prstGeom prst="straightConnector1">
+            <a:avLst/>
+          </a:prstGeom>
+          <a:ln w="38100">
+            <a:solidFill>
+              <a:schemeClr val="tx1"/>
+            </a:solidFill>
+            <a:tailEnd type="triangle"/>
+          </a:ln>
+        </p:spPr>
+        <p:style>
+          <a:lnRef idx="1">
+            <a:schemeClr val="accent1"/>
+          </a:lnRef>
+          <a:fillRef idx="0">
+            <a:schemeClr val="accent1"/>
+          </a:fillRef>
+          <a:effectRef idx="0">
+            <a:schemeClr val="accent1"/>
+          </a:effectRef>
+          <a:fontRef idx="minor">
+            <a:schemeClr val="tx1"/>
+          </a:fontRef>
+        </p:style>
+      </p:cxnSp>
+      <p:pic>
+        <p:nvPicPr>
+          <p:cNvPr id="30" name="Рисунок 29">
+            <a:extLst>
+              <a:ext uri="{FF2B5EF4-FFF2-40B4-BE49-F238E27FC236}">
+                <a16:creationId xmlns:a16="http://schemas.microsoft.com/office/drawing/2014/main" id="{815AF8DA-C6E4-44D6-89F2-01A2C7CE2F97}"/>
+              </a:ext>
+            </a:extLst>
+          </p:cNvPr>
+          <p:cNvPicPr>
+            <a:picLocks noChangeAspect="1"/>
+          </p:cNvPicPr>
+          <p:nvPr/>
+        </p:nvPicPr>
+        <p:blipFill>
+          <a:blip r:embed="rId9">
+            <a:extLst>
+              <a:ext uri="{28A0092B-C50C-407E-A947-70E740481C1C}">
+                <a14:useLocalDpi xmlns:a14="http://schemas.microsoft.com/office/drawing/2010/main" val="0"/>
+              </a:ext>
+              <a:ext uri="{96DAC541-7B7A-43D3-8B79-37D633B846F1}">
+                <asvg:svgBlip xmlns:asvg="http://schemas.microsoft.com/office/drawing/2016/SVG/main" r:embed="rId10"/>
+              </a:ext>
+            </a:extLst>
+          </a:blip>
+          <a:stretch>
+            <a:fillRect/>
+          </a:stretch>
+        </p:blipFill>
+        <p:spPr>
+          <a:xfrm>
+            <a:off x="8863068" y="3253723"/>
+            <a:ext cx="4508189" cy="3276000"/>
+          </a:xfrm>
+          <a:prstGeom prst="rect">
+            <a:avLst/>
+          </a:prstGeom>
+        </p:spPr>
+      </p:pic>
+      <p:cxnSp>
+        <p:nvCxnSpPr>
+          <p:cNvPr id="20" name="Прямая со стрелкой 19">
+            <a:extLst>
+              <a:ext uri="{FF2B5EF4-FFF2-40B4-BE49-F238E27FC236}">
+                <a16:creationId xmlns:a16="http://schemas.microsoft.com/office/drawing/2014/main" id="{CBB559CD-5D2A-4F35-84D5-C9816EE10B7A}"/>
+              </a:ext>
+            </a:extLst>
+          </p:cNvPr>
+          <p:cNvCxnSpPr>
+            <a:cxnSpLocks/>
+          </p:cNvCxnSpPr>
+          <p:nvPr/>
+        </p:nvCxnSpPr>
+        <p:spPr>
+          <a:xfrm>
+            <a:off x="6354566" y="3981450"/>
+            <a:ext cx="771632" cy="0"/>
+          </a:xfrm>
+          <a:prstGeom prst="straightConnector1">
+            <a:avLst/>
+          </a:prstGeom>
+          <a:ln w="19050">
+            <a:solidFill>
+              <a:schemeClr val="tx1"/>
+            </a:solidFill>
+            <a:prstDash val="dash"/>
+            <a:tailEnd type="triangle"/>
+          </a:ln>
+        </p:spPr>
+        <p:style>
+          <a:lnRef idx="1">
+            <a:schemeClr val="accent1"/>
+          </a:lnRef>
+          <a:fillRef idx="0">
+            <a:schemeClr val="accent1"/>
+          </a:fillRef>
+          <a:effectRef idx="0">
+            <a:schemeClr val="accent1"/>
+          </a:effectRef>
+          <a:fontRef idx="minor">
+            <a:schemeClr val="tx1"/>
+          </a:fontRef>
+        </p:style>
+      </p:cxnSp>
+      <p:cxnSp>
+        <p:nvCxnSpPr>
+          <p:cNvPr id="23" name="Прямая со стрелкой 22">
+            <a:extLst>
+              <a:ext uri="{FF2B5EF4-FFF2-40B4-BE49-F238E27FC236}">
+                <a16:creationId xmlns:a16="http://schemas.microsoft.com/office/drawing/2014/main" id="{D6CC7799-A766-4EF5-865B-50E1925DCF59}"/>
+              </a:ext>
+            </a:extLst>
+          </p:cNvPr>
+          <p:cNvCxnSpPr>
+            <a:cxnSpLocks/>
+          </p:cNvCxnSpPr>
+          <p:nvPr/>
+        </p:nvCxnSpPr>
+        <p:spPr>
+          <a:xfrm>
+            <a:off x="7039716" y="3981450"/>
+            <a:ext cx="116645" cy="0"/>
+          </a:xfrm>
+          <a:prstGeom prst="straightConnector1">
+            <a:avLst/>
+          </a:prstGeom>
+          <a:ln w="38100">
+            <a:solidFill>
+              <a:schemeClr val="tx1"/>
+            </a:solidFill>
+            <a:tailEnd type="triangle"/>
+          </a:ln>
+        </p:spPr>
+        <p:style>
+          <a:lnRef idx="1">
+            <a:schemeClr val="accent1"/>
+          </a:lnRef>
+          <a:fillRef idx="0">
+            <a:schemeClr val="accent1"/>
+          </a:fillRef>
+          <a:effectRef idx="0">
+            <a:schemeClr val="accent1"/>
+          </a:effectRef>
+          <a:fontRef idx="minor">
+            <a:schemeClr val="tx1"/>
+          </a:fontRef>
+        </p:style>
+      </p:cxnSp>
+      <p:graphicFrame>
+        <p:nvGraphicFramePr>
+          <p:cNvPr id="7" name="Таблица 6">
+            <a:extLst>
+              <a:ext uri="{FF2B5EF4-FFF2-40B4-BE49-F238E27FC236}">
+                <a16:creationId xmlns:a16="http://schemas.microsoft.com/office/drawing/2014/main" id="{33FB2B43-2096-485D-B0E2-142A401C8B45}"/>
+              </a:ext>
+            </a:extLst>
+          </p:cNvPr>
+          <p:cNvGraphicFramePr>
+            <a:graphicFrameLocks noGrp="1"/>
+          </p:cNvGraphicFramePr>
+          <p:nvPr/>
+        </p:nvGraphicFramePr>
+        <p:xfrm>
+          <a:off x="9325064" y="2947790"/>
+          <a:ext cx="4257100" cy="3745110"/>
+        </p:xfrm>
+        <a:graphic>
+          <a:graphicData uri="http://schemas.openxmlformats.org/drawingml/2006/table">
+            <a:tbl>
+              <a:tblPr firstRow="1" bandRow="1">
+                <a:tableStyleId>{5C22544A-7EE6-4342-B048-85BDC9FD1C3A}</a:tableStyleId>
+              </a:tblPr>
+              <a:tblGrid>
+                <a:gridCol w="4257100">
+                  <a:extLst>
+                    <a:ext uri="{9D8B030D-6E8A-4147-A177-3AD203B41FA5}">
+                      <a16:colId xmlns:a16="http://schemas.microsoft.com/office/drawing/2014/main" val="2152255588"/>
+                    </a:ext>
+                  </a:extLst>
+                </a:gridCol>
+              </a:tblGrid>
+              <a:tr h="3745110">
+                <a:tc>
+                  <a:txBody>
+                    <a:bodyPr/>
+                    <a:lstStyle/>
+                    <a:p>
+                      <a:endParaRPr lang="ru-RU" dirty="0"/>
+                    </a:p>
+                  </a:txBody>
+                  <a:tcPr>
+                    <a:lnL w="12700" cap="flat" cmpd="sng" algn="ctr">
+                      <a:solidFill>
+                        <a:schemeClr val="tx1"/>
+                      </a:solidFill>
+                      <a:prstDash val="solid"/>
+                      <a:round/>
+                      <a:headEnd type="none" w="med" len="med"/>
+                      <a:tailEnd type="none" w="med" len="med"/>
+                    </a:lnL>
+                    <a:solidFill>
+                      <a:schemeClr val="bg1"/>
+                    </a:solidFill>
+                  </a:tcPr>
+                </a:tc>
+                <a:extLst>
+                  <a:ext uri="{0D108BD9-81ED-4DB2-BD59-A6C34878D82A}">
+                    <a16:rowId xmlns:a16="http://schemas.microsoft.com/office/drawing/2014/main" val="1743487971"/>
+                  </a:ext>
+                </a:extLst>
+              </a:tr>
+            </a:tbl>
+          </a:graphicData>
+        </a:graphic>
+      </p:graphicFrame>
+      <p:sp>
+        <p:nvSpPr>
+          <p:cNvPr id="9" name="Прямоугольник 8">
+            <a:extLst>
+              <a:ext uri="{FF2B5EF4-FFF2-40B4-BE49-F238E27FC236}">
+                <a16:creationId xmlns:a16="http://schemas.microsoft.com/office/drawing/2014/main" id="{AEB1E926-A2AC-4285-96AB-1F5FEA5AE83F}"/>
+              </a:ext>
+            </a:extLst>
+          </p:cNvPr>
+          <p:cNvSpPr/>
+          <p:nvPr/>
+        </p:nvSpPr>
+        <p:spPr>
+          <a:xfrm>
+            <a:off x="3499764" y="4071031"/>
+            <a:ext cx="1409700" cy="1635097"/>
+          </a:xfrm>
+          <a:prstGeom prst="rect">
+            <a:avLst/>
+          </a:prstGeom>
+          <a:solidFill>
+            <a:schemeClr val="bg1"/>
+          </a:solidFill>
+          <a:ln>
+            <a:solidFill>
+              <a:schemeClr val="bg1"/>
+            </a:solidFill>
+          </a:ln>
+        </p:spPr>
+        <p:style>
+          <a:lnRef idx="2">
+            <a:schemeClr val="accent1">
+              <a:shade val="50000"/>
+            </a:schemeClr>
+          </a:lnRef>
+          <a:fillRef idx="1">
+            <a:schemeClr val="accent1"/>
+          </a:fillRef>
+          <a:effectRef idx="0">
+            <a:schemeClr val="accent1"/>
+          </a:effectRef>
+          <a:fontRef idx="minor">
+            <a:schemeClr val="lt1"/>
+          </a:fontRef>
+        </p:style>
+        <p:txBody>
+          <a:bodyPr rtlCol="0" anchor="ctr"/>
+          <a:lstStyle/>
+          <a:p>
+            <a:pPr algn="ctr"/>
+            <a:endParaRPr lang="ru-RU"/>
+          </a:p>
+        </p:txBody>
+      </p:sp>
+      <p:pic>
+        <p:nvPicPr>
+          <p:cNvPr id="11" name="Рисунок 10">
+            <a:extLst>
+              <a:ext uri="{FF2B5EF4-FFF2-40B4-BE49-F238E27FC236}">
+                <a16:creationId xmlns:a16="http://schemas.microsoft.com/office/drawing/2014/main" id="{9CD7EFE3-6E34-4DBD-B461-10BE9077B4F5}"/>
+              </a:ext>
+            </a:extLst>
+          </p:cNvPr>
+          <p:cNvPicPr>
+            <a:picLocks noChangeAspect="1"/>
+          </p:cNvPicPr>
+          <p:nvPr/>
+        </p:nvPicPr>
+        <p:blipFill>
+          <a:blip r:embed="rId11">
+            <a:extLst>
+              <a:ext uri="{28A0092B-C50C-407E-A947-70E740481C1C}">
+                <a14:useLocalDpi xmlns:a14="http://schemas.microsoft.com/office/drawing/2010/main" val="0"/>
+              </a:ext>
+              <a:ext uri="{96DAC541-7B7A-43D3-8B79-37D633B846F1}">
+                <asvg:svgBlip xmlns:asvg="http://schemas.microsoft.com/office/drawing/2016/SVG/main" r:embed="rId12"/>
+              </a:ext>
+            </a:extLst>
+          </a:blip>
+          <a:stretch>
+            <a:fillRect/>
+          </a:stretch>
+        </p:blipFill>
+        <p:spPr>
+          <a:xfrm>
+            <a:off x="2119524" y="779194"/>
+            <a:ext cx="5819775" cy="4229100"/>
+          </a:xfrm>
+          <a:prstGeom prst="rect">
+            <a:avLst/>
+          </a:prstGeom>
+        </p:spPr>
+      </p:pic>
+      <p:pic>
+        <p:nvPicPr>
+          <p:cNvPr id="24" name="Рисунок 23">
+            <a:extLst>
+              <a:ext uri="{FF2B5EF4-FFF2-40B4-BE49-F238E27FC236}">
+                <a16:creationId xmlns:a16="http://schemas.microsoft.com/office/drawing/2014/main" id="{77AD4C12-C92C-4A35-93E2-9B4682047BA6}"/>
+              </a:ext>
+            </a:extLst>
+          </p:cNvPr>
+          <p:cNvPicPr>
+            <a:picLocks noChangeAspect="1"/>
+          </p:cNvPicPr>
+          <p:nvPr/>
+        </p:nvPicPr>
+        <p:blipFill>
+          <a:blip r:embed="rId11">
+            <a:extLst>
+              <a:ext uri="{28A0092B-C50C-407E-A947-70E740481C1C}">
+                <a14:useLocalDpi xmlns:a14="http://schemas.microsoft.com/office/drawing/2010/main" val="0"/>
+              </a:ext>
+              <a:ext uri="{96DAC541-7B7A-43D3-8B79-37D633B846F1}">
+                <asvg:svgBlip xmlns:asvg="http://schemas.microsoft.com/office/drawing/2016/SVG/main" r:embed="rId12"/>
+              </a:ext>
+            </a:extLst>
+          </a:blip>
+          <a:stretch>
+            <a:fillRect/>
+          </a:stretch>
+        </p:blipFill>
+        <p:spPr>
+          <a:xfrm>
+            <a:off x="2106969" y="2229503"/>
+            <a:ext cx="5819775" cy="4229100"/>
+          </a:xfrm>
+          <a:prstGeom prst="rect">
+            <a:avLst/>
+          </a:prstGeom>
+        </p:spPr>
+      </p:pic>
+    </p:spTree>
+    <p:extLst>
+      <p:ext uri="{BB962C8B-B14F-4D97-AF65-F5344CB8AC3E}">
+        <p14:creationId xmlns:p14="http://schemas.microsoft.com/office/powerpoint/2010/main" val="2965220919"/>
       </p:ext>
     </p:extLst>
   </p:cSld>
@@ -3777,6 +11139,234 @@
       </p:grpSpPr>
       <p:sp>
         <p:nvSpPr>
+          <p:cNvPr id="6" name="Объект 2">
+            <a:extLst>
+              <a:ext uri="{FF2B5EF4-FFF2-40B4-BE49-F238E27FC236}">
+                <a16:creationId xmlns:a16="http://schemas.microsoft.com/office/drawing/2014/main" id="{B2D28BBE-BBFB-4AB3-8B47-4BE7F6FA8E86}"/>
+              </a:ext>
+            </a:extLst>
+          </p:cNvPr>
+          <p:cNvSpPr txBox="1">
+            <a:spLocks/>
+          </p:cNvSpPr>
+          <p:nvPr/>
+        </p:nvSpPr>
+        <p:spPr>
+          <a:xfrm>
+            <a:off x="838200" y="1690688"/>
+            <a:ext cx="10515600" cy="4351338"/>
+          </a:xfrm>
+          <a:prstGeom prst="rect">
+            <a:avLst/>
+          </a:prstGeom>
+        </p:spPr>
+        <p:txBody>
+          <a:bodyPr vert="horz" lIns="91440" tIns="45720" rIns="91440" bIns="45720" rtlCol="0">
+            <a:normAutofit/>
+          </a:bodyPr>
+          <a:lstStyle>
+            <a:lvl1pPr marL="228600" indent="-228600" algn="l" defTabSz="914400" rtl="0" eaLnBrk="1" latinLnBrk="0" hangingPunct="1">
+              <a:lnSpc>
+                <a:spcPct val="90000"/>
+              </a:lnSpc>
+              <a:spcBef>
+                <a:spcPts val="1000"/>
+              </a:spcBef>
+              <a:buFont typeface="Arial" panose="020B0604020202020204" pitchFamily="34" charset="0"/>
+              <a:buChar char="•"/>
+              <a:defRPr sz="2800" kern="1200">
+                <a:solidFill>
+                  <a:schemeClr val="tx1"/>
+                </a:solidFill>
+                <a:latin typeface="+mn-lt"/>
+                <a:ea typeface="+mn-ea"/>
+                <a:cs typeface="+mn-cs"/>
+              </a:defRPr>
+            </a:lvl1pPr>
+            <a:lvl2pPr marL="685800" indent="-228600" algn="l" defTabSz="914400" rtl="0" eaLnBrk="1" latinLnBrk="0" hangingPunct="1">
+              <a:lnSpc>
+                <a:spcPct val="90000"/>
+              </a:lnSpc>
+              <a:spcBef>
+                <a:spcPts val="500"/>
+              </a:spcBef>
+              <a:buFont typeface="Arial" panose="020B0604020202020204" pitchFamily="34" charset="0"/>
+              <a:buChar char="•"/>
+              <a:defRPr sz="2400" kern="1200">
+                <a:solidFill>
+                  <a:schemeClr val="tx1"/>
+                </a:solidFill>
+                <a:latin typeface="+mn-lt"/>
+                <a:ea typeface="+mn-ea"/>
+                <a:cs typeface="+mn-cs"/>
+              </a:defRPr>
+            </a:lvl2pPr>
+            <a:lvl3pPr marL="1143000" indent="-228600" algn="l" defTabSz="914400" rtl="0" eaLnBrk="1" latinLnBrk="0" hangingPunct="1">
+              <a:lnSpc>
+                <a:spcPct val="90000"/>
+              </a:lnSpc>
+              <a:spcBef>
+                <a:spcPts val="500"/>
+              </a:spcBef>
+              <a:buFont typeface="Arial" panose="020B0604020202020204" pitchFamily="34" charset="0"/>
+              <a:buChar char="•"/>
+              <a:defRPr sz="2000" kern="1200">
+                <a:solidFill>
+                  <a:schemeClr val="tx1"/>
+                </a:solidFill>
+                <a:latin typeface="+mn-lt"/>
+                <a:ea typeface="+mn-ea"/>
+                <a:cs typeface="+mn-cs"/>
+              </a:defRPr>
+            </a:lvl3pPr>
+            <a:lvl4pPr marL="1600200" indent="-228600" algn="l" defTabSz="914400" rtl="0" eaLnBrk="1" latinLnBrk="0" hangingPunct="1">
+              <a:lnSpc>
+                <a:spcPct val="90000"/>
+              </a:lnSpc>
+              <a:spcBef>
+                <a:spcPts val="500"/>
+              </a:spcBef>
+              <a:buFont typeface="Arial" panose="020B0604020202020204" pitchFamily="34" charset="0"/>
+              <a:buChar char="•"/>
+              <a:defRPr sz="1800" kern="1200">
+                <a:solidFill>
+                  <a:schemeClr val="tx1"/>
+                </a:solidFill>
+                <a:latin typeface="+mn-lt"/>
+                <a:ea typeface="+mn-ea"/>
+                <a:cs typeface="+mn-cs"/>
+              </a:defRPr>
+            </a:lvl4pPr>
+            <a:lvl5pPr marL="2057400" indent="-228600" algn="l" defTabSz="914400" rtl="0" eaLnBrk="1" latinLnBrk="0" hangingPunct="1">
+              <a:lnSpc>
+                <a:spcPct val="90000"/>
+              </a:lnSpc>
+              <a:spcBef>
+                <a:spcPts val="500"/>
+              </a:spcBef>
+              <a:buFont typeface="Arial" panose="020B0604020202020204" pitchFamily="34" charset="0"/>
+              <a:buChar char="•"/>
+              <a:defRPr sz="1800" kern="1200">
+                <a:solidFill>
+                  <a:schemeClr val="tx1"/>
+                </a:solidFill>
+                <a:latin typeface="+mn-lt"/>
+                <a:ea typeface="+mn-ea"/>
+                <a:cs typeface="+mn-cs"/>
+              </a:defRPr>
+            </a:lvl5pPr>
+            <a:lvl6pPr marL="2514600" indent="-228600" algn="l" defTabSz="914400" rtl="0" eaLnBrk="1" latinLnBrk="0" hangingPunct="1">
+              <a:lnSpc>
+                <a:spcPct val="90000"/>
+              </a:lnSpc>
+              <a:spcBef>
+                <a:spcPts val="500"/>
+              </a:spcBef>
+              <a:buFont typeface="Arial" panose="020B0604020202020204" pitchFamily="34" charset="0"/>
+              <a:buChar char="•"/>
+              <a:defRPr sz="1800" kern="1200">
+                <a:solidFill>
+                  <a:schemeClr val="tx1"/>
+                </a:solidFill>
+                <a:latin typeface="+mn-lt"/>
+                <a:ea typeface="+mn-ea"/>
+                <a:cs typeface="+mn-cs"/>
+              </a:defRPr>
+            </a:lvl6pPr>
+            <a:lvl7pPr marL="2971800" indent="-228600" algn="l" defTabSz="914400" rtl="0" eaLnBrk="1" latinLnBrk="0" hangingPunct="1">
+              <a:lnSpc>
+                <a:spcPct val="90000"/>
+              </a:lnSpc>
+              <a:spcBef>
+                <a:spcPts val="500"/>
+              </a:spcBef>
+              <a:buFont typeface="Arial" panose="020B0604020202020204" pitchFamily="34" charset="0"/>
+              <a:buChar char="•"/>
+              <a:defRPr sz="1800" kern="1200">
+                <a:solidFill>
+                  <a:schemeClr val="tx1"/>
+                </a:solidFill>
+                <a:latin typeface="+mn-lt"/>
+                <a:ea typeface="+mn-ea"/>
+                <a:cs typeface="+mn-cs"/>
+              </a:defRPr>
+            </a:lvl7pPr>
+            <a:lvl8pPr marL="3429000" indent="-228600" algn="l" defTabSz="914400" rtl="0" eaLnBrk="1" latinLnBrk="0" hangingPunct="1">
+              <a:lnSpc>
+                <a:spcPct val="90000"/>
+              </a:lnSpc>
+              <a:spcBef>
+                <a:spcPts val="500"/>
+              </a:spcBef>
+              <a:buFont typeface="Arial" panose="020B0604020202020204" pitchFamily="34" charset="0"/>
+              <a:buChar char="•"/>
+              <a:defRPr sz="1800" kern="1200">
+                <a:solidFill>
+                  <a:schemeClr val="tx1"/>
+                </a:solidFill>
+                <a:latin typeface="+mn-lt"/>
+                <a:ea typeface="+mn-ea"/>
+                <a:cs typeface="+mn-cs"/>
+              </a:defRPr>
+            </a:lvl8pPr>
+            <a:lvl9pPr marL="3886200" indent="-228600" algn="l" defTabSz="914400" rtl="0" eaLnBrk="1" latinLnBrk="0" hangingPunct="1">
+              <a:lnSpc>
+                <a:spcPct val="90000"/>
+              </a:lnSpc>
+              <a:spcBef>
+                <a:spcPts val="500"/>
+              </a:spcBef>
+              <a:buFont typeface="Arial" panose="020B0604020202020204" pitchFamily="34" charset="0"/>
+              <a:buChar char="•"/>
+              <a:defRPr sz="1800" kern="1200">
+                <a:solidFill>
+                  <a:schemeClr val="tx1"/>
+                </a:solidFill>
+                <a:latin typeface="+mn-lt"/>
+                <a:ea typeface="+mn-ea"/>
+                <a:cs typeface="+mn-cs"/>
+              </a:defRPr>
+            </a:lvl9pPr>
+          </a:lstStyle>
+          <a:p>
+            <a:pPr marL="0" indent="0">
+              <a:buNone/>
+            </a:pPr>
+            <a:endParaRPr lang="ru-RU" sz="2400" b="1" dirty="0">
+              <a:solidFill>
+                <a:srgbClr val="6A57A1"/>
+              </a:solidFill>
+            </a:endParaRPr>
+          </a:p>
+          <a:p>
+            <a:pPr marL="0" indent="0">
+              <a:buNone/>
+            </a:pPr>
+            <a:r>
+              <a:rPr lang="ru-RU" sz="2400" b="1" dirty="0">
+                <a:solidFill>
+                  <a:srgbClr val="6A57A1"/>
+                </a:solidFill>
+              </a:rPr>
+              <a:t>Верификация</a:t>
+            </a:r>
+            <a:r>
+              <a:rPr lang="ru-RU" sz="2400" b="1" dirty="0">
+                <a:solidFill>
+                  <a:srgbClr val="E54F40"/>
+                </a:solidFill>
+              </a:rPr>
+              <a:t> </a:t>
+            </a:r>
+            <a:r>
+              <a:rPr lang="ru-RU" sz="2400" dirty="0"/>
+              <a:t>– процесс обоснованного доказательства корректной работы устройства в рамках представленной на него спецификации.</a:t>
+            </a:r>
+          </a:p>
+        </p:txBody>
+      </p:sp>
+      <p:sp>
+        <p:nvSpPr>
           <p:cNvPr id="2" name="Заголовок 1"/>
           <p:cNvSpPr>
             <a:spLocks noGrp="1"/>
@@ -3846,8 +11436,8 @@
         </p:blipFill>
         <p:spPr>
           <a:xfrm>
-            <a:off x="3186112" y="1876425"/>
-            <a:ext cx="5819775" cy="4229100"/>
+            <a:off x="3842339" y="3217505"/>
+            <a:ext cx="4507322" cy="3275370"/>
           </a:xfrm>
           <a:prstGeom prst="rect">
             <a:avLst/>
@@ -3915,8 +11505,8 @@
         </p:blipFill>
         <p:spPr>
           <a:xfrm>
-            <a:off x="3186112" y="1876425"/>
-            <a:ext cx="5819775" cy="4229100"/>
+            <a:off x="3842339" y="3217505"/>
+            <a:ext cx="4508189" cy="3276000"/>
           </a:xfrm>
           <a:prstGeom prst="rect">
             <a:avLst/>
@@ -3960,6 +11550,234 @@
               <a:t>Что такое верификация цифровых устройств</a:t>
             </a:r>
             <a:endParaRPr lang="ru-RU" sz="2800" b="1" dirty="0"/>
+          </a:p>
+        </p:txBody>
+      </p:sp>
+      <p:sp>
+        <p:nvSpPr>
+          <p:cNvPr id="6" name="Объект 2">
+            <a:extLst>
+              <a:ext uri="{FF2B5EF4-FFF2-40B4-BE49-F238E27FC236}">
+                <a16:creationId xmlns:a16="http://schemas.microsoft.com/office/drawing/2014/main" id="{EE9F5BA1-15B1-4066-833B-445A62C99AC8}"/>
+              </a:ext>
+            </a:extLst>
+          </p:cNvPr>
+          <p:cNvSpPr txBox="1">
+            <a:spLocks/>
+          </p:cNvSpPr>
+          <p:nvPr/>
+        </p:nvSpPr>
+        <p:spPr>
+          <a:xfrm>
+            <a:off x="838200" y="1690688"/>
+            <a:ext cx="10515600" cy="4351338"/>
+          </a:xfrm>
+          <a:prstGeom prst="rect">
+            <a:avLst/>
+          </a:prstGeom>
+        </p:spPr>
+        <p:txBody>
+          <a:bodyPr vert="horz" lIns="91440" tIns="45720" rIns="91440" bIns="45720" rtlCol="0">
+            <a:normAutofit/>
+          </a:bodyPr>
+          <a:lstStyle>
+            <a:lvl1pPr marL="228600" indent="-228600" algn="l" defTabSz="914400" rtl="0" eaLnBrk="1" latinLnBrk="0" hangingPunct="1">
+              <a:lnSpc>
+                <a:spcPct val="90000"/>
+              </a:lnSpc>
+              <a:spcBef>
+                <a:spcPts val="1000"/>
+              </a:spcBef>
+              <a:buFont typeface="Arial" panose="020B0604020202020204" pitchFamily="34" charset="0"/>
+              <a:buChar char="•"/>
+              <a:defRPr sz="2800" kern="1200">
+                <a:solidFill>
+                  <a:schemeClr val="tx1"/>
+                </a:solidFill>
+                <a:latin typeface="+mn-lt"/>
+                <a:ea typeface="+mn-ea"/>
+                <a:cs typeface="+mn-cs"/>
+              </a:defRPr>
+            </a:lvl1pPr>
+            <a:lvl2pPr marL="685800" indent="-228600" algn="l" defTabSz="914400" rtl="0" eaLnBrk="1" latinLnBrk="0" hangingPunct="1">
+              <a:lnSpc>
+                <a:spcPct val="90000"/>
+              </a:lnSpc>
+              <a:spcBef>
+                <a:spcPts val="500"/>
+              </a:spcBef>
+              <a:buFont typeface="Arial" panose="020B0604020202020204" pitchFamily="34" charset="0"/>
+              <a:buChar char="•"/>
+              <a:defRPr sz="2400" kern="1200">
+                <a:solidFill>
+                  <a:schemeClr val="tx1"/>
+                </a:solidFill>
+                <a:latin typeface="+mn-lt"/>
+                <a:ea typeface="+mn-ea"/>
+                <a:cs typeface="+mn-cs"/>
+              </a:defRPr>
+            </a:lvl2pPr>
+            <a:lvl3pPr marL="1143000" indent="-228600" algn="l" defTabSz="914400" rtl="0" eaLnBrk="1" latinLnBrk="0" hangingPunct="1">
+              <a:lnSpc>
+                <a:spcPct val="90000"/>
+              </a:lnSpc>
+              <a:spcBef>
+                <a:spcPts val="500"/>
+              </a:spcBef>
+              <a:buFont typeface="Arial" panose="020B0604020202020204" pitchFamily="34" charset="0"/>
+              <a:buChar char="•"/>
+              <a:defRPr sz="2000" kern="1200">
+                <a:solidFill>
+                  <a:schemeClr val="tx1"/>
+                </a:solidFill>
+                <a:latin typeface="+mn-lt"/>
+                <a:ea typeface="+mn-ea"/>
+                <a:cs typeface="+mn-cs"/>
+              </a:defRPr>
+            </a:lvl3pPr>
+            <a:lvl4pPr marL="1600200" indent="-228600" algn="l" defTabSz="914400" rtl="0" eaLnBrk="1" latinLnBrk="0" hangingPunct="1">
+              <a:lnSpc>
+                <a:spcPct val="90000"/>
+              </a:lnSpc>
+              <a:spcBef>
+                <a:spcPts val="500"/>
+              </a:spcBef>
+              <a:buFont typeface="Arial" panose="020B0604020202020204" pitchFamily="34" charset="0"/>
+              <a:buChar char="•"/>
+              <a:defRPr sz="1800" kern="1200">
+                <a:solidFill>
+                  <a:schemeClr val="tx1"/>
+                </a:solidFill>
+                <a:latin typeface="+mn-lt"/>
+                <a:ea typeface="+mn-ea"/>
+                <a:cs typeface="+mn-cs"/>
+              </a:defRPr>
+            </a:lvl4pPr>
+            <a:lvl5pPr marL="2057400" indent="-228600" algn="l" defTabSz="914400" rtl="0" eaLnBrk="1" latinLnBrk="0" hangingPunct="1">
+              <a:lnSpc>
+                <a:spcPct val="90000"/>
+              </a:lnSpc>
+              <a:spcBef>
+                <a:spcPts val="500"/>
+              </a:spcBef>
+              <a:buFont typeface="Arial" panose="020B0604020202020204" pitchFamily="34" charset="0"/>
+              <a:buChar char="•"/>
+              <a:defRPr sz="1800" kern="1200">
+                <a:solidFill>
+                  <a:schemeClr val="tx1"/>
+                </a:solidFill>
+                <a:latin typeface="+mn-lt"/>
+                <a:ea typeface="+mn-ea"/>
+                <a:cs typeface="+mn-cs"/>
+              </a:defRPr>
+            </a:lvl5pPr>
+            <a:lvl6pPr marL="2514600" indent="-228600" algn="l" defTabSz="914400" rtl="0" eaLnBrk="1" latinLnBrk="0" hangingPunct="1">
+              <a:lnSpc>
+                <a:spcPct val="90000"/>
+              </a:lnSpc>
+              <a:spcBef>
+                <a:spcPts val="500"/>
+              </a:spcBef>
+              <a:buFont typeface="Arial" panose="020B0604020202020204" pitchFamily="34" charset="0"/>
+              <a:buChar char="•"/>
+              <a:defRPr sz="1800" kern="1200">
+                <a:solidFill>
+                  <a:schemeClr val="tx1"/>
+                </a:solidFill>
+                <a:latin typeface="+mn-lt"/>
+                <a:ea typeface="+mn-ea"/>
+                <a:cs typeface="+mn-cs"/>
+              </a:defRPr>
+            </a:lvl6pPr>
+            <a:lvl7pPr marL="2971800" indent="-228600" algn="l" defTabSz="914400" rtl="0" eaLnBrk="1" latinLnBrk="0" hangingPunct="1">
+              <a:lnSpc>
+                <a:spcPct val="90000"/>
+              </a:lnSpc>
+              <a:spcBef>
+                <a:spcPts val="500"/>
+              </a:spcBef>
+              <a:buFont typeface="Arial" panose="020B0604020202020204" pitchFamily="34" charset="0"/>
+              <a:buChar char="•"/>
+              <a:defRPr sz="1800" kern="1200">
+                <a:solidFill>
+                  <a:schemeClr val="tx1"/>
+                </a:solidFill>
+                <a:latin typeface="+mn-lt"/>
+                <a:ea typeface="+mn-ea"/>
+                <a:cs typeface="+mn-cs"/>
+              </a:defRPr>
+            </a:lvl7pPr>
+            <a:lvl8pPr marL="3429000" indent="-228600" algn="l" defTabSz="914400" rtl="0" eaLnBrk="1" latinLnBrk="0" hangingPunct="1">
+              <a:lnSpc>
+                <a:spcPct val="90000"/>
+              </a:lnSpc>
+              <a:spcBef>
+                <a:spcPts val="500"/>
+              </a:spcBef>
+              <a:buFont typeface="Arial" panose="020B0604020202020204" pitchFamily="34" charset="0"/>
+              <a:buChar char="•"/>
+              <a:defRPr sz="1800" kern="1200">
+                <a:solidFill>
+                  <a:schemeClr val="tx1"/>
+                </a:solidFill>
+                <a:latin typeface="+mn-lt"/>
+                <a:ea typeface="+mn-ea"/>
+                <a:cs typeface="+mn-cs"/>
+              </a:defRPr>
+            </a:lvl8pPr>
+            <a:lvl9pPr marL="3886200" indent="-228600" algn="l" defTabSz="914400" rtl="0" eaLnBrk="1" latinLnBrk="0" hangingPunct="1">
+              <a:lnSpc>
+                <a:spcPct val="90000"/>
+              </a:lnSpc>
+              <a:spcBef>
+                <a:spcPts val="500"/>
+              </a:spcBef>
+              <a:buFont typeface="Arial" panose="020B0604020202020204" pitchFamily="34" charset="0"/>
+              <a:buChar char="•"/>
+              <a:defRPr sz="1800" kern="1200">
+                <a:solidFill>
+                  <a:schemeClr val="tx1"/>
+                </a:solidFill>
+                <a:latin typeface="+mn-lt"/>
+                <a:ea typeface="+mn-ea"/>
+                <a:cs typeface="+mn-cs"/>
+              </a:defRPr>
+            </a:lvl9pPr>
+          </a:lstStyle>
+          <a:p>
+            <a:pPr marL="0" indent="0">
+              <a:buNone/>
+            </a:pPr>
+            <a:endParaRPr lang="ru-RU" sz="2400" b="1" dirty="0">
+              <a:solidFill>
+                <a:srgbClr val="6A57A1"/>
+              </a:solidFill>
+            </a:endParaRPr>
+          </a:p>
+          <a:p>
+            <a:pPr marL="0" indent="0">
+              <a:buNone/>
+            </a:pPr>
+            <a:r>
+              <a:rPr lang="ru-RU" sz="2400" b="1" dirty="0">
+                <a:solidFill>
+                  <a:srgbClr val="6A57A1"/>
+                </a:solidFill>
+              </a:rPr>
+              <a:t>Верификация</a:t>
+            </a:r>
+            <a:r>
+              <a:rPr lang="ru-RU" sz="2400" b="1" dirty="0">
+                <a:solidFill>
+                  <a:srgbClr val="E54F40"/>
+                </a:solidFill>
+              </a:rPr>
+              <a:t> </a:t>
+            </a:r>
+            <a:r>
+              <a:rPr lang="ru-RU" sz="2400" dirty="0"/>
+              <a:t>– процесс обоснованного доказательства корректной работы устройства в рамках представленной на него спецификации.</a:t>
+            </a:r>
           </a:p>
         </p:txBody>
       </p:sp>
@@ -3993,45 +11811,6 @@
           <a:chExt cx="0" cy="0"/>
         </a:xfrm>
       </p:grpSpPr>
-      <p:pic>
-        <p:nvPicPr>
-          <p:cNvPr id="11" name="Рисунок 10">
-            <a:extLst>
-              <a:ext uri="{FF2B5EF4-FFF2-40B4-BE49-F238E27FC236}">
-                <a16:creationId xmlns:a16="http://schemas.microsoft.com/office/drawing/2014/main" id="{A9FD4EE1-C622-4636-89D7-4C10EA6696C2}"/>
-              </a:ext>
-            </a:extLst>
-          </p:cNvPr>
-          <p:cNvPicPr>
-            <a:picLocks noChangeAspect="1"/>
-          </p:cNvPicPr>
-          <p:nvPr/>
-        </p:nvPicPr>
-        <p:blipFill>
-          <a:blip r:embed="rId2">
-            <a:extLst>
-              <a:ext uri="{28A0092B-C50C-407E-A947-70E740481C1C}">
-                <a14:useLocalDpi xmlns:a14="http://schemas.microsoft.com/office/drawing/2010/main" val="0"/>
-              </a:ext>
-              <a:ext uri="{96DAC541-7B7A-43D3-8B79-37D633B846F1}">
-                <asvg:svgBlip xmlns:asvg="http://schemas.microsoft.com/office/drawing/2016/SVG/main" r:embed="rId3"/>
-              </a:ext>
-            </a:extLst>
-          </a:blip>
-          <a:stretch>
-            <a:fillRect/>
-          </a:stretch>
-        </p:blipFill>
-        <p:spPr>
-          <a:xfrm>
-            <a:off x="5834061" y="1866900"/>
-            <a:ext cx="5819775" cy="4229100"/>
-          </a:xfrm>
-          <a:prstGeom prst="rect">
-            <a:avLst/>
-          </a:prstGeom>
-        </p:spPr>
-      </p:pic>
       <p:sp>
         <p:nvSpPr>
           <p:cNvPr id="2" name="Заголовок 1"/>
@@ -4069,6 +11848,273 @@
               <a:t>Что такое верификация цифровых устройств</a:t>
             </a:r>
             <a:endParaRPr lang="ru-RU" sz="2800" b="1" dirty="0"/>
+          </a:p>
+        </p:txBody>
+      </p:sp>
+      <p:pic>
+        <p:nvPicPr>
+          <p:cNvPr id="8" name="Рисунок 7">
+            <a:extLst>
+              <a:ext uri="{FF2B5EF4-FFF2-40B4-BE49-F238E27FC236}">
+                <a16:creationId xmlns:a16="http://schemas.microsoft.com/office/drawing/2014/main" id="{D1B9B040-3D7C-4DB1-A67B-8F1520F4D780}"/>
+              </a:ext>
+            </a:extLst>
+          </p:cNvPr>
+          <p:cNvPicPr>
+            <a:picLocks noChangeAspect="1"/>
+          </p:cNvPicPr>
+          <p:nvPr/>
+        </p:nvPicPr>
+        <p:blipFill>
+          <a:blip r:embed="rId2">
+            <a:extLst>
+              <a:ext uri="{28A0092B-C50C-407E-A947-70E740481C1C}">
+                <a14:useLocalDpi xmlns:a14="http://schemas.microsoft.com/office/drawing/2010/main" val="0"/>
+              </a:ext>
+              <a:ext uri="{96DAC541-7B7A-43D3-8B79-37D633B846F1}">
+                <asvg:svgBlip xmlns:asvg="http://schemas.microsoft.com/office/drawing/2016/SVG/main" r:embed="rId3"/>
+              </a:ext>
+            </a:extLst>
+          </a:blip>
+          <a:stretch>
+            <a:fillRect/>
+          </a:stretch>
+        </p:blipFill>
+        <p:spPr>
+          <a:xfrm>
+            <a:off x="6850800" y="3216875"/>
+            <a:ext cx="4508189" cy="3276000"/>
+          </a:xfrm>
+          <a:prstGeom prst="rect">
+            <a:avLst/>
+          </a:prstGeom>
+        </p:spPr>
+      </p:pic>
+      <p:sp>
+        <p:nvSpPr>
+          <p:cNvPr id="9" name="Объект 2">
+            <a:extLst>
+              <a:ext uri="{FF2B5EF4-FFF2-40B4-BE49-F238E27FC236}">
+                <a16:creationId xmlns:a16="http://schemas.microsoft.com/office/drawing/2014/main" id="{3B28A987-7566-4596-80E9-CA4CE9659ADC}"/>
+              </a:ext>
+            </a:extLst>
+          </p:cNvPr>
+          <p:cNvSpPr txBox="1">
+            <a:spLocks/>
+          </p:cNvSpPr>
+          <p:nvPr/>
+        </p:nvSpPr>
+        <p:spPr>
+          <a:xfrm>
+            <a:off x="838200" y="1690688"/>
+            <a:ext cx="10515600" cy="4351338"/>
+          </a:xfrm>
+          <a:prstGeom prst="rect">
+            <a:avLst/>
+          </a:prstGeom>
+        </p:spPr>
+        <p:txBody>
+          <a:bodyPr vert="horz" lIns="91440" tIns="45720" rIns="91440" bIns="45720" rtlCol="0">
+            <a:normAutofit/>
+          </a:bodyPr>
+          <a:lstStyle>
+            <a:lvl1pPr marL="228600" indent="-228600" algn="l" defTabSz="914400" rtl="0" eaLnBrk="1" latinLnBrk="0" hangingPunct="1">
+              <a:lnSpc>
+                <a:spcPct val="90000"/>
+              </a:lnSpc>
+              <a:spcBef>
+                <a:spcPts val="1000"/>
+              </a:spcBef>
+              <a:buFont typeface="Arial" panose="020B0604020202020204" pitchFamily="34" charset="0"/>
+              <a:buChar char="•"/>
+              <a:defRPr sz="2800" kern="1200">
+                <a:solidFill>
+                  <a:schemeClr val="tx1"/>
+                </a:solidFill>
+                <a:latin typeface="+mn-lt"/>
+                <a:ea typeface="+mn-ea"/>
+                <a:cs typeface="+mn-cs"/>
+              </a:defRPr>
+            </a:lvl1pPr>
+            <a:lvl2pPr marL="685800" indent="-228600" algn="l" defTabSz="914400" rtl="0" eaLnBrk="1" latinLnBrk="0" hangingPunct="1">
+              <a:lnSpc>
+                <a:spcPct val="90000"/>
+              </a:lnSpc>
+              <a:spcBef>
+                <a:spcPts val="500"/>
+              </a:spcBef>
+              <a:buFont typeface="Arial" panose="020B0604020202020204" pitchFamily="34" charset="0"/>
+              <a:buChar char="•"/>
+              <a:defRPr sz="2400" kern="1200">
+                <a:solidFill>
+                  <a:schemeClr val="tx1"/>
+                </a:solidFill>
+                <a:latin typeface="+mn-lt"/>
+                <a:ea typeface="+mn-ea"/>
+                <a:cs typeface="+mn-cs"/>
+              </a:defRPr>
+            </a:lvl2pPr>
+            <a:lvl3pPr marL="1143000" indent="-228600" algn="l" defTabSz="914400" rtl="0" eaLnBrk="1" latinLnBrk="0" hangingPunct="1">
+              <a:lnSpc>
+                <a:spcPct val="90000"/>
+              </a:lnSpc>
+              <a:spcBef>
+                <a:spcPts val="500"/>
+              </a:spcBef>
+              <a:buFont typeface="Arial" panose="020B0604020202020204" pitchFamily="34" charset="0"/>
+              <a:buChar char="•"/>
+              <a:defRPr sz="2000" kern="1200">
+                <a:solidFill>
+                  <a:schemeClr val="tx1"/>
+                </a:solidFill>
+                <a:latin typeface="+mn-lt"/>
+                <a:ea typeface="+mn-ea"/>
+                <a:cs typeface="+mn-cs"/>
+              </a:defRPr>
+            </a:lvl3pPr>
+            <a:lvl4pPr marL="1600200" indent="-228600" algn="l" defTabSz="914400" rtl="0" eaLnBrk="1" latinLnBrk="0" hangingPunct="1">
+              <a:lnSpc>
+                <a:spcPct val="90000"/>
+              </a:lnSpc>
+              <a:spcBef>
+                <a:spcPts val="500"/>
+              </a:spcBef>
+              <a:buFont typeface="Arial" panose="020B0604020202020204" pitchFamily="34" charset="0"/>
+              <a:buChar char="•"/>
+              <a:defRPr sz="1800" kern="1200">
+                <a:solidFill>
+                  <a:schemeClr val="tx1"/>
+                </a:solidFill>
+                <a:latin typeface="+mn-lt"/>
+                <a:ea typeface="+mn-ea"/>
+                <a:cs typeface="+mn-cs"/>
+              </a:defRPr>
+            </a:lvl4pPr>
+            <a:lvl5pPr marL="2057400" indent="-228600" algn="l" defTabSz="914400" rtl="0" eaLnBrk="1" latinLnBrk="0" hangingPunct="1">
+              <a:lnSpc>
+                <a:spcPct val="90000"/>
+              </a:lnSpc>
+              <a:spcBef>
+                <a:spcPts val="500"/>
+              </a:spcBef>
+              <a:buFont typeface="Arial" panose="020B0604020202020204" pitchFamily="34" charset="0"/>
+              <a:buChar char="•"/>
+              <a:defRPr sz="1800" kern="1200">
+                <a:solidFill>
+                  <a:schemeClr val="tx1"/>
+                </a:solidFill>
+                <a:latin typeface="+mn-lt"/>
+                <a:ea typeface="+mn-ea"/>
+                <a:cs typeface="+mn-cs"/>
+              </a:defRPr>
+            </a:lvl5pPr>
+            <a:lvl6pPr marL="2514600" indent="-228600" algn="l" defTabSz="914400" rtl="0" eaLnBrk="1" latinLnBrk="0" hangingPunct="1">
+              <a:lnSpc>
+                <a:spcPct val="90000"/>
+              </a:lnSpc>
+              <a:spcBef>
+                <a:spcPts val="500"/>
+              </a:spcBef>
+              <a:buFont typeface="Arial" panose="020B0604020202020204" pitchFamily="34" charset="0"/>
+              <a:buChar char="•"/>
+              <a:defRPr sz="1800" kern="1200">
+                <a:solidFill>
+                  <a:schemeClr val="tx1"/>
+                </a:solidFill>
+                <a:latin typeface="+mn-lt"/>
+                <a:ea typeface="+mn-ea"/>
+                <a:cs typeface="+mn-cs"/>
+              </a:defRPr>
+            </a:lvl6pPr>
+            <a:lvl7pPr marL="2971800" indent="-228600" algn="l" defTabSz="914400" rtl="0" eaLnBrk="1" latinLnBrk="0" hangingPunct="1">
+              <a:lnSpc>
+                <a:spcPct val="90000"/>
+              </a:lnSpc>
+              <a:spcBef>
+                <a:spcPts val="500"/>
+              </a:spcBef>
+              <a:buFont typeface="Arial" panose="020B0604020202020204" pitchFamily="34" charset="0"/>
+              <a:buChar char="•"/>
+              <a:defRPr sz="1800" kern="1200">
+                <a:solidFill>
+                  <a:schemeClr val="tx1"/>
+                </a:solidFill>
+                <a:latin typeface="+mn-lt"/>
+                <a:ea typeface="+mn-ea"/>
+                <a:cs typeface="+mn-cs"/>
+              </a:defRPr>
+            </a:lvl7pPr>
+            <a:lvl8pPr marL="3429000" indent="-228600" algn="l" defTabSz="914400" rtl="0" eaLnBrk="1" latinLnBrk="0" hangingPunct="1">
+              <a:lnSpc>
+                <a:spcPct val="90000"/>
+              </a:lnSpc>
+              <a:spcBef>
+                <a:spcPts val="500"/>
+              </a:spcBef>
+              <a:buFont typeface="Arial" panose="020B0604020202020204" pitchFamily="34" charset="0"/>
+              <a:buChar char="•"/>
+              <a:defRPr sz="1800" kern="1200">
+                <a:solidFill>
+                  <a:schemeClr val="tx1"/>
+                </a:solidFill>
+                <a:latin typeface="+mn-lt"/>
+                <a:ea typeface="+mn-ea"/>
+                <a:cs typeface="+mn-cs"/>
+              </a:defRPr>
+            </a:lvl8pPr>
+            <a:lvl9pPr marL="3886200" indent="-228600" algn="l" defTabSz="914400" rtl="0" eaLnBrk="1" latinLnBrk="0" hangingPunct="1">
+              <a:lnSpc>
+                <a:spcPct val="90000"/>
+              </a:lnSpc>
+              <a:spcBef>
+                <a:spcPts val="500"/>
+              </a:spcBef>
+              <a:buFont typeface="Arial" panose="020B0604020202020204" pitchFamily="34" charset="0"/>
+              <a:buChar char="•"/>
+              <a:defRPr sz="1800" kern="1200">
+                <a:solidFill>
+                  <a:schemeClr val="tx1"/>
+                </a:solidFill>
+                <a:latin typeface="+mn-lt"/>
+                <a:ea typeface="+mn-ea"/>
+                <a:cs typeface="+mn-cs"/>
+              </a:defRPr>
+            </a:lvl9pPr>
+          </a:lstStyle>
+          <a:p>
+            <a:pPr marL="0" indent="0">
+              <a:buNone/>
+            </a:pPr>
+            <a:endParaRPr lang="ru-RU" sz="2400" b="1" dirty="0">
+              <a:solidFill>
+                <a:srgbClr val="6A57A1"/>
+              </a:solidFill>
+            </a:endParaRPr>
+          </a:p>
+          <a:p>
+            <a:pPr marL="0" indent="0">
+              <a:buNone/>
+            </a:pPr>
+            <a:r>
+              <a:rPr lang="ru-RU" sz="2400" b="1" dirty="0">
+                <a:solidFill>
+                  <a:srgbClr val="6A57A1"/>
+                </a:solidFill>
+              </a:rPr>
+              <a:t>Верификация</a:t>
+            </a:r>
+            <a:r>
+              <a:rPr lang="ru-RU" sz="2400" b="1" dirty="0">
+                <a:solidFill>
+                  <a:srgbClr val="E54F40"/>
+                </a:solidFill>
+              </a:rPr>
+              <a:t> </a:t>
+            </a:r>
+            <a:r>
+              <a:rPr lang="ru-RU" sz="2400" dirty="0"/>
+              <a:t>– процесс обоснованного доказательства корректной работы устройства в рамках представленной на него спецификации.</a:t>
+            </a:r>
           </a:p>
         </p:txBody>
       </p:sp>
@@ -4104,10 +12150,10 @@
       </p:grpSpPr>
       <p:pic>
         <p:nvPicPr>
-          <p:cNvPr id="5" name="Рисунок 4">
+          <p:cNvPr id="12" name="Рисунок 11">
             <a:extLst>
               <a:ext uri="{FF2B5EF4-FFF2-40B4-BE49-F238E27FC236}">
-                <a16:creationId xmlns:a16="http://schemas.microsoft.com/office/drawing/2014/main" id="{0E84A95F-DC48-4C91-8590-FAC8C449A4C2}"/>
+                <a16:creationId xmlns:a16="http://schemas.microsoft.com/office/drawing/2014/main" id="{97077B2B-0083-4E6D-AE51-61CFCF7150C6}"/>
               </a:ext>
             </a:extLst>
           </p:cNvPr>
@@ -4133,8 +12179,8 @@
         </p:blipFill>
         <p:spPr>
           <a:xfrm>
-            <a:off x="212400" y="1868400"/>
-            <a:ext cx="11430000" cy="4229100"/>
+            <a:off x="1247098" y="3216875"/>
+            <a:ext cx="10130515" cy="3276000"/>
           </a:xfrm>
           <a:prstGeom prst="rect">
             <a:avLst/>
@@ -4183,10 +12229,10 @@
       </p:sp>
       <p:sp>
         <p:nvSpPr>
-          <p:cNvPr id="4" name="Текст 3">
+          <p:cNvPr id="9" name="Объект 2">
             <a:extLst>
               <a:ext uri="{FF2B5EF4-FFF2-40B4-BE49-F238E27FC236}">
-                <a16:creationId xmlns:a16="http://schemas.microsoft.com/office/drawing/2014/main" id="{B884EE1B-75DA-4C23-9191-87F3F4732B1C}"/>
+                <a16:creationId xmlns:a16="http://schemas.microsoft.com/office/drawing/2014/main" id="{3B28A987-7566-4596-80E9-CA4CE9659ADC}"/>
               </a:ext>
             </a:extLst>
           </p:cNvPr>
@@ -4197,7 +12243,235 @@
         </p:nvSpPr>
         <p:spPr>
           <a:xfrm>
-            <a:off x="423863" y="4872575"/>
+            <a:off x="838200" y="1690688"/>
+            <a:ext cx="10515600" cy="4351338"/>
+          </a:xfrm>
+          <a:prstGeom prst="rect">
+            <a:avLst/>
+          </a:prstGeom>
+        </p:spPr>
+        <p:txBody>
+          <a:bodyPr vert="horz" lIns="91440" tIns="45720" rIns="91440" bIns="45720" rtlCol="0">
+            <a:normAutofit/>
+          </a:bodyPr>
+          <a:lstStyle>
+            <a:lvl1pPr marL="228600" indent="-228600" algn="l" defTabSz="914400" rtl="0" eaLnBrk="1" latinLnBrk="0" hangingPunct="1">
+              <a:lnSpc>
+                <a:spcPct val="90000"/>
+              </a:lnSpc>
+              <a:spcBef>
+                <a:spcPts val="1000"/>
+              </a:spcBef>
+              <a:buFont typeface="Arial" panose="020B0604020202020204" pitchFamily="34" charset="0"/>
+              <a:buChar char="•"/>
+              <a:defRPr sz="2800" kern="1200">
+                <a:solidFill>
+                  <a:schemeClr val="tx1"/>
+                </a:solidFill>
+                <a:latin typeface="+mn-lt"/>
+                <a:ea typeface="+mn-ea"/>
+                <a:cs typeface="+mn-cs"/>
+              </a:defRPr>
+            </a:lvl1pPr>
+            <a:lvl2pPr marL="685800" indent="-228600" algn="l" defTabSz="914400" rtl="0" eaLnBrk="1" latinLnBrk="0" hangingPunct="1">
+              <a:lnSpc>
+                <a:spcPct val="90000"/>
+              </a:lnSpc>
+              <a:spcBef>
+                <a:spcPts val="500"/>
+              </a:spcBef>
+              <a:buFont typeface="Arial" panose="020B0604020202020204" pitchFamily="34" charset="0"/>
+              <a:buChar char="•"/>
+              <a:defRPr sz="2400" kern="1200">
+                <a:solidFill>
+                  <a:schemeClr val="tx1"/>
+                </a:solidFill>
+                <a:latin typeface="+mn-lt"/>
+                <a:ea typeface="+mn-ea"/>
+                <a:cs typeface="+mn-cs"/>
+              </a:defRPr>
+            </a:lvl2pPr>
+            <a:lvl3pPr marL="1143000" indent="-228600" algn="l" defTabSz="914400" rtl="0" eaLnBrk="1" latinLnBrk="0" hangingPunct="1">
+              <a:lnSpc>
+                <a:spcPct val="90000"/>
+              </a:lnSpc>
+              <a:spcBef>
+                <a:spcPts val="500"/>
+              </a:spcBef>
+              <a:buFont typeface="Arial" panose="020B0604020202020204" pitchFamily="34" charset="0"/>
+              <a:buChar char="•"/>
+              <a:defRPr sz="2000" kern="1200">
+                <a:solidFill>
+                  <a:schemeClr val="tx1"/>
+                </a:solidFill>
+                <a:latin typeface="+mn-lt"/>
+                <a:ea typeface="+mn-ea"/>
+                <a:cs typeface="+mn-cs"/>
+              </a:defRPr>
+            </a:lvl3pPr>
+            <a:lvl4pPr marL="1600200" indent="-228600" algn="l" defTabSz="914400" rtl="0" eaLnBrk="1" latinLnBrk="0" hangingPunct="1">
+              <a:lnSpc>
+                <a:spcPct val="90000"/>
+              </a:lnSpc>
+              <a:spcBef>
+                <a:spcPts val="500"/>
+              </a:spcBef>
+              <a:buFont typeface="Arial" panose="020B0604020202020204" pitchFamily="34" charset="0"/>
+              <a:buChar char="•"/>
+              <a:defRPr sz="1800" kern="1200">
+                <a:solidFill>
+                  <a:schemeClr val="tx1"/>
+                </a:solidFill>
+                <a:latin typeface="+mn-lt"/>
+                <a:ea typeface="+mn-ea"/>
+                <a:cs typeface="+mn-cs"/>
+              </a:defRPr>
+            </a:lvl4pPr>
+            <a:lvl5pPr marL="2057400" indent="-228600" algn="l" defTabSz="914400" rtl="0" eaLnBrk="1" latinLnBrk="0" hangingPunct="1">
+              <a:lnSpc>
+                <a:spcPct val="90000"/>
+              </a:lnSpc>
+              <a:spcBef>
+                <a:spcPts val="500"/>
+              </a:spcBef>
+              <a:buFont typeface="Arial" panose="020B0604020202020204" pitchFamily="34" charset="0"/>
+              <a:buChar char="•"/>
+              <a:defRPr sz="1800" kern="1200">
+                <a:solidFill>
+                  <a:schemeClr val="tx1"/>
+                </a:solidFill>
+                <a:latin typeface="+mn-lt"/>
+                <a:ea typeface="+mn-ea"/>
+                <a:cs typeface="+mn-cs"/>
+              </a:defRPr>
+            </a:lvl5pPr>
+            <a:lvl6pPr marL="2514600" indent="-228600" algn="l" defTabSz="914400" rtl="0" eaLnBrk="1" latinLnBrk="0" hangingPunct="1">
+              <a:lnSpc>
+                <a:spcPct val="90000"/>
+              </a:lnSpc>
+              <a:spcBef>
+                <a:spcPts val="500"/>
+              </a:spcBef>
+              <a:buFont typeface="Arial" panose="020B0604020202020204" pitchFamily="34" charset="0"/>
+              <a:buChar char="•"/>
+              <a:defRPr sz="1800" kern="1200">
+                <a:solidFill>
+                  <a:schemeClr val="tx1"/>
+                </a:solidFill>
+                <a:latin typeface="+mn-lt"/>
+                <a:ea typeface="+mn-ea"/>
+                <a:cs typeface="+mn-cs"/>
+              </a:defRPr>
+            </a:lvl6pPr>
+            <a:lvl7pPr marL="2971800" indent="-228600" algn="l" defTabSz="914400" rtl="0" eaLnBrk="1" latinLnBrk="0" hangingPunct="1">
+              <a:lnSpc>
+                <a:spcPct val="90000"/>
+              </a:lnSpc>
+              <a:spcBef>
+                <a:spcPts val="500"/>
+              </a:spcBef>
+              <a:buFont typeface="Arial" panose="020B0604020202020204" pitchFamily="34" charset="0"/>
+              <a:buChar char="•"/>
+              <a:defRPr sz="1800" kern="1200">
+                <a:solidFill>
+                  <a:schemeClr val="tx1"/>
+                </a:solidFill>
+                <a:latin typeface="+mn-lt"/>
+                <a:ea typeface="+mn-ea"/>
+                <a:cs typeface="+mn-cs"/>
+              </a:defRPr>
+            </a:lvl7pPr>
+            <a:lvl8pPr marL="3429000" indent="-228600" algn="l" defTabSz="914400" rtl="0" eaLnBrk="1" latinLnBrk="0" hangingPunct="1">
+              <a:lnSpc>
+                <a:spcPct val="90000"/>
+              </a:lnSpc>
+              <a:spcBef>
+                <a:spcPts val="500"/>
+              </a:spcBef>
+              <a:buFont typeface="Arial" panose="020B0604020202020204" pitchFamily="34" charset="0"/>
+              <a:buChar char="•"/>
+              <a:defRPr sz="1800" kern="1200">
+                <a:solidFill>
+                  <a:schemeClr val="tx1"/>
+                </a:solidFill>
+                <a:latin typeface="+mn-lt"/>
+                <a:ea typeface="+mn-ea"/>
+                <a:cs typeface="+mn-cs"/>
+              </a:defRPr>
+            </a:lvl8pPr>
+            <a:lvl9pPr marL="3886200" indent="-228600" algn="l" defTabSz="914400" rtl="0" eaLnBrk="1" latinLnBrk="0" hangingPunct="1">
+              <a:lnSpc>
+                <a:spcPct val="90000"/>
+              </a:lnSpc>
+              <a:spcBef>
+                <a:spcPts val="500"/>
+              </a:spcBef>
+              <a:buFont typeface="Arial" panose="020B0604020202020204" pitchFamily="34" charset="0"/>
+              <a:buChar char="•"/>
+              <a:defRPr sz="1800" kern="1200">
+                <a:solidFill>
+                  <a:schemeClr val="tx1"/>
+                </a:solidFill>
+                <a:latin typeface="+mn-lt"/>
+                <a:ea typeface="+mn-ea"/>
+                <a:cs typeface="+mn-cs"/>
+              </a:defRPr>
+            </a:lvl9pPr>
+          </a:lstStyle>
+          <a:p>
+            <a:pPr marL="0" indent="0">
+              <a:buNone/>
+            </a:pPr>
+            <a:endParaRPr lang="ru-RU" sz="2400" b="1" dirty="0">
+              <a:solidFill>
+                <a:srgbClr val="6A57A1"/>
+              </a:solidFill>
+            </a:endParaRPr>
+          </a:p>
+          <a:p>
+            <a:pPr marL="0" indent="0">
+              <a:buNone/>
+            </a:pPr>
+            <a:r>
+              <a:rPr lang="ru-RU" sz="2400" b="1" dirty="0">
+                <a:solidFill>
+                  <a:srgbClr val="6A57A1"/>
+                </a:solidFill>
+              </a:rPr>
+              <a:t>Верификация</a:t>
+            </a:r>
+            <a:r>
+              <a:rPr lang="ru-RU" sz="2400" b="1" dirty="0">
+                <a:solidFill>
+                  <a:srgbClr val="E54F40"/>
+                </a:solidFill>
+              </a:rPr>
+              <a:t> </a:t>
+            </a:r>
+            <a:r>
+              <a:rPr lang="ru-RU" sz="2400" dirty="0"/>
+              <a:t>– процесс обоснованного доказательства корректной работы устройства в рамках представленной на него спецификации.</a:t>
+            </a:r>
+          </a:p>
+        </p:txBody>
+      </p:sp>
+      <p:sp>
+        <p:nvSpPr>
+          <p:cNvPr id="6" name="Текст 3">
+            <a:extLst>
+              <a:ext uri="{FF2B5EF4-FFF2-40B4-BE49-F238E27FC236}">
+                <a16:creationId xmlns:a16="http://schemas.microsoft.com/office/drawing/2014/main" id="{A539AFB0-A10B-4AF5-8381-8E4A12A0246A}"/>
+              </a:ext>
+            </a:extLst>
+          </p:cNvPr>
+          <p:cNvSpPr txBox="1">
+            <a:spLocks/>
+          </p:cNvSpPr>
+          <p:nvPr/>
+        </p:nvSpPr>
+        <p:spPr>
+          <a:xfrm>
+            <a:off x="1663167" y="5465411"/>
             <a:ext cx="5263606" cy="680593"/>
           </a:xfrm>
           <a:prstGeom prst="rect">
@@ -4393,7 +12667,7 @@
     </p:spTree>
     <p:extLst>
       <p:ext uri="{BB962C8B-B14F-4D97-AF65-F5344CB8AC3E}">
-        <p14:creationId xmlns:p14="http://schemas.microsoft.com/office/powerpoint/2010/main" val="1560404655"/>
+        <p14:creationId xmlns:p14="http://schemas.microsoft.com/office/powerpoint/2010/main" val="553015862"/>
       </p:ext>
     </p:extLst>
   </p:cSld>
@@ -4422,10 +12696,10 @@
       </p:grpSpPr>
       <p:pic>
         <p:nvPicPr>
-          <p:cNvPr id="5" name="Рисунок 4">
+          <p:cNvPr id="8" name="Рисунок 7">
             <a:extLst>
               <a:ext uri="{FF2B5EF4-FFF2-40B4-BE49-F238E27FC236}">
-                <a16:creationId xmlns:a16="http://schemas.microsoft.com/office/drawing/2014/main" id="{F894D286-383C-4984-A4C2-224E33AA09ED}"/>
+                <a16:creationId xmlns:a16="http://schemas.microsoft.com/office/drawing/2014/main" id="{9D198018-5E26-458E-87D9-56D40C56D0BF}"/>
               </a:ext>
             </a:extLst>
           </p:cNvPr>
@@ -4435,13 +12709,13 @@
           <p:nvPr/>
         </p:nvPicPr>
         <p:blipFill>
-          <a:blip r:embed="rId2">
+          <a:blip r:embed="rId3">
             <a:extLst>
               <a:ext uri="{28A0092B-C50C-407E-A947-70E740481C1C}">
                 <a14:useLocalDpi xmlns:a14="http://schemas.microsoft.com/office/drawing/2010/main" val="0"/>
               </a:ext>
               <a:ext uri="{96DAC541-7B7A-43D3-8B79-37D633B846F1}">
-                <asvg:svgBlip xmlns:asvg="http://schemas.microsoft.com/office/drawing/2016/SVG/main" r:embed="rId3"/>
+                <asvg:svgBlip xmlns:asvg="http://schemas.microsoft.com/office/drawing/2016/SVG/main" r:embed="rId4"/>
               </a:ext>
             </a:extLst>
           </a:blip>
@@ -4451,8 +12725,8 @@
         </p:blipFill>
         <p:spPr>
           <a:xfrm>
-            <a:off x="212400" y="1866900"/>
-            <a:ext cx="11430000" cy="4229100"/>
+            <a:off x="1247098" y="3216875"/>
+            <a:ext cx="10130515" cy="3276000"/>
           </a:xfrm>
           <a:prstGeom prst="rect">
             <a:avLst/>
@@ -4493,7 +12767,7 @@
             </a:br>
             <a:r>
               <a:rPr lang="ru-RU" sz="4000" b="1" dirty="0"/>
-              <a:t>Что такое верификация цифровых устройств</a:t>
+              <a:t>Верификация процессорных ядер</a:t>
             </a:r>
             <a:endParaRPr lang="ru-RU" sz="2800" b="1" dirty="0"/>
           </a:p>
@@ -4501,10 +12775,10 @@
       </p:sp>
       <p:sp>
         <p:nvSpPr>
-          <p:cNvPr id="4" name="Текст 3">
+          <p:cNvPr id="12" name="Текст 3">
             <a:extLst>
               <a:ext uri="{FF2B5EF4-FFF2-40B4-BE49-F238E27FC236}">
-                <a16:creationId xmlns:a16="http://schemas.microsoft.com/office/drawing/2014/main" id="{B884EE1B-75DA-4C23-9191-87F3F4732B1C}"/>
+                <a16:creationId xmlns:a16="http://schemas.microsoft.com/office/drawing/2014/main" id="{FD68AF32-B1E6-49A1-A604-FCA7617AB1C1}"/>
               </a:ext>
             </a:extLst>
           </p:cNvPr>
@@ -4515,7 +12789,7 @@
         </p:nvSpPr>
         <p:spPr>
           <a:xfrm>
-            <a:off x="423863" y="4872575"/>
+            <a:off x="1663167" y="3866357"/>
             <a:ext cx="5263606" cy="680593"/>
           </a:xfrm>
           <a:prstGeom prst="rect">
@@ -4692,28 +12966,21 @@
             <a:pPr algn="just"/>
             <a:r>
               <a:rPr lang="ru-RU" sz="1600" b="1" dirty="0"/>
-              <a:t>Спецификация </a:t>
+              <a:t>Частный случай дизайна </a:t>
             </a:r>
             <a:r>
               <a:rPr lang="ru-RU" sz="1600" dirty="0"/>
-              <a:t>– к набор задокументированных</a:t>
-            </a:r>
-            <a:br>
-              <a:rPr lang="ru-RU" sz="1600" dirty="0"/>
-            </a:br>
-            <a:r>
-              <a:rPr lang="ru-RU" sz="1600" dirty="0"/>
-              <a:t>требований, которым должен удовлетворять продукт.</a:t>
+              <a:t>– процессорное ядро.</a:t>
             </a:r>
           </a:p>
         </p:txBody>
       </p:sp>
       <p:sp>
         <p:nvSpPr>
-          <p:cNvPr id="12" name="Текст 3">
+          <p:cNvPr id="6" name="Объект 2">
             <a:extLst>
               <a:ext uri="{FF2B5EF4-FFF2-40B4-BE49-F238E27FC236}">
-                <a16:creationId xmlns:a16="http://schemas.microsoft.com/office/drawing/2014/main" id="{FD68AF32-B1E6-49A1-A604-FCA7617AB1C1}"/>
+                <a16:creationId xmlns:a16="http://schemas.microsoft.com/office/drawing/2014/main" id="{99197B4E-2BB2-4E14-A764-3EAB2C51D516}"/>
               </a:ext>
             </a:extLst>
           </p:cNvPr>
@@ -4724,8 +12991,236 @@
         </p:nvSpPr>
         <p:spPr>
           <a:xfrm>
-            <a:off x="423863" y="2748407"/>
-            <a:ext cx="4849269" cy="680593"/>
+            <a:off x="838200" y="1690688"/>
+            <a:ext cx="10515600" cy="4351338"/>
+          </a:xfrm>
+          <a:prstGeom prst="rect">
+            <a:avLst/>
+          </a:prstGeom>
+        </p:spPr>
+        <p:txBody>
+          <a:bodyPr vert="horz" lIns="91440" tIns="45720" rIns="91440" bIns="45720" rtlCol="0">
+            <a:normAutofit/>
+          </a:bodyPr>
+          <a:lstStyle>
+            <a:lvl1pPr marL="228600" indent="-228600" algn="l" defTabSz="914400" rtl="0" eaLnBrk="1" latinLnBrk="0" hangingPunct="1">
+              <a:lnSpc>
+                <a:spcPct val="90000"/>
+              </a:lnSpc>
+              <a:spcBef>
+                <a:spcPts val="1000"/>
+              </a:spcBef>
+              <a:buFont typeface="Arial" panose="020B0604020202020204" pitchFamily="34" charset="0"/>
+              <a:buChar char="•"/>
+              <a:defRPr sz="2800" kern="1200">
+                <a:solidFill>
+                  <a:schemeClr val="tx1"/>
+                </a:solidFill>
+                <a:latin typeface="+mn-lt"/>
+                <a:ea typeface="+mn-ea"/>
+                <a:cs typeface="+mn-cs"/>
+              </a:defRPr>
+            </a:lvl1pPr>
+            <a:lvl2pPr marL="685800" indent="-228600" algn="l" defTabSz="914400" rtl="0" eaLnBrk="1" latinLnBrk="0" hangingPunct="1">
+              <a:lnSpc>
+                <a:spcPct val="90000"/>
+              </a:lnSpc>
+              <a:spcBef>
+                <a:spcPts val="500"/>
+              </a:spcBef>
+              <a:buFont typeface="Arial" panose="020B0604020202020204" pitchFamily="34" charset="0"/>
+              <a:buChar char="•"/>
+              <a:defRPr sz="2400" kern="1200">
+                <a:solidFill>
+                  <a:schemeClr val="tx1"/>
+                </a:solidFill>
+                <a:latin typeface="+mn-lt"/>
+                <a:ea typeface="+mn-ea"/>
+                <a:cs typeface="+mn-cs"/>
+              </a:defRPr>
+            </a:lvl2pPr>
+            <a:lvl3pPr marL="1143000" indent="-228600" algn="l" defTabSz="914400" rtl="0" eaLnBrk="1" latinLnBrk="0" hangingPunct="1">
+              <a:lnSpc>
+                <a:spcPct val="90000"/>
+              </a:lnSpc>
+              <a:spcBef>
+                <a:spcPts val="500"/>
+              </a:spcBef>
+              <a:buFont typeface="Arial" panose="020B0604020202020204" pitchFamily="34" charset="0"/>
+              <a:buChar char="•"/>
+              <a:defRPr sz="2000" kern="1200">
+                <a:solidFill>
+                  <a:schemeClr val="tx1"/>
+                </a:solidFill>
+                <a:latin typeface="+mn-lt"/>
+                <a:ea typeface="+mn-ea"/>
+                <a:cs typeface="+mn-cs"/>
+              </a:defRPr>
+            </a:lvl3pPr>
+            <a:lvl4pPr marL="1600200" indent="-228600" algn="l" defTabSz="914400" rtl="0" eaLnBrk="1" latinLnBrk="0" hangingPunct="1">
+              <a:lnSpc>
+                <a:spcPct val="90000"/>
+              </a:lnSpc>
+              <a:spcBef>
+                <a:spcPts val="500"/>
+              </a:spcBef>
+              <a:buFont typeface="Arial" panose="020B0604020202020204" pitchFamily="34" charset="0"/>
+              <a:buChar char="•"/>
+              <a:defRPr sz="1800" kern="1200">
+                <a:solidFill>
+                  <a:schemeClr val="tx1"/>
+                </a:solidFill>
+                <a:latin typeface="+mn-lt"/>
+                <a:ea typeface="+mn-ea"/>
+                <a:cs typeface="+mn-cs"/>
+              </a:defRPr>
+            </a:lvl4pPr>
+            <a:lvl5pPr marL="2057400" indent="-228600" algn="l" defTabSz="914400" rtl="0" eaLnBrk="1" latinLnBrk="0" hangingPunct="1">
+              <a:lnSpc>
+                <a:spcPct val="90000"/>
+              </a:lnSpc>
+              <a:spcBef>
+                <a:spcPts val="500"/>
+              </a:spcBef>
+              <a:buFont typeface="Arial" panose="020B0604020202020204" pitchFamily="34" charset="0"/>
+              <a:buChar char="•"/>
+              <a:defRPr sz="1800" kern="1200">
+                <a:solidFill>
+                  <a:schemeClr val="tx1"/>
+                </a:solidFill>
+                <a:latin typeface="+mn-lt"/>
+                <a:ea typeface="+mn-ea"/>
+                <a:cs typeface="+mn-cs"/>
+              </a:defRPr>
+            </a:lvl5pPr>
+            <a:lvl6pPr marL="2514600" indent="-228600" algn="l" defTabSz="914400" rtl="0" eaLnBrk="1" latinLnBrk="0" hangingPunct="1">
+              <a:lnSpc>
+                <a:spcPct val="90000"/>
+              </a:lnSpc>
+              <a:spcBef>
+                <a:spcPts val="500"/>
+              </a:spcBef>
+              <a:buFont typeface="Arial" panose="020B0604020202020204" pitchFamily="34" charset="0"/>
+              <a:buChar char="•"/>
+              <a:defRPr sz="1800" kern="1200">
+                <a:solidFill>
+                  <a:schemeClr val="tx1"/>
+                </a:solidFill>
+                <a:latin typeface="+mn-lt"/>
+                <a:ea typeface="+mn-ea"/>
+                <a:cs typeface="+mn-cs"/>
+              </a:defRPr>
+            </a:lvl6pPr>
+            <a:lvl7pPr marL="2971800" indent="-228600" algn="l" defTabSz="914400" rtl="0" eaLnBrk="1" latinLnBrk="0" hangingPunct="1">
+              <a:lnSpc>
+                <a:spcPct val="90000"/>
+              </a:lnSpc>
+              <a:spcBef>
+                <a:spcPts val="500"/>
+              </a:spcBef>
+              <a:buFont typeface="Arial" panose="020B0604020202020204" pitchFamily="34" charset="0"/>
+              <a:buChar char="•"/>
+              <a:defRPr sz="1800" kern="1200">
+                <a:solidFill>
+                  <a:schemeClr val="tx1"/>
+                </a:solidFill>
+                <a:latin typeface="+mn-lt"/>
+                <a:ea typeface="+mn-ea"/>
+                <a:cs typeface="+mn-cs"/>
+              </a:defRPr>
+            </a:lvl7pPr>
+            <a:lvl8pPr marL="3429000" indent="-228600" algn="l" defTabSz="914400" rtl="0" eaLnBrk="1" latinLnBrk="0" hangingPunct="1">
+              <a:lnSpc>
+                <a:spcPct val="90000"/>
+              </a:lnSpc>
+              <a:spcBef>
+                <a:spcPts val="500"/>
+              </a:spcBef>
+              <a:buFont typeface="Arial" panose="020B0604020202020204" pitchFamily="34" charset="0"/>
+              <a:buChar char="•"/>
+              <a:defRPr sz="1800" kern="1200">
+                <a:solidFill>
+                  <a:schemeClr val="tx1"/>
+                </a:solidFill>
+                <a:latin typeface="+mn-lt"/>
+                <a:ea typeface="+mn-ea"/>
+                <a:cs typeface="+mn-cs"/>
+              </a:defRPr>
+            </a:lvl8pPr>
+            <a:lvl9pPr marL="3886200" indent="-228600" algn="l" defTabSz="914400" rtl="0" eaLnBrk="1" latinLnBrk="0" hangingPunct="1">
+              <a:lnSpc>
+                <a:spcPct val="90000"/>
+              </a:lnSpc>
+              <a:spcBef>
+                <a:spcPts val="500"/>
+              </a:spcBef>
+              <a:buFont typeface="Arial" panose="020B0604020202020204" pitchFamily="34" charset="0"/>
+              <a:buChar char="•"/>
+              <a:defRPr sz="1800" kern="1200">
+                <a:solidFill>
+                  <a:schemeClr val="tx1"/>
+                </a:solidFill>
+                <a:latin typeface="+mn-lt"/>
+                <a:ea typeface="+mn-ea"/>
+                <a:cs typeface="+mn-cs"/>
+              </a:defRPr>
+            </a:lvl9pPr>
+          </a:lstStyle>
+          <a:p>
+            <a:pPr marL="0" indent="0">
+              <a:buNone/>
+            </a:pPr>
+            <a:endParaRPr lang="ru-RU" sz="2400" b="1" dirty="0">
+              <a:solidFill>
+                <a:srgbClr val="6A57A1"/>
+              </a:solidFill>
+            </a:endParaRPr>
+          </a:p>
+          <a:p>
+            <a:pPr marL="0" indent="0">
+              <a:buNone/>
+            </a:pPr>
+            <a:r>
+              <a:rPr lang="ru-RU" sz="2400" b="1" dirty="0">
+                <a:solidFill>
+                  <a:srgbClr val="6A57A1"/>
+                </a:solidFill>
+              </a:rPr>
+              <a:t>Верификация процессорного ядра</a:t>
+            </a:r>
+            <a:r>
+              <a:rPr lang="ru-RU" sz="2400" b="1" dirty="0">
+                <a:solidFill>
+                  <a:srgbClr val="E54F40"/>
+                </a:solidFill>
+              </a:rPr>
+              <a:t> </a:t>
+            </a:r>
+            <a:r>
+              <a:rPr lang="ru-RU" sz="2400" dirty="0"/>
+              <a:t>– процесс обоснованного доказательства корректной работы ядра в рамках представленной на него спецификации.</a:t>
+            </a:r>
+          </a:p>
+        </p:txBody>
+      </p:sp>
+      <p:sp>
+        <p:nvSpPr>
+          <p:cNvPr id="7" name="Текст 3">
+            <a:extLst>
+              <a:ext uri="{FF2B5EF4-FFF2-40B4-BE49-F238E27FC236}">
+                <a16:creationId xmlns:a16="http://schemas.microsoft.com/office/drawing/2014/main" id="{1883B72C-399F-43E9-BAB2-98818EAAE09D}"/>
+              </a:ext>
+            </a:extLst>
+          </p:cNvPr>
+          <p:cNvSpPr txBox="1">
+            <a:spLocks/>
+          </p:cNvSpPr>
+          <p:nvPr/>
+        </p:nvSpPr>
+        <p:spPr>
+          <a:xfrm>
+            <a:off x="1663167" y="5465411"/>
+            <a:ext cx="5263606" cy="680593"/>
           </a:xfrm>
           <a:prstGeom prst="rect">
             <a:avLst/>
@@ -4901,11 +13396,18 @@
             <a:pPr algn="just"/>
             <a:r>
               <a:rPr lang="ru-RU" sz="1600" b="1" dirty="0"/>
-              <a:t>Частный случай дизайна </a:t>
+              <a:t>Спецификация </a:t>
             </a:r>
             <a:r>
               <a:rPr lang="ru-RU" sz="1600" dirty="0"/>
-              <a:t>– процессорное ядро.</a:t>
+              <a:t>– к набор задокументированных</a:t>
+            </a:r>
+            <a:br>
+              <a:rPr lang="ru-RU" sz="1600" dirty="0"/>
+            </a:br>
+            <a:r>
+              <a:rPr lang="ru-RU" sz="1600" dirty="0"/>
+              <a:t>требований, которым должен удовлетворять продукт.</a:t>
             </a:r>
           </a:p>
         </p:txBody>
@@ -4914,6 +13416,680 @@
     <p:extLst>
       <p:ext uri="{BB962C8B-B14F-4D97-AF65-F5344CB8AC3E}">
         <p14:creationId xmlns:p14="http://schemas.microsoft.com/office/powerpoint/2010/main" val="3141859753"/>
+      </p:ext>
+    </p:extLst>
+  </p:cSld>
+  <p:clrMapOvr>
+    <a:masterClrMapping/>
+  </p:clrMapOvr>
+</p:sld>
+</file>
+
+<file path=ppt/slides/slide8.xml><?xml version="1.0" encoding="utf-8"?>
+<p:sld xmlns:a="http://schemas.openxmlformats.org/drawingml/2006/main" xmlns:r="http://schemas.openxmlformats.org/officeDocument/2006/relationships" xmlns:p="http://schemas.openxmlformats.org/presentationml/2006/main">
+  <p:cSld>
+    <p:spTree>
+      <p:nvGrpSpPr>
+        <p:cNvPr id="1" name=""/>
+        <p:cNvGrpSpPr/>
+        <p:nvPr/>
+      </p:nvGrpSpPr>
+      <p:grpSpPr>
+        <a:xfrm>
+          <a:off x="0" y="0"/>
+          <a:ext cx="0" cy="0"/>
+          <a:chOff x="0" y="0"/>
+          <a:chExt cx="0" cy="0"/>
+        </a:xfrm>
+      </p:grpSpPr>
+      <p:pic>
+        <p:nvPicPr>
+          <p:cNvPr id="4" name="Рисунок 3">
+            <a:extLst>
+              <a:ext uri="{FF2B5EF4-FFF2-40B4-BE49-F238E27FC236}">
+                <a16:creationId xmlns:a16="http://schemas.microsoft.com/office/drawing/2014/main" id="{25DCA34B-93B2-438F-82DC-3E972F78EBB3}"/>
+              </a:ext>
+            </a:extLst>
+          </p:cNvPr>
+          <p:cNvPicPr>
+            <a:picLocks noChangeAspect="1"/>
+          </p:cNvPicPr>
+          <p:nvPr/>
+        </p:nvPicPr>
+        <p:blipFill>
+          <a:blip r:embed="rId2">
+            <a:extLst>
+              <a:ext uri="{28A0092B-C50C-407E-A947-70E740481C1C}">
+                <a14:useLocalDpi xmlns:a14="http://schemas.microsoft.com/office/drawing/2010/main" val="0"/>
+              </a:ext>
+              <a:ext uri="{96DAC541-7B7A-43D3-8B79-37D633B846F1}">
+                <asvg:svgBlip xmlns:asvg="http://schemas.microsoft.com/office/drawing/2016/SVG/main" r:embed="rId3"/>
+              </a:ext>
+            </a:extLst>
+          </a:blip>
+          <a:stretch>
+            <a:fillRect/>
+          </a:stretch>
+        </p:blipFill>
+        <p:spPr>
+          <a:xfrm>
+            <a:off x="3842339" y="3217505"/>
+            <a:ext cx="4508189" cy="3276000"/>
+          </a:xfrm>
+          <a:prstGeom prst="rect">
+            <a:avLst/>
+          </a:prstGeom>
+        </p:spPr>
+      </p:pic>
+      <p:sp>
+        <p:nvSpPr>
+          <p:cNvPr id="2" name="Заголовок 1"/>
+          <p:cNvSpPr>
+            <a:spLocks noGrp="1"/>
+          </p:cNvSpPr>
+          <p:nvPr>
+            <p:ph type="title"/>
+          </p:nvPr>
+        </p:nvSpPr>
+        <p:spPr/>
+        <p:txBody>
+          <a:bodyPr>
+            <a:normAutofit/>
+          </a:bodyPr>
+          <a:lstStyle/>
+          <a:p>
+            <a:r>
+              <a:rPr lang="ru-RU" sz="2400" dirty="0">
+                <a:solidFill>
+                  <a:srgbClr val="6A57A1"/>
+                </a:solidFill>
+              </a:rPr>
+              <a:t>Введение в верификацию процессорных ядер</a:t>
+            </a:r>
+            <a:br>
+              <a:rPr lang="en-US" sz="2800" dirty="0">
+                <a:solidFill>
+                  <a:srgbClr val="6A57A1"/>
+                </a:solidFill>
+              </a:rPr>
+            </a:br>
+            <a:r>
+              <a:rPr lang="ru-RU" sz="4000" b="1" dirty="0"/>
+              <a:t>Верификация процессорных ядер</a:t>
+            </a:r>
+            <a:endParaRPr lang="ru-RU" sz="2800" b="1" dirty="0"/>
+          </a:p>
+        </p:txBody>
+      </p:sp>
+      <p:sp>
+        <p:nvSpPr>
+          <p:cNvPr id="6" name="Объект 2">
+            <a:extLst>
+              <a:ext uri="{FF2B5EF4-FFF2-40B4-BE49-F238E27FC236}">
+                <a16:creationId xmlns:a16="http://schemas.microsoft.com/office/drawing/2014/main" id="{EE9F5BA1-15B1-4066-833B-445A62C99AC8}"/>
+              </a:ext>
+            </a:extLst>
+          </p:cNvPr>
+          <p:cNvSpPr txBox="1">
+            <a:spLocks/>
+          </p:cNvSpPr>
+          <p:nvPr/>
+        </p:nvSpPr>
+        <p:spPr>
+          <a:xfrm>
+            <a:off x="838200" y="1690688"/>
+            <a:ext cx="10515600" cy="4351338"/>
+          </a:xfrm>
+          <a:prstGeom prst="rect">
+            <a:avLst/>
+          </a:prstGeom>
+        </p:spPr>
+        <p:txBody>
+          <a:bodyPr vert="horz" lIns="91440" tIns="45720" rIns="91440" bIns="45720" rtlCol="0">
+            <a:normAutofit/>
+          </a:bodyPr>
+          <a:lstStyle>
+            <a:lvl1pPr marL="228600" indent="-228600" algn="l" defTabSz="914400" rtl="0" eaLnBrk="1" latinLnBrk="0" hangingPunct="1">
+              <a:lnSpc>
+                <a:spcPct val="90000"/>
+              </a:lnSpc>
+              <a:spcBef>
+                <a:spcPts val="1000"/>
+              </a:spcBef>
+              <a:buFont typeface="Arial" panose="020B0604020202020204" pitchFamily="34" charset="0"/>
+              <a:buChar char="•"/>
+              <a:defRPr sz="2800" kern="1200">
+                <a:solidFill>
+                  <a:schemeClr val="tx1"/>
+                </a:solidFill>
+                <a:latin typeface="+mn-lt"/>
+                <a:ea typeface="+mn-ea"/>
+                <a:cs typeface="+mn-cs"/>
+              </a:defRPr>
+            </a:lvl1pPr>
+            <a:lvl2pPr marL="685800" indent="-228600" algn="l" defTabSz="914400" rtl="0" eaLnBrk="1" latinLnBrk="0" hangingPunct="1">
+              <a:lnSpc>
+                <a:spcPct val="90000"/>
+              </a:lnSpc>
+              <a:spcBef>
+                <a:spcPts val="500"/>
+              </a:spcBef>
+              <a:buFont typeface="Arial" panose="020B0604020202020204" pitchFamily="34" charset="0"/>
+              <a:buChar char="•"/>
+              <a:defRPr sz="2400" kern="1200">
+                <a:solidFill>
+                  <a:schemeClr val="tx1"/>
+                </a:solidFill>
+                <a:latin typeface="+mn-lt"/>
+                <a:ea typeface="+mn-ea"/>
+                <a:cs typeface="+mn-cs"/>
+              </a:defRPr>
+            </a:lvl2pPr>
+            <a:lvl3pPr marL="1143000" indent="-228600" algn="l" defTabSz="914400" rtl="0" eaLnBrk="1" latinLnBrk="0" hangingPunct="1">
+              <a:lnSpc>
+                <a:spcPct val="90000"/>
+              </a:lnSpc>
+              <a:spcBef>
+                <a:spcPts val="500"/>
+              </a:spcBef>
+              <a:buFont typeface="Arial" panose="020B0604020202020204" pitchFamily="34" charset="0"/>
+              <a:buChar char="•"/>
+              <a:defRPr sz="2000" kern="1200">
+                <a:solidFill>
+                  <a:schemeClr val="tx1"/>
+                </a:solidFill>
+                <a:latin typeface="+mn-lt"/>
+                <a:ea typeface="+mn-ea"/>
+                <a:cs typeface="+mn-cs"/>
+              </a:defRPr>
+            </a:lvl3pPr>
+            <a:lvl4pPr marL="1600200" indent="-228600" algn="l" defTabSz="914400" rtl="0" eaLnBrk="1" latinLnBrk="0" hangingPunct="1">
+              <a:lnSpc>
+                <a:spcPct val="90000"/>
+              </a:lnSpc>
+              <a:spcBef>
+                <a:spcPts val="500"/>
+              </a:spcBef>
+              <a:buFont typeface="Arial" panose="020B0604020202020204" pitchFamily="34" charset="0"/>
+              <a:buChar char="•"/>
+              <a:defRPr sz="1800" kern="1200">
+                <a:solidFill>
+                  <a:schemeClr val="tx1"/>
+                </a:solidFill>
+                <a:latin typeface="+mn-lt"/>
+                <a:ea typeface="+mn-ea"/>
+                <a:cs typeface="+mn-cs"/>
+              </a:defRPr>
+            </a:lvl4pPr>
+            <a:lvl5pPr marL="2057400" indent="-228600" algn="l" defTabSz="914400" rtl="0" eaLnBrk="1" latinLnBrk="0" hangingPunct="1">
+              <a:lnSpc>
+                <a:spcPct val="90000"/>
+              </a:lnSpc>
+              <a:spcBef>
+                <a:spcPts val="500"/>
+              </a:spcBef>
+              <a:buFont typeface="Arial" panose="020B0604020202020204" pitchFamily="34" charset="0"/>
+              <a:buChar char="•"/>
+              <a:defRPr sz="1800" kern="1200">
+                <a:solidFill>
+                  <a:schemeClr val="tx1"/>
+                </a:solidFill>
+                <a:latin typeface="+mn-lt"/>
+                <a:ea typeface="+mn-ea"/>
+                <a:cs typeface="+mn-cs"/>
+              </a:defRPr>
+            </a:lvl5pPr>
+            <a:lvl6pPr marL="2514600" indent="-228600" algn="l" defTabSz="914400" rtl="0" eaLnBrk="1" latinLnBrk="0" hangingPunct="1">
+              <a:lnSpc>
+                <a:spcPct val="90000"/>
+              </a:lnSpc>
+              <a:spcBef>
+                <a:spcPts val="500"/>
+              </a:spcBef>
+              <a:buFont typeface="Arial" panose="020B0604020202020204" pitchFamily="34" charset="0"/>
+              <a:buChar char="•"/>
+              <a:defRPr sz="1800" kern="1200">
+                <a:solidFill>
+                  <a:schemeClr val="tx1"/>
+                </a:solidFill>
+                <a:latin typeface="+mn-lt"/>
+                <a:ea typeface="+mn-ea"/>
+                <a:cs typeface="+mn-cs"/>
+              </a:defRPr>
+            </a:lvl6pPr>
+            <a:lvl7pPr marL="2971800" indent="-228600" algn="l" defTabSz="914400" rtl="0" eaLnBrk="1" latinLnBrk="0" hangingPunct="1">
+              <a:lnSpc>
+                <a:spcPct val="90000"/>
+              </a:lnSpc>
+              <a:spcBef>
+                <a:spcPts val="500"/>
+              </a:spcBef>
+              <a:buFont typeface="Arial" panose="020B0604020202020204" pitchFamily="34" charset="0"/>
+              <a:buChar char="•"/>
+              <a:defRPr sz="1800" kern="1200">
+                <a:solidFill>
+                  <a:schemeClr val="tx1"/>
+                </a:solidFill>
+                <a:latin typeface="+mn-lt"/>
+                <a:ea typeface="+mn-ea"/>
+                <a:cs typeface="+mn-cs"/>
+              </a:defRPr>
+            </a:lvl7pPr>
+            <a:lvl8pPr marL="3429000" indent="-228600" algn="l" defTabSz="914400" rtl="0" eaLnBrk="1" latinLnBrk="0" hangingPunct="1">
+              <a:lnSpc>
+                <a:spcPct val="90000"/>
+              </a:lnSpc>
+              <a:spcBef>
+                <a:spcPts val="500"/>
+              </a:spcBef>
+              <a:buFont typeface="Arial" panose="020B0604020202020204" pitchFamily="34" charset="0"/>
+              <a:buChar char="•"/>
+              <a:defRPr sz="1800" kern="1200">
+                <a:solidFill>
+                  <a:schemeClr val="tx1"/>
+                </a:solidFill>
+                <a:latin typeface="+mn-lt"/>
+                <a:ea typeface="+mn-ea"/>
+                <a:cs typeface="+mn-cs"/>
+              </a:defRPr>
+            </a:lvl8pPr>
+            <a:lvl9pPr marL="3886200" indent="-228600" algn="l" defTabSz="914400" rtl="0" eaLnBrk="1" latinLnBrk="0" hangingPunct="1">
+              <a:lnSpc>
+                <a:spcPct val="90000"/>
+              </a:lnSpc>
+              <a:spcBef>
+                <a:spcPts val="500"/>
+              </a:spcBef>
+              <a:buFont typeface="Arial" panose="020B0604020202020204" pitchFamily="34" charset="0"/>
+              <a:buChar char="•"/>
+              <a:defRPr sz="1800" kern="1200">
+                <a:solidFill>
+                  <a:schemeClr val="tx1"/>
+                </a:solidFill>
+                <a:latin typeface="+mn-lt"/>
+                <a:ea typeface="+mn-ea"/>
+                <a:cs typeface="+mn-cs"/>
+              </a:defRPr>
+            </a:lvl9pPr>
+          </a:lstStyle>
+          <a:p>
+            <a:pPr marL="0" indent="0">
+              <a:buNone/>
+            </a:pPr>
+            <a:endParaRPr lang="ru-RU" sz="2400" b="1" dirty="0">
+              <a:solidFill>
+                <a:srgbClr val="6A57A1"/>
+              </a:solidFill>
+            </a:endParaRPr>
+          </a:p>
+          <a:p>
+            <a:pPr marL="0" indent="0">
+              <a:buNone/>
+            </a:pPr>
+            <a:r>
+              <a:rPr lang="ru-RU" sz="2400" b="1" dirty="0">
+                <a:solidFill>
+                  <a:srgbClr val="6A57A1"/>
+                </a:solidFill>
+              </a:rPr>
+              <a:t>Верификация процессорного ядра</a:t>
+            </a:r>
+            <a:r>
+              <a:rPr lang="ru-RU" sz="2400" b="1" dirty="0">
+                <a:solidFill>
+                  <a:srgbClr val="E54F40"/>
+                </a:solidFill>
+              </a:rPr>
+              <a:t> </a:t>
+            </a:r>
+            <a:r>
+              <a:rPr lang="ru-RU" sz="2400" dirty="0"/>
+              <a:t>– процесс обоснованного доказательства корректной работы ядра в рамках представленной на него спецификации.</a:t>
+            </a:r>
+          </a:p>
+        </p:txBody>
+      </p:sp>
+    </p:spTree>
+    <p:extLst>
+      <p:ext uri="{BB962C8B-B14F-4D97-AF65-F5344CB8AC3E}">
+        <p14:creationId xmlns:p14="http://schemas.microsoft.com/office/powerpoint/2010/main" val="1690141427"/>
+      </p:ext>
+    </p:extLst>
+  </p:cSld>
+  <p:clrMapOvr>
+    <a:masterClrMapping/>
+  </p:clrMapOvr>
+</p:sld>
+</file>
+
+<file path=ppt/slides/slide9.xml><?xml version="1.0" encoding="utf-8"?>
+<p:sld xmlns:a="http://schemas.openxmlformats.org/drawingml/2006/main" xmlns:r="http://schemas.openxmlformats.org/officeDocument/2006/relationships" xmlns:p="http://schemas.openxmlformats.org/presentationml/2006/main">
+  <p:cSld>
+    <p:spTree>
+      <p:nvGrpSpPr>
+        <p:cNvPr id="1" name=""/>
+        <p:cNvGrpSpPr/>
+        <p:nvPr/>
+      </p:nvGrpSpPr>
+      <p:grpSpPr>
+        <a:xfrm>
+          <a:off x="0" y="0"/>
+          <a:ext cx="0" cy="0"/>
+          <a:chOff x="0" y="0"/>
+          <a:chExt cx="0" cy="0"/>
+        </a:xfrm>
+      </p:grpSpPr>
+      <p:pic>
+        <p:nvPicPr>
+          <p:cNvPr id="7" name="Рисунок 6">
+            <a:extLst>
+              <a:ext uri="{FF2B5EF4-FFF2-40B4-BE49-F238E27FC236}">
+                <a16:creationId xmlns:a16="http://schemas.microsoft.com/office/drawing/2014/main" id="{D7921B60-1271-45F6-8154-D7949D62C931}"/>
+              </a:ext>
+            </a:extLst>
+          </p:cNvPr>
+          <p:cNvPicPr>
+            <a:picLocks noChangeAspect="1"/>
+          </p:cNvPicPr>
+          <p:nvPr/>
+        </p:nvPicPr>
+        <p:blipFill>
+          <a:blip r:embed="rId2">
+            <a:extLst>
+              <a:ext uri="{28A0092B-C50C-407E-A947-70E740481C1C}">
+                <a14:useLocalDpi xmlns:a14="http://schemas.microsoft.com/office/drawing/2010/main" val="0"/>
+              </a:ext>
+              <a:ext uri="{96DAC541-7B7A-43D3-8B79-37D633B846F1}">
+                <asvg:svgBlip xmlns:asvg="http://schemas.microsoft.com/office/drawing/2016/SVG/main" r:embed="rId3"/>
+              </a:ext>
+            </a:extLst>
+          </a:blip>
+          <a:stretch>
+            <a:fillRect/>
+          </a:stretch>
+        </p:blipFill>
+        <p:spPr>
+          <a:xfrm>
+            <a:off x="3841905" y="3217505"/>
+            <a:ext cx="4508189" cy="3276000"/>
+          </a:xfrm>
+          <a:prstGeom prst="rect">
+            <a:avLst/>
+          </a:prstGeom>
+        </p:spPr>
+      </p:pic>
+      <p:sp>
+        <p:nvSpPr>
+          <p:cNvPr id="2" name="Заголовок 1"/>
+          <p:cNvSpPr>
+            <a:spLocks noGrp="1"/>
+          </p:cNvSpPr>
+          <p:nvPr>
+            <p:ph type="title"/>
+          </p:nvPr>
+        </p:nvSpPr>
+        <p:spPr/>
+        <p:txBody>
+          <a:bodyPr>
+            <a:normAutofit/>
+          </a:bodyPr>
+          <a:lstStyle/>
+          <a:p>
+            <a:r>
+              <a:rPr lang="ru-RU" sz="2400" dirty="0">
+                <a:solidFill>
+                  <a:srgbClr val="6A57A1"/>
+                </a:solidFill>
+              </a:rPr>
+              <a:t>Введение в верификацию процессорных ядер</a:t>
+            </a:r>
+            <a:br>
+              <a:rPr lang="en-US" sz="2800" dirty="0">
+                <a:solidFill>
+                  <a:srgbClr val="6A57A1"/>
+                </a:solidFill>
+              </a:rPr>
+            </a:br>
+            <a:r>
+              <a:rPr lang="ru-RU" sz="4000" b="1" dirty="0"/>
+              <a:t>Верификация процессорных ядер</a:t>
+            </a:r>
+            <a:endParaRPr lang="ru-RU" sz="2800" b="1" dirty="0"/>
+          </a:p>
+        </p:txBody>
+      </p:sp>
+      <p:sp>
+        <p:nvSpPr>
+          <p:cNvPr id="6" name="Объект 2">
+            <a:extLst>
+              <a:ext uri="{FF2B5EF4-FFF2-40B4-BE49-F238E27FC236}">
+                <a16:creationId xmlns:a16="http://schemas.microsoft.com/office/drawing/2014/main" id="{EE9F5BA1-15B1-4066-833B-445A62C99AC8}"/>
+              </a:ext>
+            </a:extLst>
+          </p:cNvPr>
+          <p:cNvSpPr txBox="1">
+            <a:spLocks/>
+          </p:cNvSpPr>
+          <p:nvPr/>
+        </p:nvSpPr>
+        <p:spPr>
+          <a:xfrm>
+            <a:off x="838200" y="1690688"/>
+            <a:ext cx="10515600" cy="4351338"/>
+          </a:xfrm>
+          <a:prstGeom prst="rect">
+            <a:avLst/>
+          </a:prstGeom>
+        </p:spPr>
+        <p:txBody>
+          <a:bodyPr vert="horz" lIns="91440" tIns="45720" rIns="91440" bIns="45720" rtlCol="0">
+            <a:normAutofit/>
+          </a:bodyPr>
+          <a:lstStyle>
+            <a:lvl1pPr marL="228600" indent="-228600" algn="l" defTabSz="914400" rtl="0" eaLnBrk="1" latinLnBrk="0" hangingPunct="1">
+              <a:lnSpc>
+                <a:spcPct val="90000"/>
+              </a:lnSpc>
+              <a:spcBef>
+                <a:spcPts val="1000"/>
+              </a:spcBef>
+              <a:buFont typeface="Arial" panose="020B0604020202020204" pitchFamily="34" charset="0"/>
+              <a:buChar char="•"/>
+              <a:defRPr sz="2800" kern="1200">
+                <a:solidFill>
+                  <a:schemeClr val="tx1"/>
+                </a:solidFill>
+                <a:latin typeface="+mn-lt"/>
+                <a:ea typeface="+mn-ea"/>
+                <a:cs typeface="+mn-cs"/>
+              </a:defRPr>
+            </a:lvl1pPr>
+            <a:lvl2pPr marL="685800" indent="-228600" algn="l" defTabSz="914400" rtl="0" eaLnBrk="1" latinLnBrk="0" hangingPunct="1">
+              <a:lnSpc>
+                <a:spcPct val="90000"/>
+              </a:lnSpc>
+              <a:spcBef>
+                <a:spcPts val="500"/>
+              </a:spcBef>
+              <a:buFont typeface="Arial" panose="020B0604020202020204" pitchFamily="34" charset="0"/>
+              <a:buChar char="•"/>
+              <a:defRPr sz="2400" kern="1200">
+                <a:solidFill>
+                  <a:schemeClr val="tx1"/>
+                </a:solidFill>
+                <a:latin typeface="+mn-lt"/>
+                <a:ea typeface="+mn-ea"/>
+                <a:cs typeface="+mn-cs"/>
+              </a:defRPr>
+            </a:lvl2pPr>
+            <a:lvl3pPr marL="1143000" indent="-228600" algn="l" defTabSz="914400" rtl="0" eaLnBrk="1" latinLnBrk="0" hangingPunct="1">
+              <a:lnSpc>
+                <a:spcPct val="90000"/>
+              </a:lnSpc>
+              <a:spcBef>
+                <a:spcPts val="500"/>
+              </a:spcBef>
+              <a:buFont typeface="Arial" panose="020B0604020202020204" pitchFamily="34" charset="0"/>
+              <a:buChar char="•"/>
+              <a:defRPr sz="2000" kern="1200">
+                <a:solidFill>
+                  <a:schemeClr val="tx1"/>
+                </a:solidFill>
+                <a:latin typeface="+mn-lt"/>
+                <a:ea typeface="+mn-ea"/>
+                <a:cs typeface="+mn-cs"/>
+              </a:defRPr>
+            </a:lvl3pPr>
+            <a:lvl4pPr marL="1600200" indent="-228600" algn="l" defTabSz="914400" rtl="0" eaLnBrk="1" latinLnBrk="0" hangingPunct="1">
+              <a:lnSpc>
+                <a:spcPct val="90000"/>
+              </a:lnSpc>
+              <a:spcBef>
+                <a:spcPts val="500"/>
+              </a:spcBef>
+              <a:buFont typeface="Arial" panose="020B0604020202020204" pitchFamily="34" charset="0"/>
+              <a:buChar char="•"/>
+              <a:defRPr sz="1800" kern="1200">
+                <a:solidFill>
+                  <a:schemeClr val="tx1"/>
+                </a:solidFill>
+                <a:latin typeface="+mn-lt"/>
+                <a:ea typeface="+mn-ea"/>
+                <a:cs typeface="+mn-cs"/>
+              </a:defRPr>
+            </a:lvl4pPr>
+            <a:lvl5pPr marL="2057400" indent="-228600" algn="l" defTabSz="914400" rtl="0" eaLnBrk="1" latinLnBrk="0" hangingPunct="1">
+              <a:lnSpc>
+                <a:spcPct val="90000"/>
+              </a:lnSpc>
+              <a:spcBef>
+                <a:spcPts val="500"/>
+              </a:spcBef>
+              <a:buFont typeface="Arial" panose="020B0604020202020204" pitchFamily="34" charset="0"/>
+              <a:buChar char="•"/>
+              <a:defRPr sz="1800" kern="1200">
+                <a:solidFill>
+                  <a:schemeClr val="tx1"/>
+                </a:solidFill>
+                <a:latin typeface="+mn-lt"/>
+                <a:ea typeface="+mn-ea"/>
+                <a:cs typeface="+mn-cs"/>
+              </a:defRPr>
+            </a:lvl5pPr>
+            <a:lvl6pPr marL="2514600" indent="-228600" algn="l" defTabSz="914400" rtl="0" eaLnBrk="1" latinLnBrk="0" hangingPunct="1">
+              <a:lnSpc>
+                <a:spcPct val="90000"/>
+              </a:lnSpc>
+              <a:spcBef>
+                <a:spcPts val="500"/>
+              </a:spcBef>
+              <a:buFont typeface="Arial" panose="020B0604020202020204" pitchFamily="34" charset="0"/>
+              <a:buChar char="•"/>
+              <a:defRPr sz="1800" kern="1200">
+                <a:solidFill>
+                  <a:schemeClr val="tx1"/>
+                </a:solidFill>
+                <a:latin typeface="+mn-lt"/>
+                <a:ea typeface="+mn-ea"/>
+                <a:cs typeface="+mn-cs"/>
+              </a:defRPr>
+            </a:lvl6pPr>
+            <a:lvl7pPr marL="2971800" indent="-228600" algn="l" defTabSz="914400" rtl="0" eaLnBrk="1" latinLnBrk="0" hangingPunct="1">
+              <a:lnSpc>
+                <a:spcPct val="90000"/>
+              </a:lnSpc>
+              <a:spcBef>
+                <a:spcPts val="500"/>
+              </a:spcBef>
+              <a:buFont typeface="Arial" panose="020B0604020202020204" pitchFamily="34" charset="0"/>
+              <a:buChar char="•"/>
+              <a:defRPr sz="1800" kern="1200">
+                <a:solidFill>
+                  <a:schemeClr val="tx1"/>
+                </a:solidFill>
+                <a:latin typeface="+mn-lt"/>
+                <a:ea typeface="+mn-ea"/>
+                <a:cs typeface="+mn-cs"/>
+              </a:defRPr>
+            </a:lvl7pPr>
+            <a:lvl8pPr marL="3429000" indent="-228600" algn="l" defTabSz="914400" rtl="0" eaLnBrk="1" latinLnBrk="0" hangingPunct="1">
+              <a:lnSpc>
+                <a:spcPct val="90000"/>
+              </a:lnSpc>
+              <a:spcBef>
+                <a:spcPts val="500"/>
+              </a:spcBef>
+              <a:buFont typeface="Arial" panose="020B0604020202020204" pitchFamily="34" charset="0"/>
+              <a:buChar char="•"/>
+              <a:defRPr sz="1800" kern="1200">
+                <a:solidFill>
+                  <a:schemeClr val="tx1"/>
+                </a:solidFill>
+                <a:latin typeface="+mn-lt"/>
+                <a:ea typeface="+mn-ea"/>
+                <a:cs typeface="+mn-cs"/>
+              </a:defRPr>
+            </a:lvl8pPr>
+            <a:lvl9pPr marL="3886200" indent="-228600" algn="l" defTabSz="914400" rtl="0" eaLnBrk="1" latinLnBrk="0" hangingPunct="1">
+              <a:lnSpc>
+                <a:spcPct val="90000"/>
+              </a:lnSpc>
+              <a:spcBef>
+                <a:spcPts val="500"/>
+              </a:spcBef>
+              <a:buFont typeface="Arial" panose="020B0604020202020204" pitchFamily="34" charset="0"/>
+              <a:buChar char="•"/>
+              <a:defRPr sz="1800" kern="1200">
+                <a:solidFill>
+                  <a:schemeClr val="tx1"/>
+                </a:solidFill>
+                <a:latin typeface="+mn-lt"/>
+                <a:ea typeface="+mn-ea"/>
+                <a:cs typeface="+mn-cs"/>
+              </a:defRPr>
+            </a:lvl9pPr>
+          </a:lstStyle>
+          <a:p>
+            <a:pPr marL="0" indent="0">
+              <a:buNone/>
+            </a:pPr>
+            <a:endParaRPr lang="ru-RU" sz="2400" b="1" dirty="0">
+              <a:solidFill>
+                <a:srgbClr val="6A57A1"/>
+              </a:solidFill>
+            </a:endParaRPr>
+          </a:p>
+          <a:p>
+            <a:pPr marL="0" indent="0">
+              <a:buNone/>
+            </a:pPr>
+            <a:r>
+              <a:rPr lang="ru-RU" sz="2400" b="1" dirty="0">
+                <a:solidFill>
+                  <a:srgbClr val="6A57A1"/>
+                </a:solidFill>
+              </a:rPr>
+              <a:t>Верификация процессорного ядра</a:t>
+            </a:r>
+            <a:r>
+              <a:rPr lang="ru-RU" sz="2400" b="1" dirty="0">
+                <a:solidFill>
+                  <a:srgbClr val="E54F40"/>
+                </a:solidFill>
+              </a:rPr>
+              <a:t> </a:t>
+            </a:r>
+            <a:r>
+              <a:rPr lang="ru-RU" sz="2400" dirty="0"/>
+              <a:t>– процесс обоснованного доказательства корректной работы ядра в рамках представленной на него спецификации.</a:t>
+            </a:r>
+          </a:p>
+        </p:txBody>
+      </p:sp>
+    </p:spTree>
+    <p:extLst>
+      <p:ext uri="{BB962C8B-B14F-4D97-AF65-F5344CB8AC3E}">
+        <p14:creationId xmlns:p14="http://schemas.microsoft.com/office/powerpoint/2010/main" val="1950442722"/>
       </p:ext>
     </p:extLst>
   </p:cSld>
@@ -5182,4 +14358,299 @@
     </a:ext>
   </a:extLst>
 </a:theme>
+</file>
+
+<file path=ppt/theme/theme2.xml><?xml version="1.0" encoding="utf-8"?>
+<a:theme xmlns:a="http://schemas.openxmlformats.org/drawingml/2006/main" name="Тема Office">
+  <a:themeElements>
+    <a:clrScheme name="Стандартная">
+      <a:dk1>
+        <a:sysClr val="windowText" lastClr="000000"/>
+      </a:dk1>
+      <a:lt1>
+        <a:sysClr val="window" lastClr="FFFFFF"/>
+      </a:lt1>
+      <a:dk2>
+        <a:srgbClr val="44546A"/>
+      </a:dk2>
+      <a:lt2>
+        <a:srgbClr val="E7E6E6"/>
+      </a:lt2>
+      <a:accent1>
+        <a:srgbClr val="4472C4"/>
+      </a:accent1>
+      <a:accent2>
+        <a:srgbClr val="ED7D31"/>
+      </a:accent2>
+      <a:accent3>
+        <a:srgbClr val="A5A5A5"/>
+      </a:accent3>
+      <a:accent4>
+        <a:srgbClr val="FFC000"/>
+      </a:accent4>
+      <a:accent5>
+        <a:srgbClr val="5B9BD5"/>
+      </a:accent5>
+      <a:accent6>
+        <a:srgbClr val="70AD47"/>
+      </a:accent6>
+      <a:hlink>
+        <a:srgbClr val="0563C1"/>
+      </a:hlink>
+      <a:folHlink>
+        <a:srgbClr val="954F72"/>
+      </a:folHlink>
+    </a:clrScheme>
+    <a:fontScheme name="Стандартная">
+      <a:majorFont>
+        <a:latin typeface="Calibri Light" panose="020F0302020204030204"/>
+        <a:ea typeface=""/>
+        <a:cs typeface=""/>
+        <a:font script="Jpan" typeface="游ゴシック Light"/>
+        <a:font script="Hang" typeface="맑은 고딕"/>
+        <a:font script="Hans" typeface="等线 Light"/>
+        <a:font script="Hant" typeface="新細明體"/>
+        <a:font script="Arab" typeface="Times New Roman"/>
+        <a:font script="Hebr" typeface="Times New Roman"/>
+        <a:font script="Thai" typeface="Angsana New"/>
+        <a:font script="Ethi" typeface="Nyala"/>
+        <a:font script="Beng" typeface="Vrinda"/>
+        <a:font script="Gujr" typeface="Shruti"/>
+        <a:font script="Khmr" typeface="MoolBoran"/>
+        <a:font script="Knda" typeface="Tunga"/>
+        <a:font script="Guru" typeface="Raavi"/>
+        <a:font script="Cans" typeface="Euphemia"/>
+        <a:font script="Cher" typeface="Plantagenet Cherokee"/>
+        <a:font script="Yiii" typeface="Microsoft Yi Baiti"/>
+        <a:font script="Tibt" typeface="Microsoft Himalaya"/>
+        <a:font script="Thaa" typeface="MV Boli"/>
+        <a:font script="Deva" typeface="Mangal"/>
+        <a:font script="Telu" typeface="Gautami"/>
+        <a:font script="Taml" typeface="Latha"/>
+        <a:font script="Syrc" typeface="Estrangelo Edessa"/>
+        <a:font script="Orya" typeface="Kalinga"/>
+        <a:font script="Mlym" typeface="Kartika"/>
+        <a:font script="Laoo" typeface="DokChampa"/>
+        <a:font script="Sinh" typeface="Iskoola Pota"/>
+        <a:font script="Mong" typeface="Mongolian Baiti"/>
+        <a:font script="Viet" typeface="Times New Roman"/>
+        <a:font script="Uigh" typeface="Microsoft Uighur"/>
+        <a:font script="Geor" typeface="Sylfaen"/>
+        <a:font script="Armn" typeface="Arial"/>
+        <a:font script="Bugi" typeface="Leelawadee UI"/>
+        <a:font script="Bopo" typeface="Microsoft JhengHei"/>
+        <a:font script="Java" typeface="Javanese Text"/>
+        <a:font script="Lisu" typeface="Segoe UI"/>
+        <a:font script="Mymr" typeface="Myanmar Text"/>
+        <a:font script="Nkoo" typeface="Ebrima"/>
+        <a:font script="Olck" typeface="Nirmala UI"/>
+        <a:font script="Osma" typeface="Ebrima"/>
+        <a:font script="Phag" typeface="Phagspa"/>
+        <a:font script="Syrn" typeface="Estrangelo Edessa"/>
+        <a:font script="Syrj" typeface="Estrangelo Edessa"/>
+        <a:font script="Syre" typeface="Estrangelo Edessa"/>
+        <a:font script="Sora" typeface="Nirmala UI"/>
+        <a:font script="Tale" typeface="Microsoft Tai Le"/>
+        <a:font script="Talu" typeface="Microsoft New Tai Lue"/>
+        <a:font script="Tfng" typeface="Ebrima"/>
+      </a:majorFont>
+      <a:minorFont>
+        <a:latin typeface="Calibri" panose="020F0502020204030204"/>
+        <a:ea typeface=""/>
+        <a:cs typeface=""/>
+        <a:font script="Jpan" typeface="游ゴシック"/>
+        <a:font script="Hang" typeface="맑은 고딕"/>
+        <a:font script="Hans" typeface="等线"/>
+        <a:font script="Hant" typeface="新細明體"/>
+        <a:font script="Arab" typeface="Arial"/>
+        <a:font script="Hebr" typeface="Arial"/>
+        <a:font script="Thai" typeface="Cordia New"/>
+        <a:font script="Ethi" typeface="Nyala"/>
+        <a:font script="Beng" typeface="Vrinda"/>
+        <a:font script="Gujr" typeface="Shruti"/>
+        <a:font script="Khmr" typeface="DaunPenh"/>
+        <a:font script="Knda" typeface="Tunga"/>
+        <a:font script="Guru" typeface="Raavi"/>
+        <a:font script="Cans" typeface="Euphemia"/>
+        <a:font script="Cher" typeface="Plantagenet Cherokee"/>
+        <a:font script="Yiii" typeface="Microsoft Yi Baiti"/>
+        <a:font script="Tibt" typeface="Microsoft Himalaya"/>
+        <a:font script="Thaa" typeface="MV Boli"/>
+        <a:font script="Deva" typeface="Mangal"/>
+        <a:font script="Telu" typeface="Gautami"/>
+        <a:font script="Taml" typeface="Latha"/>
+        <a:font script="Syrc" typeface="Estrangelo Edessa"/>
+        <a:font script="Orya" typeface="Kalinga"/>
+        <a:font script="Mlym" typeface="Kartika"/>
+        <a:font script="Laoo" typeface="DokChampa"/>
+        <a:font script="Sinh" typeface="Iskoola Pota"/>
+        <a:font script="Mong" typeface="Mongolian Baiti"/>
+        <a:font script="Viet" typeface="Arial"/>
+        <a:font script="Uigh" typeface="Microsoft Uighur"/>
+        <a:font script="Geor" typeface="Sylfaen"/>
+        <a:font script="Armn" typeface="Arial"/>
+        <a:font script="Bugi" typeface="Leelawadee UI"/>
+        <a:font script="Bopo" typeface="Microsoft JhengHei"/>
+        <a:font script="Java" typeface="Javanese Text"/>
+        <a:font script="Lisu" typeface="Segoe UI"/>
+        <a:font script="Mymr" typeface="Myanmar Text"/>
+        <a:font script="Nkoo" typeface="Ebrima"/>
+        <a:font script="Olck" typeface="Nirmala UI"/>
+        <a:font script="Osma" typeface="Ebrima"/>
+        <a:font script="Phag" typeface="Phagspa"/>
+        <a:font script="Syrn" typeface="Estrangelo Edessa"/>
+        <a:font script="Syrj" typeface="Estrangelo Edessa"/>
+        <a:font script="Syre" typeface="Estrangelo Edessa"/>
+        <a:font script="Sora" typeface="Nirmala UI"/>
+        <a:font script="Tale" typeface="Microsoft Tai Le"/>
+        <a:font script="Talu" typeface="Microsoft New Tai Lue"/>
+        <a:font script="Tfng" typeface="Ebrima"/>
+      </a:minorFont>
+    </a:fontScheme>
+    <a:fmtScheme name="Стандартная">
+      <a:fillStyleLst>
+        <a:solidFill>
+          <a:schemeClr val="phClr"/>
+        </a:solidFill>
+        <a:gradFill rotWithShape="1">
+          <a:gsLst>
+            <a:gs pos="0">
+              <a:schemeClr val="phClr">
+                <a:lumMod val="110000"/>
+                <a:satMod val="105000"/>
+                <a:tint val="67000"/>
+              </a:schemeClr>
+            </a:gs>
+            <a:gs pos="50000">
+              <a:schemeClr val="phClr">
+                <a:lumMod val="105000"/>
+                <a:satMod val="103000"/>
+                <a:tint val="73000"/>
+              </a:schemeClr>
+            </a:gs>
+            <a:gs pos="100000">
+              <a:schemeClr val="phClr">
+                <a:lumMod val="105000"/>
+                <a:satMod val="109000"/>
+                <a:tint val="81000"/>
+              </a:schemeClr>
+            </a:gs>
+          </a:gsLst>
+          <a:lin ang="5400000" scaled="0"/>
+        </a:gradFill>
+        <a:gradFill rotWithShape="1">
+          <a:gsLst>
+            <a:gs pos="0">
+              <a:schemeClr val="phClr">
+                <a:satMod val="103000"/>
+                <a:lumMod val="102000"/>
+                <a:tint val="94000"/>
+              </a:schemeClr>
+            </a:gs>
+            <a:gs pos="50000">
+              <a:schemeClr val="phClr">
+                <a:satMod val="110000"/>
+                <a:lumMod val="100000"/>
+                <a:shade val="100000"/>
+              </a:schemeClr>
+            </a:gs>
+            <a:gs pos="100000">
+              <a:schemeClr val="phClr">
+                <a:lumMod val="99000"/>
+                <a:satMod val="120000"/>
+                <a:shade val="78000"/>
+              </a:schemeClr>
+            </a:gs>
+          </a:gsLst>
+          <a:lin ang="5400000" scaled="0"/>
+        </a:gradFill>
+      </a:fillStyleLst>
+      <a:lnStyleLst>
+        <a:ln w="6350" cap="flat" cmpd="sng" algn="ctr">
+          <a:solidFill>
+            <a:schemeClr val="phClr"/>
+          </a:solidFill>
+          <a:prstDash val="solid"/>
+          <a:miter lim="800000"/>
+        </a:ln>
+        <a:ln w="12700" cap="flat" cmpd="sng" algn="ctr">
+          <a:solidFill>
+            <a:schemeClr val="phClr"/>
+          </a:solidFill>
+          <a:prstDash val="solid"/>
+          <a:miter lim="800000"/>
+        </a:ln>
+        <a:ln w="19050" cap="flat" cmpd="sng" algn="ctr">
+          <a:solidFill>
+            <a:schemeClr val="phClr"/>
+          </a:solidFill>
+          <a:prstDash val="solid"/>
+          <a:miter lim="800000"/>
+        </a:ln>
+      </a:lnStyleLst>
+      <a:effectStyleLst>
+        <a:effectStyle>
+          <a:effectLst/>
+        </a:effectStyle>
+        <a:effectStyle>
+          <a:effectLst/>
+        </a:effectStyle>
+        <a:effectStyle>
+          <a:effectLst>
+            <a:outerShdw blurRad="57150" dist="19050" dir="5400000" algn="ctr" rotWithShape="0">
+              <a:srgbClr val="000000">
+                <a:alpha val="63000"/>
+              </a:srgbClr>
+            </a:outerShdw>
+          </a:effectLst>
+        </a:effectStyle>
+      </a:effectStyleLst>
+      <a:bgFillStyleLst>
+        <a:solidFill>
+          <a:schemeClr val="phClr"/>
+        </a:solidFill>
+        <a:solidFill>
+          <a:schemeClr val="phClr">
+            <a:tint val="95000"/>
+            <a:satMod val="170000"/>
+          </a:schemeClr>
+        </a:solidFill>
+        <a:gradFill rotWithShape="1">
+          <a:gsLst>
+            <a:gs pos="0">
+              <a:schemeClr val="phClr">
+                <a:tint val="93000"/>
+                <a:satMod val="150000"/>
+                <a:shade val="98000"/>
+                <a:lumMod val="102000"/>
+              </a:schemeClr>
+            </a:gs>
+            <a:gs pos="50000">
+              <a:schemeClr val="phClr">
+                <a:tint val="98000"/>
+                <a:satMod val="130000"/>
+                <a:shade val="90000"/>
+                <a:lumMod val="103000"/>
+              </a:schemeClr>
+            </a:gs>
+            <a:gs pos="100000">
+              <a:schemeClr val="phClr">
+                <a:shade val="63000"/>
+                <a:satMod val="120000"/>
+              </a:schemeClr>
+            </a:gs>
+          </a:gsLst>
+          <a:lin ang="5400000" scaled="0"/>
+        </a:gradFill>
+      </a:bgFillStyleLst>
+    </a:fmtScheme>
+  </a:themeElements>
+  <a:objectDefaults/>
+  <a:extraClrSchemeLst/>
+  <a:extLst>
+    <a:ext uri="{05A4C25C-085E-4340-85A3-A5531E510DB2}">
+      <thm15:themeFamily xmlns:thm15="http://schemas.microsoft.com/office/thememl/2012/main" name="Office Theme" id="{62F939B6-93AF-4DB8-9C6B-D6C7DFDC589F}" vid="{4A3C46E8-61CC-4603-A589-7422A47A8E4A}"/>
+    </a:ext>
+  </a:extLst>
+</a:theme>
 </file>
--- a/present/present.pptx
+++ b/present/present.pptx
@@ -5,7 +5,7 @@
     <p:sldMasterId id="2147483648" r:id="rId1"/>
   </p:sldMasterIdLst>
   <p:notesMasterIdLst>
-    <p:notesMasterId r:id="rId42"/>
+    <p:notesMasterId r:id="rId45"/>
   </p:notesMasterIdLst>
   <p:sldIdLst>
     <p:sldId id="256" r:id="rId2"/>
@@ -46,8 +46,11 @@
     <p:sldId id="296" r:id="rId37"/>
     <p:sldId id="297" r:id="rId38"/>
     <p:sldId id="298" r:id="rId39"/>
-    <p:sldId id="299" r:id="rId40"/>
-    <p:sldId id="300" r:id="rId41"/>
+    <p:sldId id="302" r:id="rId40"/>
+    <p:sldId id="301" r:id="rId41"/>
+    <p:sldId id="303" r:id="rId42"/>
+    <p:sldId id="304" r:id="rId43"/>
+    <p:sldId id="305" r:id="rId44"/>
   </p:sldIdLst>
   <p:sldSz cx="12192000" cy="6858000"/>
   <p:notesSz cx="6858000" cy="9144000"/>
@@ -2341,7 +2344,7 @@
     </p:spTree>
     <p:extLst>
       <p:ext uri="{BB962C8B-B14F-4D97-AF65-F5344CB8AC3E}">
-        <p14:creationId xmlns:p14="http://schemas.microsoft.com/office/powerpoint/2010/main" val="2579757572"/>
+        <p14:creationId xmlns:p14="http://schemas.microsoft.com/office/powerpoint/2010/main" val="2830223138"/>
       </p:ext>
     </p:extLst>
   </p:cSld>
@@ -2509,7 +2512,259 @@
     </p:spTree>
     <p:extLst>
       <p:ext uri="{BB962C8B-B14F-4D97-AF65-F5344CB8AC3E}">
-        <p14:creationId xmlns:p14="http://schemas.microsoft.com/office/powerpoint/2010/main" val="1004998344"/>
+        <p14:creationId xmlns:p14="http://schemas.microsoft.com/office/powerpoint/2010/main" val="3329081690"/>
+      </p:ext>
+    </p:extLst>
+  </p:cSld>
+  <p:clrMapOvr>
+    <a:masterClrMapping/>
+  </p:clrMapOvr>
+</p:notes>
+</file>
+
+<file path=ppt/notesSlides/notesSlide31.xml><?xml version="1.0" encoding="utf-8"?>
+<p:notes xmlns:a="http://schemas.openxmlformats.org/drawingml/2006/main" xmlns:r="http://schemas.openxmlformats.org/officeDocument/2006/relationships" xmlns:p="http://schemas.openxmlformats.org/presentationml/2006/main">
+  <p:cSld>
+    <p:spTree>
+      <p:nvGrpSpPr>
+        <p:cNvPr id="1" name=""/>
+        <p:cNvGrpSpPr/>
+        <p:nvPr/>
+      </p:nvGrpSpPr>
+      <p:grpSpPr>
+        <a:xfrm>
+          <a:off x="0" y="0"/>
+          <a:ext cx="0" cy="0"/>
+          <a:chOff x="0" y="0"/>
+          <a:chExt cx="0" cy="0"/>
+        </a:xfrm>
+      </p:grpSpPr>
+      <p:sp>
+        <p:nvSpPr>
+          <p:cNvPr id="2" name="Образ слайда 1"/>
+          <p:cNvSpPr>
+            <a:spLocks noGrp="1" noRot="1" noChangeAspect="1"/>
+          </p:cNvSpPr>
+          <p:nvPr>
+            <p:ph type="sldImg"/>
+          </p:nvPr>
+        </p:nvSpPr>
+        <p:spPr/>
+      </p:sp>
+      <p:sp>
+        <p:nvSpPr>
+          <p:cNvPr id="3" name="Заметки 2"/>
+          <p:cNvSpPr>
+            <a:spLocks noGrp="1"/>
+          </p:cNvSpPr>
+          <p:nvPr>
+            <p:ph type="body" idx="1"/>
+          </p:nvPr>
+        </p:nvSpPr>
+        <p:spPr/>
+        <p:txBody>
+          <a:bodyPr/>
+          <a:lstStyle/>
+          <a:p>
+            <a:endParaRPr lang="ru-RU" dirty="0"/>
+          </a:p>
+        </p:txBody>
+      </p:sp>
+      <p:sp>
+        <p:nvSpPr>
+          <p:cNvPr id="4" name="Номер слайда 3"/>
+          <p:cNvSpPr>
+            <a:spLocks noGrp="1"/>
+          </p:cNvSpPr>
+          <p:nvPr>
+            <p:ph type="sldNum" sz="quarter" idx="5"/>
+          </p:nvPr>
+        </p:nvSpPr>
+        <p:spPr/>
+        <p:txBody>
+          <a:bodyPr/>
+          <a:lstStyle/>
+          <a:p>
+            <a:fld id="{538CAE95-7374-406F-A8A1-986C3741F444}" type="slidenum">
+              <a:rPr lang="ru-RU" smtClean="0"/>
+              <a:t>41</a:t>
+            </a:fld>
+            <a:endParaRPr lang="ru-RU"/>
+          </a:p>
+        </p:txBody>
+      </p:sp>
+    </p:spTree>
+    <p:extLst>
+      <p:ext uri="{BB962C8B-B14F-4D97-AF65-F5344CB8AC3E}">
+        <p14:creationId xmlns:p14="http://schemas.microsoft.com/office/powerpoint/2010/main" val="665818950"/>
+      </p:ext>
+    </p:extLst>
+  </p:cSld>
+  <p:clrMapOvr>
+    <a:masterClrMapping/>
+  </p:clrMapOvr>
+</p:notes>
+</file>
+
+<file path=ppt/notesSlides/notesSlide32.xml><?xml version="1.0" encoding="utf-8"?>
+<p:notes xmlns:a="http://schemas.openxmlformats.org/drawingml/2006/main" xmlns:r="http://schemas.openxmlformats.org/officeDocument/2006/relationships" xmlns:p="http://schemas.openxmlformats.org/presentationml/2006/main">
+  <p:cSld>
+    <p:spTree>
+      <p:nvGrpSpPr>
+        <p:cNvPr id="1" name=""/>
+        <p:cNvGrpSpPr/>
+        <p:nvPr/>
+      </p:nvGrpSpPr>
+      <p:grpSpPr>
+        <a:xfrm>
+          <a:off x="0" y="0"/>
+          <a:ext cx="0" cy="0"/>
+          <a:chOff x="0" y="0"/>
+          <a:chExt cx="0" cy="0"/>
+        </a:xfrm>
+      </p:grpSpPr>
+      <p:sp>
+        <p:nvSpPr>
+          <p:cNvPr id="2" name="Образ слайда 1"/>
+          <p:cNvSpPr>
+            <a:spLocks noGrp="1" noRot="1" noChangeAspect="1"/>
+          </p:cNvSpPr>
+          <p:nvPr>
+            <p:ph type="sldImg"/>
+          </p:nvPr>
+        </p:nvSpPr>
+        <p:spPr/>
+      </p:sp>
+      <p:sp>
+        <p:nvSpPr>
+          <p:cNvPr id="3" name="Заметки 2"/>
+          <p:cNvSpPr>
+            <a:spLocks noGrp="1"/>
+          </p:cNvSpPr>
+          <p:nvPr>
+            <p:ph type="body" idx="1"/>
+          </p:nvPr>
+        </p:nvSpPr>
+        <p:spPr/>
+        <p:txBody>
+          <a:bodyPr/>
+          <a:lstStyle/>
+          <a:p>
+            <a:endParaRPr lang="ru-RU" dirty="0"/>
+          </a:p>
+        </p:txBody>
+      </p:sp>
+      <p:sp>
+        <p:nvSpPr>
+          <p:cNvPr id="4" name="Номер слайда 3"/>
+          <p:cNvSpPr>
+            <a:spLocks noGrp="1"/>
+          </p:cNvSpPr>
+          <p:nvPr>
+            <p:ph type="sldNum" sz="quarter" idx="5"/>
+          </p:nvPr>
+        </p:nvSpPr>
+        <p:spPr/>
+        <p:txBody>
+          <a:bodyPr/>
+          <a:lstStyle/>
+          <a:p>
+            <a:fld id="{538CAE95-7374-406F-A8A1-986C3741F444}" type="slidenum">
+              <a:rPr lang="ru-RU" smtClean="0"/>
+              <a:t>42</a:t>
+            </a:fld>
+            <a:endParaRPr lang="ru-RU"/>
+          </a:p>
+        </p:txBody>
+      </p:sp>
+    </p:spTree>
+    <p:extLst>
+      <p:ext uri="{BB962C8B-B14F-4D97-AF65-F5344CB8AC3E}">
+        <p14:creationId xmlns:p14="http://schemas.microsoft.com/office/powerpoint/2010/main" val="3122845945"/>
+      </p:ext>
+    </p:extLst>
+  </p:cSld>
+  <p:clrMapOvr>
+    <a:masterClrMapping/>
+  </p:clrMapOvr>
+</p:notes>
+</file>
+
+<file path=ppt/notesSlides/notesSlide33.xml><?xml version="1.0" encoding="utf-8"?>
+<p:notes xmlns:a="http://schemas.openxmlformats.org/drawingml/2006/main" xmlns:r="http://schemas.openxmlformats.org/officeDocument/2006/relationships" xmlns:p="http://schemas.openxmlformats.org/presentationml/2006/main">
+  <p:cSld>
+    <p:spTree>
+      <p:nvGrpSpPr>
+        <p:cNvPr id="1" name=""/>
+        <p:cNvGrpSpPr/>
+        <p:nvPr/>
+      </p:nvGrpSpPr>
+      <p:grpSpPr>
+        <a:xfrm>
+          <a:off x="0" y="0"/>
+          <a:ext cx="0" cy="0"/>
+          <a:chOff x="0" y="0"/>
+          <a:chExt cx="0" cy="0"/>
+        </a:xfrm>
+      </p:grpSpPr>
+      <p:sp>
+        <p:nvSpPr>
+          <p:cNvPr id="2" name="Образ слайда 1"/>
+          <p:cNvSpPr>
+            <a:spLocks noGrp="1" noRot="1" noChangeAspect="1"/>
+          </p:cNvSpPr>
+          <p:nvPr>
+            <p:ph type="sldImg"/>
+          </p:nvPr>
+        </p:nvSpPr>
+        <p:spPr/>
+      </p:sp>
+      <p:sp>
+        <p:nvSpPr>
+          <p:cNvPr id="3" name="Заметки 2"/>
+          <p:cNvSpPr>
+            <a:spLocks noGrp="1"/>
+          </p:cNvSpPr>
+          <p:nvPr>
+            <p:ph type="body" idx="1"/>
+          </p:nvPr>
+        </p:nvSpPr>
+        <p:spPr/>
+        <p:txBody>
+          <a:bodyPr/>
+          <a:lstStyle/>
+          <a:p>
+            <a:endParaRPr lang="ru-RU" dirty="0"/>
+          </a:p>
+        </p:txBody>
+      </p:sp>
+      <p:sp>
+        <p:nvSpPr>
+          <p:cNvPr id="4" name="Номер слайда 3"/>
+          <p:cNvSpPr>
+            <a:spLocks noGrp="1"/>
+          </p:cNvSpPr>
+          <p:nvPr>
+            <p:ph type="sldNum" sz="quarter" idx="5"/>
+          </p:nvPr>
+        </p:nvSpPr>
+        <p:spPr/>
+        <p:txBody>
+          <a:bodyPr/>
+          <a:lstStyle/>
+          <a:p>
+            <a:fld id="{538CAE95-7374-406F-A8A1-986C3741F444}" type="slidenum">
+              <a:rPr lang="ru-RU" smtClean="0"/>
+              <a:t>43</a:t>
+            </a:fld>
+            <a:endParaRPr lang="ru-RU"/>
+          </a:p>
+        </p:txBody>
+      </p:sp>
+    </p:spTree>
+    <p:extLst>
+      <p:ext uri="{BB962C8B-B14F-4D97-AF65-F5344CB8AC3E}">
+        <p14:creationId xmlns:p14="http://schemas.microsoft.com/office/powerpoint/2010/main" val="3594344603"/>
       </p:ext>
     </p:extLst>
   </p:cSld>
@@ -22522,7 +22777,7 @@
         </p:blipFill>
         <p:spPr>
           <a:xfrm>
-            <a:off x="8766976" y="3891394"/>
+            <a:off x="8801071" y="3891394"/>
             <a:ext cx="2586824" cy="2701174"/>
           </a:xfrm>
           <a:prstGeom prst="rect">
@@ -23244,10 +23499,10 @@
       </p:sp>
       <p:pic>
         <p:nvPicPr>
-          <p:cNvPr id="4" name="Рисунок 3">
-            <a:extLst>
-              <a:ext uri="{FF2B5EF4-FFF2-40B4-BE49-F238E27FC236}">
-                <a16:creationId xmlns:a16="http://schemas.microsoft.com/office/drawing/2014/main" id="{5415879B-5DFF-4CAB-BA4C-41E2605E6768}"/>
+          <p:cNvPr id="12" name="Рисунок 11">
+            <a:extLst>
+              <a:ext uri="{FF2B5EF4-FFF2-40B4-BE49-F238E27FC236}">
+                <a16:creationId xmlns:a16="http://schemas.microsoft.com/office/drawing/2014/main" id="{AE66446F-1494-EED7-BBC3-ABB44D8E3E7C}"/>
               </a:ext>
             </a:extLst>
           </p:cNvPr>
@@ -23261,6 +23516,9 @@
             <a:extLst>
               <a:ext uri="{28A0092B-C50C-407E-A947-70E740481C1C}">
                 <a14:useLocalDpi xmlns:a14="http://schemas.microsoft.com/office/drawing/2010/main" val="0"/>
+              </a:ext>
+              <a:ext uri="{96DAC541-7B7A-43D3-8B79-37D633B846F1}">
+                <asvg:svgBlip xmlns:asvg="http://schemas.microsoft.com/office/drawing/2016/SVG/main" r:embed="rId6"/>
               </a:ext>
             </a:extLst>
           </a:blip>
@@ -23270,8 +23528,8 @@
         </p:blipFill>
         <p:spPr>
           <a:xfrm>
-            <a:off x="4645382" y="1984669"/>
-            <a:ext cx="3403103" cy="1961051"/>
+            <a:off x="4512109" y="1788263"/>
+            <a:ext cx="3820643" cy="2889516"/>
           </a:xfrm>
           <a:prstGeom prst="rect">
             <a:avLst/>
@@ -23281,7 +23539,7 @@
     </p:spTree>
     <p:extLst>
       <p:ext uri="{BB962C8B-B14F-4D97-AF65-F5344CB8AC3E}">
-        <p14:creationId xmlns:p14="http://schemas.microsoft.com/office/powerpoint/2010/main" val="664283114"/>
+        <p14:creationId xmlns:p14="http://schemas.microsoft.com/office/powerpoint/2010/main" val="2177737711"/>
       </p:ext>
     </p:extLst>
   </p:cSld>
@@ -23824,10 +24082,10 @@
       </p:sp>
       <p:pic>
         <p:nvPicPr>
-          <p:cNvPr id="4" name="Рисунок 3">
-            <a:extLst>
-              <a:ext uri="{FF2B5EF4-FFF2-40B4-BE49-F238E27FC236}">
-                <a16:creationId xmlns:a16="http://schemas.microsoft.com/office/drawing/2014/main" id="{5415879B-5DFF-4CAB-BA4C-41E2605E6768}"/>
+          <p:cNvPr id="12" name="Рисунок 11">
+            <a:extLst>
+              <a:ext uri="{FF2B5EF4-FFF2-40B4-BE49-F238E27FC236}">
+                <a16:creationId xmlns:a16="http://schemas.microsoft.com/office/drawing/2014/main" id="{AE66446F-1494-EED7-BBC3-ABB44D8E3E7C}"/>
               </a:ext>
             </a:extLst>
           </p:cNvPr>
@@ -23841,6 +24099,9 @@
             <a:extLst>
               <a:ext uri="{28A0092B-C50C-407E-A947-70E740481C1C}">
                 <a14:useLocalDpi xmlns:a14="http://schemas.microsoft.com/office/drawing/2010/main" val="0"/>
+              </a:ext>
+              <a:ext uri="{96DAC541-7B7A-43D3-8B79-37D633B846F1}">
+                <asvg:svgBlip xmlns:asvg="http://schemas.microsoft.com/office/drawing/2016/SVG/main" r:embed="rId6"/>
               </a:ext>
             </a:extLst>
           </a:blip>
@@ -23850,8 +24111,8 @@
         </p:blipFill>
         <p:spPr>
           <a:xfrm>
-            <a:off x="4645382" y="1984669"/>
-            <a:ext cx="3403103" cy="1961051"/>
+            <a:off x="4512109" y="1788263"/>
+            <a:ext cx="3820643" cy="2889516"/>
           </a:xfrm>
           <a:prstGeom prst="rect">
             <a:avLst/>
@@ -23860,10 +24121,10 @@
       </p:pic>
       <p:pic>
         <p:nvPicPr>
-          <p:cNvPr id="6" name="Рисунок 5">
-            <a:extLst>
-              <a:ext uri="{FF2B5EF4-FFF2-40B4-BE49-F238E27FC236}">
-                <a16:creationId xmlns:a16="http://schemas.microsoft.com/office/drawing/2014/main" id="{BA4726C8-52CE-41FF-A823-27AA248C7018}"/>
+          <p:cNvPr id="14" name="Рисунок 13">
+            <a:extLst>
+              <a:ext uri="{FF2B5EF4-FFF2-40B4-BE49-F238E27FC236}">
+                <a16:creationId xmlns:a16="http://schemas.microsoft.com/office/drawing/2014/main" id="{260F4B5C-6ABB-2B2F-67AB-3CD92015C417}"/>
               </a:ext>
             </a:extLst>
           </p:cNvPr>
@@ -23873,10 +24134,13 @@
           <p:nvPr/>
         </p:nvPicPr>
         <p:blipFill>
-          <a:blip r:embed="rId6" cstate="print">
+          <a:blip r:embed="rId7">
             <a:extLst>
               <a:ext uri="{28A0092B-C50C-407E-A947-70E740481C1C}">
                 <a14:useLocalDpi xmlns:a14="http://schemas.microsoft.com/office/drawing/2010/main" val="0"/>
+              </a:ext>
+              <a:ext uri="{96DAC541-7B7A-43D3-8B79-37D633B846F1}">
+                <asvg:svgBlip xmlns:asvg="http://schemas.microsoft.com/office/drawing/2016/SVG/main" r:embed="rId8"/>
               </a:ext>
             </a:extLst>
           </a:blip>
@@ -23886,20 +24150,50 @@
         </p:blipFill>
         <p:spPr>
           <a:xfrm>
-            <a:off x="4479667" y="4239701"/>
-            <a:ext cx="3734531" cy="2007405"/>
+            <a:off x="5157548" y="5012100"/>
+            <a:ext cx="2529764" cy="1602184"/>
           </a:xfrm>
           <a:prstGeom prst="rect">
             <a:avLst/>
           </a:prstGeom>
         </p:spPr>
       </p:pic>
+    </p:spTree>
+    <p:extLst>
+      <p:ext uri="{BB962C8B-B14F-4D97-AF65-F5344CB8AC3E}">
+        <p14:creationId xmlns:p14="http://schemas.microsoft.com/office/powerpoint/2010/main" val="3932697602"/>
+      </p:ext>
+    </p:extLst>
+  </p:cSld>
+  <p:clrMapOvr>
+    <a:masterClrMapping/>
+  </p:clrMapOvr>
+</p:sld>
+</file>
+
+<file path=ppt/slides/slide41.xml><?xml version="1.0" encoding="utf-8"?>
+<p:sld xmlns:a="http://schemas.openxmlformats.org/drawingml/2006/main" xmlns:r="http://schemas.openxmlformats.org/officeDocument/2006/relationships" xmlns:p="http://schemas.openxmlformats.org/presentationml/2006/main">
+  <p:cSld>
+    <p:spTree>
+      <p:nvGrpSpPr>
+        <p:cNvPr id="1" name=""/>
+        <p:cNvGrpSpPr/>
+        <p:nvPr/>
+      </p:nvGrpSpPr>
+      <p:grpSpPr>
+        <a:xfrm>
+          <a:off x="0" y="0"/>
+          <a:ext cx="0" cy="0"/>
+          <a:chOff x="0" y="0"/>
+          <a:chExt cx="0" cy="0"/>
+        </a:xfrm>
+      </p:grpSpPr>
       <p:pic>
         <p:nvPicPr>
-          <p:cNvPr id="5" name="Рисунок 4">
-            <a:extLst>
-              <a:ext uri="{FF2B5EF4-FFF2-40B4-BE49-F238E27FC236}">
-                <a16:creationId xmlns:a16="http://schemas.microsoft.com/office/drawing/2014/main" id="{E34DF17F-7C99-4704-8E71-A08B36CEBE21}"/>
+          <p:cNvPr id="20" name="Рисунок 19">
+            <a:extLst>
+              <a:ext uri="{FF2B5EF4-FFF2-40B4-BE49-F238E27FC236}">
+                <a16:creationId xmlns:a16="http://schemas.microsoft.com/office/drawing/2014/main" id="{D00F67BA-91DD-4F94-BB00-D58F0C6384DB}"/>
               </a:ext>
             </a:extLst>
           </p:cNvPr>
@@ -23909,10 +24203,13 @@
           <p:nvPr/>
         </p:nvPicPr>
         <p:blipFill>
-          <a:blip r:embed="rId7" cstate="print">
+          <a:blip r:embed="rId3">
             <a:extLst>
               <a:ext uri="{28A0092B-C50C-407E-A947-70E740481C1C}">
                 <a14:useLocalDpi xmlns:a14="http://schemas.microsoft.com/office/drawing/2010/main" val="0"/>
+              </a:ext>
+              <a:ext uri="{96DAC541-7B7A-43D3-8B79-37D633B846F1}">
+                <asvg:svgBlip xmlns:asvg="http://schemas.microsoft.com/office/drawing/2016/SVG/main" r:embed="rId4"/>
               </a:ext>
             </a:extLst>
           </a:blip>
@@ -23922,8 +24219,263 @@
         </p:blipFill>
         <p:spPr>
           <a:xfrm>
-            <a:off x="8550863" y="2180860"/>
-            <a:ext cx="3002961" cy="1433379"/>
+            <a:off x="527159" y="783000"/>
+            <a:ext cx="5819775" cy="4229100"/>
+          </a:xfrm>
+          <a:prstGeom prst="rect">
+            <a:avLst/>
+          </a:prstGeom>
+        </p:spPr>
+      </p:pic>
+      <p:sp>
+        <p:nvSpPr>
+          <p:cNvPr id="2" name="Заголовок 1"/>
+          <p:cNvSpPr>
+            <a:spLocks noGrp="1"/>
+          </p:cNvSpPr>
+          <p:nvPr>
+            <p:ph type="title"/>
+          </p:nvPr>
+        </p:nvSpPr>
+        <p:spPr/>
+        <p:txBody>
+          <a:bodyPr>
+            <a:normAutofit/>
+          </a:bodyPr>
+          <a:lstStyle/>
+          <a:p>
+            <a:r>
+              <a:rPr lang="ru-RU" sz="2400" dirty="0">
+                <a:solidFill>
+                  <a:srgbClr val="6A57A1"/>
+                </a:solidFill>
+              </a:rPr>
+              <a:t>Введение в верификацию процессорных ядер</a:t>
+            </a:r>
+            <a:br>
+              <a:rPr lang="en-US" sz="2800" dirty="0">
+                <a:solidFill>
+                  <a:srgbClr val="6A57A1"/>
+                </a:solidFill>
+              </a:rPr>
+            </a:br>
+            <a:r>
+              <a:rPr lang="ru-RU" sz="4000" b="1" dirty="0"/>
+              <a:t>Сложности верификации процессорных ядер</a:t>
+            </a:r>
+            <a:endParaRPr lang="ru-RU" sz="2800" b="1" dirty="0"/>
+          </a:p>
+        </p:txBody>
+      </p:sp>
+      <p:sp>
+        <p:nvSpPr>
+          <p:cNvPr id="59" name="Прямоугольник 58">
+            <a:extLst>
+              <a:ext uri="{FF2B5EF4-FFF2-40B4-BE49-F238E27FC236}">
+                <a16:creationId xmlns:a16="http://schemas.microsoft.com/office/drawing/2014/main" id="{8C81CC50-7D3B-4EEF-89F6-960A99E76DF8}"/>
+              </a:ext>
+            </a:extLst>
+          </p:cNvPr>
+          <p:cNvSpPr/>
+          <p:nvPr/>
+        </p:nvSpPr>
+        <p:spPr>
+          <a:xfrm>
+            <a:off x="1899564" y="3130560"/>
+            <a:ext cx="1409700" cy="1635097"/>
+          </a:xfrm>
+          <a:prstGeom prst="rect">
+            <a:avLst/>
+          </a:prstGeom>
+          <a:solidFill>
+            <a:schemeClr val="bg1"/>
+          </a:solidFill>
+          <a:ln>
+            <a:solidFill>
+              <a:schemeClr val="bg1"/>
+            </a:solidFill>
+          </a:ln>
+        </p:spPr>
+        <p:style>
+          <a:lnRef idx="2">
+            <a:schemeClr val="accent1">
+              <a:shade val="50000"/>
+            </a:schemeClr>
+          </a:lnRef>
+          <a:fillRef idx="1">
+            <a:schemeClr val="accent1"/>
+          </a:fillRef>
+          <a:effectRef idx="0">
+            <a:schemeClr val="accent1"/>
+          </a:effectRef>
+          <a:fontRef idx="minor">
+            <a:schemeClr val="lt1"/>
+          </a:fontRef>
+        </p:style>
+        <p:txBody>
+          <a:bodyPr rtlCol="0" anchor="ctr"/>
+          <a:lstStyle/>
+          <a:p>
+            <a:pPr algn="ctr"/>
+            <a:endParaRPr lang="ru-RU"/>
+          </a:p>
+        </p:txBody>
+      </p:sp>
+      <p:sp>
+        <p:nvSpPr>
+          <p:cNvPr id="61" name="TextBox 60">
+            <a:extLst>
+              <a:ext uri="{FF2B5EF4-FFF2-40B4-BE49-F238E27FC236}">
+                <a16:creationId xmlns:a16="http://schemas.microsoft.com/office/drawing/2014/main" id="{9C4593D5-8E81-4E48-A0CF-70955AE9A12A}"/>
+              </a:ext>
+            </a:extLst>
+          </p:cNvPr>
+          <p:cNvSpPr txBox="1"/>
+          <p:nvPr/>
+        </p:nvSpPr>
+        <p:spPr>
+          <a:xfrm>
+            <a:off x="2325166" y="3686537"/>
+            <a:ext cx="1636858" cy="800219"/>
+          </a:xfrm>
+          <a:prstGeom prst="rect">
+            <a:avLst/>
+          </a:prstGeom>
+          <a:noFill/>
+        </p:spPr>
+        <p:txBody>
+          <a:bodyPr wrap="none" rtlCol="0">
+            <a:spAutoFit/>
+          </a:bodyPr>
+          <a:lstStyle/>
+          <a:p>
+            <a:pPr algn="ctr"/>
+            <a:r>
+              <a:rPr lang="en-US" sz="3200" dirty="0"/>
+              <a:t>µArch</a:t>
+            </a:r>
+            <a:br>
+              <a:rPr lang="ru-RU" sz="3200" dirty="0"/>
+            </a:br>
+            <a:r>
+              <a:rPr lang="ru-RU" sz="1400" dirty="0"/>
+              <a:t>Микроархитектура</a:t>
+            </a:r>
+            <a:endParaRPr lang="ru-RU" dirty="0"/>
+          </a:p>
+        </p:txBody>
+      </p:sp>
+      <p:pic>
+        <p:nvPicPr>
+          <p:cNvPr id="12" name="Рисунок 11">
+            <a:extLst>
+              <a:ext uri="{FF2B5EF4-FFF2-40B4-BE49-F238E27FC236}">
+                <a16:creationId xmlns:a16="http://schemas.microsoft.com/office/drawing/2014/main" id="{AE66446F-1494-EED7-BBC3-ABB44D8E3E7C}"/>
+              </a:ext>
+            </a:extLst>
+          </p:cNvPr>
+          <p:cNvPicPr>
+            <a:picLocks noChangeAspect="1"/>
+          </p:cNvPicPr>
+          <p:nvPr/>
+        </p:nvPicPr>
+        <p:blipFill>
+          <a:blip r:embed="rId5" cstate="print">
+            <a:extLst>
+              <a:ext uri="{28A0092B-C50C-407E-A947-70E740481C1C}">
+                <a14:useLocalDpi xmlns:a14="http://schemas.microsoft.com/office/drawing/2010/main" val="0"/>
+              </a:ext>
+              <a:ext uri="{96DAC541-7B7A-43D3-8B79-37D633B846F1}">
+                <asvg:svgBlip xmlns:asvg="http://schemas.microsoft.com/office/drawing/2016/SVG/main" r:embed="rId6"/>
+              </a:ext>
+            </a:extLst>
+          </a:blip>
+          <a:stretch>
+            <a:fillRect/>
+          </a:stretch>
+        </p:blipFill>
+        <p:spPr>
+          <a:xfrm>
+            <a:off x="4512109" y="1788263"/>
+            <a:ext cx="3820643" cy="2889516"/>
+          </a:xfrm>
+          <a:prstGeom prst="rect">
+            <a:avLst/>
+          </a:prstGeom>
+        </p:spPr>
+      </p:pic>
+      <p:pic>
+        <p:nvPicPr>
+          <p:cNvPr id="14" name="Рисунок 13">
+            <a:extLst>
+              <a:ext uri="{FF2B5EF4-FFF2-40B4-BE49-F238E27FC236}">
+                <a16:creationId xmlns:a16="http://schemas.microsoft.com/office/drawing/2014/main" id="{260F4B5C-6ABB-2B2F-67AB-3CD92015C417}"/>
+              </a:ext>
+            </a:extLst>
+          </p:cNvPr>
+          <p:cNvPicPr>
+            <a:picLocks noChangeAspect="1"/>
+          </p:cNvPicPr>
+          <p:nvPr/>
+        </p:nvPicPr>
+        <p:blipFill>
+          <a:blip r:embed="rId7">
+            <a:extLst>
+              <a:ext uri="{28A0092B-C50C-407E-A947-70E740481C1C}">
+                <a14:useLocalDpi xmlns:a14="http://schemas.microsoft.com/office/drawing/2010/main" val="0"/>
+              </a:ext>
+              <a:ext uri="{96DAC541-7B7A-43D3-8B79-37D633B846F1}">
+                <asvg:svgBlip xmlns:asvg="http://schemas.microsoft.com/office/drawing/2016/SVG/main" r:embed="rId8"/>
+              </a:ext>
+            </a:extLst>
+          </a:blip>
+          <a:stretch>
+            <a:fillRect/>
+          </a:stretch>
+        </p:blipFill>
+        <p:spPr>
+          <a:xfrm>
+            <a:off x="5157548" y="5012100"/>
+            <a:ext cx="2529764" cy="1602184"/>
+          </a:xfrm>
+          <a:prstGeom prst="rect">
+            <a:avLst/>
+          </a:prstGeom>
+        </p:spPr>
+      </p:pic>
+      <p:pic>
+        <p:nvPicPr>
+          <p:cNvPr id="3" name="Рисунок 2">
+            <a:extLst>
+              <a:ext uri="{FF2B5EF4-FFF2-40B4-BE49-F238E27FC236}">
+                <a16:creationId xmlns:a16="http://schemas.microsoft.com/office/drawing/2014/main" id="{7149F425-643C-E085-FE8D-2F36ED0DBD68}"/>
+              </a:ext>
+            </a:extLst>
+          </p:cNvPr>
+          <p:cNvPicPr>
+            <a:picLocks noChangeAspect="1"/>
+          </p:cNvPicPr>
+          <p:nvPr/>
+        </p:nvPicPr>
+        <p:blipFill>
+          <a:blip r:embed="rId9">
+            <a:extLst>
+              <a:ext uri="{28A0092B-C50C-407E-A947-70E740481C1C}">
+                <a14:useLocalDpi xmlns:a14="http://schemas.microsoft.com/office/drawing/2010/main" val="0"/>
+              </a:ext>
+              <a:ext uri="{96DAC541-7B7A-43D3-8B79-37D633B846F1}">
+                <asvg:svgBlip xmlns:asvg="http://schemas.microsoft.com/office/drawing/2016/SVG/main" r:embed="rId10"/>
+              </a:ext>
+            </a:extLst>
+          </a:blip>
+          <a:stretch>
+            <a:fillRect/>
+          </a:stretch>
+        </p:blipFill>
+        <p:spPr>
+          <a:xfrm>
+            <a:off x="8807884" y="1642816"/>
+            <a:ext cx="3048000" cy="1809750"/>
           </a:xfrm>
           <a:prstGeom prst="rect">
             <a:avLst/>
@@ -23933,7 +24485,763 @@
     </p:spTree>
     <p:extLst>
       <p:ext uri="{BB962C8B-B14F-4D97-AF65-F5344CB8AC3E}">
-        <p14:creationId xmlns:p14="http://schemas.microsoft.com/office/powerpoint/2010/main" val="1886561437"/>
+        <p14:creationId xmlns:p14="http://schemas.microsoft.com/office/powerpoint/2010/main" val="985682475"/>
+      </p:ext>
+    </p:extLst>
+  </p:cSld>
+  <p:clrMapOvr>
+    <a:masterClrMapping/>
+  </p:clrMapOvr>
+</p:sld>
+</file>
+
+<file path=ppt/slides/slide42.xml><?xml version="1.0" encoding="utf-8"?>
+<p:sld xmlns:a="http://schemas.openxmlformats.org/drawingml/2006/main" xmlns:r="http://schemas.openxmlformats.org/officeDocument/2006/relationships" xmlns:p="http://schemas.openxmlformats.org/presentationml/2006/main">
+  <p:cSld>
+    <p:spTree>
+      <p:nvGrpSpPr>
+        <p:cNvPr id="1" name=""/>
+        <p:cNvGrpSpPr/>
+        <p:nvPr/>
+      </p:nvGrpSpPr>
+      <p:grpSpPr>
+        <a:xfrm>
+          <a:off x="0" y="0"/>
+          <a:ext cx="0" cy="0"/>
+          <a:chOff x="0" y="0"/>
+          <a:chExt cx="0" cy="0"/>
+        </a:xfrm>
+      </p:grpSpPr>
+      <p:pic>
+        <p:nvPicPr>
+          <p:cNvPr id="20" name="Рисунок 19">
+            <a:extLst>
+              <a:ext uri="{FF2B5EF4-FFF2-40B4-BE49-F238E27FC236}">
+                <a16:creationId xmlns:a16="http://schemas.microsoft.com/office/drawing/2014/main" id="{D00F67BA-91DD-4F94-BB00-D58F0C6384DB}"/>
+              </a:ext>
+            </a:extLst>
+          </p:cNvPr>
+          <p:cNvPicPr>
+            <a:picLocks noChangeAspect="1"/>
+          </p:cNvPicPr>
+          <p:nvPr/>
+        </p:nvPicPr>
+        <p:blipFill>
+          <a:blip r:embed="rId3">
+            <a:extLst>
+              <a:ext uri="{28A0092B-C50C-407E-A947-70E740481C1C}">
+                <a14:useLocalDpi xmlns:a14="http://schemas.microsoft.com/office/drawing/2010/main" val="0"/>
+              </a:ext>
+              <a:ext uri="{96DAC541-7B7A-43D3-8B79-37D633B846F1}">
+                <asvg:svgBlip xmlns:asvg="http://schemas.microsoft.com/office/drawing/2016/SVG/main" r:embed="rId4"/>
+              </a:ext>
+            </a:extLst>
+          </a:blip>
+          <a:stretch>
+            <a:fillRect/>
+          </a:stretch>
+        </p:blipFill>
+        <p:spPr>
+          <a:xfrm>
+            <a:off x="527159" y="783000"/>
+            <a:ext cx="5819775" cy="4229100"/>
+          </a:xfrm>
+          <a:prstGeom prst="rect">
+            <a:avLst/>
+          </a:prstGeom>
+        </p:spPr>
+      </p:pic>
+      <p:sp>
+        <p:nvSpPr>
+          <p:cNvPr id="2" name="Заголовок 1"/>
+          <p:cNvSpPr>
+            <a:spLocks noGrp="1"/>
+          </p:cNvSpPr>
+          <p:nvPr>
+            <p:ph type="title"/>
+          </p:nvPr>
+        </p:nvSpPr>
+        <p:spPr/>
+        <p:txBody>
+          <a:bodyPr>
+            <a:normAutofit/>
+          </a:bodyPr>
+          <a:lstStyle/>
+          <a:p>
+            <a:r>
+              <a:rPr lang="ru-RU" sz="2400" dirty="0">
+                <a:solidFill>
+                  <a:srgbClr val="6A57A1"/>
+                </a:solidFill>
+              </a:rPr>
+              <a:t>Введение в верификацию процессорных ядер</a:t>
+            </a:r>
+            <a:br>
+              <a:rPr lang="en-US" sz="2800" dirty="0">
+                <a:solidFill>
+                  <a:srgbClr val="6A57A1"/>
+                </a:solidFill>
+              </a:rPr>
+            </a:br>
+            <a:r>
+              <a:rPr lang="ru-RU" sz="4000" b="1" dirty="0"/>
+              <a:t>Сложности верификации процессорных ядер</a:t>
+            </a:r>
+            <a:endParaRPr lang="ru-RU" sz="2800" b="1" dirty="0"/>
+          </a:p>
+        </p:txBody>
+      </p:sp>
+      <p:sp>
+        <p:nvSpPr>
+          <p:cNvPr id="59" name="Прямоугольник 58">
+            <a:extLst>
+              <a:ext uri="{FF2B5EF4-FFF2-40B4-BE49-F238E27FC236}">
+                <a16:creationId xmlns:a16="http://schemas.microsoft.com/office/drawing/2014/main" id="{8C81CC50-7D3B-4EEF-89F6-960A99E76DF8}"/>
+              </a:ext>
+            </a:extLst>
+          </p:cNvPr>
+          <p:cNvSpPr/>
+          <p:nvPr/>
+        </p:nvSpPr>
+        <p:spPr>
+          <a:xfrm>
+            <a:off x="1899564" y="3130560"/>
+            <a:ext cx="1409700" cy="1635097"/>
+          </a:xfrm>
+          <a:prstGeom prst="rect">
+            <a:avLst/>
+          </a:prstGeom>
+          <a:solidFill>
+            <a:schemeClr val="bg1"/>
+          </a:solidFill>
+          <a:ln>
+            <a:solidFill>
+              <a:schemeClr val="bg1"/>
+            </a:solidFill>
+          </a:ln>
+        </p:spPr>
+        <p:style>
+          <a:lnRef idx="2">
+            <a:schemeClr val="accent1">
+              <a:shade val="50000"/>
+            </a:schemeClr>
+          </a:lnRef>
+          <a:fillRef idx="1">
+            <a:schemeClr val="accent1"/>
+          </a:fillRef>
+          <a:effectRef idx="0">
+            <a:schemeClr val="accent1"/>
+          </a:effectRef>
+          <a:fontRef idx="minor">
+            <a:schemeClr val="lt1"/>
+          </a:fontRef>
+        </p:style>
+        <p:txBody>
+          <a:bodyPr rtlCol="0" anchor="ctr"/>
+          <a:lstStyle/>
+          <a:p>
+            <a:pPr algn="ctr"/>
+            <a:endParaRPr lang="ru-RU"/>
+          </a:p>
+        </p:txBody>
+      </p:sp>
+      <p:sp>
+        <p:nvSpPr>
+          <p:cNvPr id="61" name="TextBox 60">
+            <a:extLst>
+              <a:ext uri="{FF2B5EF4-FFF2-40B4-BE49-F238E27FC236}">
+                <a16:creationId xmlns:a16="http://schemas.microsoft.com/office/drawing/2014/main" id="{9C4593D5-8E81-4E48-A0CF-70955AE9A12A}"/>
+              </a:ext>
+            </a:extLst>
+          </p:cNvPr>
+          <p:cNvSpPr txBox="1"/>
+          <p:nvPr/>
+        </p:nvSpPr>
+        <p:spPr>
+          <a:xfrm>
+            <a:off x="2325166" y="3686537"/>
+            <a:ext cx="1636858" cy="800219"/>
+          </a:xfrm>
+          <a:prstGeom prst="rect">
+            <a:avLst/>
+          </a:prstGeom>
+          <a:noFill/>
+        </p:spPr>
+        <p:txBody>
+          <a:bodyPr wrap="none" rtlCol="0">
+            <a:spAutoFit/>
+          </a:bodyPr>
+          <a:lstStyle/>
+          <a:p>
+            <a:pPr algn="ctr"/>
+            <a:r>
+              <a:rPr lang="en-US" sz="3200" dirty="0"/>
+              <a:t>µArch</a:t>
+            </a:r>
+            <a:br>
+              <a:rPr lang="ru-RU" sz="3200" dirty="0"/>
+            </a:br>
+            <a:r>
+              <a:rPr lang="ru-RU" sz="1400" dirty="0"/>
+              <a:t>Микроархитектура</a:t>
+            </a:r>
+            <a:endParaRPr lang="ru-RU" dirty="0"/>
+          </a:p>
+        </p:txBody>
+      </p:sp>
+      <p:pic>
+        <p:nvPicPr>
+          <p:cNvPr id="12" name="Рисунок 11">
+            <a:extLst>
+              <a:ext uri="{FF2B5EF4-FFF2-40B4-BE49-F238E27FC236}">
+                <a16:creationId xmlns:a16="http://schemas.microsoft.com/office/drawing/2014/main" id="{AE66446F-1494-EED7-BBC3-ABB44D8E3E7C}"/>
+              </a:ext>
+            </a:extLst>
+          </p:cNvPr>
+          <p:cNvPicPr>
+            <a:picLocks noChangeAspect="1"/>
+          </p:cNvPicPr>
+          <p:nvPr/>
+        </p:nvPicPr>
+        <p:blipFill>
+          <a:blip r:embed="rId5" cstate="print">
+            <a:extLst>
+              <a:ext uri="{28A0092B-C50C-407E-A947-70E740481C1C}">
+                <a14:useLocalDpi xmlns:a14="http://schemas.microsoft.com/office/drawing/2010/main" val="0"/>
+              </a:ext>
+              <a:ext uri="{96DAC541-7B7A-43D3-8B79-37D633B846F1}">
+                <asvg:svgBlip xmlns:asvg="http://schemas.microsoft.com/office/drawing/2016/SVG/main" r:embed="rId6"/>
+              </a:ext>
+            </a:extLst>
+          </a:blip>
+          <a:stretch>
+            <a:fillRect/>
+          </a:stretch>
+        </p:blipFill>
+        <p:spPr>
+          <a:xfrm>
+            <a:off x="4512109" y="1788263"/>
+            <a:ext cx="3820643" cy="2889516"/>
+          </a:xfrm>
+          <a:prstGeom prst="rect">
+            <a:avLst/>
+          </a:prstGeom>
+        </p:spPr>
+      </p:pic>
+      <p:pic>
+        <p:nvPicPr>
+          <p:cNvPr id="14" name="Рисунок 13">
+            <a:extLst>
+              <a:ext uri="{FF2B5EF4-FFF2-40B4-BE49-F238E27FC236}">
+                <a16:creationId xmlns:a16="http://schemas.microsoft.com/office/drawing/2014/main" id="{260F4B5C-6ABB-2B2F-67AB-3CD92015C417}"/>
+              </a:ext>
+            </a:extLst>
+          </p:cNvPr>
+          <p:cNvPicPr>
+            <a:picLocks noChangeAspect="1"/>
+          </p:cNvPicPr>
+          <p:nvPr/>
+        </p:nvPicPr>
+        <p:blipFill>
+          <a:blip r:embed="rId7">
+            <a:extLst>
+              <a:ext uri="{28A0092B-C50C-407E-A947-70E740481C1C}">
+                <a14:useLocalDpi xmlns:a14="http://schemas.microsoft.com/office/drawing/2010/main" val="0"/>
+              </a:ext>
+              <a:ext uri="{96DAC541-7B7A-43D3-8B79-37D633B846F1}">
+                <asvg:svgBlip xmlns:asvg="http://schemas.microsoft.com/office/drawing/2016/SVG/main" r:embed="rId8"/>
+              </a:ext>
+            </a:extLst>
+          </a:blip>
+          <a:stretch>
+            <a:fillRect/>
+          </a:stretch>
+        </p:blipFill>
+        <p:spPr>
+          <a:xfrm>
+            <a:off x="5157548" y="5012100"/>
+            <a:ext cx="2529764" cy="1602184"/>
+          </a:xfrm>
+          <a:prstGeom prst="rect">
+            <a:avLst/>
+          </a:prstGeom>
+        </p:spPr>
+      </p:pic>
+      <p:pic>
+        <p:nvPicPr>
+          <p:cNvPr id="5" name="Рисунок 4">
+            <a:extLst>
+              <a:ext uri="{FF2B5EF4-FFF2-40B4-BE49-F238E27FC236}">
+                <a16:creationId xmlns:a16="http://schemas.microsoft.com/office/drawing/2014/main" id="{2EA1F633-D0F9-DC7D-C706-22A8FFF5D545}"/>
+              </a:ext>
+            </a:extLst>
+          </p:cNvPr>
+          <p:cNvPicPr>
+            <a:picLocks noChangeAspect="1"/>
+          </p:cNvPicPr>
+          <p:nvPr/>
+        </p:nvPicPr>
+        <p:blipFill>
+          <a:blip r:embed="rId9" cstate="print">
+            <a:extLst>
+              <a:ext uri="{28A0092B-C50C-407E-A947-70E740481C1C}">
+                <a14:useLocalDpi xmlns:a14="http://schemas.microsoft.com/office/drawing/2010/main" val="0"/>
+              </a:ext>
+            </a:extLst>
+          </a:blip>
+          <a:stretch>
+            <a:fillRect/>
+          </a:stretch>
+        </p:blipFill>
+        <p:spPr>
+          <a:xfrm>
+            <a:off x="8807884" y="3644220"/>
+            <a:ext cx="2961310" cy="1172535"/>
+          </a:xfrm>
+          <a:prstGeom prst="rect">
+            <a:avLst/>
+          </a:prstGeom>
+        </p:spPr>
+      </p:pic>
+      <p:pic>
+        <p:nvPicPr>
+          <p:cNvPr id="6" name="Рисунок 5">
+            <a:extLst>
+              <a:ext uri="{FF2B5EF4-FFF2-40B4-BE49-F238E27FC236}">
+                <a16:creationId xmlns:a16="http://schemas.microsoft.com/office/drawing/2014/main" id="{04319485-C13F-8E9F-5576-5F3513ABC537}"/>
+              </a:ext>
+            </a:extLst>
+          </p:cNvPr>
+          <p:cNvPicPr>
+            <a:picLocks noChangeAspect="1"/>
+          </p:cNvPicPr>
+          <p:nvPr/>
+        </p:nvPicPr>
+        <p:blipFill>
+          <a:blip r:embed="rId10">
+            <a:extLst>
+              <a:ext uri="{28A0092B-C50C-407E-A947-70E740481C1C}">
+                <a14:useLocalDpi xmlns:a14="http://schemas.microsoft.com/office/drawing/2010/main" val="0"/>
+              </a:ext>
+              <a:ext uri="{96DAC541-7B7A-43D3-8B79-37D633B846F1}">
+                <asvg:svgBlip xmlns:asvg="http://schemas.microsoft.com/office/drawing/2016/SVG/main" r:embed="rId11"/>
+              </a:ext>
+            </a:extLst>
+          </a:blip>
+          <a:stretch>
+            <a:fillRect/>
+          </a:stretch>
+        </p:blipFill>
+        <p:spPr>
+          <a:xfrm>
+            <a:off x="8807884" y="1642816"/>
+            <a:ext cx="3048000" cy="1809750"/>
+          </a:xfrm>
+          <a:prstGeom prst="rect">
+            <a:avLst/>
+          </a:prstGeom>
+        </p:spPr>
+      </p:pic>
+    </p:spTree>
+    <p:extLst>
+      <p:ext uri="{BB962C8B-B14F-4D97-AF65-F5344CB8AC3E}">
+        <p14:creationId xmlns:p14="http://schemas.microsoft.com/office/powerpoint/2010/main" val="615536028"/>
+      </p:ext>
+    </p:extLst>
+  </p:cSld>
+  <p:clrMapOvr>
+    <a:masterClrMapping/>
+  </p:clrMapOvr>
+</p:sld>
+</file>
+
+<file path=ppt/slides/slide43.xml><?xml version="1.0" encoding="utf-8"?>
+<p:sld xmlns:a="http://schemas.openxmlformats.org/drawingml/2006/main" xmlns:r="http://schemas.openxmlformats.org/officeDocument/2006/relationships" xmlns:p="http://schemas.openxmlformats.org/presentationml/2006/main">
+  <p:cSld>
+    <p:spTree>
+      <p:nvGrpSpPr>
+        <p:cNvPr id="1" name=""/>
+        <p:cNvGrpSpPr/>
+        <p:nvPr/>
+      </p:nvGrpSpPr>
+      <p:grpSpPr>
+        <a:xfrm>
+          <a:off x="0" y="0"/>
+          <a:ext cx="0" cy="0"/>
+          <a:chOff x="0" y="0"/>
+          <a:chExt cx="0" cy="0"/>
+        </a:xfrm>
+      </p:grpSpPr>
+      <p:pic>
+        <p:nvPicPr>
+          <p:cNvPr id="20" name="Рисунок 19">
+            <a:extLst>
+              <a:ext uri="{FF2B5EF4-FFF2-40B4-BE49-F238E27FC236}">
+                <a16:creationId xmlns:a16="http://schemas.microsoft.com/office/drawing/2014/main" id="{D00F67BA-91DD-4F94-BB00-D58F0C6384DB}"/>
+              </a:ext>
+            </a:extLst>
+          </p:cNvPr>
+          <p:cNvPicPr>
+            <a:picLocks noChangeAspect="1"/>
+          </p:cNvPicPr>
+          <p:nvPr/>
+        </p:nvPicPr>
+        <p:blipFill>
+          <a:blip r:embed="rId3">
+            <a:extLst>
+              <a:ext uri="{28A0092B-C50C-407E-A947-70E740481C1C}">
+                <a14:useLocalDpi xmlns:a14="http://schemas.microsoft.com/office/drawing/2010/main" val="0"/>
+              </a:ext>
+              <a:ext uri="{96DAC541-7B7A-43D3-8B79-37D633B846F1}">
+                <asvg:svgBlip xmlns:asvg="http://schemas.microsoft.com/office/drawing/2016/SVG/main" r:embed="rId4"/>
+              </a:ext>
+            </a:extLst>
+          </a:blip>
+          <a:stretch>
+            <a:fillRect/>
+          </a:stretch>
+        </p:blipFill>
+        <p:spPr>
+          <a:xfrm>
+            <a:off x="527159" y="783000"/>
+            <a:ext cx="5819775" cy="4229100"/>
+          </a:xfrm>
+          <a:prstGeom prst="rect">
+            <a:avLst/>
+          </a:prstGeom>
+        </p:spPr>
+      </p:pic>
+      <p:sp>
+        <p:nvSpPr>
+          <p:cNvPr id="2" name="Заголовок 1"/>
+          <p:cNvSpPr>
+            <a:spLocks noGrp="1"/>
+          </p:cNvSpPr>
+          <p:nvPr>
+            <p:ph type="title"/>
+          </p:nvPr>
+        </p:nvSpPr>
+        <p:spPr/>
+        <p:txBody>
+          <a:bodyPr>
+            <a:normAutofit/>
+          </a:bodyPr>
+          <a:lstStyle/>
+          <a:p>
+            <a:r>
+              <a:rPr lang="ru-RU" sz="2400" dirty="0">
+                <a:solidFill>
+                  <a:srgbClr val="6A57A1"/>
+                </a:solidFill>
+              </a:rPr>
+              <a:t>Введение в верификацию процессорных ядер</a:t>
+            </a:r>
+            <a:br>
+              <a:rPr lang="en-US" sz="2800" dirty="0">
+                <a:solidFill>
+                  <a:srgbClr val="6A57A1"/>
+                </a:solidFill>
+              </a:rPr>
+            </a:br>
+            <a:r>
+              <a:rPr lang="ru-RU" sz="4000" b="1" dirty="0"/>
+              <a:t>Сложности верификации процессорных ядер</a:t>
+            </a:r>
+            <a:endParaRPr lang="ru-RU" sz="2800" b="1" dirty="0"/>
+          </a:p>
+        </p:txBody>
+      </p:sp>
+      <p:sp>
+        <p:nvSpPr>
+          <p:cNvPr id="59" name="Прямоугольник 58">
+            <a:extLst>
+              <a:ext uri="{FF2B5EF4-FFF2-40B4-BE49-F238E27FC236}">
+                <a16:creationId xmlns:a16="http://schemas.microsoft.com/office/drawing/2014/main" id="{8C81CC50-7D3B-4EEF-89F6-960A99E76DF8}"/>
+              </a:ext>
+            </a:extLst>
+          </p:cNvPr>
+          <p:cNvSpPr/>
+          <p:nvPr/>
+        </p:nvSpPr>
+        <p:spPr>
+          <a:xfrm>
+            <a:off x="1899564" y="3130560"/>
+            <a:ext cx="1409700" cy="1635097"/>
+          </a:xfrm>
+          <a:prstGeom prst="rect">
+            <a:avLst/>
+          </a:prstGeom>
+          <a:solidFill>
+            <a:schemeClr val="bg1"/>
+          </a:solidFill>
+          <a:ln>
+            <a:solidFill>
+              <a:schemeClr val="bg1"/>
+            </a:solidFill>
+          </a:ln>
+        </p:spPr>
+        <p:style>
+          <a:lnRef idx="2">
+            <a:schemeClr val="accent1">
+              <a:shade val="50000"/>
+            </a:schemeClr>
+          </a:lnRef>
+          <a:fillRef idx="1">
+            <a:schemeClr val="accent1"/>
+          </a:fillRef>
+          <a:effectRef idx="0">
+            <a:schemeClr val="accent1"/>
+          </a:effectRef>
+          <a:fontRef idx="minor">
+            <a:schemeClr val="lt1"/>
+          </a:fontRef>
+        </p:style>
+        <p:txBody>
+          <a:bodyPr rtlCol="0" anchor="ctr"/>
+          <a:lstStyle/>
+          <a:p>
+            <a:pPr algn="ctr"/>
+            <a:endParaRPr lang="ru-RU"/>
+          </a:p>
+        </p:txBody>
+      </p:sp>
+      <p:sp>
+        <p:nvSpPr>
+          <p:cNvPr id="61" name="TextBox 60">
+            <a:extLst>
+              <a:ext uri="{FF2B5EF4-FFF2-40B4-BE49-F238E27FC236}">
+                <a16:creationId xmlns:a16="http://schemas.microsoft.com/office/drawing/2014/main" id="{9C4593D5-8E81-4E48-A0CF-70955AE9A12A}"/>
+              </a:ext>
+            </a:extLst>
+          </p:cNvPr>
+          <p:cNvSpPr txBox="1"/>
+          <p:nvPr/>
+        </p:nvSpPr>
+        <p:spPr>
+          <a:xfrm>
+            <a:off x="2325166" y="3686537"/>
+            <a:ext cx="1636858" cy="800219"/>
+          </a:xfrm>
+          <a:prstGeom prst="rect">
+            <a:avLst/>
+          </a:prstGeom>
+          <a:noFill/>
+        </p:spPr>
+        <p:txBody>
+          <a:bodyPr wrap="none" rtlCol="0">
+            <a:spAutoFit/>
+          </a:bodyPr>
+          <a:lstStyle/>
+          <a:p>
+            <a:pPr algn="ctr"/>
+            <a:r>
+              <a:rPr lang="en-US" sz="3200" dirty="0"/>
+              <a:t>µArch</a:t>
+            </a:r>
+            <a:br>
+              <a:rPr lang="ru-RU" sz="3200" dirty="0"/>
+            </a:br>
+            <a:r>
+              <a:rPr lang="ru-RU" sz="1400" dirty="0"/>
+              <a:t>Микроархитектура</a:t>
+            </a:r>
+            <a:endParaRPr lang="ru-RU" dirty="0"/>
+          </a:p>
+        </p:txBody>
+      </p:sp>
+      <p:pic>
+        <p:nvPicPr>
+          <p:cNvPr id="12" name="Рисунок 11">
+            <a:extLst>
+              <a:ext uri="{FF2B5EF4-FFF2-40B4-BE49-F238E27FC236}">
+                <a16:creationId xmlns:a16="http://schemas.microsoft.com/office/drawing/2014/main" id="{AE66446F-1494-EED7-BBC3-ABB44D8E3E7C}"/>
+              </a:ext>
+            </a:extLst>
+          </p:cNvPr>
+          <p:cNvPicPr>
+            <a:picLocks noChangeAspect="1"/>
+          </p:cNvPicPr>
+          <p:nvPr/>
+        </p:nvPicPr>
+        <p:blipFill>
+          <a:blip r:embed="rId5" cstate="print">
+            <a:extLst>
+              <a:ext uri="{28A0092B-C50C-407E-A947-70E740481C1C}">
+                <a14:useLocalDpi xmlns:a14="http://schemas.microsoft.com/office/drawing/2010/main" val="0"/>
+              </a:ext>
+              <a:ext uri="{96DAC541-7B7A-43D3-8B79-37D633B846F1}">
+                <asvg:svgBlip xmlns:asvg="http://schemas.microsoft.com/office/drawing/2016/SVG/main" r:embed="rId6"/>
+              </a:ext>
+            </a:extLst>
+          </a:blip>
+          <a:stretch>
+            <a:fillRect/>
+          </a:stretch>
+        </p:blipFill>
+        <p:spPr>
+          <a:xfrm>
+            <a:off x="4512109" y="1788263"/>
+            <a:ext cx="3820643" cy="2889516"/>
+          </a:xfrm>
+          <a:prstGeom prst="rect">
+            <a:avLst/>
+          </a:prstGeom>
+        </p:spPr>
+      </p:pic>
+      <p:pic>
+        <p:nvPicPr>
+          <p:cNvPr id="14" name="Рисунок 13">
+            <a:extLst>
+              <a:ext uri="{FF2B5EF4-FFF2-40B4-BE49-F238E27FC236}">
+                <a16:creationId xmlns:a16="http://schemas.microsoft.com/office/drawing/2014/main" id="{260F4B5C-6ABB-2B2F-67AB-3CD92015C417}"/>
+              </a:ext>
+            </a:extLst>
+          </p:cNvPr>
+          <p:cNvPicPr>
+            <a:picLocks noChangeAspect="1"/>
+          </p:cNvPicPr>
+          <p:nvPr/>
+        </p:nvPicPr>
+        <p:blipFill>
+          <a:blip r:embed="rId7">
+            <a:extLst>
+              <a:ext uri="{28A0092B-C50C-407E-A947-70E740481C1C}">
+                <a14:useLocalDpi xmlns:a14="http://schemas.microsoft.com/office/drawing/2010/main" val="0"/>
+              </a:ext>
+              <a:ext uri="{96DAC541-7B7A-43D3-8B79-37D633B846F1}">
+                <asvg:svgBlip xmlns:asvg="http://schemas.microsoft.com/office/drawing/2016/SVG/main" r:embed="rId8"/>
+              </a:ext>
+            </a:extLst>
+          </a:blip>
+          <a:stretch>
+            <a:fillRect/>
+          </a:stretch>
+        </p:blipFill>
+        <p:spPr>
+          <a:xfrm>
+            <a:off x="5157548" y="5012100"/>
+            <a:ext cx="2529764" cy="1602184"/>
+          </a:xfrm>
+          <a:prstGeom prst="rect">
+            <a:avLst/>
+          </a:prstGeom>
+        </p:spPr>
+      </p:pic>
+      <p:pic>
+        <p:nvPicPr>
+          <p:cNvPr id="6" name="Рисунок 5">
+            <a:extLst>
+              <a:ext uri="{FF2B5EF4-FFF2-40B4-BE49-F238E27FC236}">
+                <a16:creationId xmlns:a16="http://schemas.microsoft.com/office/drawing/2014/main" id="{92C2EA86-80C7-6760-EA53-F0180039B921}"/>
+              </a:ext>
+            </a:extLst>
+          </p:cNvPr>
+          <p:cNvPicPr>
+            <a:picLocks noChangeAspect="1"/>
+          </p:cNvPicPr>
+          <p:nvPr/>
+        </p:nvPicPr>
+        <p:blipFill>
+          <a:blip r:embed="rId9" cstate="print">
+            <a:extLst>
+              <a:ext uri="{28A0092B-C50C-407E-A947-70E740481C1C}">
+                <a14:useLocalDpi xmlns:a14="http://schemas.microsoft.com/office/drawing/2010/main" val="0"/>
+              </a:ext>
+            </a:extLst>
+          </a:blip>
+          <a:stretch>
+            <a:fillRect/>
+          </a:stretch>
+        </p:blipFill>
+        <p:spPr>
+          <a:xfrm>
+            <a:off x="9063737" y="5008409"/>
+            <a:ext cx="2536293" cy="1253844"/>
+          </a:xfrm>
+          <a:prstGeom prst="rect">
+            <a:avLst/>
+          </a:prstGeom>
+        </p:spPr>
+      </p:pic>
+      <p:pic>
+        <p:nvPicPr>
+          <p:cNvPr id="7" name="Рисунок 6">
+            <a:extLst>
+              <a:ext uri="{FF2B5EF4-FFF2-40B4-BE49-F238E27FC236}">
+                <a16:creationId xmlns:a16="http://schemas.microsoft.com/office/drawing/2014/main" id="{FCED08B8-7542-C608-7865-FC7B31719332}"/>
+              </a:ext>
+            </a:extLst>
+          </p:cNvPr>
+          <p:cNvPicPr>
+            <a:picLocks noChangeAspect="1"/>
+          </p:cNvPicPr>
+          <p:nvPr/>
+        </p:nvPicPr>
+        <p:blipFill>
+          <a:blip r:embed="rId10" cstate="print">
+            <a:extLst>
+              <a:ext uri="{28A0092B-C50C-407E-A947-70E740481C1C}">
+                <a14:useLocalDpi xmlns:a14="http://schemas.microsoft.com/office/drawing/2010/main" val="0"/>
+              </a:ext>
+            </a:extLst>
+          </a:blip>
+          <a:stretch>
+            <a:fillRect/>
+          </a:stretch>
+        </p:blipFill>
+        <p:spPr>
+          <a:xfrm>
+            <a:off x="8807884" y="3644220"/>
+            <a:ext cx="2961310" cy="1172535"/>
+          </a:xfrm>
+          <a:prstGeom prst="rect">
+            <a:avLst/>
+          </a:prstGeom>
+        </p:spPr>
+      </p:pic>
+      <p:pic>
+        <p:nvPicPr>
+          <p:cNvPr id="8" name="Рисунок 7">
+            <a:extLst>
+              <a:ext uri="{FF2B5EF4-FFF2-40B4-BE49-F238E27FC236}">
+                <a16:creationId xmlns:a16="http://schemas.microsoft.com/office/drawing/2014/main" id="{5905B22C-C133-21BD-F4A6-F8716C39CEAA}"/>
+              </a:ext>
+            </a:extLst>
+          </p:cNvPr>
+          <p:cNvPicPr>
+            <a:picLocks noChangeAspect="1"/>
+          </p:cNvPicPr>
+          <p:nvPr/>
+        </p:nvPicPr>
+        <p:blipFill>
+          <a:blip r:embed="rId11">
+            <a:extLst>
+              <a:ext uri="{28A0092B-C50C-407E-A947-70E740481C1C}">
+                <a14:useLocalDpi xmlns:a14="http://schemas.microsoft.com/office/drawing/2010/main" val="0"/>
+              </a:ext>
+              <a:ext uri="{96DAC541-7B7A-43D3-8B79-37D633B846F1}">
+                <asvg:svgBlip xmlns:asvg="http://schemas.microsoft.com/office/drawing/2016/SVG/main" r:embed="rId12"/>
+              </a:ext>
+            </a:extLst>
+          </a:blip>
+          <a:stretch>
+            <a:fillRect/>
+          </a:stretch>
+        </p:blipFill>
+        <p:spPr>
+          <a:xfrm>
+            <a:off x="8807884" y="1642816"/>
+            <a:ext cx="3048000" cy="1809750"/>
+          </a:xfrm>
+          <a:prstGeom prst="rect">
+            <a:avLst/>
+          </a:prstGeom>
+        </p:spPr>
+      </p:pic>
+    </p:spTree>
+    <p:extLst>
+      <p:ext uri="{BB962C8B-B14F-4D97-AF65-F5344CB8AC3E}">
+        <p14:creationId xmlns:p14="http://schemas.microsoft.com/office/powerpoint/2010/main" val="3856338976"/>
       </p:ext>
     </p:extLst>
   </p:cSld>
